--- a/Lectures/Lecture5-ModelSelection.pptx
+++ b/Lectures/Lecture5-ModelSelection.pptx
@@ -6,7 +6,7 @@
     <p:sldMasterId id="2147483660" r:id="rId2"/>
   </p:sldMasterIdLst>
   <p:notesMasterIdLst>
-    <p:notesMasterId r:id="rId32"/>
+    <p:notesMasterId r:id="rId33"/>
   </p:notesMasterIdLst>
   <p:sldIdLst>
     <p:sldId id="256" r:id="rId3"/>
@@ -37,7 +37,8 @@
     <p:sldId id="296" r:id="rId28"/>
     <p:sldId id="454" r:id="rId29"/>
     <p:sldId id="484" r:id="rId30"/>
-    <p:sldId id="485" r:id="rId31"/>
+    <p:sldId id="487" r:id="rId31"/>
+    <p:sldId id="485" r:id="rId32"/>
   </p:sldIdLst>
   <p:sldSz cx="12192000" cy="6858000"/>
   <p:notesSz cx="6858000" cy="9144000"/>
@@ -275,7 +276,7 @@
       <p15:sldGuideLst xmlns:p15="http://schemas.microsoft.com/office/powerpoint/2012/main"/>
     </p:ext>
     <p:ext uri="http://customooxmlschemas.google.com/">
-      <go:slidesCustomData xmlns:go="http://customooxmlschemas.google.com/" xmlns:p15="http://schemas.microsoft.com/office/powerpoint/2012/main" xmlns:p14="http://schemas.microsoft.com/office/powerpoint/2010/main" xmlns:com="http://schemas.openxmlformats.org/drawingml/2006/compatibility" xmlns:pvml="urn:schemas-microsoft-com:office:powerpoint" xmlns:v="urn:schemas-microsoft-com:vml" xmlns:o="urn:schemas-microsoft-com:office:office" xmlns:dgm="http://schemas.openxmlformats.org/drawingml/2006/diagram" xmlns:c="http://schemas.openxmlformats.org/drawingml/2006/chart" xmlns:mv="urn:schemas-microsoft-com:mac:vml" xmlns:mc="http://schemas.openxmlformats.org/markup-compatibility/2006" xmlns="" r:id="rId40" roundtripDataSignature="AMtx7mjFyVUGRZWio+dc9dxzYsimUxNJbg=="/>
+      <go:slidesCustomData xmlns="" xmlns:mc="http://schemas.openxmlformats.org/markup-compatibility/2006" xmlns:mv="urn:schemas-microsoft-com:mac:vml" xmlns:c="http://schemas.openxmlformats.org/drawingml/2006/chart" xmlns:dgm="http://schemas.openxmlformats.org/drawingml/2006/diagram" xmlns:o="urn:schemas-microsoft-com:office:office" xmlns:v="urn:schemas-microsoft-com:vml" xmlns:pvml="urn:schemas-microsoft-com:office:powerpoint" xmlns:com="http://schemas.openxmlformats.org/drawingml/2006/compatibility" xmlns:p14="http://schemas.microsoft.com/office/powerpoint/2010/main" xmlns:p15="http://schemas.microsoft.com/office/powerpoint/2012/main" xmlns:go="http://customooxmlschemas.google.com/" r:id="rId40" roundtripDataSignature="AMtx7mjFyVUGRZWio+dc9dxzYsimUxNJbg=="/>
     </p:ext>
   </p:extLst>
 </p:presentation>
@@ -7330,7 +7331,7 @@
           <a:p>
             <a:fld id="{7C0312F8-2DE2-6B40-83C5-731724CAE2B0}" type="datetimeFigureOut">
               <a:rPr lang="en-US" smtClean="0"/>
-              <a:t>9/11/21</a:t>
+              <a:t>9/12/21</a:t>
             </a:fld>
             <a:endParaRPr lang="en-US"/>
           </a:p>
@@ -7425,7 +7426,7 @@
           <a:p>
             <a:fld id="{7C0312F8-2DE2-6B40-83C5-731724CAE2B0}" type="datetimeFigureOut">
               <a:rPr lang="en-US" smtClean="0"/>
-              <a:t>9/11/21</a:t>
+              <a:t>9/12/21</a:t>
             </a:fld>
             <a:endParaRPr lang="en-US"/>
           </a:p>
@@ -9417,7 +9418,7 @@
           <a:p>
             <a:fld id="{7C0312F8-2DE2-6B40-83C5-731724CAE2B0}" type="datetimeFigureOut">
               <a:rPr lang="en-US" smtClean="0"/>
-              <a:t>9/11/21</a:t>
+              <a:t>9/12/21</a:t>
             </a:fld>
             <a:endParaRPr lang="en-US"/>
           </a:p>
@@ -9702,7 +9703,7 @@
           <a:p>
             <a:fld id="{7C0312F8-2DE2-6B40-83C5-731724CAE2B0}" type="datetimeFigureOut">
               <a:rPr lang="en-US" smtClean="0"/>
-              <a:t>9/11/21</a:t>
+              <a:t>9/12/21</a:t>
             </a:fld>
             <a:endParaRPr lang="en-US"/>
           </a:p>
@@ -11179,7 +11180,7 @@
           <a:p>
             <a:fld id="{7C0312F8-2DE2-6B40-83C5-731724CAE2B0}" type="datetimeFigureOut">
               <a:rPr lang="en-US" smtClean="0"/>
-              <a:t>9/11/21</a:t>
+              <a:t>9/12/21</a:t>
             </a:fld>
             <a:endParaRPr lang="en-US"/>
           </a:p>
@@ -11883,7 +11884,7 @@
             <a:pPr lvl="1"/>
             <a:r>
               <a:rPr lang="en-US" dirty="0"/>
-              <a:t>Metric(s) (need to match your policy goals)</a:t>
+              <a:t>Metric(s) (need to match your initial goals)</a:t>
             </a:r>
           </a:p>
           <a:p>
@@ -12190,7 +12191,7 @@
             </a:pPr>
             <a:r>
               <a:rPr lang="en-US" dirty="0"/>
-              <a:t>1: We want to track news coverage of epidemic related topics. We have tagged a small corpus (n=1000) of news articles from Jan 2019 to September 2020 and now have a stream of new incoming articles every day. We want to deploy a system that tells us something about intensity of coverage by media outlet going forward.</a:t>
+              <a:t>1: We want to track news coverage of epidemic related topics. We have tagged a small corpus (n=1000) of news articles from Jan 2019 to September 2020 and now have a stream of new incoming articles every day. We want to deploy a system that tracks the intensity of coverage by media outlet going forward.</a:t>
             </a:r>
           </a:p>
           <a:p>
@@ -12324,7 +12325,7 @@
             </a:pPr>
             <a:r>
               <a:rPr lang="en-US" dirty="0"/>
-              <a:t>2: We want to track news coverage of epidemic related topics. We have tagged a small corpus (n=1000) of news articles from Jan 2019 to September 2020 and now have a stream of new incoming articles every day. We want to deploy a system that tells us something about intensity of coverage by media outlet over the last 2 years as well as going forward.</a:t>
+              <a:t>2: We want to track news coverage of epidemic related topics. We have tagged a small corpus (n=1000) of news articles from Jan 2019 to September 2020 and now have a stream of new incoming articles every day. We want to deploy a system that tracks intensity of coverage by media outlet over the last 2 years as well as going forward.</a:t>
             </a:r>
           </a:p>
           <a:p>
@@ -24112,10 +24113,10 @@
       </p:grpSpPr>
       <p:sp>
         <p:nvSpPr>
-          <p:cNvPr id="3" name="Title 2">
+          <p:cNvPr id="2" name="Title 1">
             <a:extLst>
               <a:ext uri="{FF2B5EF4-FFF2-40B4-BE49-F238E27FC236}">
-                <a16:creationId xmlns:a16="http://schemas.microsoft.com/office/drawing/2014/main" id="{9323871C-7CA8-1448-8FFC-1AE6E1838941}"/>
+                <a16:creationId xmlns:a16="http://schemas.microsoft.com/office/drawing/2014/main" id="{8A7AA672-F56C-2F41-B566-750991980C8A}"/>
               </a:ext>
             </a:extLst>
           </p:cNvPr>
@@ -24133,17 +24134,17 @@
           <a:p>
             <a:r>
               <a:rPr lang="en-US" dirty="0"/>
-              <a:t>Reminders</a:t>
+              <a:t>Some tips</a:t>
             </a:r>
           </a:p>
         </p:txBody>
       </p:sp>
       <p:sp>
         <p:nvSpPr>
-          <p:cNvPr id="5" name="Text Placeholder 4">
+          <p:cNvPr id="3" name="Text Placeholder 2">
             <a:extLst>
               <a:ext uri="{FF2B5EF4-FFF2-40B4-BE49-F238E27FC236}">
-                <a16:creationId xmlns:a16="http://schemas.microsoft.com/office/drawing/2014/main" id="{F4E0A5F0-1D89-954D-91FB-596CD9E690F2}"/>
+                <a16:creationId xmlns:a16="http://schemas.microsoft.com/office/drawing/2014/main" id="{95B2F8AE-4F06-1B49-B482-20CE10B4D010}"/>
               </a:ext>
             </a:extLst>
           </p:cNvPr>
@@ -24159,62 +24160,43 @@
           <a:bodyPr/>
           <a:lstStyle/>
           <a:p>
-            <a:pPr marL="76200" indent="0">
-              <a:buNone/>
-            </a:pPr>
-            <a:r>
-              <a:rPr lang="en-US" b="1" dirty="0"/>
-              <a:t>This week:</a:t>
-            </a:r>
-            <a:endParaRPr lang="en-US" dirty="0"/>
-          </a:p>
-          <a:p>
-            <a:r>
-              <a:rPr lang="en-US" dirty="0">
-                <a:highlight>
-                  <a:srgbClr val="FFFF00"/>
-                </a:highlight>
-              </a:rPr>
-              <a:t>Wednesday Session</a:t>
-            </a:r>
-          </a:p>
-          <a:p>
             <a:r>
               <a:rPr lang="en-US" dirty="0"/>
-              <a:t>Reading for Thursday: Cross-Validation Strategies</a:t>
+              <a:t>Set up validation set(s) to match deployment scenarios (and constraints)</a:t>
             </a:r>
           </a:p>
           <a:p>
-            <a:pPr marL="76200" indent="0">
-              <a:buNone/>
-            </a:pPr>
             <a:endParaRPr lang="en-US" dirty="0"/>
-          </a:p>
-          <a:p>
-            <a:pPr marL="76200" indent="0">
-              <a:buNone/>
-            </a:pPr>
-            <a:r>
-              <a:rPr lang="en-US" b="1" dirty="0"/>
-              <a:t>Coming up next week:</a:t>
-            </a:r>
           </a:p>
           <a:p>
             <a:r>
               <a:rPr lang="en-US" dirty="0"/>
-              <a:t>Monday: Project Update 2</a:t>
+              <a:t>Set up training set(s) any way we want but match data (both features and labels) available at training time</a:t>
             </a:r>
           </a:p>
           <a:p>
+            <a:pPr lvl="1"/>
             <a:r>
               <a:rPr lang="en-US" dirty="0"/>
-              <a:t>Tuesday: Weekly Feedback Form</a:t>
+              <a:t>Making sure labels are not censored based on label period</a:t>
             </a:r>
           </a:p>
           <a:p>
-            <a:pPr marL="76200" indent="0">
-              <a:buNone/>
-            </a:pPr>
+            <a:pPr lvl="1"/>
+            <a:r>
+              <a:rPr lang="en-US" dirty="0"/>
+              <a:t> Sampling (if helpful)</a:t>
+            </a:r>
+          </a:p>
+          <a:p>
+            <a:pPr lvl="1"/>
+            <a:r>
+              <a:rPr lang="en-US" dirty="0"/>
+              <a:t>Data collection and update lag</a:t>
+            </a:r>
+          </a:p>
+          <a:p>
+            <a:pPr lvl="1"/>
             <a:endParaRPr lang="en-US" dirty="0"/>
           </a:p>
         </p:txBody>
@@ -24222,7 +24204,7 @@
     </p:spTree>
     <p:extLst>
       <p:ext uri="{BB962C8B-B14F-4D97-AF65-F5344CB8AC3E}">
-        <p14:creationId xmlns:p14="http://schemas.microsoft.com/office/powerpoint/2010/main" val="3482194065"/>
+        <p14:creationId xmlns:p14="http://schemas.microsoft.com/office/powerpoint/2010/main" val="1150148038"/>
       </p:ext>
     </p:extLst>
   </p:cSld>
@@ -24354,6 +24336,145 @@
     <p:extLst>
       <p:ext uri="{BB962C8B-B14F-4D97-AF65-F5344CB8AC3E}">
         <p14:creationId xmlns:p14="http://schemas.microsoft.com/office/powerpoint/2010/main" val="2336692870"/>
+      </p:ext>
+    </p:extLst>
+  </p:cSld>
+  <p:clrMapOvr>
+    <a:masterClrMapping/>
+  </p:clrMapOvr>
+</p:sld>
+</file>
+
+<file path=ppt/slides/slide30.xml><?xml version="1.0" encoding="utf-8"?>
+<p:sld xmlns:a="http://schemas.openxmlformats.org/drawingml/2006/main" xmlns:r="http://schemas.openxmlformats.org/officeDocument/2006/relationships" xmlns:p="http://schemas.openxmlformats.org/presentationml/2006/main">
+  <p:cSld>
+    <p:spTree>
+      <p:nvGrpSpPr>
+        <p:cNvPr id="1" name=""/>
+        <p:cNvGrpSpPr/>
+        <p:nvPr/>
+      </p:nvGrpSpPr>
+      <p:grpSpPr>
+        <a:xfrm>
+          <a:off x="0" y="0"/>
+          <a:ext cx="0" cy="0"/>
+          <a:chOff x="0" y="0"/>
+          <a:chExt cx="0" cy="0"/>
+        </a:xfrm>
+      </p:grpSpPr>
+      <p:sp>
+        <p:nvSpPr>
+          <p:cNvPr id="3" name="Title 2">
+            <a:extLst>
+              <a:ext uri="{FF2B5EF4-FFF2-40B4-BE49-F238E27FC236}">
+                <a16:creationId xmlns:a16="http://schemas.microsoft.com/office/drawing/2014/main" id="{9323871C-7CA8-1448-8FFC-1AE6E1838941}"/>
+              </a:ext>
+            </a:extLst>
+          </p:cNvPr>
+          <p:cNvSpPr>
+            <a:spLocks noGrp="1"/>
+          </p:cNvSpPr>
+          <p:nvPr>
+            <p:ph type="title"/>
+          </p:nvPr>
+        </p:nvSpPr>
+        <p:spPr/>
+        <p:txBody>
+          <a:bodyPr/>
+          <a:lstStyle/>
+          <a:p>
+            <a:r>
+              <a:rPr lang="en-US" dirty="0"/>
+              <a:t>Reminders</a:t>
+            </a:r>
+          </a:p>
+        </p:txBody>
+      </p:sp>
+      <p:sp>
+        <p:nvSpPr>
+          <p:cNvPr id="5" name="Text Placeholder 4">
+            <a:extLst>
+              <a:ext uri="{FF2B5EF4-FFF2-40B4-BE49-F238E27FC236}">
+                <a16:creationId xmlns:a16="http://schemas.microsoft.com/office/drawing/2014/main" id="{F4E0A5F0-1D89-954D-91FB-596CD9E690F2}"/>
+              </a:ext>
+            </a:extLst>
+          </p:cNvPr>
+          <p:cNvSpPr>
+            <a:spLocks noGrp="1"/>
+          </p:cNvSpPr>
+          <p:nvPr>
+            <p:ph type="body" idx="1"/>
+          </p:nvPr>
+        </p:nvSpPr>
+        <p:spPr/>
+        <p:txBody>
+          <a:bodyPr/>
+          <a:lstStyle/>
+          <a:p>
+            <a:pPr marL="76200" indent="0">
+              <a:buNone/>
+            </a:pPr>
+            <a:r>
+              <a:rPr lang="en-US" b="1" dirty="0"/>
+              <a:t>This week:</a:t>
+            </a:r>
+            <a:endParaRPr lang="en-US" dirty="0"/>
+          </a:p>
+          <a:p>
+            <a:r>
+              <a:rPr lang="en-US" dirty="0">
+                <a:highlight>
+                  <a:srgbClr val="FFFF00"/>
+                </a:highlight>
+              </a:rPr>
+              <a:t>Wednesday Session</a:t>
+            </a:r>
+          </a:p>
+          <a:p>
+            <a:r>
+              <a:rPr lang="en-US" dirty="0"/>
+              <a:t>Reading for Thursday: Cross-Validation Strategies</a:t>
+            </a:r>
+          </a:p>
+          <a:p>
+            <a:pPr marL="76200" indent="0">
+              <a:buNone/>
+            </a:pPr>
+            <a:endParaRPr lang="en-US" dirty="0"/>
+          </a:p>
+          <a:p>
+            <a:pPr marL="76200" indent="0">
+              <a:buNone/>
+            </a:pPr>
+            <a:r>
+              <a:rPr lang="en-US" b="1" dirty="0"/>
+              <a:t>Coming up next week:</a:t>
+            </a:r>
+          </a:p>
+          <a:p>
+            <a:r>
+              <a:rPr lang="en-US" dirty="0"/>
+              <a:t>Monday: Project Update 2</a:t>
+            </a:r>
+          </a:p>
+          <a:p>
+            <a:r>
+              <a:rPr lang="en-US" dirty="0"/>
+              <a:t>Tuesday: Weekly Feedback Form</a:t>
+            </a:r>
+          </a:p>
+          <a:p>
+            <a:pPr marL="76200" indent="0">
+              <a:buNone/>
+            </a:pPr>
+            <a:endParaRPr lang="en-US" dirty="0"/>
+          </a:p>
+        </p:txBody>
+      </p:sp>
+    </p:spTree>
+    <p:extLst>
+      <p:ext uri="{BB962C8B-B14F-4D97-AF65-F5344CB8AC3E}">
+        <p14:creationId xmlns:p14="http://schemas.microsoft.com/office/powerpoint/2010/main" val="3482194065"/>
       </p:ext>
     </p:extLst>
   </p:cSld>
@@ -24741,7 +24862,7 @@
           <a:p>
             <a:r>
               <a:rPr lang="en-US" sz="2800" dirty="0"/>
-              <a:t>You’ve run a large number of different types of models varying …</a:t>
+              <a:t>You’ve run a large number of different types of models varying model types, hyperparameters, features, … (other decisions in the pipeline)</a:t>
             </a:r>
           </a:p>
           <a:p>
@@ -24750,20 +24871,21 @@
           <a:p>
             <a:r>
               <a:rPr lang="en-US" sz="2800" dirty="0"/>
-              <a:t>You need to understand what types of models are effective under what circumstances, </a:t>
+              <a:t>Now we need to </a:t>
             </a:r>
-            <a:r>
-              <a:rPr lang="en-US" sz="2800" b="1" dirty="0"/>
-              <a:t>and</a:t>
-            </a:r>
-          </a:p>
-          <a:p>
-            <a:endParaRPr lang="en-US" sz="2800" b="1" dirty="0"/>
-          </a:p>
-          <a:p>
+          </a:p>
+          <a:p>
+            <a:pPr lvl="1"/>
             <a:r>
               <a:rPr lang="en-US" sz="2800" dirty="0"/>
-              <a:t>You need to decide which one(s) to use in the </a:t>
+              <a:t>Understand what types of models are effective under what circumstances</a:t>
+            </a:r>
+          </a:p>
+          <a:p>
+            <a:pPr lvl="1"/>
+            <a:r>
+              <a:rPr lang="en-US" sz="2800" dirty="0"/>
+              <a:t>Decide which one(s) to use in the </a:t>
             </a:r>
             <a:r>
               <a:rPr lang="en-US" sz="2800" b="1" dirty="0"/>

--- a/Lectures/Lecture5-ModelSelection.pptx
+++ b/Lectures/Lecture5-ModelSelection.pptx
@@ -27,17 +27,17 @@
     <p:sldId id="481" r:id="rId18"/>
     <p:sldId id="482" r:id="rId19"/>
     <p:sldId id="483" r:id="rId20"/>
-    <p:sldId id="289" r:id="rId21"/>
-    <p:sldId id="290" r:id="rId22"/>
-    <p:sldId id="291" r:id="rId23"/>
-    <p:sldId id="292" r:id="rId24"/>
-    <p:sldId id="293" r:id="rId25"/>
-    <p:sldId id="469" r:id="rId26"/>
-    <p:sldId id="470" r:id="rId27"/>
-    <p:sldId id="296" r:id="rId28"/>
-    <p:sldId id="454" r:id="rId29"/>
-    <p:sldId id="484" r:id="rId30"/>
-    <p:sldId id="487" r:id="rId31"/>
+    <p:sldId id="487" r:id="rId21"/>
+    <p:sldId id="289" r:id="rId22"/>
+    <p:sldId id="290" r:id="rId23"/>
+    <p:sldId id="291" r:id="rId24"/>
+    <p:sldId id="292" r:id="rId25"/>
+    <p:sldId id="293" r:id="rId26"/>
+    <p:sldId id="469" r:id="rId27"/>
+    <p:sldId id="470" r:id="rId28"/>
+    <p:sldId id="296" r:id="rId29"/>
+    <p:sldId id="454" r:id="rId30"/>
+    <p:sldId id="484" r:id="rId31"/>
     <p:sldId id="485" r:id="rId32"/>
   </p:sldIdLst>
   <p:sldSz cx="12192000" cy="6858000"/>
@@ -276,7 +276,7 @@
       <p15:sldGuideLst xmlns:p15="http://schemas.microsoft.com/office/powerpoint/2012/main"/>
     </p:ext>
     <p:ext uri="http://customooxmlschemas.google.com/">
-      <go:slidesCustomData xmlns="" xmlns:mc="http://schemas.openxmlformats.org/markup-compatibility/2006" xmlns:mv="urn:schemas-microsoft-com:mac:vml" xmlns:c="http://schemas.openxmlformats.org/drawingml/2006/chart" xmlns:dgm="http://schemas.openxmlformats.org/drawingml/2006/diagram" xmlns:o="urn:schemas-microsoft-com:office:office" xmlns:v="urn:schemas-microsoft-com:vml" xmlns:pvml="urn:schemas-microsoft-com:office:powerpoint" xmlns:com="http://schemas.openxmlformats.org/drawingml/2006/compatibility" xmlns:p14="http://schemas.microsoft.com/office/powerpoint/2010/main" xmlns:p15="http://schemas.microsoft.com/office/powerpoint/2012/main" xmlns:go="http://customooxmlschemas.google.com/" r:id="rId40" roundtripDataSignature="AMtx7mjFyVUGRZWio+dc9dxzYsimUxNJbg=="/>
+      <go:slidesCustomData xmlns:go="http://customooxmlschemas.google.com/" xmlns:p15="http://schemas.microsoft.com/office/powerpoint/2012/main" xmlns:p14="http://schemas.microsoft.com/office/powerpoint/2010/main" xmlns:com="http://schemas.openxmlformats.org/drawingml/2006/compatibility" xmlns:pvml="urn:schemas-microsoft-com:office:powerpoint" xmlns:v="urn:schemas-microsoft-com:vml" xmlns:o="urn:schemas-microsoft-com:office:office" xmlns:dgm="http://schemas.openxmlformats.org/drawingml/2006/diagram" xmlns:c="http://schemas.openxmlformats.org/drawingml/2006/chart" xmlns:mv="urn:schemas-microsoft-com:mac:vml" xmlns:mc="http://schemas.openxmlformats.org/markup-compatibility/2006" xmlns="" r:id="rId40" roundtripDataSignature="AMtx7mjFyVUGRZWio+dc9dxzYsimUxNJbg=="/>
     </p:ext>
   </p:extLst>
 </p:presentation>
@@ -7331,7 +7331,7 @@
           <a:p>
             <a:fld id="{7C0312F8-2DE2-6B40-83C5-731724CAE2B0}" type="datetimeFigureOut">
               <a:rPr lang="en-US" smtClean="0"/>
-              <a:t>9/12/21</a:t>
+              <a:t>9/13/21</a:t>
             </a:fld>
             <a:endParaRPr lang="en-US"/>
           </a:p>
@@ -7426,7 +7426,7 @@
           <a:p>
             <a:fld id="{7C0312F8-2DE2-6B40-83C5-731724CAE2B0}" type="datetimeFigureOut">
               <a:rPr lang="en-US" smtClean="0"/>
-              <a:t>9/12/21</a:t>
+              <a:t>9/13/21</a:t>
             </a:fld>
             <a:endParaRPr lang="en-US"/>
           </a:p>
@@ -9418,7 +9418,7 @@
           <a:p>
             <a:fld id="{7C0312F8-2DE2-6B40-83C5-731724CAE2B0}" type="datetimeFigureOut">
               <a:rPr lang="en-US" smtClean="0"/>
-              <a:t>9/12/21</a:t>
+              <a:t>9/13/21</a:t>
             </a:fld>
             <a:endParaRPr lang="en-US"/>
           </a:p>
@@ -9703,7 +9703,7 @@
           <a:p>
             <a:fld id="{7C0312F8-2DE2-6B40-83C5-731724CAE2B0}" type="datetimeFigureOut">
               <a:rPr lang="en-US" smtClean="0"/>
-              <a:t>9/12/21</a:t>
+              <a:t>9/13/21</a:t>
             </a:fld>
             <a:endParaRPr lang="en-US"/>
           </a:p>
@@ -11180,7 +11180,7 @@
           <a:p>
             <a:fld id="{7C0312F8-2DE2-6B40-83C5-731724CAE2B0}" type="datetimeFigureOut">
               <a:rPr lang="en-US" smtClean="0"/>
-              <a:t>9/12/21</a:t>
+              <a:t>9/13/21</a:t>
             </a:fld>
             <a:endParaRPr lang="en-US"/>
           </a:p>
@@ -11877,7 +11877,7 @@
             <a:pPr lvl="1"/>
             <a:r>
               <a:rPr lang="en-US" dirty="0"/>
-              <a:t>Model selection Methodology</a:t>
+              <a:t>Model Selection Methodology</a:t>
             </a:r>
           </a:p>
           <a:p>
@@ -12752,6 +12752,265 @@
 </file>
 
 <file path=ppt/slides/slide19.xml><?xml version="1.0" encoding="utf-8"?>
+<p:sld xmlns:a="http://schemas.openxmlformats.org/drawingml/2006/main" xmlns:r="http://schemas.openxmlformats.org/officeDocument/2006/relationships" xmlns:p="http://schemas.openxmlformats.org/presentationml/2006/main">
+  <p:cSld>
+    <p:spTree>
+      <p:nvGrpSpPr>
+        <p:cNvPr id="1" name=""/>
+        <p:cNvGrpSpPr/>
+        <p:nvPr/>
+      </p:nvGrpSpPr>
+      <p:grpSpPr>
+        <a:xfrm>
+          <a:off x="0" y="0"/>
+          <a:ext cx="0" cy="0"/>
+          <a:chOff x="0" y="0"/>
+          <a:chExt cx="0" cy="0"/>
+        </a:xfrm>
+      </p:grpSpPr>
+      <p:sp>
+        <p:nvSpPr>
+          <p:cNvPr id="2" name="Title 1">
+            <a:extLst>
+              <a:ext uri="{FF2B5EF4-FFF2-40B4-BE49-F238E27FC236}">
+                <a16:creationId xmlns:a16="http://schemas.microsoft.com/office/drawing/2014/main" id="{8A7AA672-F56C-2F41-B566-750991980C8A}"/>
+              </a:ext>
+            </a:extLst>
+          </p:cNvPr>
+          <p:cNvSpPr>
+            <a:spLocks noGrp="1"/>
+          </p:cNvSpPr>
+          <p:nvPr>
+            <p:ph type="title"/>
+          </p:nvPr>
+        </p:nvSpPr>
+        <p:spPr/>
+        <p:txBody>
+          <a:bodyPr/>
+          <a:lstStyle/>
+          <a:p>
+            <a:r>
+              <a:rPr lang="en-US" dirty="0"/>
+              <a:t>Some tips</a:t>
+            </a:r>
+          </a:p>
+        </p:txBody>
+      </p:sp>
+      <p:sp>
+        <p:nvSpPr>
+          <p:cNvPr id="3" name="Text Placeholder 2">
+            <a:extLst>
+              <a:ext uri="{FF2B5EF4-FFF2-40B4-BE49-F238E27FC236}">
+                <a16:creationId xmlns:a16="http://schemas.microsoft.com/office/drawing/2014/main" id="{95B2F8AE-4F06-1B49-B482-20CE10B4D010}"/>
+              </a:ext>
+            </a:extLst>
+          </p:cNvPr>
+          <p:cNvSpPr>
+            <a:spLocks noGrp="1"/>
+          </p:cNvSpPr>
+          <p:nvPr>
+            <p:ph type="body" idx="1"/>
+          </p:nvPr>
+        </p:nvSpPr>
+        <p:spPr/>
+        <p:txBody>
+          <a:bodyPr/>
+          <a:lstStyle/>
+          <a:p>
+            <a:r>
+              <a:rPr lang="en-US" dirty="0"/>
+              <a:t>Set up validation set(s) to match deployment scenarios (and constraints)</a:t>
+            </a:r>
+          </a:p>
+          <a:p>
+            <a:endParaRPr lang="en-US" dirty="0"/>
+          </a:p>
+          <a:p>
+            <a:r>
+              <a:rPr lang="en-US" dirty="0"/>
+              <a:t>Set up training set(s) any way we want but match data (both features and labels) available at training time</a:t>
+            </a:r>
+          </a:p>
+          <a:p>
+            <a:pPr lvl="1"/>
+            <a:r>
+              <a:rPr lang="en-US" dirty="0"/>
+              <a:t>Making sure labels are not censored based on label period</a:t>
+            </a:r>
+          </a:p>
+          <a:p>
+            <a:pPr lvl="1"/>
+            <a:r>
+              <a:rPr lang="en-US" dirty="0"/>
+              <a:t> Sampling (if helpful)</a:t>
+            </a:r>
+          </a:p>
+          <a:p>
+            <a:pPr lvl="1"/>
+            <a:r>
+              <a:rPr lang="en-US" dirty="0"/>
+              <a:t>Data collection and update lag</a:t>
+            </a:r>
+          </a:p>
+          <a:p>
+            <a:pPr lvl="1"/>
+            <a:endParaRPr lang="en-US" dirty="0"/>
+          </a:p>
+        </p:txBody>
+      </p:sp>
+    </p:spTree>
+    <p:extLst>
+      <p:ext uri="{BB962C8B-B14F-4D97-AF65-F5344CB8AC3E}">
+        <p14:creationId xmlns:p14="http://schemas.microsoft.com/office/powerpoint/2010/main" val="1150148038"/>
+      </p:ext>
+    </p:extLst>
+  </p:cSld>
+  <p:clrMapOvr>
+    <a:masterClrMapping/>
+  </p:clrMapOvr>
+</p:sld>
+</file>
+
+<file path=ppt/slides/slide2.xml><?xml version="1.0" encoding="utf-8"?>
+<p:sld xmlns:a="http://schemas.openxmlformats.org/drawingml/2006/main" xmlns:r="http://schemas.openxmlformats.org/officeDocument/2006/relationships" xmlns:p="http://schemas.openxmlformats.org/presentationml/2006/main">
+  <p:cSld>
+    <p:spTree>
+      <p:nvGrpSpPr>
+        <p:cNvPr id="1" name=""/>
+        <p:cNvGrpSpPr/>
+        <p:nvPr/>
+      </p:nvGrpSpPr>
+      <p:grpSpPr>
+        <a:xfrm>
+          <a:off x="0" y="0"/>
+          <a:ext cx="0" cy="0"/>
+          <a:chOff x="0" y="0"/>
+          <a:chExt cx="0" cy="0"/>
+        </a:xfrm>
+      </p:grpSpPr>
+      <p:sp>
+        <p:nvSpPr>
+          <p:cNvPr id="3" name="Title 2">
+            <a:extLst>
+              <a:ext uri="{FF2B5EF4-FFF2-40B4-BE49-F238E27FC236}">
+                <a16:creationId xmlns:a16="http://schemas.microsoft.com/office/drawing/2014/main" id="{9323871C-7CA8-1448-8FFC-1AE6E1838941}"/>
+              </a:ext>
+            </a:extLst>
+          </p:cNvPr>
+          <p:cNvSpPr>
+            <a:spLocks noGrp="1"/>
+          </p:cNvSpPr>
+          <p:nvPr>
+            <p:ph type="title"/>
+          </p:nvPr>
+        </p:nvSpPr>
+        <p:spPr/>
+        <p:txBody>
+          <a:bodyPr/>
+          <a:lstStyle/>
+          <a:p>
+            <a:r>
+              <a:rPr lang="en-US" dirty="0"/>
+              <a:t>Reminders</a:t>
+            </a:r>
+          </a:p>
+        </p:txBody>
+      </p:sp>
+      <p:sp>
+        <p:nvSpPr>
+          <p:cNvPr id="5" name="Text Placeholder 4">
+            <a:extLst>
+              <a:ext uri="{FF2B5EF4-FFF2-40B4-BE49-F238E27FC236}">
+                <a16:creationId xmlns:a16="http://schemas.microsoft.com/office/drawing/2014/main" id="{F4E0A5F0-1D89-954D-91FB-596CD9E690F2}"/>
+              </a:ext>
+            </a:extLst>
+          </p:cNvPr>
+          <p:cNvSpPr>
+            <a:spLocks noGrp="1"/>
+          </p:cNvSpPr>
+          <p:nvPr>
+            <p:ph type="body" idx="1"/>
+          </p:nvPr>
+        </p:nvSpPr>
+        <p:spPr/>
+        <p:txBody>
+          <a:bodyPr/>
+          <a:lstStyle/>
+          <a:p>
+            <a:pPr marL="76200" indent="0">
+              <a:buNone/>
+            </a:pPr>
+            <a:r>
+              <a:rPr lang="en-US" b="1" dirty="0"/>
+              <a:t>This week:</a:t>
+            </a:r>
+            <a:endParaRPr lang="en-US" dirty="0"/>
+          </a:p>
+          <a:p>
+            <a:r>
+              <a:rPr lang="en-US" dirty="0">
+                <a:highlight>
+                  <a:srgbClr val="FFFF00"/>
+                </a:highlight>
+              </a:rPr>
+              <a:t>Wednesday Session</a:t>
+            </a:r>
+          </a:p>
+          <a:p>
+            <a:r>
+              <a:rPr lang="en-US" dirty="0"/>
+              <a:t>If you didn’t read it for today, read for Thursday: Cross-Validation Strategies</a:t>
+            </a:r>
+          </a:p>
+          <a:p>
+            <a:pPr marL="76200" indent="0">
+              <a:buNone/>
+            </a:pPr>
+            <a:endParaRPr lang="en-US" dirty="0"/>
+          </a:p>
+          <a:p>
+            <a:pPr marL="76200" indent="0">
+              <a:buNone/>
+            </a:pPr>
+            <a:r>
+              <a:rPr lang="en-US" b="1" dirty="0"/>
+              <a:t>Coming up next week:</a:t>
+            </a:r>
+          </a:p>
+          <a:p>
+            <a:r>
+              <a:rPr lang="en-US" dirty="0"/>
+              <a:t>Monday: Project Update 2</a:t>
+            </a:r>
+          </a:p>
+          <a:p>
+            <a:r>
+              <a:rPr lang="en-US" dirty="0"/>
+              <a:t>Tuesday: Weekly Feedback Form</a:t>
+            </a:r>
+          </a:p>
+          <a:p>
+            <a:pPr marL="76200" indent="0">
+              <a:buNone/>
+            </a:pPr>
+            <a:endParaRPr lang="en-US" dirty="0"/>
+          </a:p>
+        </p:txBody>
+      </p:sp>
+    </p:spTree>
+    <p:extLst>
+      <p:ext uri="{BB962C8B-B14F-4D97-AF65-F5344CB8AC3E}">
+        <p14:creationId xmlns:p14="http://schemas.microsoft.com/office/powerpoint/2010/main" val="2656943805"/>
+      </p:ext>
+    </p:extLst>
+  </p:cSld>
+  <p:clrMapOvr>
+    <a:masterClrMapping/>
+  </p:clrMapOvr>
+</p:sld>
+</file>
+
+<file path=ppt/slides/slide20.xml><?xml version="1.0" encoding="utf-8"?>
 <p:sld xmlns:a="http://schemas.openxmlformats.org/drawingml/2006/main" xmlns:r="http://schemas.openxmlformats.org/officeDocument/2006/relationships" xmlns:p="http://schemas.openxmlformats.org/presentationml/2006/main">
   <p:cSld>
     <p:spTree>
@@ -13229,146 +13488,7 @@
 </p:sld>
 </file>
 
-<file path=ppt/slides/slide2.xml><?xml version="1.0" encoding="utf-8"?>
-<p:sld xmlns:a="http://schemas.openxmlformats.org/drawingml/2006/main" xmlns:r="http://schemas.openxmlformats.org/officeDocument/2006/relationships" xmlns:p="http://schemas.openxmlformats.org/presentationml/2006/main">
-  <p:cSld>
-    <p:spTree>
-      <p:nvGrpSpPr>
-        <p:cNvPr id="1" name=""/>
-        <p:cNvGrpSpPr/>
-        <p:nvPr/>
-      </p:nvGrpSpPr>
-      <p:grpSpPr>
-        <a:xfrm>
-          <a:off x="0" y="0"/>
-          <a:ext cx="0" cy="0"/>
-          <a:chOff x="0" y="0"/>
-          <a:chExt cx="0" cy="0"/>
-        </a:xfrm>
-      </p:grpSpPr>
-      <p:sp>
-        <p:nvSpPr>
-          <p:cNvPr id="3" name="Title 2">
-            <a:extLst>
-              <a:ext uri="{FF2B5EF4-FFF2-40B4-BE49-F238E27FC236}">
-                <a16:creationId xmlns:a16="http://schemas.microsoft.com/office/drawing/2014/main" id="{9323871C-7CA8-1448-8FFC-1AE6E1838941}"/>
-              </a:ext>
-            </a:extLst>
-          </p:cNvPr>
-          <p:cNvSpPr>
-            <a:spLocks noGrp="1"/>
-          </p:cNvSpPr>
-          <p:nvPr>
-            <p:ph type="title"/>
-          </p:nvPr>
-        </p:nvSpPr>
-        <p:spPr/>
-        <p:txBody>
-          <a:bodyPr/>
-          <a:lstStyle/>
-          <a:p>
-            <a:r>
-              <a:rPr lang="en-US" dirty="0"/>
-              <a:t>Reminders</a:t>
-            </a:r>
-          </a:p>
-        </p:txBody>
-      </p:sp>
-      <p:sp>
-        <p:nvSpPr>
-          <p:cNvPr id="5" name="Text Placeholder 4">
-            <a:extLst>
-              <a:ext uri="{FF2B5EF4-FFF2-40B4-BE49-F238E27FC236}">
-                <a16:creationId xmlns:a16="http://schemas.microsoft.com/office/drawing/2014/main" id="{F4E0A5F0-1D89-954D-91FB-596CD9E690F2}"/>
-              </a:ext>
-            </a:extLst>
-          </p:cNvPr>
-          <p:cNvSpPr>
-            <a:spLocks noGrp="1"/>
-          </p:cNvSpPr>
-          <p:nvPr>
-            <p:ph type="body" idx="1"/>
-          </p:nvPr>
-        </p:nvSpPr>
-        <p:spPr/>
-        <p:txBody>
-          <a:bodyPr/>
-          <a:lstStyle/>
-          <a:p>
-            <a:pPr marL="76200" indent="0">
-              <a:buNone/>
-            </a:pPr>
-            <a:r>
-              <a:rPr lang="en-US" b="1" dirty="0"/>
-              <a:t>This week:</a:t>
-            </a:r>
-            <a:endParaRPr lang="en-US" dirty="0"/>
-          </a:p>
-          <a:p>
-            <a:r>
-              <a:rPr lang="en-US" dirty="0">
-                <a:highlight>
-                  <a:srgbClr val="FFFF00"/>
-                </a:highlight>
-              </a:rPr>
-              <a:t>Wednesday Session</a:t>
-            </a:r>
-          </a:p>
-          <a:p>
-            <a:r>
-              <a:rPr lang="en-US" dirty="0"/>
-              <a:t>Reading for Thursday: Cross-Validation Strategies</a:t>
-            </a:r>
-          </a:p>
-          <a:p>
-            <a:pPr marL="76200" indent="0">
-              <a:buNone/>
-            </a:pPr>
-            <a:endParaRPr lang="en-US" dirty="0"/>
-          </a:p>
-          <a:p>
-            <a:pPr marL="76200" indent="0">
-              <a:buNone/>
-            </a:pPr>
-            <a:r>
-              <a:rPr lang="en-US" b="1" dirty="0"/>
-              <a:t>Coming up next week:</a:t>
-            </a:r>
-          </a:p>
-          <a:p>
-            <a:r>
-              <a:rPr lang="en-US" dirty="0"/>
-              <a:t>Monday: Project Update 2</a:t>
-            </a:r>
-          </a:p>
-          <a:p>
-            <a:r>
-              <a:rPr lang="en-US" dirty="0"/>
-              <a:t>Tuesday: Weekly Feedback Form</a:t>
-            </a:r>
-          </a:p>
-          <a:p>
-            <a:pPr marL="76200" indent="0">
-              <a:buNone/>
-            </a:pPr>
-            <a:endParaRPr lang="en-US" dirty="0"/>
-          </a:p>
-        </p:txBody>
-      </p:sp>
-    </p:spTree>
-    <p:extLst>
-      <p:ext uri="{BB962C8B-B14F-4D97-AF65-F5344CB8AC3E}">
-        <p14:creationId xmlns:p14="http://schemas.microsoft.com/office/powerpoint/2010/main" val="2656943805"/>
-      </p:ext>
-    </p:extLst>
-  </p:cSld>
-  <p:clrMapOvr>
-    <a:masterClrMapping/>
-  </p:clrMapOvr>
-</p:sld>
-</file>
-
-<file path=ppt/slides/slide20.xml><?xml version="1.0" encoding="utf-8"?>
+<file path=ppt/slides/slide21.xml><?xml version="1.0" encoding="utf-8"?>
 <p:sld xmlns:a="http://schemas.openxmlformats.org/drawingml/2006/main" xmlns:r="http://schemas.openxmlformats.org/officeDocument/2006/relationships" xmlns:p="http://schemas.openxmlformats.org/presentationml/2006/main">
   <p:cSld>
     <p:spTree>
@@ -16001,7 +16121,7 @@
 </p:sld>
 </file>
 
-<file path=ppt/slides/slide21.xml><?xml version="1.0" encoding="utf-8"?>
+<file path=ppt/slides/slide22.xml><?xml version="1.0" encoding="utf-8"?>
 <p:sld xmlns:a="http://schemas.openxmlformats.org/drawingml/2006/main" xmlns:r="http://schemas.openxmlformats.org/officeDocument/2006/relationships" xmlns:p="http://schemas.openxmlformats.org/presentationml/2006/main">
   <p:cSld>
     <p:spTree>
@@ -17141,7 +17261,7 @@
 </p:sld>
 </file>
 
-<file path=ppt/slides/slide22.xml><?xml version="1.0" encoding="utf-8"?>
+<file path=ppt/slides/slide23.xml><?xml version="1.0" encoding="utf-8"?>
 <p:sld xmlns:a="http://schemas.openxmlformats.org/drawingml/2006/main" xmlns:r="http://schemas.openxmlformats.org/officeDocument/2006/relationships" xmlns:p="http://schemas.openxmlformats.org/presentationml/2006/main">
   <p:cSld>
     <p:spTree>
@@ -18280,7 +18400,7 @@
 </p:sld>
 </file>
 
-<file path=ppt/slides/slide23.xml><?xml version="1.0" encoding="utf-8"?>
+<file path=ppt/slides/slide24.xml><?xml version="1.0" encoding="utf-8"?>
 <p:sld xmlns:a="http://schemas.openxmlformats.org/drawingml/2006/main" xmlns:r="http://schemas.openxmlformats.org/officeDocument/2006/relationships" xmlns:p="http://schemas.openxmlformats.org/presentationml/2006/main">
   <p:cSld>
     <p:spTree>
@@ -19419,7 +19539,7 @@
 </p:sld>
 </file>
 
-<file path=ppt/slides/slide24.xml><?xml version="1.0" encoding="utf-8"?>
+<file path=ppt/slides/slide25.xml><?xml version="1.0" encoding="utf-8"?>
 <p:sld xmlns:a="http://schemas.openxmlformats.org/drawingml/2006/main" xmlns:r="http://schemas.openxmlformats.org/officeDocument/2006/relationships" xmlns:p="http://schemas.openxmlformats.org/presentationml/2006/main">
   <p:cSld>
     <p:spTree>
@@ -20558,7 +20678,7 @@
 </p:sld>
 </file>
 
-<file path=ppt/slides/slide25.xml><?xml version="1.0" encoding="utf-8"?>
+<file path=ppt/slides/slide26.xml><?xml version="1.0" encoding="utf-8"?>
 <p:sld xmlns:a="http://schemas.openxmlformats.org/drawingml/2006/main" xmlns:r="http://schemas.openxmlformats.org/officeDocument/2006/relationships" xmlns:p="http://schemas.openxmlformats.org/presentationml/2006/main">
   <p:cSld>
     <p:spTree>
@@ -21697,7 +21817,7 @@
 </p:sld>
 </file>
 
-<file path=ppt/slides/slide26.xml><?xml version="1.0" encoding="utf-8"?>
+<file path=ppt/slides/slide27.xml><?xml version="1.0" encoding="utf-8"?>
 <p:sld xmlns:a="http://schemas.openxmlformats.org/drawingml/2006/main" xmlns:r="http://schemas.openxmlformats.org/officeDocument/2006/relationships" xmlns:p="http://schemas.openxmlformats.org/presentationml/2006/main">
   <p:cSld>
     <p:spTree>
@@ -23110,7 +23230,7 @@
 </p:sld>
 </file>
 
-<file path=ppt/slides/slide27.xml><?xml version="1.0" encoding="utf-8"?>
+<file path=ppt/slides/slide28.xml><?xml version="1.0" encoding="utf-8"?>
 <p:sld xmlns:a="http://schemas.openxmlformats.org/drawingml/2006/main" xmlns:r="http://schemas.openxmlformats.org/officeDocument/2006/relationships" xmlns:p="http://schemas.openxmlformats.org/presentationml/2006/main">
   <p:cSld>
     <p:spTree>
@@ -23931,7 +24051,7 @@
 </p:sld>
 </file>
 
-<file path=ppt/slides/slide28.xml><?xml version="1.0" encoding="utf-8"?>
+<file path=ppt/slides/slide29.xml><?xml version="1.0" encoding="utf-8"?>
 <p:sld xmlns:a="http://schemas.openxmlformats.org/drawingml/2006/main" xmlns:r="http://schemas.openxmlformats.org/officeDocument/2006/relationships" xmlns:p="http://schemas.openxmlformats.org/presentationml/2006/main">
   <p:cSld>
     <p:spTree>
@@ -24085,126 +24205,6 @@
     <p:extLst>
       <p:ext uri="{BB962C8B-B14F-4D97-AF65-F5344CB8AC3E}">
         <p14:creationId xmlns:p14="http://schemas.microsoft.com/office/powerpoint/2010/main" val="1298487527"/>
-      </p:ext>
-    </p:extLst>
-  </p:cSld>
-  <p:clrMapOvr>
-    <a:masterClrMapping/>
-  </p:clrMapOvr>
-</p:sld>
-</file>
-
-<file path=ppt/slides/slide29.xml><?xml version="1.0" encoding="utf-8"?>
-<p:sld xmlns:a="http://schemas.openxmlformats.org/drawingml/2006/main" xmlns:r="http://schemas.openxmlformats.org/officeDocument/2006/relationships" xmlns:p="http://schemas.openxmlformats.org/presentationml/2006/main">
-  <p:cSld>
-    <p:spTree>
-      <p:nvGrpSpPr>
-        <p:cNvPr id="1" name=""/>
-        <p:cNvGrpSpPr/>
-        <p:nvPr/>
-      </p:nvGrpSpPr>
-      <p:grpSpPr>
-        <a:xfrm>
-          <a:off x="0" y="0"/>
-          <a:ext cx="0" cy="0"/>
-          <a:chOff x="0" y="0"/>
-          <a:chExt cx="0" cy="0"/>
-        </a:xfrm>
-      </p:grpSpPr>
-      <p:sp>
-        <p:nvSpPr>
-          <p:cNvPr id="2" name="Title 1">
-            <a:extLst>
-              <a:ext uri="{FF2B5EF4-FFF2-40B4-BE49-F238E27FC236}">
-                <a16:creationId xmlns:a16="http://schemas.microsoft.com/office/drawing/2014/main" id="{8A7AA672-F56C-2F41-B566-750991980C8A}"/>
-              </a:ext>
-            </a:extLst>
-          </p:cNvPr>
-          <p:cNvSpPr>
-            <a:spLocks noGrp="1"/>
-          </p:cNvSpPr>
-          <p:nvPr>
-            <p:ph type="title"/>
-          </p:nvPr>
-        </p:nvSpPr>
-        <p:spPr/>
-        <p:txBody>
-          <a:bodyPr/>
-          <a:lstStyle/>
-          <a:p>
-            <a:r>
-              <a:rPr lang="en-US" dirty="0"/>
-              <a:t>Some tips</a:t>
-            </a:r>
-          </a:p>
-        </p:txBody>
-      </p:sp>
-      <p:sp>
-        <p:nvSpPr>
-          <p:cNvPr id="3" name="Text Placeholder 2">
-            <a:extLst>
-              <a:ext uri="{FF2B5EF4-FFF2-40B4-BE49-F238E27FC236}">
-                <a16:creationId xmlns:a16="http://schemas.microsoft.com/office/drawing/2014/main" id="{95B2F8AE-4F06-1B49-B482-20CE10B4D010}"/>
-              </a:ext>
-            </a:extLst>
-          </p:cNvPr>
-          <p:cNvSpPr>
-            <a:spLocks noGrp="1"/>
-          </p:cNvSpPr>
-          <p:nvPr>
-            <p:ph type="body" idx="1"/>
-          </p:nvPr>
-        </p:nvSpPr>
-        <p:spPr/>
-        <p:txBody>
-          <a:bodyPr/>
-          <a:lstStyle/>
-          <a:p>
-            <a:r>
-              <a:rPr lang="en-US" dirty="0"/>
-              <a:t>Set up validation set(s) to match deployment scenarios (and constraints)</a:t>
-            </a:r>
-          </a:p>
-          <a:p>
-            <a:endParaRPr lang="en-US" dirty="0"/>
-          </a:p>
-          <a:p>
-            <a:r>
-              <a:rPr lang="en-US" dirty="0"/>
-              <a:t>Set up training set(s) any way we want but match data (both features and labels) available at training time</a:t>
-            </a:r>
-          </a:p>
-          <a:p>
-            <a:pPr lvl="1"/>
-            <a:r>
-              <a:rPr lang="en-US" dirty="0"/>
-              <a:t>Making sure labels are not censored based on label period</a:t>
-            </a:r>
-          </a:p>
-          <a:p>
-            <a:pPr lvl="1"/>
-            <a:r>
-              <a:rPr lang="en-US" dirty="0"/>
-              <a:t> Sampling (if helpful)</a:t>
-            </a:r>
-          </a:p>
-          <a:p>
-            <a:pPr lvl="1"/>
-            <a:r>
-              <a:rPr lang="en-US" dirty="0"/>
-              <a:t>Data collection and update lag</a:t>
-            </a:r>
-          </a:p>
-          <a:p>
-            <a:pPr lvl="1"/>
-            <a:endParaRPr lang="en-US" dirty="0"/>
-          </a:p>
-        </p:txBody>
-      </p:sp>
-    </p:spTree>
-    <p:extLst>
-      <p:ext uri="{BB962C8B-B14F-4D97-AF65-F5344CB8AC3E}">
-        <p14:creationId xmlns:p14="http://schemas.microsoft.com/office/powerpoint/2010/main" val="1150148038"/>
       </p:ext>
     </p:extLst>
   </p:cSld>

--- a/Lectures/Lecture5-ModelSelection.pptx
+++ b/Lectures/Lecture5-ModelSelection.pptx
@@ -11,34 +11,34 @@
   <p:sldIdLst>
     <p:sldId id="256" r:id="rId3"/>
     <p:sldId id="477" r:id="rId4"/>
-    <p:sldId id="486" r:id="rId5"/>
-    <p:sldId id="323" r:id="rId6"/>
-    <p:sldId id="286" r:id="rId7"/>
-    <p:sldId id="472" r:id="rId8"/>
-    <p:sldId id="287" r:id="rId9"/>
-    <p:sldId id="478" r:id="rId10"/>
-    <p:sldId id="468" r:id="rId11"/>
-    <p:sldId id="473" r:id="rId12"/>
-    <p:sldId id="288" r:id="rId13"/>
-    <p:sldId id="474" r:id="rId14"/>
-    <p:sldId id="297" r:id="rId15"/>
-    <p:sldId id="479" r:id="rId16"/>
-    <p:sldId id="480" r:id="rId17"/>
-    <p:sldId id="481" r:id="rId18"/>
-    <p:sldId id="482" r:id="rId19"/>
-    <p:sldId id="483" r:id="rId20"/>
-    <p:sldId id="487" r:id="rId21"/>
-    <p:sldId id="289" r:id="rId22"/>
-    <p:sldId id="290" r:id="rId23"/>
-    <p:sldId id="291" r:id="rId24"/>
-    <p:sldId id="292" r:id="rId25"/>
-    <p:sldId id="293" r:id="rId26"/>
-    <p:sldId id="469" r:id="rId27"/>
-    <p:sldId id="470" r:id="rId28"/>
-    <p:sldId id="296" r:id="rId29"/>
-    <p:sldId id="454" r:id="rId30"/>
-    <p:sldId id="484" r:id="rId31"/>
-    <p:sldId id="485" r:id="rId32"/>
+    <p:sldId id="281" r:id="rId5"/>
+    <p:sldId id="486" r:id="rId6"/>
+    <p:sldId id="323" r:id="rId7"/>
+    <p:sldId id="286" r:id="rId8"/>
+    <p:sldId id="472" r:id="rId9"/>
+    <p:sldId id="287" r:id="rId10"/>
+    <p:sldId id="478" r:id="rId11"/>
+    <p:sldId id="468" r:id="rId12"/>
+    <p:sldId id="473" r:id="rId13"/>
+    <p:sldId id="288" r:id="rId14"/>
+    <p:sldId id="474" r:id="rId15"/>
+    <p:sldId id="297" r:id="rId16"/>
+    <p:sldId id="479" r:id="rId17"/>
+    <p:sldId id="480" r:id="rId18"/>
+    <p:sldId id="481" r:id="rId19"/>
+    <p:sldId id="482" r:id="rId20"/>
+    <p:sldId id="483" r:id="rId21"/>
+    <p:sldId id="487" r:id="rId22"/>
+    <p:sldId id="289" r:id="rId23"/>
+    <p:sldId id="290" r:id="rId24"/>
+    <p:sldId id="291" r:id="rId25"/>
+    <p:sldId id="292" r:id="rId26"/>
+    <p:sldId id="293" r:id="rId27"/>
+    <p:sldId id="469" r:id="rId28"/>
+    <p:sldId id="470" r:id="rId29"/>
+    <p:sldId id="296" r:id="rId30"/>
+    <p:sldId id="454" r:id="rId31"/>
+    <p:sldId id="484" r:id="rId32"/>
   </p:sldIdLst>
   <p:sldSz cx="12192000" cy="6858000"/>
   <p:notesSz cx="6858000" cy="9144000"/>
@@ -276,7 +276,7 @@
       <p15:sldGuideLst xmlns:p15="http://schemas.microsoft.com/office/powerpoint/2012/main"/>
     </p:ext>
     <p:ext uri="http://customooxmlschemas.google.com/">
-      <go:slidesCustomData xmlns:go="http://customooxmlschemas.google.com/" xmlns:p15="http://schemas.microsoft.com/office/powerpoint/2012/main" xmlns:p14="http://schemas.microsoft.com/office/powerpoint/2010/main" xmlns:com="http://schemas.openxmlformats.org/drawingml/2006/compatibility" xmlns:pvml="urn:schemas-microsoft-com:office:powerpoint" xmlns:v="urn:schemas-microsoft-com:vml" xmlns:o="urn:schemas-microsoft-com:office:office" xmlns:dgm="http://schemas.openxmlformats.org/drawingml/2006/diagram" xmlns:c="http://schemas.openxmlformats.org/drawingml/2006/chart" xmlns:mv="urn:schemas-microsoft-com:mac:vml" xmlns:mc="http://schemas.openxmlformats.org/markup-compatibility/2006" xmlns="" r:id="rId40" roundtripDataSignature="AMtx7mjFyVUGRZWio+dc9dxzYsimUxNJbg=="/>
+      <go:slidesCustomData xmlns="" xmlns:mc="http://schemas.openxmlformats.org/markup-compatibility/2006" xmlns:mv="urn:schemas-microsoft-com:mac:vml" xmlns:c="http://schemas.openxmlformats.org/drawingml/2006/chart" xmlns:dgm="http://schemas.openxmlformats.org/drawingml/2006/diagram" xmlns:o="urn:schemas-microsoft-com:office:office" xmlns:v="urn:schemas-microsoft-com:vml" xmlns:pvml="urn:schemas-microsoft-com:office:powerpoint" xmlns:com="http://schemas.openxmlformats.org/drawingml/2006/compatibility" xmlns:p14="http://schemas.microsoft.com/office/powerpoint/2010/main" xmlns:p15="http://schemas.microsoft.com/office/powerpoint/2012/main" xmlns:go="http://customooxmlschemas.google.com/" r:id="rId40" roundtripDataSignature="AMtx7mjFyVUGRZWio+dc9dxzYsimUxNJbg=="/>
     </p:ext>
   </p:extLst>
 </p:presentation>
@@ -7331,7 +7331,7 @@
           <a:p>
             <a:fld id="{7C0312F8-2DE2-6B40-83C5-731724CAE2B0}" type="datetimeFigureOut">
               <a:rPr lang="en-US" smtClean="0"/>
-              <a:t>9/13/21</a:t>
+              <a:t>9/14/21</a:t>
             </a:fld>
             <a:endParaRPr lang="en-US"/>
           </a:p>
@@ -7426,7 +7426,7 @@
           <a:p>
             <a:fld id="{7C0312F8-2DE2-6B40-83C5-731724CAE2B0}" type="datetimeFigureOut">
               <a:rPr lang="en-US" smtClean="0"/>
-              <a:t>9/13/21</a:t>
+              <a:t>9/14/21</a:t>
             </a:fld>
             <a:endParaRPr lang="en-US"/>
           </a:p>
@@ -9418,7 +9418,7 @@
           <a:p>
             <a:fld id="{7C0312F8-2DE2-6B40-83C5-731724CAE2B0}" type="datetimeFigureOut">
               <a:rPr lang="en-US" smtClean="0"/>
-              <a:t>9/13/21</a:t>
+              <a:t>9/14/21</a:t>
             </a:fld>
             <a:endParaRPr lang="en-US"/>
           </a:p>
@@ -9703,7 +9703,7 @@
           <a:p>
             <a:fld id="{7C0312F8-2DE2-6B40-83C5-731724CAE2B0}" type="datetimeFigureOut">
               <a:rPr lang="en-US" smtClean="0"/>
-              <a:t>9/13/21</a:t>
+              <a:t>9/14/21</a:t>
             </a:fld>
             <a:endParaRPr lang="en-US"/>
           </a:p>
@@ -11180,7 +11180,7 @@
           <a:p>
             <a:fld id="{7C0312F8-2DE2-6B40-83C5-731724CAE2B0}" type="datetimeFigureOut">
               <a:rPr lang="en-US" smtClean="0"/>
-              <a:t>9/13/21</a:t>
+              <a:t>9/14/21</a:t>
             </a:fld>
             <a:endParaRPr lang="en-US"/>
           </a:p>
@@ -11750,6 +11750,134 @@
       </p:grpSpPr>
       <p:sp>
         <p:nvSpPr>
+          <p:cNvPr id="4" name="Title 3">
+            <a:extLst>
+              <a:ext uri="{FF2B5EF4-FFF2-40B4-BE49-F238E27FC236}">
+                <a16:creationId xmlns:a16="http://schemas.microsoft.com/office/drawing/2014/main" id="{30C2C959-72F2-EF4D-80DA-F48A29D0F3C4}"/>
+              </a:ext>
+            </a:extLst>
+          </p:cNvPr>
+          <p:cNvSpPr>
+            <a:spLocks noGrp="1"/>
+          </p:cNvSpPr>
+          <p:nvPr>
+            <p:ph type="title"/>
+          </p:nvPr>
+        </p:nvSpPr>
+        <p:spPr/>
+        <p:txBody>
+          <a:bodyPr/>
+          <a:lstStyle/>
+          <a:p>
+            <a:r>
+              <a:rPr lang="en-US" dirty="0"/>
+              <a:t>What do we need our selected model to do?</a:t>
+            </a:r>
+          </a:p>
+        </p:txBody>
+      </p:sp>
+      <p:sp>
+        <p:nvSpPr>
+          <p:cNvPr id="5" name="Text Placeholder 4">
+            <a:extLst>
+              <a:ext uri="{FF2B5EF4-FFF2-40B4-BE49-F238E27FC236}">
+                <a16:creationId xmlns:a16="http://schemas.microsoft.com/office/drawing/2014/main" id="{24A75FF1-9EFE-0F41-92F5-3E749CFB2EB5}"/>
+              </a:ext>
+            </a:extLst>
+          </p:cNvPr>
+          <p:cNvSpPr>
+            <a:spLocks noGrp="1"/>
+          </p:cNvSpPr>
+          <p:nvPr>
+            <p:ph type="body" idx="1"/>
+          </p:nvPr>
+        </p:nvSpPr>
+        <p:spPr/>
+        <p:txBody>
+          <a:bodyPr/>
+          <a:lstStyle/>
+          <a:p>
+            <a:r>
+              <a:rPr lang="en-US" dirty="0"/>
+              <a:t>Perform well</a:t>
+            </a:r>
+          </a:p>
+          <a:p>
+            <a:pPr lvl="1"/>
+            <a:r>
+              <a:rPr lang="en-US" dirty="0"/>
+              <a:t>What metric?</a:t>
+            </a:r>
+          </a:p>
+          <a:p>
+            <a:pPr lvl="1"/>
+            <a:r>
+              <a:rPr lang="en-US" dirty="0"/>
+              <a:t>Compared to what?</a:t>
+            </a:r>
+          </a:p>
+          <a:p>
+            <a:endParaRPr lang="en-US" dirty="0"/>
+          </a:p>
+          <a:p>
+            <a:r>
+              <a:rPr lang="en-US" dirty="0"/>
+              <a:t>Generalize</a:t>
+            </a:r>
+          </a:p>
+          <a:p>
+            <a:pPr lvl="1"/>
+            <a:r>
+              <a:rPr lang="en-US" dirty="0"/>
+              <a:t>To what?</a:t>
+            </a:r>
+          </a:p>
+        </p:txBody>
+      </p:sp>
+    </p:spTree>
+    <p:extLst>
+      <p:ext uri="{BB962C8B-B14F-4D97-AF65-F5344CB8AC3E}">
+        <p14:creationId xmlns:p14="http://schemas.microsoft.com/office/powerpoint/2010/main" val="4111643116"/>
+      </p:ext>
+    </p:extLst>
+  </p:cSld>
+  <p:clrMapOvr>
+    <a:masterClrMapping/>
+  </p:clrMapOvr>
+  <mc:AlternateContent xmlns:mc="http://schemas.openxmlformats.org/markup-compatibility/2006" xmlns:p14="http://schemas.microsoft.com/office/powerpoint/2010/main">
+    <mc:Choice Requires="p14">
+      <p:transition spd="med" p14:dur="700">
+        <p:fade/>
+      </p:transition>
+    </mc:Choice>
+    <mc:Fallback xmlns="">
+      <p:transition spd="med">
+        <p:fade/>
+      </p:transition>
+    </mc:Fallback>
+  </mc:AlternateContent>
+</p:sld>
+</file>
+
+<file path=ppt/slides/slide11.xml><?xml version="1.0" encoding="utf-8"?>
+<p:sld xmlns:a="http://schemas.openxmlformats.org/drawingml/2006/main" xmlns:r="http://schemas.openxmlformats.org/officeDocument/2006/relationships" xmlns:p="http://schemas.openxmlformats.org/presentationml/2006/main">
+  <p:cSld>
+    <p:spTree>
+      <p:nvGrpSpPr>
+        <p:cNvPr id="1" name=""/>
+        <p:cNvGrpSpPr/>
+        <p:nvPr/>
+      </p:nvGrpSpPr>
+      <p:grpSpPr>
+        <a:xfrm>
+          <a:off x="0" y="0"/>
+          <a:ext cx="0" cy="0"/>
+          <a:chOff x="0" y="0"/>
+          <a:chExt cx="0" cy="0"/>
+        </a:xfrm>
+      </p:grpSpPr>
+      <p:sp>
+        <p:nvSpPr>
           <p:cNvPr id="2" name="Title 1">
             <a:extLst>
               <a:ext uri="{FF2B5EF4-FFF2-40B4-BE49-F238E27FC236}">
@@ -11814,7 +11942,7 @@
 </p:sld>
 </file>
 
-<file path=ppt/slides/slide11.xml><?xml version="1.0" encoding="utf-8"?>
+<file path=ppt/slides/slide12.xml><?xml version="1.0" encoding="utf-8"?>
 <p:sld xmlns:a="http://schemas.openxmlformats.org/drawingml/2006/main" xmlns:r="http://schemas.openxmlformats.org/officeDocument/2006/relationships" xmlns:p="http://schemas.openxmlformats.org/presentationml/2006/main">
   <p:cSld>
     <p:spTree>
@@ -11911,7 +12039,7 @@
 </p:sld>
 </file>
 
-<file path=ppt/slides/slide12.xml><?xml version="1.0" encoding="utf-8"?>
+<file path=ppt/slides/slide13.xml><?xml version="1.0" encoding="utf-8"?>
 <p:sld xmlns:a="http://schemas.openxmlformats.org/drawingml/2006/main" xmlns:r="http://schemas.openxmlformats.org/officeDocument/2006/relationships" xmlns:p="http://schemas.openxmlformats.org/presentationml/2006/main">
   <p:cSld>
     <p:spTree>
@@ -11994,7 +12122,7 @@
 </p:sld>
 </file>
 
-<file path=ppt/slides/slide13.xml><?xml version="1.0" encoding="utf-8"?>
+<file path=ppt/slides/slide14.xml><?xml version="1.0" encoding="utf-8"?>
 <p:sld xmlns:a="http://schemas.openxmlformats.org/drawingml/2006/main" xmlns:r="http://schemas.openxmlformats.org/officeDocument/2006/relationships" xmlns:p="http://schemas.openxmlformats.org/presentationml/2006/main">
   <p:cSld>
     <p:spTree>
@@ -12111,140 +12239,6 @@
     <p:extLst>
       <p:ext uri="{BB962C8B-B14F-4D97-AF65-F5344CB8AC3E}">
         <p14:creationId xmlns:p14="http://schemas.microsoft.com/office/powerpoint/2010/main" val="4093726934"/>
-      </p:ext>
-    </p:extLst>
-  </p:cSld>
-  <p:clrMapOvr>
-    <a:masterClrMapping/>
-  </p:clrMapOvr>
-</p:sld>
-</file>
-
-<file path=ppt/slides/slide14.xml><?xml version="1.0" encoding="utf-8"?>
-<p:sld xmlns:a="http://schemas.openxmlformats.org/drawingml/2006/main" xmlns:r="http://schemas.openxmlformats.org/officeDocument/2006/relationships" xmlns:p="http://schemas.openxmlformats.org/presentationml/2006/main">
-  <p:cSld>
-    <p:spTree>
-      <p:nvGrpSpPr>
-        <p:cNvPr id="1" name=""/>
-        <p:cNvGrpSpPr/>
-        <p:nvPr/>
-      </p:nvGrpSpPr>
-      <p:grpSpPr>
-        <a:xfrm>
-          <a:off x="0" y="0"/>
-          <a:ext cx="0" cy="0"/>
-          <a:chOff x="0" y="0"/>
-          <a:chExt cx="0" cy="0"/>
-        </a:xfrm>
-      </p:grpSpPr>
-      <p:sp>
-        <p:nvSpPr>
-          <p:cNvPr id="2" name="Title 1">
-            <a:extLst>
-              <a:ext uri="{FF2B5EF4-FFF2-40B4-BE49-F238E27FC236}">
-                <a16:creationId xmlns:a16="http://schemas.microsoft.com/office/drawing/2014/main" id="{D78147EA-4092-034E-8792-847E37175401}"/>
-              </a:ext>
-            </a:extLst>
-          </p:cNvPr>
-          <p:cNvSpPr>
-            <a:spLocks noGrp="1"/>
-          </p:cNvSpPr>
-          <p:nvPr>
-            <p:ph type="title"/>
-          </p:nvPr>
-        </p:nvSpPr>
-        <p:spPr/>
-        <p:txBody>
-          <a:bodyPr/>
-          <a:lstStyle/>
-          <a:p>
-            <a:r>
-              <a:rPr lang="en-US" dirty="0"/>
-              <a:t>Scenarios</a:t>
-            </a:r>
-          </a:p>
-        </p:txBody>
-      </p:sp>
-      <p:sp>
-        <p:nvSpPr>
-          <p:cNvPr id="3" name="Text Placeholder 2">
-            <a:extLst>
-              <a:ext uri="{FF2B5EF4-FFF2-40B4-BE49-F238E27FC236}">
-                <a16:creationId xmlns:a16="http://schemas.microsoft.com/office/drawing/2014/main" id="{3B207A3F-596E-1542-A461-8EE389BA1A43}"/>
-              </a:ext>
-            </a:extLst>
-          </p:cNvPr>
-          <p:cNvSpPr>
-            <a:spLocks noGrp="1"/>
-          </p:cNvSpPr>
-          <p:nvPr>
-            <p:ph type="body" idx="1"/>
-          </p:nvPr>
-        </p:nvSpPr>
-        <p:spPr/>
-        <p:txBody>
-          <a:bodyPr/>
-          <a:lstStyle/>
-          <a:p>
-            <a:pPr marL="76200" indent="0">
-              <a:buNone/>
-            </a:pPr>
-            <a:r>
-              <a:rPr lang="en-US" dirty="0"/>
-              <a:t>1: We want to track news coverage of epidemic related topics. We have tagged a small corpus (n=1000) of news articles from Jan 2019 to September 2020 and now have a stream of new incoming articles every day. We want to deploy a system that tracks the intensity of coverage by media outlet going forward.</a:t>
-            </a:r>
-          </a:p>
-          <a:p>
-            <a:pPr marL="76200" indent="0">
-              <a:buNone/>
-            </a:pPr>
-            <a:endParaRPr lang="en-US" dirty="0"/>
-          </a:p>
-          <a:p>
-            <a:pPr marL="76200" indent="0">
-              <a:buNone/>
-            </a:pPr>
-            <a:r>
-              <a:rPr lang="en-US" dirty="0"/>
-              <a:t>What should our model generalize to?</a:t>
-            </a:r>
-          </a:p>
-          <a:p>
-            <a:pPr marL="76200" indent="0">
-              <a:buNone/>
-            </a:pPr>
-            <a:endParaRPr lang="en-US" dirty="0"/>
-          </a:p>
-          <a:p>
-            <a:pPr marL="76200" indent="0">
-              <a:buNone/>
-            </a:pPr>
-            <a:r>
-              <a:rPr lang="en-US" dirty="0"/>
-              <a:t>What is a training set?</a:t>
-            </a:r>
-          </a:p>
-          <a:p>
-            <a:pPr marL="76200" indent="0">
-              <a:buNone/>
-            </a:pPr>
-            <a:endParaRPr lang="en-US" dirty="0"/>
-          </a:p>
-          <a:p>
-            <a:pPr marL="76200" indent="0">
-              <a:buNone/>
-            </a:pPr>
-            <a:r>
-              <a:rPr lang="en-US" dirty="0"/>
-              <a:t>What is the corresponding validation set?</a:t>
-            </a:r>
-          </a:p>
-        </p:txBody>
-      </p:sp>
-    </p:spTree>
-    <p:extLst>
-      <p:ext uri="{BB962C8B-B14F-4D97-AF65-F5344CB8AC3E}">
-        <p14:creationId xmlns:p14="http://schemas.microsoft.com/office/powerpoint/2010/main" val="1096452247"/>
       </p:ext>
     </p:extLst>
   </p:cSld>
@@ -12325,7 +12319,7 @@
             </a:pPr>
             <a:r>
               <a:rPr lang="en-US" dirty="0"/>
-              <a:t>2: We want to track news coverage of epidemic related topics. We have tagged a small corpus (n=1000) of news articles from Jan 2019 to September 2020 and now have a stream of new incoming articles every day. We want to deploy a system that tracks intensity of coverage by media outlet over the last 2 years as well as going forward.</a:t>
+              <a:t>1: We want to track news coverage of epidemic related topics. We have tagged a small corpus (n=1000) of news articles from Jan 2019 to September 2020 and now have a stream of new incoming articles every day. We want to deploy a system that tracks the intensity of coverage by media outlet going forward.</a:t>
             </a:r>
           </a:p>
           <a:p>
@@ -12378,7 +12372,7 @@
     </p:spTree>
     <p:extLst>
       <p:ext uri="{BB962C8B-B14F-4D97-AF65-F5344CB8AC3E}">
-        <p14:creationId xmlns:p14="http://schemas.microsoft.com/office/powerpoint/2010/main" val="1074433782"/>
+        <p14:creationId xmlns:p14="http://schemas.microsoft.com/office/powerpoint/2010/main" val="1096452247"/>
       </p:ext>
     </p:extLst>
   </p:cSld>
@@ -12459,14 +12453,8 @@
             </a:pPr>
             <a:r>
               <a:rPr lang="en-US" dirty="0"/>
-              <a:t>3: We want to predict whether there will be an increase in epidemic related articles in the media during the next week. </a:t>
+              <a:t>2: We want to track news coverage of epidemic related topics. We have tagged a small corpus (n=1000) of news articles from Jan 2019 to September 2020 and now have a stream of new incoming articles every day. We want to deploy a system that tracks intensity of coverage by media outlet over the last 2 years as well as going forward.</a:t>
             </a:r>
-          </a:p>
-          <a:p>
-            <a:pPr marL="76200" indent="0">
-              <a:buNone/>
-            </a:pPr>
-            <a:endParaRPr lang="en-US" dirty="0"/>
           </a:p>
           <a:p>
             <a:pPr marL="76200" indent="0">
@@ -12518,7 +12506,7 @@
     </p:spTree>
     <p:extLst>
       <p:ext uri="{BB962C8B-B14F-4D97-AF65-F5344CB8AC3E}">
-        <p14:creationId xmlns:p14="http://schemas.microsoft.com/office/powerpoint/2010/main" val="3999252044"/>
+        <p14:creationId xmlns:p14="http://schemas.microsoft.com/office/powerpoint/2010/main" val="1074433782"/>
       </p:ext>
     </p:extLst>
   </p:cSld>
@@ -12599,6 +12587,146 @@
             </a:pPr>
             <a:r>
               <a:rPr lang="en-US" dirty="0"/>
+              <a:t>3: We want to predict whether there will be an increase in epidemic related articles in the media during the next week. </a:t>
+            </a:r>
+          </a:p>
+          <a:p>
+            <a:pPr marL="76200" indent="0">
+              <a:buNone/>
+            </a:pPr>
+            <a:endParaRPr lang="en-US" dirty="0"/>
+          </a:p>
+          <a:p>
+            <a:pPr marL="76200" indent="0">
+              <a:buNone/>
+            </a:pPr>
+            <a:endParaRPr lang="en-US" dirty="0"/>
+          </a:p>
+          <a:p>
+            <a:pPr marL="76200" indent="0">
+              <a:buNone/>
+            </a:pPr>
+            <a:r>
+              <a:rPr lang="en-US" dirty="0"/>
+              <a:t>What should our model generalize to?</a:t>
+            </a:r>
+          </a:p>
+          <a:p>
+            <a:pPr marL="76200" indent="0">
+              <a:buNone/>
+            </a:pPr>
+            <a:endParaRPr lang="en-US" dirty="0"/>
+          </a:p>
+          <a:p>
+            <a:pPr marL="76200" indent="0">
+              <a:buNone/>
+            </a:pPr>
+            <a:r>
+              <a:rPr lang="en-US" dirty="0"/>
+              <a:t>What is a training set?</a:t>
+            </a:r>
+          </a:p>
+          <a:p>
+            <a:pPr marL="76200" indent="0">
+              <a:buNone/>
+            </a:pPr>
+            <a:endParaRPr lang="en-US" dirty="0"/>
+          </a:p>
+          <a:p>
+            <a:pPr marL="76200" indent="0">
+              <a:buNone/>
+            </a:pPr>
+            <a:r>
+              <a:rPr lang="en-US" dirty="0"/>
+              <a:t>What is the corresponding validation set?</a:t>
+            </a:r>
+          </a:p>
+        </p:txBody>
+      </p:sp>
+    </p:spTree>
+    <p:extLst>
+      <p:ext uri="{BB962C8B-B14F-4D97-AF65-F5344CB8AC3E}">
+        <p14:creationId xmlns:p14="http://schemas.microsoft.com/office/powerpoint/2010/main" val="3999252044"/>
+      </p:ext>
+    </p:extLst>
+  </p:cSld>
+  <p:clrMapOvr>
+    <a:masterClrMapping/>
+  </p:clrMapOvr>
+</p:sld>
+</file>
+
+<file path=ppt/slides/slide18.xml><?xml version="1.0" encoding="utf-8"?>
+<p:sld xmlns:a="http://schemas.openxmlformats.org/drawingml/2006/main" xmlns:r="http://schemas.openxmlformats.org/officeDocument/2006/relationships" xmlns:p="http://schemas.openxmlformats.org/presentationml/2006/main">
+  <p:cSld>
+    <p:spTree>
+      <p:nvGrpSpPr>
+        <p:cNvPr id="1" name=""/>
+        <p:cNvGrpSpPr/>
+        <p:nvPr/>
+      </p:nvGrpSpPr>
+      <p:grpSpPr>
+        <a:xfrm>
+          <a:off x="0" y="0"/>
+          <a:ext cx="0" cy="0"/>
+          <a:chOff x="0" y="0"/>
+          <a:chExt cx="0" cy="0"/>
+        </a:xfrm>
+      </p:grpSpPr>
+      <p:sp>
+        <p:nvSpPr>
+          <p:cNvPr id="2" name="Title 1">
+            <a:extLst>
+              <a:ext uri="{FF2B5EF4-FFF2-40B4-BE49-F238E27FC236}">
+                <a16:creationId xmlns:a16="http://schemas.microsoft.com/office/drawing/2014/main" id="{D78147EA-4092-034E-8792-847E37175401}"/>
+              </a:ext>
+            </a:extLst>
+          </p:cNvPr>
+          <p:cNvSpPr>
+            <a:spLocks noGrp="1"/>
+          </p:cNvSpPr>
+          <p:nvPr>
+            <p:ph type="title"/>
+          </p:nvPr>
+        </p:nvSpPr>
+        <p:spPr/>
+        <p:txBody>
+          <a:bodyPr/>
+          <a:lstStyle/>
+          <a:p>
+            <a:r>
+              <a:rPr lang="en-US" dirty="0"/>
+              <a:t>Scenarios</a:t>
+            </a:r>
+          </a:p>
+        </p:txBody>
+      </p:sp>
+      <p:sp>
+        <p:nvSpPr>
+          <p:cNvPr id="3" name="Text Placeholder 2">
+            <a:extLst>
+              <a:ext uri="{FF2B5EF4-FFF2-40B4-BE49-F238E27FC236}">
+                <a16:creationId xmlns:a16="http://schemas.microsoft.com/office/drawing/2014/main" id="{3B207A3F-596E-1542-A461-8EE389BA1A43}"/>
+              </a:ext>
+            </a:extLst>
+          </p:cNvPr>
+          <p:cNvSpPr>
+            <a:spLocks noGrp="1"/>
+          </p:cNvSpPr>
+          <p:nvPr>
+            <p:ph type="body" idx="1"/>
+          </p:nvPr>
+        </p:nvSpPr>
+        <p:spPr/>
+        <p:txBody>
+          <a:bodyPr/>
+          <a:lstStyle/>
+          <a:p>
+            <a:pPr marL="76200" indent="0">
+              <a:buNone/>
+            </a:pPr>
+            <a:r>
+              <a:rPr lang="en-US" dirty="0"/>
               <a:t>4: We want to predict whether there will be an increase in epidemic related articles in the media during the next month. </a:t>
             </a:r>
           </a:p>
@@ -12668,7 +12796,7 @@
 </p:sld>
 </file>
 
-<file path=ppt/slides/slide18.xml><?xml version="1.0" encoding="utf-8"?>
+<file path=ppt/slides/slide19.xml><?xml version="1.0" encoding="utf-8"?>
 <p:sld xmlns:a="http://schemas.openxmlformats.org/drawingml/2006/main" xmlns:r="http://schemas.openxmlformats.org/officeDocument/2006/relationships" xmlns:p="http://schemas.openxmlformats.org/presentationml/2006/main">
   <p:cSld>
     <p:spTree>
@@ -12742,126 +12870,6 @@
     <p:extLst>
       <p:ext uri="{BB962C8B-B14F-4D97-AF65-F5344CB8AC3E}">
         <p14:creationId xmlns:p14="http://schemas.microsoft.com/office/powerpoint/2010/main" val="3359709114"/>
-      </p:ext>
-    </p:extLst>
-  </p:cSld>
-  <p:clrMapOvr>
-    <a:masterClrMapping/>
-  </p:clrMapOvr>
-</p:sld>
-</file>
-
-<file path=ppt/slides/slide19.xml><?xml version="1.0" encoding="utf-8"?>
-<p:sld xmlns:a="http://schemas.openxmlformats.org/drawingml/2006/main" xmlns:r="http://schemas.openxmlformats.org/officeDocument/2006/relationships" xmlns:p="http://schemas.openxmlformats.org/presentationml/2006/main">
-  <p:cSld>
-    <p:spTree>
-      <p:nvGrpSpPr>
-        <p:cNvPr id="1" name=""/>
-        <p:cNvGrpSpPr/>
-        <p:nvPr/>
-      </p:nvGrpSpPr>
-      <p:grpSpPr>
-        <a:xfrm>
-          <a:off x="0" y="0"/>
-          <a:ext cx="0" cy="0"/>
-          <a:chOff x="0" y="0"/>
-          <a:chExt cx="0" cy="0"/>
-        </a:xfrm>
-      </p:grpSpPr>
-      <p:sp>
-        <p:nvSpPr>
-          <p:cNvPr id="2" name="Title 1">
-            <a:extLst>
-              <a:ext uri="{FF2B5EF4-FFF2-40B4-BE49-F238E27FC236}">
-                <a16:creationId xmlns:a16="http://schemas.microsoft.com/office/drawing/2014/main" id="{8A7AA672-F56C-2F41-B566-750991980C8A}"/>
-              </a:ext>
-            </a:extLst>
-          </p:cNvPr>
-          <p:cNvSpPr>
-            <a:spLocks noGrp="1"/>
-          </p:cNvSpPr>
-          <p:nvPr>
-            <p:ph type="title"/>
-          </p:nvPr>
-        </p:nvSpPr>
-        <p:spPr/>
-        <p:txBody>
-          <a:bodyPr/>
-          <a:lstStyle/>
-          <a:p>
-            <a:r>
-              <a:rPr lang="en-US" dirty="0"/>
-              <a:t>Some tips</a:t>
-            </a:r>
-          </a:p>
-        </p:txBody>
-      </p:sp>
-      <p:sp>
-        <p:nvSpPr>
-          <p:cNvPr id="3" name="Text Placeholder 2">
-            <a:extLst>
-              <a:ext uri="{FF2B5EF4-FFF2-40B4-BE49-F238E27FC236}">
-                <a16:creationId xmlns:a16="http://schemas.microsoft.com/office/drawing/2014/main" id="{95B2F8AE-4F06-1B49-B482-20CE10B4D010}"/>
-              </a:ext>
-            </a:extLst>
-          </p:cNvPr>
-          <p:cNvSpPr>
-            <a:spLocks noGrp="1"/>
-          </p:cNvSpPr>
-          <p:nvPr>
-            <p:ph type="body" idx="1"/>
-          </p:nvPr>
-        </p:nvSpPr>
-        <p:spPr/>
-        <p:txBody>
-          <a:bodyPr/>
-          <a:lstStyle/>
-          <a:p>
-            <a:r>
-              <a:rPr lang="en-US" dirty="0"/>
-              <a:t>Set up validation set(s) to match deployment scenarios (and constraints)</a:t>
-            </a:r>
-          </a:p>
-          <a:p>
-            <a:endParaRPr lang="en-US" dirty="0"/>
-          </a:p>
-          <a:p>
-            <a:r>
-              <a:rPr lang="en-US" dirty="0"/>
-              <a:t>Set up training set(s) any way we want but match data (both features and labels) available at training time</a:t>
-            </a:r>
-          </a:p>
-          <a:p>
-            <a:pPr lvl="1"/>
-            <a:r>
-              <a:rPr lang="en-US" dirty="0"/>
-              <a:t>Making sure labels are not censored based on label period</a:t>
-            </a:r>
-          </a:p>
-          <a:p>
-            <a:pPr lvl="1"/>
-            <a:r>
-              <a:rPr lang="en-US" dirty="0"/>
-              <a:t> Sampling (if helpful)</a:t>
-            </a:r>
-          </a:p>
-          <a:p>
-            <a:pPr lvl="1"/>
-            <a:r>
-              <a:rPr lang="en-US" dirty="0"/>
-              <a:t>Data collection and update lag</a:t>
-            </a:r>
-          </a:p>
-          <a:p>
-            <a:pPr lvl="1"/>
-            <a:endParaRPr lang="en-US" dirty="0"/>
-          </a:p>
-        </p:txBody>
-      </p:sp>
-    </p:spTree>
-    <p:extLst>
-      <p:ext uri="{BB962C8B-B14F-4D97-AF65-F5344CB8AC3E}">
-        <p14:creationId xmlns:p14="http://schemas.microsoft.com/office/powerpoint/2010/main" val="1150148038"/>
       </p:ext>
     </p:extLst>
   </p:cSld>
@@ -12948,12 +12956,19 @@
           </a:p>
           <a:p>
             <a:r>
-              <a:rPr lang="en-US" dirty="0">
-                <a:highlight>
-                  <a:srgbClr val="FFFF00"/>
-                </a:highlight>
-              </a:rPr>
+              <a:rPr lang="en-US" dirty="0"/>
               <a:t>Wednesday Session</a:t>
+            </a:r>
+          </a:p>
+          <a:p>
+            <a:pPr lvl="1">
+              <a:spcBef>
+                <a:spcPts val="0"/>
+              </a:spcBef>
+            </a:pPr>
+            <a:r>
+              <a:rPr lang="en-US" dirty="0"/>
+              <a:t>Won’t have one this week, but will talk through update 1 on Thursday</a:t>
             </a:r>
           </a:p>
           <a:p>
@@ -12980,7 +12995,7 @@
           <a:p>
             <a:r>
               <a:rPr lang="en-US" dirty="0"/>
-              <a:t>Monday: Project Update 2</a:t>
+              <a:t>Monday: Project Update 2 (will be posted on canvas soon)</a:t>
             </a:r>
           </a:p>
           <a:p>
@@ -13011,6 +13026,126 @@
 </file>
 
 <file path=ppt/slides/slide20.xml><?xml version="1.0" encoding="utf-8"?>
+<p:sld xmlns:a="http://schemas.openxmlformats.org/drawingml/2006/main" xmlns:r="http://schemas.openxmlformats.org/officeDocument/2006/relationships" xmlns:p="http://schemas.openxmlformats.org/presentationml/2006/main">
+  <p:cSld>
+    <p:spTree>
+      <p:nvGrpSpPr>
+        <p:cNvPr id="1" name=""/>
+        <p:cNvGrpSpPr/>
+        <p:nvPr/>
+      </p:nvGrpSpPr>
+      <p:grpSpPr>
+        <a:xfrm>
+          <a:off x="0" y="0"/>
+          <a:ext cx="0" cy="0"/>
+          <a:chOff x="0" y="0"/>
+          <a:chExt cx="0" cy="0"/>
+        </a:xfrm>
+      </p:grpSpPr>
+      <p:sp>
+        <p:nvSpPr>
+          <p:cNvPr id="2" name="Title 1">
+            <a:extLst>
+              <a:ext uri="{FF2B5EF4-FFF2-40B4-BE49-F238E27FC236}">
+                <a16:creationId xmlns:a16="http://schemas.microsoft.com/office/drawing/2014/main" id="{8A7AA672-F56C-2F41-B566-750991980C8A}"/>
+              </a:ext>
+            </a:extLst>
+          </p:cNvPr>
+          <p:cNvSpPr>
+            <a:spLocks noGrp="1"/>
+          </p:cNvSpPr>
+          <p:nvPr>
+            <p:ph type="title"/>
+          </p:nvPr>
+        </p:nvSpPr>
+        <p:spPr/>
+        <p:txBody>
+          <a:bodyPr/>
+          <a:lstStyle/>
+          <a:p>
+            <a:r>
+              <a:rPr lang="en-US" dirty="0"/>
+              <a:t>Some tips</a:t>
+            </a:r>
+          </a:p>
+        </p:txBody>
+      </p:sp>
+      <p:sp>
+        <p:nvSpPr>
+          <p:cNvPr id="3" name="Text Placeholder 2">
+            <a:extLst>
+              <a:ext uri="{FF2B5EF4-FFF2-40B4-BE49-F238E27FC236}">
+                <a16:creationId xmlns:a16="http://schemas.microsoft.com/office/drawing/2014/main" id="{95B2F8AE-4F06-1B49-B482-20CE10B4D010}"/>
+              </a:ext>
+            </a:extLst>
+          </p:cNvPr>
+          <p:cNvSpPr>
+            <a:spLocks noGrp="1"/>
+          </p:cNvSpPr>
+          <p:nvPr>
+            <p:ph type="body" idx="1"/>
+          </p:nvPr>
+        </p:nvSpPr>
+        <p:spPr/>
+        <p:txBody>
+          <a:bodyPr/>
+          <a:lstStyle/>
+          <a:p>
+            <a:r>
+              <a:rPr lang="en-US" dirty="0"/>
+              <a:t>Set up validation set(s) to match deployment scenarios (and constraints)</a:t>
+            </a:r>
+          </a:p>
+          <a:p>
+            <a:endParaRPr lang="en-US" dirty="0"/>
+          </a:p>
+          <a:p>
+            <a:r>
+              <a:rPr lang="en-US" dirty="0"/>
+              <a:t>Set up training set(s) any way we want but match data (both features and labels) available at training time</a:t>
+            </a:r>
+          </a:p>
+          <a:p>
+            <a:pPr lvl="1"/>
+            <a:r>
+              <a:rPr lang="en-US" dirty="0"/>
+              <a:t>Making sure labels are not censored based on label period</a:t>
+            </a:r>
+          </a:p>
+          <a:p>
+            <a:pPr lvl="1"/>
+            <a:r>
+              <a:rPr lang="en-US" dirty="0"/>
+              <a:t> Sampling (if helpful)</a:t>
+            </a:r>
+          </a:p>
+          <a:p>
+            <a:pPr lvl="1"/>
+            <a:r>
+              <a:rPr lang="en-US" dirty="0"/>
+              <a:t>Data collection and update lag</a:t>
+            </a:r>
+          </a:p>
+          <a:p>
+            <a:pPr lvl="1"/>
+            <a:endParaRPr lang="en-US" dirty="0"/>
+          </a:p>
+        </p:txBody>
+      </p:sp>
+    </p:spTree>
+    <p:extLst>
+      <p:ext uri="{BB962C8B-B14F-4D97-AF65-F5344CB8AC3E}">
+        <p14:creationId xmlns:p14="http://schemas.microsoft.com/office/powerpoint/2010/main" val="1150148038"/>
+      </p:ext>
+    </p:extLst>
+  </p:cSld>
+  <p:clrMapOvr>
+    <a:masterClrMapping/>
+  </p:clrMapOvr>
+</p:sld>
+</file>
+
+<file path=ppt/slides/slide21.xml><?xml version="1.0" encoding="utf-8"?>
 <p:sld xmlns:a="http://schemas.openxmlformats.org/drawingml/2006/main" xmlns:r="http://schemas.openxmlformats.org/officeDocument/2006/relationships" xmlns:p="http://schemas.openxmlformats.org/presentationml/2006/main">
   <p:cSld>
     <p:spTree>
@@ -13488,7 +13623,7 @@
 </p:sld>
 </file>
 
-<file path=ppt/slides/slide21.xml><?xml version="1.0" encoding="utf-8"?>
+<file path=ppt/slides/slide22.xml><?xml version="1.0" encoding="utf-8"?>
 <p:sld xmlns:a="http://schemas.openxmlformats.org/drawingml/2006/main" xmlns:r="http://schemas.openxmlformats.org/officeDocument/2006/relationships" xmlns:p="http://schemas.openxmlformats.org/presentationml/2006/main">
   <p:cSld>
     <p:spTree>
@@ -16121,7 +16256,7 @@
 </p:sld>
 </file>
 
-<file path=ppt/slides/slide22.xml><?xml version="1.0" encoding="utf-8"?>
+<file path=ppt/slides/slide23.xml><?xml version="1.0" encoding="utf-8"?>
 <p:sld xmlns:a="http://schemas.openxmlformats.org/drawingml/2006/main" xmlns:r="http://schemas.openxmlformats.org/officeDocument/2006/relationships" xmlns:p="http://schemas.openxmlformats.org/presentationml/2006/main">
   <p:cSld>
     <p:spTree>
@@ -17261,7 +17396,7 @@
 </p:sld>
 </file>
 
-<file path=ppt/slides/slide23.xml><?xml version="1.0" encoding="utf-8"?>
+<file path=ppt/slides/slide24.xml><?xml version="1.0" encoding="utf-8"?>
 <p:sld xmlns:a="http://schemas.openxmlformats.org/drawingml/2006/main" xmlns:r="http://schemas.openxmlformats.org/officeDocument/2006/relationships" xmlns:p="http://schemas.openxmlformats.org/presentationml/2006/main">
   <p:cSld>
     <p:spTree>
@@ -18400,7 +18535,7 @@
 </p:sld>
 </file>
 
-<file path=ppt/slides/slide24.xml><?xml version="1.0" encoding="utf-8"?>
+<file path=ppt/slides/slide25.xml><?xml version="1.0" encoding="utf-8"?>
 <p:sld xmlns:a="http://schemas.openxmlformats.org/drawingml/2006/main" xmlns:r="http://schemas.openxmlformats.org/officeDocument/2006/relationships" xmlns:p="http://schemas.openxmlformats.org/presentationml/2006/main">
   <p:cSld>
     <p:spTree>
@@ -19539,7 +19674,7 @@
 </p:sld>
 </file>
 
-<file path=ppt/slides/slide25.xml><?xml version="1.0" encoding="utf-8"?>
+<file path=ppt/slides/slide26.xml><?xml version="1.0" encoding="utf-8"?>
 <p:sld xmlns:a="http://schemas.openxmlformats.org/drawingml/2006/main" xmlns:r="http://schemas.openxmlformats.org/officeDocument/2006/relationships" xmlns:p="http://schemas.openxmlformats.org/presentationml/2006/main">
   <p:cSld>
     <p:spTree>
@@ -20678,7 +20813,7 @@
 </p:sld>
 </file>
 
-<file path=ppt/slides/slide26.xml><?xml version="1.0" encoding="utf-8"?>
+<file path=ppt/slides/slide27.xml><?xml version="1.0" encoding="utf-8"?>
 <p:sld xmlns:a="http://schemas.openxmlformats.org/drawingml/2006/main" xmlns:r="http://schemas.openxmlformats.org/officeDocument/2006/relationships" xmlns:p="http://schemas.openxmlformats.org/presentationml/2006/main">
   <p:cSld>
     <p:spTree>
@@ -21817,7 +21952,7 @@
 </p:sld>
 </file>
 
-<file path=ppt/slides/slide27.xml><?xml version="1.0" encoding="utf-8"?>
+<file path=ppt/slides/slide28.xml><?xml version="1.0" encoding="utf-8"?>
 <p:sld xmlns:a="http://schemas.openxmlformats.org/drawingml/2006/main" xmlns:r="http://schemas.openxmlformats.org/officeDocument/2006/relationships" xmlns:p="http://schemas.openxmlformats.org/presentationml/2006/main">
   <p:cSld>
     <p:spTree>
@@ -23230,7 +23365,7 @@
 </p:sld>
 </file>
 
-<file path=ppt/slides/slide28.xml><?xml version="1.0" encoding="utf-8"?>
+<file path=ppt/slides/slide29.xml><?xml version="1.0" encoding="utf-8"?>
 <p:sld xmlns:a="http://schemas.openxmlformats.org/drawingml/2006/main" xmlns:r="http://schemas.openxmlformats.org/officeDocument/2006/relationships" xmlns:p="http://schemas.openxmlformats.org/presentationml/2006/main">
   <p:cSld>
     <p:spTree>
@@ -24051,7 +24186,161 @@
 </p:sld>
 </file>
 
-<file path=ppt/slides/slide29.xml><?xml version="1.0" encoding="utf-8"?>
+<file path=ppt/slides/slide3.xml><?xml version="1.0" encoding="utf-8"?>
+<p:sld xmlns:a="http://schemas.openxmlformats.org/drawingml/2006/main" xmlns:r="http://schemas.openxmlformats.org/officeDocument/2006/relationships" xmlns:p="http://schemas.openxmlformats.org/presentationml/2006/main">
+  <p:cSld>
+    <p:spTree>
+      <p:nvGrpSpPr>
+        <p:cNvPr id="1" name=""/>
+        <p:cNvGrpSpPr/>
+        <p:nvPr/>
+      </p:nvGrpSpPr>
+      <p:grpSpPr>
+        <a:xfrm>
+          <a:off x="0" y="0"/>
+          <a:ext cx="0" cy="0"/>
+          <a:chOff x="0" y="0"/>
+          <a:chExt cx="0" cy="0"/>
+        </a:xfrm>
+      </p:grpSpPr>
+      <p:sp>
+        <p:nvSpPr>
+          <p:cNvPr id="3" name="Title 2">
+            <a:extLst>
+              <a:ext uri="{FF2B5EF4-FFF2-40B4-BE49-F238E27FC236}">
+                <a16:creationId xmlns:a16="http://schemas.microsoft.com/office/drawing/2014/main" id="{9323871C-7CA8-1448-8FFC-1AE6E1838941}"/>
+              </a:ext>
+            </a:extLst>
+          </p:cNvPr>
+          <p:cNvSpPr>
+            <a:spLocks noGrp="1"/>
+          </p:cNvSpPr>
+          <p:nvPr>
+            <p:ph type="title"/>
+          </p:nvPr>
+        </p:nvSpPr>
+        <p:spPr/>
+        <p:txBody>
+          <a:bodyPr/>
+          <a:lstStyle/>
+          <a:p>
+            <a:r>
+              <a:rPr lang="en-US" dirty="0"/>
+              <a:t>Reminder: Office Hours</a:t>
+            </a:r>
+          </a:p>
+        </p:txBody>
+      </p:sp>
+      <p:sp>
+        <p:nvSpPr>
+          <p:cNvPr id="4" name="Text Placeholder 3">
+            <a:extLst>
+              <a:ext uri="{FF2B5EF4-FFF2-40B4-BE49-F238E27FC236}">
+                <a16:creationId xmlns:a16="http://schemas.microsoft.com/office/drawing/2014/main" id="{5E600BA7-FA45-884F-9820-9E5F2CB7AA48}"/>
+              </a:ext>
+            </a:extLst>
+          </p:cNvPr>
+          <p:cNvSpPr>
+            <a:spLocks noGrp="1"/>
+          </p:cNvSpPr>
+          <p:nvPr>
+            <p:ph type="body" idx="1"/>
+          </p:nvPr>
+        </p:nvSpPr>
+        <p:spPr/>
+        <p:txBody>
+          <a:bodyPr/>
+          <a:lstStyle/>
+          <a:p>
+            <a:pPr marL="76200" indent="0">
+              <a:buNone/>
+            </a:pPr>
+            <a:r>
+              <a:rPr lang="en-US" i="1" dirty="0"/>
+              <a:t>Instructor Office Hours (course content, general questions, </a:t>
+            </a:r>
+            <a:r>
+              <a:rPr lang="en-US" i="1" dirty="0" err="1"/>
+              <a:t>etc</a:t>
+            </a:r>
+            <a:r>
+              <a:rPr lang="en-US" i="1" dirty="0"/>
+              <a:t>)</a:t>
+            </a:r>
+            <a:endParaRPr lang="en-US" dirty="0"/>
+          </a:p>
+          <a:p>
+            <a:pPr lvl="1"/>
+            <a:r>
+              <a:rPr lang="en-US" sz="2400" dirty="0" err="1"/>
+              <a:t>Rayid</a:t>
+            </a:r>
+            <a:r>
+              <a:rPr lang="en-US" sz="2400" dirty="0"/>
+              <a:t> (in GHC 8023): Tuesdays 12-1, Wednesdays 2-3</a:t>
+            </a:r>
+          </a:p>
+          <a:p>
+            <a:pPr lvl="1"/>
+            <a:r>
+              <a:rPr lang="en-US" sz="2400" dirty="0"/>
+              <a:t>Kit (in GHC 8018): Wednesdays 11-12, Thursdays 12-1</a:t>
+            </a:r>
+            <a:endParaRPr lang="en-US" dirty="0"/>
+          </a:p>
+          <a:p>
+            <a:pPr marL="76200" indent="0">
+              <a:buNone/>
+            </a:pPr>
+            <a:endParaRPr lang="en-US" i="1" dirty="0"/>
+          </a:p>
+          <a:p>
+            <a:pPr marL="76200" indent="0">
+              <a:buNone/>
+            </a:pPr>
+            <a:r>
+              <a:rPr lang="en-US" i="1" dirty="0"/>
+              <a:t>Infrastructure and Tech Setup Office Hours with the TAs:</a:t>
+            </a:r>
+            <a:endParaRPr lang="en-US" dirty="0"/>
+          </a:p>
+          <a:p>
+            <a:pPr lvl="1"/>
+            <a:r>
+              <a:rPr lang="en-US" sz="2400" dirty="0"/>
+              <a:t>Riyaz (8th floor GHC, by printers): Mondays 12-1, Fridays 10-11</a:t>
+            </a:r>
+          </a:p>
+          <a:p>
+            <a:pPr lvl="1"/>
+            <a:r>
+              <a:rPr lang="en-US" sz="2400" dirty="0"/>
+              <a:t>Abhishek (8th floor GHC, by printers): Mondays 11-12, Fridays 2-3</a:t>
+            </a:r>
+            <a:endParaRPr lang="en-US" dirty="0"/>
+          </a:p>
+          <a:p>
+            <a:pPr marL="76200" indent="0">
+              <a:buNone/>
+            </a:pPr>
+            <a:endParaRPr lang="en-US" dirty="0"/>
+          </a:p>
+        </p:txBody>
+      </p:sp>
+    </p:spTree>
+    <p:extLst>
+      <p:ext uri="{BB962C8B-B14F-4D97-AF65-F5344CB8AC3E}">
+        <p14:creationId xmlns:p14="http://schemas.microsoft.com/office/powerpoint/2010/main" val="1285932549"/>
+      </p:ext>
+    </p:extLst>
+  </p:cSld>
+  <p:clrMapOvr>
+    <a:masterClrMapping/>
+  </p:clrMapOvr>
+</p:sld>
+</file>
+
+<file path=ppt/slides/slide30.xml><?xml version="1.0" encoding="utf-8"?>
 <p:sld xmlns:a="http://schemas.openxmlformats.org/drawingml/2006/main" xmlns:r="http://schemas.openxmlformats.org/officeDocument/2006/relationships" xmlns:p="http://schemas.openxmlformats.org/presentationml/2006/main">
   <p:cSld>
     <p:spTree>
@@ -24214,7 +24503,7 @@
 </p:sld>
 </file>
 
-<file path=ppt/slides/slide3.xml><?xml version="1.0" encoding="utf-8"?>
+<file path=ppt/slides/slide4.xml><?xml version="1.0" encoding="utf-8"?>
 <p:sld xmlns:a="http://schemas.openxmlformats.org/drawingml/2006/main" xmlns:r="http://schemas.openxmlformats.org/officeDocument/2006/relationships" xmlns:p="http://schemas.openxmlformats.org/presentationml/2006/main">
   <p:cSld>
     <p:spTree>
@@ -24345,146 +24634,7 @@
 </p:sld>
 </file>
 
-<file path=ppt/slides/slide30.xml><?xml version="1.0" encoding="utf-8"?>
-<p:sld xmlns:a="http://schemas.openxmlformats.org/drawingml/2006/main" xmlns:r="http://schemas.openxmlformats.org/officeDocument/2006/relationships" xmlns:p="http://schemas.openxmlformats.org/presentationml/2006/main">
-  <p:cSld>
-    <p:spTree>
-      <p:nvGrpSpPr>
-        <p:cNvPr id="1" name=""/>
-        <p:cNvGrpSpPr/>
-        <p:nvPr/>
-      </p:nvGrpSpPr>
-      <p:grpSpPr>
-        <a:xfrm>
-          <a:off x="0" y="0"/>
-          <a:ext cx="0" cy="0"/>
-          <a:chOff x="0" y="0"/>
-          <a:chExt cx="0" cy="0"/>
-        </a:xfrm>
-      </p:grpSpPr>
-      <p:sp>
-        <p:nvSpPr>
-          <p:cNvPr id="3" name="Title 2">
-            <a:extLst>
-              <a:ext uri="{FF2B5EF4-FFF2-40B4-BE49-F238E27FC236}">
-                <a16:creationId xmlns:a16="http://schemas.microsoft.com/office/drawing/2014/main" id="{9323871C-7CA8-1448-8FFC-1AE6E1838941}"/>
-              </a:ext>
-            </a:extLst>
-          </p:cNvPr>
-          <p:cNvSpPr>
-            <a:spLocks noGrp="1"/>
-          </p:cNvSpPr>
-          <p:nvPr>
-            <p:ph type="title"/>
-          </p:nvPr>
-        </p:nvSpPr>
-        <p:spPr/>
-        <p:txBody>
-          <a:bodyPr/>
-          <a:lstStyle/>
-          <a:p>
-            <a:r>
-              <a:rPr lang="en-US" dirty="0"/>
-              <a:t>Reminders</a:t>
-            </a:r>
-          </a:p>
-        </p:txBody>
-      </p:sp>
-      <p:sp>
-        <p:nvSpPr>
-          <p:cNvPr id="5" name="Text Placeholder 4">
-            <a:extLst>
-              <a:ext uri="{FF2B5EF4-FFF2-40B4-BE49-F238E27FC236}">
-                <a16:creationId xmlns:a16="http://schemas.microsoft.com/office/drawing/2014/main" id="{F4E0A5F0-1D89-954D-91FB-596CD9E690F2}"/>
-              </a:ext>
-            </a:extLst>
-          </p:cNvPr>
-          <p:cNvSpPr>
-            <a:spLocks noGrp="1"/>
-          </p:cNvSpPr>
-          <p:nvPr>
-            <p:ph type="body" idx="1"/>
-          </p:nvPr>
-        </p:nvSpPr>
-        <p:spPr/>
-        <p:txBody>
-          <a:bodyPr/>
-          <a:lstStyle/>
-          <a:p>
-            <a:pPr marL="76200" indent="0">
-              <a:buNone/>
-            </a:pPr>
-            <a:r>
-              <a:rPr lang="en-US" b="1" dirty="0"/>
-              <a:t>This week:</a:t>
-            </a:r>
-            <a:endParaRPr lang="en-US" dirty="0"/>
-          </a:p>
-          <a:p>
-            <a:r>
-              <a:rPr lang="en-US" dirty="0">
-                <a:highlight>
-                  <a:srgbClr val="FFFF00"/>
-                </a:highlight>
-              </a:rPr>
-              <a:t>Wednesday Session</a:t>
-            </a:r>
-          </a:p>
-          <a:p>
-            <a:r>
-              <a:rPr lang="en-US" dirty="0"/>
-              <a:t>Reading for Thursday: Cross-Validation Strategies</a:t>
-            </a:r>
-          </a:p>
-          <a:p>
-            <a:pPr marL="76200" indent="0">
-              <a:buNone/>
-            </a:pPr>
-            <a:endParaRPr lang="en-US" dirty="0"/>
-          </a:p>
-          <a:p>
-            <a:pPr marL="76200" indent="0">
-              <a:buNone/>
-            </a:pPr>
-            <a:r>
-              <a:rPr lang="en-US" b="1" dirty="0"/>
-              <a:t>Coming up next week:</a:t>
-            </a:r>
-          </a:p>
-          <a:p>
-            <a:r>
-              <a:rPr lang="en-US" dirty="0"/>
-              <a:t>Monday: Project Update 2</a:t>
-            </a:r>
-          </a:p>
-          <a:p>
-            <a:r>
-              <a:rPr lang="en-US" dirty="0"/>
-              <a:t>Tuesday: Weekly Feedback Form</a:t>
-            </a:r>
-          </a:p>
-          <a:p>
-            <a:pPr marL="76200" indent="0">
-              <a:buNone/>
-            </a:pPr>
-            <a:endParaRPr lang="en-US" dirty="0"/>
-          </a:p>
-        </p:txBody>
-      </p:sp>
-    </p:spTree>
-    <p:extLst>
-      <p:ext uri="{BB962C8B-B14F-4D97-AF65-F5344CB8AC3E}">
-        <p14:creationId xmlns:p14="http://schemas.microsoft.com/office/powerpoint/2010/main" val="3482194065"/>
-      </p:ext>
-    </p:extLst>
-  </p:cSld>
-  <p:clrMapOvr>
-    <a:masterClrMapping/>
-  </p:clrMapOvr>
-</p:sld>
-</file>
-
-<file path=ppt/slides/slide4.xml><?xml version="1.0" encoding="utf-8"?>
+<file path=ppt/slides/slide5.xml><?xml version="1.0" encoding="utf-8"?>
 <p:sld xmlns:a="http://schemas.openxmlformats.org/drawingml/2006/main" xmlns:r="http://schemas.openxmlformats.org/officeDocument/2006/relationships" xmlns:p="http://schemas.openxmlformats.org/presentationml/2006/main">
   <p:cSld>
     <p:spTree>
@@ -24613,7 +24763,7 @@
 </p:sld>
 </file>
 
-<file path=ppt/slides/slide5.xml><?xml version="1.0" encoding="utf-8"?>
+<file path=ppt/slides/slide6.xml><?xml version="1.0" encoding="utf-8"?>
 <p:sld xmlns:a="http://schemas.openxmlformats.org/drawingml/2006/main" xmlns:r="http://schemas.openxmlformats.org/officeDocument/2006/relationships" xmlns:p="http://schemas.openxmlformats.org/presentationml/2006/main">
   <p:cSld>
     <p:spTree>
@@ -24723,7 +24873,7 @@
 </p:sld>
 </file>
 
-<file path=ppt/slides/slide6.xml><?xml version="1.0" encoding="utf-8"?>
+<file path=ppt/slides/slide7.xml><?xml version="1.0" encoding="utf-8"?>
 <p:sld xmlns:a="http://schemas.openxmlformats.org/drawingml/2006/main" xmlns:r="http://schemas.openxmlformats.org/officeDocument/2006/relationships" xmlns:p="http://schemas.openxmlformats.org/presentationml/2006/main">
   <p:cSld>
     <p:spTree>
@@ -24806,7 +24956,7 @@
 </p:sld>
 </file>
 
-<file path=ppt/slides/slide7.xml><?xml version="1.0" encoding="utf-8"?>
+<file path=ppt/slides/slide8.xml><?xml version="1.0" encoding="utf-8"?>
 <p:sld xmlns:a="http://schemas.openxmlformats.org/drawingml/2006/main" xmlns:r="http://schemas.openxmlformats.org/officeDocument/2006/relationships" xmlns:p="http://schemas.openxmlformats.org/presentationml/2006/main">
   <p:cSld>
     <p:spTree>
@@ -24904,101 +25054,6 @@
   <p:clrMapOvr>
     <a:masterClrMapping/>
   </p:clrMapOvr>
-</p:sld>
-</file>
-
-<file path=ppt/slides/slide8.xml><?xml version="1.0" encoding="utf-8"?>
-<p:sld xmlns:a="http://schemas.openxmlformats.org/drawingml/2006/main" xmlns:r="http://schemas.openxmlformats.org/officeDocument/2006/relationships" xmlns:p="http://schemas.openxmlformats.org/presentationml/2006/main">
-  <p:cSld>
-    <p:spTree>
-      <p:nvGrpSpPr>
-        <p:cNvPr id="1" name=""/>
-        <p:cNvGrpSpPr/>
-        <p:nvPr/>
-      </p:nvGrpSpPr>
-      <p:grpSpPr>
-        <a:xfrm>
-          <a:off x="0" y="0"/>
-          <a:ext cx="0" cy="0"/>
-          <a:chOff x="0" y="0"/>
-          <a:chExt cx="0" cy="0"/>
-        </a:xfrm>
-      </p:grpSpPr>
-      <p:sp>
-        <p:nvSpPr>
-          <p:cNvPr id="4" name="Title 3">
-            <a:extLst>
-              <a:ext uri="{FF2B5EF4-FFF2-40B4-BE49-F238E27FC236}">
-                <a16:creationId xmlns:a16="http://schemas.microsoft.com/office/drawing/2014/main" id="{30C2C959-72F2-EF4D-80DA-F48A29D0F3C4}"/>
-              </a:ext>
-            </a:extLst>
-          </p:cNvPr>
-          <p:cNvSpPr>
-            <a:spLocks noGrp="1"/>
-          </p:cNvSpPr>
-          <p:nvPr>
-            <p:ph type="title"/>
-          </p:nvPr>
-        </p:nvSpPr>
-        <p:spPr/>
-        <p:txBody>
-          <a:bodyPr/>
-          <a:lstStyle/>
-          <a:p>
-            <a:r>
-              <a:rPr lang="en-US" dirty="0"/>
-              <a:t>What do we need our selected model to do?</a:t>
-            </a:r>
-          </a:p>
-        </p:txBody>
-      </p:sp>
-      <p:sp>
-        <p:nvSpPr>
-          <p:cNvPr id="3" name="Text Placeholder 2">
-            <a:extLst>
-              <a:ext uri="{FF2B5EF4-FFF2-40B4-BE49-F238E27FC236}">
-                <a16:creationId xmlns:a16="http://schemas.microsoft.com/office/drawing/2014/main" id="{DA13BAFF-48B6-9046-94F3-CBF50B2F21D8}"/>
-              </a:ext>
-            </a:extLst>
-          </p:cNvPr>
-          <p:cNvSpPr>
-            <a:spLocks noGrp="1"/>
-          </p:cNvSpPr>
-          <p:nvPr>
-            <p:ph type="body" idx="1"/>
-          </p:nvPr>
-        </p:nvSpPr>
-        <p:spPr/>
-        <p:txBody>
-          <a:bodyPr/>
-          <a:lstStyle/>
-          <a:p>
-            <a:endParaRPr lang="en-US"/>
-          </a:p>
-        </p:txBody>
-      </p:sp>
-    </p:spTree>
-    <p:extLst>
-      <p:ext uri="{BB962C8B-B14F-4D97-AF65-F5344CB8AC3E}">
-        <p14:creationId xmlns:p14="http://schemas.microsoft.com/office/powerpoint/2010/main" val="106807354"/>
-      </p:ext>
-    </p:extLst>
-  </p:cSld>
-  <p:clrMapOvr>
-    <a:masterClrMapping/>
-  </p:clrMapOvr>
-  <mc:AlternateContent xmlns:mc="http://schemas.openxmlformats.org/markup-compatibility/2006" xmlns:p14="http://schemas.microsoft.com/office/powerpoint/2010/main">
-    <mc:Choice Requires="p14">
-      <p:transition spd="med" p14:dur="700">
-        <p:fade/>
-      </p:transition>
-    </mc:Choice>
-    <mc:Fallback xmlns="">
-      <p:transition spd="med">
-        <p:fade/>
-      </p:transition>
-    </mc:Fallback>
-  </mc:AlternateContent>
 </p:sld>
 </file>
 
@@ -25049,10 +25104,10 @@
       </p:sp>
       <p:sp>
         <p:nvSpPr>
-          <p:cNvPr id="5" name="Text Placeholder 4">
+          <p:cNvPr id="3" name="Text Placeholder 2">
             <a:extLst>
               <a:ext uri="{FF2B5EF4-FFF2-40B4-BE49-F238E27FC236}">
-                <a16:creationId xmlns:a16="http://schemas.microsoft.com/office/drawing/2014/main" id="{24A75FF1-9EFE-0F41-92F5-3E749CFB2EB5}"/>
+                <a16:creationId xmlns:a16="http://schemas.microsoft.com/office/drawing/2014/main" id="{DA13BAFF-48B6-9046-94F3-CBF50B2F21D8}"/>
               </a:ext>
             </a:extLst>
           </p:cNvPr>
@@ -25068,47 +25123,14 @@
           <a:bodyPr/>
           <a:lstStyle/>
           <a:p>
-            <a:r>
-              <a:rPr lang="en-US" dirty="0"/>
-              <a:t>Perform well</a:t>
-            </a:r>
-          </a:p>
-          <a:p>
-            <a:pPr lvl="1"/>
-            <a:r>
-              <a:rPr lang="en-US" dirty="0"/>
-              <a:t>What metric?</a:t>
-            </a:r>
-          </a:p>
-          <a:p>
-            <a:pPr lvl="1"/>
-            <a:r>
-              <a:rPr lang="en-US" dirty="0"/>
-              <a:t>Compared to what?</a:t>
-            </a:r>
-          </a:p>
-          <a:p>
-            <a:endParaRPr lang="en-US" dirty="0"/>
-          </a:p>
-          <a:p>
-            <a:r>
-              <a:rPr lang="en-US" dirty="0"/>
-              <a:t>Generalize</a:t>
-            </a:r>
-          </a:p>
-          <a:p>
-            <a:pPr lvl="1"/>
-            <a:r>
-              <a:rPr lang="en-US" dirty="0"/>
-              <a:t>To what?</a:t>
-            </a:r>
+            <a:endParaRPr lang="en-US"/>
           </a:p>
         </p:txBody>
       </p:sp>
     </p:spTree>
     <p:extLst>
       <p:ext uri="{BB962C8B-B14F-4D97-AF65-F5344CB8AC3E}">
-        <p14:creationId xmlns:p14="http://schemas.microsoft.com/office/powerpoint/2010/main" val="4111643116"/>
+        <p14:creationId xmlns:p14="http://schemas.microsoft.com/office/powerpoint/2010/main" val="106807354"/>
       </p:ext>
     </p:extLst>
   </p:cSld>

--- a/Lectures/Lecture5-ModelSelection.pptx
+++ b/Lectures/Lecture5-ModelSelection.pptx
@@ -6,7 +6,7 @@
     <p:sldMasterId id="2147483660" r:id="rId2"/>
   </p:sldMasterIdLst>
   <p:notesMasterIdLst>
-    <p:notesMasterId r:id="rId33"/>
+    <p:notesMasterId r:id="rId35"/>
   </p:notesMasterIdLst>
   <p:sldIdLst>
     <p:sldId id="256" r:id="rId3"/>
@@ -28,17 +28,19 @@
     <p:sldId id="481" r:id="rId19"/>
     <p:sldId id="482" r:id="rId20"/>
     <p:sldId id="483" r:id="rId21"/>
-    <p:sldId id="487" r:id="rId22"/>
-    <p:sldId id="289" r:id="rId23"/>
-    <p:sldId id="290" r:id="rId24"/>
-    <p:sldId id="291" r:id="rId25"/>
-    <p:sldId id="292" r:id="rId26"/>
-    <p:sldId id="293" r:id="rId27"/>
-    <p:sldId id="469" r:id="rId28"/>
-    <p:sldId id="470" r:id="rId29"/>
-    <p:sldId id="296" r:id="rId30"/>
-    <p:sldId id="454" r:id="rId31"/>
-    <p:sldId id="484" r:id="rId32"/>
+    <p:sldId id="489" r:id="rId22"/>
+    <p:sldId id="487" r:id="rId23"/>
+    <p:sldId id="488" r:id="rId24"/>
+    <p:sldId id="289" r:id="rId25"/>
+    <p:sldId id="290" r:id="rId26"/>
+    <p:sldId id="291" r:id="rId27"/>
+    <p:sldId id="292" r:id="rId28"/>
+    <p:sldId id="293" r:id="rId29"/>
+    <p:sldId id="469" r:id="rId30"/>
+    <p:sldId id="470" r:id="rId31"/>
+    <p:sldId id="296" r:id="rId32"/>
+    <p:sldId id="454" r:id="rId33"/>
+    <p:sldId id="484" r:id="rId34"/>
   </p:sldIdLst>
   <p:sldSz cx="12192000" cy="6858000"/>
   <p:notesSz cx="6858000" cy="9144000"/>
@@ -276,7 +278,7 @@
       <p15:sldGuideLst xmlns:p15="http://schemas.microsoft.com/office/powerpoint/2012/main"/>
     </p:ext>
     <p:ext uri="http://customooxmlschemas.google.com/">
-      <go:slidesCustomData xmlns="" xmlns:mc="http://schemas.openxmlformats.org/markup-compatibility/2006" xmlns:mv="urn:schemas-microsoft-com:mac:vml" xmlns:c="http://schemas.openxmlformats.org/drawingml/2006/chart" xmlns:dgm="http://schemas.openxmlformats.org/drawingml/2006/diagram" xmlns:o="urn:schemas-microsoft-com:office:office" xmlns:v="urn:schemas-microsoft-com:vml" xmlns:pvml="urn:schemas-microsoft-com:office:powerpoint" xmlns:com="http://schemas.openxmlformats.org/drawingml/2006/compatibility" xmlns:p14="http://schemas.microsoft.com/office/powerpoint/2010/main" xmlns:p15="http://schemas.microsoft.com/office/powerpoint/2012/main" xmlns:go="http://customooxmlschemas.google.com/" r:id="rId40" roundtripDataSignature="AMtx7mjFyVUGRZWio+dc9dxzYsimUxNJbg=="/>
+      <go:slidesCustomData xmlns:go="http://customooxmlschemas.google.com/" xmlns:p15="http://schemas.microsoft.com/office/powerpoint/2012/main" xmlns:p14="http://schemas.microsoft.com/office/powerpoint/2010/main" xmlns:com="http://schemas.openxmlformats.org/drawingml/2006/compatibility" xmlns:pvml="urn:schemas-microsoft-com:office:powerpoint" xmlns:v="urn:schemas-microsoft-com:vml" xmlns:o="urn:schemas-microsoft-com:office:office" xmlns:dgm="http://schemas.openxmlformats.org/drawingml/2006/diagram" xmlns:c="http://schemas.openxmlformats.org/drawingml/2006/chart" xmlns:mv="urn:schemas-microsoft-com:mac:vml" xmlns:mc="http://schemas.openxmlformats.org/markup-compatibility/2006" xmlns="" r:id="rId40" roundtripDataSignature="AMtx7mjFyVUGRZWio+dc9dxzYsimUxNJbg=="/>
     </p:ext>
   </p:extLst>
 </p:presentation>
@@ -7331,7 +7333,7 @@
           <a:p>
             <a:fld id="{7C0312F8-2DE2-6B40-83C5-731724CAE2B0}" type="datetimeFigureOut">
               <a:rPr lang="en-US" smtClean="0"/>
-              <a:t>9/14/21</a:t>
+              <a:t>9/15/21</a:t>
             </a:fld>
             <a:endParaRPr lang="en-US"/>
           </a:p>
@@ -7426,7 +7428,7 @@
           <a:p>
             <a:fld id="{7C0312F8-2DE2-6B40-83C5-731724CAE2B0}" type="datetimeFigureOut">
               <a:rPr lang="en-US" smtClean="0"/>
-              <a:t>9/14/21</a:t>
+              <a:t>9/15/21</a:t>
             </a:fld>
             <a:endParaRPr lang="en-US"/>
           </a:p>
@@ -9418,7 +9420,7 @@
           <a:p>
             <a:fld id="{7C0312F8-2DE2-6B40-83C5-731724CAE2B0}" type="datetimeFigureOut">
               <a:rPr lang="en-US" smtClean="0"/>
-              <a:t>9/14/21</a:t>
+              <a:t>9/15/21</a:t>
             </a:fld>
             <a:endParaRPr lang="en-US"/>
           </a:p>
@@ -9703,7 +9705,7 @@
           <a:p>
             <a:fld id="{7C0312F8-2DE2-6B40-83C5-731724CAE2B0}" type="datetimeFigureOut">
               <a:rPr lang="en-US" smtClean="0"/>
-              <a:t>9/14/21</a:t>
+              <a:t>9/15/21</a:t>
             </a:fld>
             <a:endParaRPr lang="en-US"/>
           </a:p>
@@ -11180,7 +11182,7 @@
           <a:p>
             <a:fld id="{7C0312F8-2DE2-6B40-83C5-731724CAE2B0}" type="datetimeFigureOut">
               <a:rPr lang="en-US" smtClean="0"/>
-              <a:t>9/14/21</a:t>
+              <a:t>9/15/21</a:t>
             </a:fld>
             <a:endParaRPr lang="en-US"/>
           </a:p>
@@ -12857,12 +12859,79 @@
             <p:ph type="body" idx="1"/>
           </p:nvPr>
         </p:nvSpPr>
-        <p:spPr/>
+        <p:spPr>
+          <a:xfrm>
+            <a:off x="0" y="947004"/>
+            <a:ext cx="11360700" cy="4555200"/>
+          </a:xfrm>
+        </p:spPr>
         <p:txBody>
           <a:bodyPr/>
           <a:lstStyle/>
           <a:p>
+            <a:r>
+              <a:rPr lang="en-US" dirty="0"/>
+              <a:t>How far back to go when training models? (max training history)</a:t>
+            </a:r>
+          </a:p>
+          <a:p>
+            <a:pPr lvl="1"/>
+            <a:r>
+              <a:rPr lang="en-US" dirty="0"/>
+              <a:t> To the beginning of time (expanding training window)?</a:t>
+            </a:r>
+          </a:p>
+          <a:p>
+            <a:pPr lvl="1"/>
+            <a:r>
+              <a:rPr lang="en-US" dirty="0"/>
+              <a:t>Fixed history (rolling training window)?</a:t>
+            </a:r>
+          </a:p>
+          <a:p>
+            <a:pPr lvl="1"/>
+            <a:r>
+              <a:rPr lang="en-US" dirty="0"/>
+              <a:t>Something else?</a:t>
+            </a:r>
+          </a:p>
+          <a:p>
+            <a:pPr lvl="1"/>
+            <a:r>
+              <a:rPr lang="en-US" dirty="0"/>
+              <a:t>How far back do you get your features from?</a:t>
+            </a:r>
+            <a:br>
+              <a:rPr lang="en-US" dirty="0"/>
+            </a:br>
             <a:endParaRPr lang="en-US" dirty="0"/>
+          </a:p>
+          <a:p>
+            <a:r>
+              <a:rPr lang="en-US" dirty="0"/>
+              <a:t>How much to move forward from train-validation pair 1 to train-validation pair 2?</a:t>
+            </a:r>
+          </a:p>
+          <a:p>
+            <a:pPr lvl="1"/>
+            <a:r>
+              <a:rPr lang="en-US" dirty="0"/>
+              <a:t>A day?</a:t>
+            </a:r>
+          </a:p>
+          <a:p>
+            <a:pPr lvl="1"/>
+            <a:r>
+              <a:rPr lang="en-US" dirty="0"/>
+              <a:t>A month? </a:t>
+            </a:r>
+          </a:p>
+          <a:p>
+            <a:pPr lvl="1"/>
+            <a:r>
+              <a:rPr lang="en-US" dirty="0"/>
+              <a:t>Something else?</a:t>
+            </a:r>
           </a:p>
         </p:txBody>
       </p:sp>
@@ -13047,6 +13116,129 @@
           <p:cNvPr id="2" name="Title 1">
             <a:extLst>
               <a:ext uri="{FF2B5EF4-FFF2-40B4-BE49-F238E27FC236}">
+                <a16:creationId xmlns:a16="http://schemas.microsoft.com/office/drawing/2014/main" id="{E3F5A4E3-1083-BD43-B370-9A1F90A39416}"/>
+              </a:ext>
+            </a:extLst>
+          </p:cNvPr>
+          <p:cNvSpPr>
+            <a:spLocks noGrp="1"/>
+          </p:cNvSpPr>
+          <p:nvPr>
+            <p:ph type="title"/>
+          </p:nvPr>
+        </p:nvSpPr>
+        <p:spPr/>
+        <p:txBody>
+          <a:bodyPr/>
+          <a:lstStyle/>
+          <a:p>
+            <a:r>
+              <a:rPr lang="en-US" dirty="0"/>
+              <a:t>Other considerations</a:t>
+            </a:r>
+          </a:p>
+        </p:txBody>
+      </p:sp>
+      <p:sp>
+        <p:nvSpPr>
+          <p:cNvPr id="3" name="Text Placeholder 2">
+            <a:extLst>
+              <a:ext uri="{FF2B5EF4-FFF2-40B4-BE49-F238E27FC236}">
+                <a16:creationId xmlns:a16="http://schemas.microsoft.com/office/drawing/2014/main" id="{B761F066-C352-2344-9AFE-A7E0C820CFA0}"/>
+              </a:ext>
+            </a:extLst>
+          </p:cNvPr>
+          <p:cNvSpPr>
+            <a:spLocks noGrp="1"/>
+          </p:cNvSpPr>
+          <p:nvPr>
+            <p:ph type="body" idx="1"/>
+          </p:nvPr>
+        </p:nvSpPr>
+        <p:spPr/>
+        <p:txBody>
+          <a:bodyPr/>
+          <a:lstStyle/>
+          <a:p>
+            <a:r>
+              <a:rPr lang="en-US" dirty="0"/>
+              <a:t>If making repeated predictions about the same entity at different times, how often should an entity be repeated in the training data?</a:t>
+            </a:r>
+          </a:p>
+          <a:p>
+            <a:pPr lvl="1"/>
+            <a:r>
+              <a:rPr lang="en-US" dirty="0"/>
+              <a:t>In an event-based deployment setup?</a:t>
+            </a:r>
+          </a:p>
+          <a:p>
+            <a:pPr lvl="1"/>
+            <a:r>
+              <a:rPr lang="en-US" dirty="0"/>
+              <a:t>In a “take action at regular-</a:t>
+            </a:r>
+            <a:r>
+              <a:rPr lang="en-US" dirty="0" err="1"/>
+              <a:t>ish</a:t>
+            </a:r>
+            <a:r>
+              <a:rPr lang="en-US" dirty="0"/>
+              <a:t> intervals” deployment?</a:t>
+            </a:r>
+          </a:p>
+          <a:p>
+            <a:pPr marL="565150" lvl="1" indent="0">
+              <a:buNone/>
+            </a:pPr>
+            <a:endParaRPr lang="en-US" dirty="0"/>
+          </a:p>
+          <a:p>
+            <a:r>
+              <a:rPr lang="en-US" dirty="0"/>
+              <a:t>What about in the validation set?</a:t>
+            </a:r>
+          </a:p>
+          <a:p>
+            <a:endParaRPr lang="en-US" dirty="0"/>
+          </a:p>
+        </p:txBody>
+      </p:sp>
+    </p:spTree>
+    <p:extLst>
+      <p:ext uri="{BB962C8B-B14F-4D97-AF65-F5344CB8AC3E}">
+        <p14:creationId xmlns:p14="http://schemas.microsoft.com/office/powerpoint/2010/main" val="3270682070"/>
+      </p:ext>
+    </p:extLst>
+  </p:cSld>
+  <p:clrMapOvr>
+    <a:masterClrMapping/>
+  </p:clrMapOvr>
+</p:sld>
+</file>
+
+<file path=ppt/slides/slide21.xml><?xml version="1.0" encoding="utf-8"?>
+<p:sld xmlns:a="http://schemas.openxmlformats.org/drawingml/2006/main" xmlns:r="http://schemas.openxmlformats.org/officeDocument/2006/relationships" xmlns:p="http://schemas.openxmlformats.org/presentationml/2006/main">
+  <p:cSld>
+    <p:spTree>
+      <p:nvGrpSpPr>
+        <p:cNvPr id="1" name=""/>
+        <p:cNvGrpSpPr/>
+        <p:nvPr/>
+      </p:nvGrpSpPr>
+      <p:grpSpPr>
+        <a:xfrm>
+          <a:off x="0" y="0"/>
+          <a:ext cx="0" cy="0"/>
+          <a:chOff x="0" y="0"/>
+          <a:chExt cx="0" cy="0"/>
+        </a:xfrm>
+      </p:grpSpPr>
+      <p:sp>
+        <p:nvSpPr>
+          <p:cNvPr id="2" name="Title 1">
+            <a:extLst>
+              <a:ext uri="{FF2B5EF4-FFF2-40B4-BE49-F238E27FC236}">
                 <a16:creationId xmlns:a16="http://schemas.microsoft.com/office/drawing/2014/main" id="{8A7AA672-F56C-2F41-B566-750991980C8A}"/>
               </a:ext>
             </a:extLst>
@@ -13145,7 +13337,3911 @@
 </p:sld>
 </file>
 
-<file path=ppt/slides/slide21.xml><?xml version="1.0" encoding="utf-8"?>
+<file path=ppt/slides/slide22.xml><?xml version="1.0" encoding="utf-8"?>
+<p:sld xmlns:a="http://schemas.openxmlformats.org/drawingml/2006/main" xmlns:r="http://schemas.openxmlformats.org/officeDocument/2006/relationships" xmlns:p="http://schemas.openxmlformats.org/presentationml/2006/main">
+  <p:cSld>
+    <p:spTree>
+      <p:nvGrpSpPr>
+        <p:cNvPr id="1" name=""/>
+        <p:cNvGrpSpPr/>
+        <p:nvPr/>
+      </p:nvGrpSpPr>
+      <p:grpSpPr>
+        <a:xfrm>
+          <a:off x="0" y="0"/>
+          <a:ext cx="0" cy="0"/>
+          <a:chOff x="0" y="0"/>
+          <a:chExt cx="0" cy="0"/>
+        </a:xfrm>
+      </p:grpSpPr>
+      <p:sp>
+        <p:nvSpPr>
+          <p:cNvPr id="2" name="Title 1">
+            <a:extLst>
+              <a:ext uri="{FF2B5EF4-FFF2-40B4-BE49-F238E27FC236}">
+                <a16:creationId xmlns:a16="http://schemas.microsoft.com/office/drawing/2014/main" id="{3E6400B3-6753-994F-884E-259FF72CF7F4}"/>
+              </a:ext>
+            </a:extLst>
+          </p:cNvPr>
+          <p:cNvSpPr>
+            <a:spLocks noGrp="1"/>
+          </p:cNvSpPr>
+          <p:nvPr>
+            <p:ph type="title"/>
+          </p:nvPr>
+        </p:nvSpPr>
+        <p:spPr/>
+        <p:txBody>
+          <a:bodyPr/>
+          <a:lstStyle/>
+          <a:p>
+            <a:r>
+              <a:rPr lang="en-US" dirty="0"/>
+              <a:t>Train Validation Pairs</a:t>
+            </a:r>
+          </a:p>
+        </p:txBody>
+      </p:sp>
+      <p:graphicFrame>
+        <p:nvGraphicFramePr>
+          <p:cNvPr id="5" name="Table 4">
+            <a:extLst>
+              <a:ext uri="{FF2B5EF4-FFF2-40B4-BE49-F238E27FC236}">
+                <a16:creationId xmlns:a16="http://schemas.microsoft.com/office/drawing/2014/main" id="{0A123CB5-A986-524E-B988-2572CA609728}"/>
+              </a:ext>
+            </a:extLst>
+          </p:cNvPr>
+          <p:cNvGraphicFramePr>
+            <a:graphicFrameLocks noGrp="1"/>
+          </p:cNvGraphicFramePr>
+          <p:nvPr>
+            <p:extLst>
+              <p:ext uri="{D42A27DB-BD31-4B8C-83A1-F6EECF244321}">
+                <p14:modId xmlns:p14="http://schemas.microsoft.com/office/powerpoint/2010/main" val="2787579015"/>
+              </p:ext>
+            </p:extLst>
+          </p:nvPr>
+        </p:nvGraphicFramePr>
+        <p:xfrm>
+          <a:off x="279699" y="1226519"/>
+          <a:ext cx="10843710" cy="3558060"/>
+        </p:xfrm>
+        <a:graphic>
+          <a:graphicData uri="http://schemas.openxmlformats.org/drawingml/2006/table">
+            <a:tbl>
+              <a:tblPr/>
+              <a:tblGrid>
+                <a:gridCol w="980624">
+                  <a:extLst>
+                    <a:ext uri="{9D8B030D-6E8A-4147-A177-3AD203B41FA5}">
+                      <a16:colId xmlns:a16="http://schemas.microsoft.com/office/drawing/2014/main" val="1169677143"/>
+                    </a:ext>
+                  </a:extLst>
+                </a:gridCol>
+                <a:gridCol w="1236439">
+                  <a:extLst>
+                    <a:ext uri="{9D8B030D-6E8A-4147-A177-3AD203B41FA5}">
+                      <a16:colId xmlns:a16="http://schemas.microsoft.com/office/drawing/2014/main" val="1992358054"/>
+                    </a:ext>
+                  </a:extLst>
+                </a:gridCol>
+                <a:gridCol w="1321710">
+                  <a:extLst>
+                    <a:ext uri="{9D8B030D-6E8A-4147-A177-3AD203B41FA5}">
+                      <a16:colId xmlns:a16="http://schemas.microsoft.com/office/drawing/2014/main" val="2155224152"/>
+                    </a:ext>
+                  </a:extLst>
+                </a:gridCol>
+                <a:gridCol w="1307498">
+                  <a:extLst>
+                    <a:ext uri="{9D8B030D-6E8A-4147-A177-3AD203B41FA5}">
+                      <a16:colId xmlns:a16="http://schemas.microsoft.com/office/drawing/2014/main" val="2488083655"/>
+                    </a:ext>
+                  </a:extLst>
+                </a:gridCol>
+                <a:gridCol w="1165379">
+                  <a:extLst>
+                    <a:ext uri="{9D8B030D-6E8A-4147-A177-3AD203B41FA5}">
+                      <a16:colId xmlns:a16="http://schemas.microsoft.com/office/drawing/2014/main" val="3479530697"/>
+                    </a:ext>
+                  </a:extLst>
+                </a:gridCol>
+                <a:gridCol w="1208015">
+                  <a:extLst>
+                    <a:ext uri="{9D8B030D-6E8A-4147-A177-3AD203B41FA5}">
+                      <a16:colId xmlns:a16="http://schemas.microsoft.com/office/drawing/2014/main" val="2383658884"/>
+                    </a:ext>
+                  </a:extLst>
+                </a:gridCol>
+                <a:gridCol w="1208015">
+                  <a:extLst>
+                    <a:ext uri="{9D8B030D-6E8A-4147-A177-3AD203B41FA5}">
+                      <a16:colId xmlns:a16="http://schemas.microsoft.com/office/drawing/2014/main" val="3701120334"/>
+                    </a:ext>
+                  </a:extLst>
+                </a:gridCol>
+                <a:gridCol w="1208015">
+                  <a:extLst>
+                    <a:ext uri="{9D8B030D-6E8A-4147-A177-3AD203B41FA5}">
+                      <a16:colId xmlns:a16="http://schemas.microsoft.com/office/drawing/2014/main" val="3497687737"/>
+                    </a:ext>
+                  </a:extLst>
+                </a:gridCol>
+                <a:gridCol w="1208015">
+                  <a:extLst>
+                    <a:ext uri="{9D8B030D-6E8A-4147-A177-3AD203B41FA5}">
+                      <a16:colId xmlns:a16="http://schemas.microsoft.com/office/drawing/2014/main" val="4087941343"/>
+                    </a:ext>
+                  </a:extLst>
+                </a:gridCol>
+              </a:tblGrid>
+              <a:tr h="580500">
+                <a:tc>
+                  <a:txBody>
+                    <a:bodyPr/>
+                    <a:lstStyle/>
+                    <a:p>
+                      <a:pPr fontAlgn="t"/>
+                      <a:r>
+                        <a:rPr lang="en-US" sz="2800" dirty="0">
+                          <a:effectLst/>
+                        </a:rPr>
+                        <a:t> </a:t>
+                      </a:r>
+                    </a:p>
+                  </a:txBody>
+                  <a:tcPr marL="95250" marR="95250" marT="95250" marB="95250">
+                    <a:lnL w="9525" cap="flat" cmpd="sng" algn="ctr">
+                      <a:solidFill>
+                        <a:srgbClr val="9E9E9E"/>
+                      </a:solidFill>
+                      <a:prstDash val="solid"/>
+                      <a:round/>
+                      <a:headEnd type="none" w="med" len="med"/>
+                      <a:tailEnd type="none" w="med" len="med"/>
+                    </a:lnL>
+                    <a:lnR w="9525" cap="flat" cmpd="sng" algn="ctr">
+                      <a:solidFill>
+                        <a:srgbClr val="9E9E9E"/>
+                      </a:solidFill>
+                      <a:prstDash val="solid"/>
+                      <a:round/>
+                      <a:headEnd type="none" w="med" len="med"/>
+                      <a:tailEnd type="none" w="med" len="med"/>
+                    </a:lnR>
+                    <a:lnT w="9525" cap="flat" cmpd="sng" algn="ctr">
+                      <a:solidFill>
+                        <a:srgbClr val="9E9E9E"/>
+                      </a:solidFill>
+                      <a:prstDash val="solid"/>
+                      <a:round/>
+                      <a:headEnd type="none" w="med" len="med"/>
+                      <a:tailEnd type="none" w="med" len="med"/>
+                    </a:lnT>
+                    <a:lnB w="9525" cap="flat" cmpd="sng" algn="ctr">
+                      <a:solidFill>
+                        <a:srgbClr val="9E9E9E"/>
+                      </a:solidFill>
+                      <a:prstDash val="solid"/>
+                      <a:round/>
+                      <a:headEnd type="none" w="med" len="med"/>
+                      <a:tailEnd type="none" w="med" len="med"/>
+                    </a:lnB>
+                  </a:tcPr>
+                </a:tc>
+                <a:tc gridSpan="4">
+                  <a:txBody>
+                    <a:bodyPr/>
+                    <a:lstStyle/>
+                    <a:p>
+                      <a:pPr algn="ctr" rtl="0" fontAlgn="t">
+                        <a:spcBef>
+                          <a:spcPts val="0"/>
+                        </a:spcBef>
+                        <a:spcAft>
+                          <a:spcPts val="0"/>
+                        </a:spcAft>
+                      </a:pPr>
+                      <a:r>
+                        <a:rPr lang="en-US" sz="2400" b="1" i="0" u="none" strike="noStrike">
+                          <a:solidFill>
+                            <a:srgbClr val="000000"/>
+                          </a:solidFill>
+                          <a:effectLst/>
+                          <a:latin typeface="Arial" panose="020B0604020202020204" pitchFamily="34" charset="0"/>
+                        </a:rPr>
+                        <a:t>Train Set</a:t>
+                      </a:r>
+                      <a:endParaRPr lang="en-US" sz="2800">
+                        <a:effectLst/>
+                      </a:endParaRPr>
+                    </a:p>
+                  </a:txBody>
+                  <a:tcPr marL="95250" marR="95250" marT="95250" marB="95250">
+                    <a:lnL w="9525" cap="flat" cmpd="sng" algn="ctr">
+                      <a:solidFill>
+                        <a:srgbClr val="9E9E9E"/>
+                      </a:solidFill>
+                      <a:prstDash val="solid"/>
+                      <a:round/>
+                      <a:headEnd type="none" w="med" len="med"/>
+                      <a:tailEnd type="none" w="med" len="med"/>
+                    </a:lnL>
+                    <a:lnR w="9525" cap="flat" cmpd="sng" algn="ctr">
+                      <a:solidFill>
+                        <a:srgbClr val="9E9E9E"/>
+                      </a:solidFill>
+                      <a:prstDash val="solid"/>
+                      <a:round/>
+                      <a:headEnd type="none" w="med" len="med"/>
+                      <a:tailEnd type="none" w="med" len="med"/>
+                    </a:lnR>
+                    <a:lnT w="9525" cap="flat" cmpd="sng" algn="ctr">
+                      <a:solidFill>
+                        <a:srgbClr val="9E9E9E"/>
+                      </a:solidFill>
+                      <a:prstDash val="solid"/>
+                      <a:round/>
+                      <a:headEnd type="none" w="med" len="med"/>
+                      <a:tailEnd type="none" w="med" len="med"/>
+                    </a:lnT>
+                    <a:lnB w="9525" cap="flat" cmpd="sng" algn="ctr">
+                      <a:solidFill>
+                        <a:srgbClr val="9E9E9E"/>
+                      </a:solidFill>
+                      <a:prstDash val="solid"/>
+                      <a:round/>
+                      <a:headEnd type="none" w="med" len="med"/>
+                      <a:tailEnd type="none" w="med" len="med"/>
+                    </a:lnB>
+                    <a:solidFill>
+                      <a:srgbClr val="CFE2F3"/>
+                    </a:solidFill>
+                  </a:tcPr>
+                </a:tc>
+                <a:tc hMerge="1">
+                  <a:txBody>
+                    <a:bodyPr/>
+                    <a:lstStyle/>
+                    <a:p>
+                      <a:endParaRPr lang="en-US"/>
+                    </a:p>
+                  </a:txBody>
+                  <a:tcPr/>
+                </a:tc>
+                <a:tc hMerge="1">
+                  <a:txBody>
+                    <a:bodyPr/>
+                    <a:lstStyle/>
+                    <a:p>
+                      <a:endParaRPr lang="en-US"/>
+                    </a:p>
+                  </a:txBody>
+                  <a:tcPr/>
+                </a:tc>
+                <a:tc hMerge="1">
+                  <a:txBody>
+                    <a:bodyPr/>
+                    <a:lstStyle/>
+                    <a:p>
+                      <a:endParaRPr lang="en-US"/>
+                    </a:p>
+                  </a:txBody>
+                  <a:tcPr/>
+                </a:tc>
+                <a:tc gridSpan="4">
+                  <a:txBody>
+                    <a:bodyPr/>
+                    <a:lstStyle/>
+                    <a:p>
+                      <a:pPr algn="ctr" rtl="0" fontAlgn="t">
+                        <a:spcBef>
+                          <a:spcPts val="0"/>
+                        </a:spcBef>
+                        <a:spcAft>
+                          <a:spcPts val="0"/>
+                        </a:spcAft>
+                      </a:pPr>
+                      <a:r>
+                        <a:rPr lang="en-US" sz="2400" b="1" i="0" u="none" strike="noStrike">
+                          <a:solidFill>
+                            <a:srgbClr val="000000"/>
+                          </a:solidFill>
+                          <a:effectLst/>
+                          <a:latin typeface="Arial" panose="020B0604020202020204" pitchFamily="34" charset="0"/>
+                        </a:rPr>
+                        <a:t>Validation Set</a:t>
+                      </a:r>
+                      <a:endParaRPr lang="en-US" sz="2800">
+                        <a:effectLst/>
+                      </a:endParaRPr>
+                    </a:p>
+                  </a:txBody>
+                  <a:tcPr marL="95250" marR="95250" marT="95250" marB="95250">
+                    <a:lnL w="9525" cap="flat" cmpd="sng" algn="ctr">
+                      <a:solidFill>
+                        <a:srgbClr val="9E9E9E"/>
+                      </a:solidFill>
+                      <a:prstDash val="solid"/>
+                      <a:round/>
+                      <a:headEnd type="none" w="med" len="med"/>
+                      <a:tailEnd type="none" w="med" len="med"/>
+                    </a:lnL>
+                    <a:lnR w="9525" cap="flat" cmpd="sng" algn="ctr">
+                      <a:solidFill>
+                        <a:srgbClr val="9E9E9E"/>
+                      </a:solidFill>
+                      <a:prstDash val="solid"/>
+                      <a:round/>
+                      <a:headEnd type="none" w="med" len="med"/>
+                      <a:tailEnd type="none" w="med" len="med"/>
+                    </a:lnR>
+                    <a:lnT w="9525" cap="flat" cmpd="sng" algn="ctr">
+                      <a:solidFill>
+                        <a:srgbClr val="9E9E9E"/>
+                      </a:solidFill>
+                      <a:prstDash val="solid"/>
+                      <a:round/>
+                      <a:headEnd type="none" w="med" len="med"/>
+                      <a:tailEnd type="none" w="med" len="med"/>
+                    </a:lnT>
+                    <a:lnB w="9525" cap="flat" cmpd="sng" algn="ctr">
+                      <a:solidFill>
+                        <a:srgbClr val="9E9E9E"/>
+                      </a:solidFill>
+                      <a:prstDash val="solid"/>
+                      <a:round/>
+                      <a:headEnd type="none" w="med" len="med"/>
+                      <a:tailEnd type="none" w="med" len="med"/>
+                    </a:lnB>
+                    <a:solidFill>
+                      <a:srgbClr val="EFEFEF"/>
+                    </a:solidFill>
+                  </a:tcPr>
+                </a:tc>
+                <a:tc hMerge="1">
+                  <a:txBody>
+                    <a:bodyPr/>
+                    <a:lstStyle/>
+                    <a:p>
+                      <a:endParaRPr lang="en-US"/>
+                    </a:p>
+                  </a:txBody>
+                  <a:tcPr/>
+                </a:tc>
+                <a:tc hMerge="1">
+                  <a:txBody>
+                    <a:bodyPr/>
+                    <a:lstStyle/>
+                    <a:p>
+                      <a:endParaRPr lang="en-US"/>
+                    </a:p>
+                  </a:txBody>
+                  <a:tcPr>
+                    <a:lnL w="9525" cap="flat" cmpd="sng" algn="ctr">
+                      <a:solidFill>
+                        <a:srgbClr val="9E9E9E"/>
+                      </a:solidFill>
+                      <a:prstDash val="solid"/>
+                      <a:round/>
+                      <a:headEnd type="none" w="med" len="med"/>
+                      <a:tailEnd type="none" w="med" len="med"/>
+                    </a:lnL>
+                  </a:tcPr>
+                </a:tc>
+                <a:tc hMerge="1">
+                  <a:txBody>
+                    <a:bodyPr/>
+                    <a:lstStyle/>
+                    <a:p>
+                      <a:endParaRPr lang="en-US"/>
+                    </a:p>
+                  </a:txBody>
+                  <a:tcPr/>
+                </a:tc>
+                <a:extLst>
+                  <a:ext uri="{0D108BD9-81ED-4DB2-BD59-A6C34878D82A}">
+                    <a16:rowId xmlns:a16="http://schemas.microsoft.com/office/drawing/2014/main" val="3642516673"/>
+                  </a:ext>
+                </a:extLst>
+              </a:tr>
+              <a:tr h="1047600">
+                <a:tc>
+                  <a:txBody>
+                    <a:bodyPr/>
+                    <a:lstStyle/>
+                    <a:p>
+                      <a:pPr rtl="0" fontAlgn="t">
+                        <a:spcBef>
+                          <a:spcPts val="0"/>
+                        </a:spcBef>
+                        <a:spcAft>
+                          <a:spcPts val="0"/>
+                        </a:spcAft>
+                      </a:pPr>
+                      <a:r>
+                        <a:rPr lang="en-US" sz="1400" b="0" i="0" u="none" strike="noStrike">
+                          <a:solidFill>
+                            <a:srgbClr val="000000"/>
+                          </a:solidFill>
+                          <a:effectLst/>
+                          <a:latin typeface="Arial" panose="020B0604020202020204" pitchFamily="34" charset="0"/>
+                        </a:rPr>
+                        <a:t>Train-Validation Pair ID</a:t>
+                      </a:r>
+                      <a:endParaRPr lang="en-US" sz="2800">
+                        <a:effectLst/>
+                      </a:endParaRPr>
+                    </a:p>
+                  </a:txBody>
+                  <a:tcPr marL="95250" marR="95250" marT="95250" marB="95250">
+                    <a:lnL w="9525" cap="flat" cmpd="sng" algn="ctr">
+                      <a:solidFill>
+                        <a:srgbClr val="9E9E9E"/>
+                      </a:solidFill>
+                      <a:prstDash val="solid"/>
+                      <a:round/>
+                      <a:headEnd type="none" w="med" len="med"/>
+                      <a:tailEnd type="none" w="med" len="med"/>
+                    </a:lnL>
+                    <a:lnR w="9525" cap="flat" cmpd="sng" algn="ctr">
+                      <a:solidFill>
+                        <a:srgbClr val="9E9E9E"/>
+                      </a:solidFill>
+                      <a:prstDash val="solid"/>
+                      <a:round/>
+                      <a:headEnd type="none" w="med" len="med"/>
+                      <a:tailEnd type="none" w="med" len="med"/>
+                    </a:lnR>
+                    <a:lnT w="9525" cap="flat" cmpd="sng" algn="ctr">
+                      <a:solidFill>
+                        <a:srgbClr val="9E9E9E"/>
+                      </a:solidFill>
+                      <a:prstDash val="solid"/>
+                      <a:round/>
+                      <a:headEnd type="none" w="med" len="med"/>
+                      <a:tailEnd type="none" w="med" len="med"/>
+                    </a:lnT>
+                    <a:lnB w="9525" cap="flat" cmpd="sng" algn="ctr">
+                      <a:solidFill>
+                        <a:srgbClr val="9E9E9E"/>
+                      </a:solidFill>
+                      <a:prstDash val="solid"/>
+                      <a:round/>
+                      <a:headEnd type="none" w="med" len="med"/>
+                      <a:tailEnd type="none" w="med" len="med"/>
+                    </a:lnB>
+                  </a:tcPr>
+                </a:tc>
+                <a:tc>
+                  <a:txBody>
+                    <a:bodyPr/>
+                    <a:lstStyle/>
+                    <a:p>
+                      <a:pPr rtl="0" fontAlgn="t">
+                        <a:spcBef>
+                          <a:spcPts val="0"/>
+                        </a:spcBef>
+                        <a:spcAft>
+                          <a:spcPts val="0"/>
+                        </a:spcAft>
+                      </a:pPr>
+                      <a:r>
+                        <a:rPr lang="en-US" sz="1400" b="0" i="0" u="none" strike="noStrike">
+                          <a:solidFill>
+                            <a:srgbClr val="000000"/>
+                          </a:solidFill>
+                          <a:effectLst/>
+                          <a:latin typeface="Arial" panose="020B0604020202020204" pitchFamily="34" charset="0"/>
+                        </a:rPr>
+                        <a:t>Earliest project submission date </a:t>
+                      </a:r>
+                      <a:endParaRPr lang="en-US" sz="2800">
+                        <a:effectLst/>
+                      </a:endParaRPr>
+                    </a:p>
+                  </a:txBody>
+                  <a:tcPr marL="95250" marR="95250" marT="95250" marB="95250">
+                    <a:lnL w="9525" cap="flat" cmpd="sng" algn="ctr">
+                      <a:solidFill>
+                        <a:srgbClr val="9E9E9E"/>
+                      </a:solidFill>
+                      <a:prstDash val="solid"/>
+                      <a:round/>
+                      <a:headEnd type="none" w="med" len="med"/>
+                      <a:tailEnd type="none" w="med" len="med"/>
+                    </a:lnL>
+                    <a:lnR w="9525" cap="flat" cmpd="sng" algn="ctr">
+                      <a:solidFill>
+                        <a:srgbClr val="9E9E9E"/>
+                      </a:solidFill>
+                      <a:prstDash val="solid"/>
+                      <a:round/>
+                      <a:headEnd type="none" w="med" len="med"/>
+                      <a:tailEnd type="none" w="med" len="med"/>
+                    </a:lnR>
+                    <a:lnT w="9525" cap="flat" cmpd="sng" algn="ctr">
+                      <a:solidFill>
+                        <a:srgbClr val="9E9E9E"/>
+                      </a:solidFill>
+                      <a:prstDash val="solid"/>
+                      <a:round/>
+                      <a:headEnd type="none" w="med" len="med"/>
+                      <a:tailEnd type="none" w="med" len="med"/>
+                    </a:lnT>
+                    <a:lnB w="9525" cap="flat" cmpd="sng" algn="ctr">
+                      <a:solidFill>
+                        <a:srgbClr val="9E9E9E"/>
+                      </a:solidFill>
+                      <a:prstDash val="solid"/>
+                      <a:round/>
+                      <a:headEnd type="none" w="med" len="med"/>
+                      <a:tailEnd type="none" w="med" len="med"/>
+                    </a:lnB>
+                    <a:solidFill>
+                      <a:srgbClr val="CFE2F3"/>
+                    </a:solidFill>
+                  </a:tcPr>
+                </a:tc>
+                <a:tc>
+                  <a:txBody>
+                    <a:bodyPr/>
+                    <a:lstStyle/>
+                    <a:p>
+                      <a:pPr rtl="0" fontAlgn="t">
+                        <a:spcBef>
+                          <a:spcPts val="0"/>
+                        </a:spcBef>
+                        <a:spcAft>
+                          <a:spcPts val="0"/>
+                        </a:spcAft>
+                      </a:pPr>
+                      <a:r>
+                        <a:rPr lang="en-US" sz="1400" b="0" i="0" u="none" strike="noStrike">
+                          <a:solidFill>
+                            <a:srgbClr val="000000"/>
+                          </a:solidFill>
+                          <a:effectLst/>
+                          <a:latin typeface="Arial" panose="020B0604020202020204" pitchFamily="34" charset="0"/>
+                        </a:rPr>
+                        <a:t>Latest project submission date </a:t>
+                      </a:r>
+                      <a:endParaRPr lang="en-US" sz="2800">
+                        <a:effectLst/>
+                      </a:endParaRPr>
+                    </a:p>
+                  </a:txBody>
+                  <a:tcPr marL="95250" marR="95250" marT="95250" marB="95250">
+                    <a:lnL w="9525" cap="flat" cmpd="sng" algn="ctr">
+                      <a:solidFill>
+                        <a:srgbClr val="9E9E9E"/>
+                      </a:solidFill>
+                      <a:prstDash val="solid"/>
+                      <a:round/>
+                      <a:headEnd type="none" w="med" len="med"/>
+                      <a:tailEnd type="none" w="med" len="med"/>
+                    </a:lnL>
+                    <a:lnR w="9525" cap="flat" cmpd="sng" algn="ctr">
+                      <a:solidFill>
+                        <a:srgbClr val="9E9E9E"/>
+                      </a:solidFill>
+                      <a:prstDash val="solid"/>
+                      <a:round/>
+                      <a:headEnd type="none" w="med" len="med"/>
+                      <a:tailEnd type="none" w="med" len="med"/>
+                    </a:lnR>
+                    <a:lnT w="9525" cap="flat" cmpd="sng" algn="ctr">
+                      <a:solidFill>
+                        <a:srgbClr val="9E9E9E"/>
+                      </a:solidFill>
+                      <a:prstDash val="solid"/>
+                      <a:round/>
+                      <a:headEnd type="none" w="med" len="med"/>
+                      <a:tailEnd type="none" w="med" len="med"/>
+                    </a:lnT>
+                    <a:lnB w="9525" cap="flat" cmpd="sng" algn="ctr">
+                      <a:solidFill>
+                        <a:srgbClr val="9E9E9E"/>
+                      </a:solidFill>
+                      <a:prstDash val="solid"/>
+                      <a:round/>
+                      <a:headEnd type="none" w="med" len="med"/>
+                      <a:tailEnd type="none" w="med" len="med"/>
+                    </a:lnB>
+                    <a:solidFill>
+                      <a:srgbClr val="CFE2F3"/>
+                    </a:solidFill>
+                  </a:tcPr>
+                </a:tc>
+                <a:tc>
+                  <a:txBody>
+                    <a:bodyPr/>
+                    <a:lstStyle/>
+                    <a:p>
+                      <a:pPr rtl="0" fontAlgn="t">
+                        <a:spcBef>
+                          <a:spcPts val="0"/>
+                        </a:spcBef>
+                        <a:spcAft>
+                          <a:spcPts val="0"/>
+                        </a:spcAft>
+                      </a:pPr>
+                      <a:r>
+                        <a:rPr lang="en-US" sz="1400" b="0" i="0" u="none" strike="noStrike" dirty="0">
+                          <a:solidFill>
+                            <a:srgbClr val="000000"/>
+                          </a:solidFill>
+                          <a:effectLst/>
+                          <a:latin typeface="Arial" panose="020B0604020202020204" pitchFamily="34" charset="0"/>
+                        </a:rPr>
+                        <a:t>Start date for labels</a:t>
+                      </a:r>
+                      <a:endParaRPr lang="en-US" sz="2800" dirty="0">
+                        <a:effectLst/>
+                      </a:endParaRPr>
+                    </a:p>
+                  </a:txBody>
+                  <a:tcPr marL="95250" marR="95250" marT="95250" marB="95250">
+                    <a:lnL w="9525" cap="flat" cmpd="sng" algn="ctr">
+                      <a:solidFill>
+                        <a:srgbClr val="9E9E9E"/>
+                      </a:solidFill>
+                      <a:prstDash val="solid"/>
+                      <a:round/>
+                      <a:headEnd type="none" w="med" len="med"/>
+                      <a:tailEnd type="none" w="med" len="med"/>
+                    </a:lnL>
+                    <a:lnR w="9525" cap="flat" cmpd="sng" algn="ctr">
+                      <a:solidFill>
+                        <a:srgbClr val="9E9E9E"/>
+                      </a:solidFill>
+                      <a:prstDash val="solid"/>
+                      <a:round/>
+                      <a:headEnd type="none" w="med" len="med"/>
+                      <a:tailEnd type="none" w="med" len="med"/>
+                    </a:lnR>
+                    <a:lnT w="9525" cap="flat" cmpd="sng" algn="ctr">
+                      <a:solidFill>
+                        <a:srgbClr val="9E9E9E"/>
+                      </a:solidFill>
+                      <a:prstDash val="solid"/>
+                      <a:round/>
+                      <a:headEnd type="none" w="med" len="med"/>
+                      <a:tailEnd type="none" w="med" len="med"/>
+                    </a:lnT>
+                    <a:lnB w="9525" cap="flat" cmpd="sng" algn="ctr">
+                      <a:solidFill>
+                        <a:srgbClr val="9E9E9E"/>
+                      </a:solidFill>
+                      <a:prstDash val="solid"/>
+                      <a:round/>
+                      <a:headEnd type="none" w="med" len="med"/>
+                      <a:tailEnd type="none" w="med" len="med"/>
+                    </a:lnB>
+                    <a:solidFill>
+                      <a:srgbClr val="CFE2F3"/>
+                    </a:solidFill>
+                  </a:tcPr>
+                </a:tc>
+                <a:tc>
+                  <a:txBody>
+                    <a:bodyPr/>
+                    <a:lstStyle/>
+                    <a:p>
+                      <a:pPr rtl="0" fontAlgn="t">
+                        <a:spcBef>
+                          <a:spcPts val="0"/>
+                        </a:spcBef>
+                        <a:spcAft>
+                          <a:spcPts val="0"/>
+                        </a:spcAft>
+                      </a:pPr>
+                      <a:r>
+                        <a:rPr lang="en-US" sz="1400" b="0" i="0" u="none" strike="noStrike" dirty="0">
+                          <a:solidFill>
+                            <a:srgbClr val="000000"/>
+                          </a:solidFill>
+                          <a:effectLst/>
+                          <a:latin typeface="Arial" panose="020B0604020202020204" pitchFamily="34" charset="0"/>
+                        </a:rPr>
+                        <a:t>End date for labels</a:t>
+                      </a:r>
+                      <a:endParaRPr lang="en-US" sz="2800" dirty="0">
+                        <a:effectLst/>
+                      </a:endParaRPr>
+                    </a:p>
+                  </a:txBody>
+                  <a:tcPr marL="95250" marR="95250" marT="95250" marB="95250">
+                    <a:lnL w="9525" cap="flat" cmpd="sng" algn="ctr">
+                      <a:solidFill>
+                        <a:srgbClr val="9E9E9E"/>
+                      </a:solidFill>
+                      <a:prstDash val="solid"/>
+                      <a:round/>
+                      <a:headEnd type="none" w="med" len="med"/>
+                      <a:tailEnd type="none" w="med" len="med"/>
+                    </a:lnL>
+                    <a:lnR w="9525" cap="flat" cmpd="sng" algn="ctr">
+                      <a:solidFill>
+                        <a:srgbClr val="9E9E9E"/>
+                      </a:solidFill>
+                      <a:prstDash val="solid"/>
+                      <a:round/>
+                      <a:headEnd type="none" w="med" len="med"/>
+                      <a:tailEnd type="none" w="med" len="med"/>
+                    </a:lnR>
+                    <a:lnT w="9525" cap="flat" cmpd="sng" algn="ctr">
+                      <a:solidFill>
+                        <a:srgbClr val="9E9E9E"/>
+                      </a:solidFill>
+                      <a:prstDash val="solid"/>
+                      <a:round/>
+                      <a:headEnd type="none" w="med" len="med"/>
+                      <a:tailEnd type="none" w="med" len="med"/>
+                    </a:lnT>
+                    <a:lnB w="9525" cap="flat" cmpd="sng" algn="ctr">
+                      <a:solidFill>
+                        <a:srgbClr val="9E9E9E"/>
+                      </a:solidFill>
+                      <a:prstDash val="solid"/>
+                      <a:round/>
+                      <a:headEnd type="none" w="med" len="med"/>
+                      <a:tailEnd type="none" w="med" len="med"/>
+                    </a:lnB>
+                    <a:solidFill>
+                      <a:srgbClr val="CFE2F3"/>
+                    </a:solidFill>
+                  </a:tcPr>
+                </a:tc>
+                <a:tc>
+                  <a:txBody>
+                    <a:bodyPr/>
+                    <a:lstStyle/>
+                    <a:p>
+                      <a:pPr rtl="0" fontAlgn="t">
+                        <a:spcBef>
+                          <a:spcPts val="0"/>
+                        </a:spcBef>
+                        <a:spcAft>
+                          <a:spcPts val="0"/>
+                        </a:spcAft>
+                      </a:pPr>
+                      <a:r>
+                        <a:rPr lang="en-US" sz="1400" b="0" i="0" u="none" strike="noStrike">
+                          <a:solidFill>
+                            <a:srgbClr val="000000"/>
+                          </a:solidFill>
+                          <a:effectLst/>
+                          <a:latin typeface="Arial" panose="020B0604020202020204" pitchFamily="34" charset="0"/>
+                        </a:rPr>
+                        <a:t>Start date for rows</a:t>
+                      </a:r>
+                      <a:endParaRPr lang="en-US" sz="2800">
+                        <a:effectLst/>
+                      </a:endParaRPr>
+                    </a:p>
+                  </a:txBody>
+                  <a:tcPr marL="95250" marR="95250" marT="95250" marB="95250">
+                    <a:lnL w="9525" cap="flat" cmpd="sng" algn="ctr">
+                      <a:solidFill>
+                        <a:srgbClr val="9E9E9E"/>
+                      </a:solidFill>
+                      <a:prstDash val="solid"/>
+                      <a:round/>
+                      <a:headEnd type="none" w="med" len="med"/>
+                      <a:tailEnd type="none" w="med" len="med"/>
+                    </a:lnL>
+                    <a:lnR w="9525" cap="flat" cmpd="sng" algn="ctr">
+                      <a:solidFill>
+                        <a:srgbClr val="9E9E9E"/>
+                      </a:solidFill>
+                      <a:prstDash val="solid"/>
+                      <a:round/>
+                      <a:headEnd type="none" w="med" len="med"/>
+                      <a:tailEnd type="none" w="med" len="med"/>
+                    </a:lnR>
+                    <a:lnT w="9525" cap="flat" cmpd="sng" algn="ctr">
+                      <a:solidFill>
+                        <a:srgbClr val="9E9E9E"/>
+                      </a:solidFill>
+                      <a:prstDash val="solid"/>
+                      <a:round/>
+                      <a:headEnd type="none" w="med" len="med"/>
+                      <a:tailEnd type="none" w="med" len="med"/>
+                    </a:lnT>
+                    <a:lnB w="9525" cap="flat" cmpd="sng" algn="ctr">
+                      <a:solidFill>
+                        <a:srgbClr val="9E9E9E"/>
+                      </a:solidFill>
+                      <a:prstDash val="solid"/>
+                      <a:round/>
+                      <a:headEnd type="none" w="med" len="med"/>
+                      <a:tailEnd type="none" w="med" len="med"/>
+                    </a:lnB>
+                    <a:solidFill>
+                      <a:srgbClr val="EFEFEF"/>
+                    </a:solidFill>
+                  </a:tcPr>
+                </a:tc>
+                <a:tc>
+                  <a:txBody>
+                    <a:bodyPr/>
+                    <a:lstStyle/>
+                    <a:p>
+                      <a:pPr rtl="0" fontAlgn="t">
+                        <a:spcBef>
+                          <a:spcPts val="0"/>
+                        </a:spcBef>
+                        <a:spcAft>
+                          <a:spcPts val="0"/>
+                        </a:spcAft>
+                      </a:pPr>
+                      <a:r>
+                        <a:rPr lang="en-US" sz="1400" b="0" i="0" u="none" strike="noStrike">
+                          <a:solidFill>
+                            <a:srgbClr val="000000"/>
+                          </a:solidFill>
+                          <a:effectLst/>
+                          <a:latin typeface="Arial" panose="020B0604020202020204" pitchFamily="34" charset="0"/>
+                        </a:rPr>
+                        <a:t>End date for rows</a:t>
+                      </a:r>
+                      <a:endParaRPr lang="en-US" sz="2800">
+                        <a:effectLst/>
+                      </a:endParaRPr>
+                    </a:p>
+                  </a:txBody>
+                  <a:tcPr marL="95250" marR="95250" marT="95250" marB="95250">
+                    <a:lnL w="9525" cap="flat" cmpd="sng" algn="ctr">
+                      <a:solidFill>
+                        <a:srgbClr val="9E9E9E"/>
+                      </a:solidFill>
+                      <a:prstDash val="solid"/>
+                      <a:round/>
+                      <a:headEnd type="none" w="med" len="med"/>
+                      <a:tailEnd type="none" w="med" len="med"/>
+                    </a:lnL>
+                    <a:lnR w="9525" cap="flat" cmpd="sng" algn="ctr">
+                      <a:solidFill>
+                        <a:srgbClr val="9E9E9E"/>
+                      </a:solidFill>
+                      <a:prstDash val="solid"/>
+                      <a:round/>
+                      <a:headEnd type="none" w="med" len="med"/>
+                      <a:tailEnd type="none" w="med" len="med"/>
+                    </a:lnR>
+                    <a:lnT w="9525" cap="flat" cmpd="sng" algn="ctr">
+                      <a:solidFill>
+                        <a:srgbClr val="9E9E9E"/>
+                      </a:solidFill>
+                      <a:prstDash val="solid"/>
+                      <a:round/>
+                      <a:headEnd type="none" w="med" len="med"/>
+                      <a:tailEnd type="none" w="med" len="med"/>
+                    </a:lnT>
+                    <a:lnB w="9525" cap="flat" cmpd="sng" algn="ctr">
+                      <a:solidFill>
+                        <a:srgbClr val="9E9E9E"/>
+                      </a:solidFill>
+                      <a:prstDash val="solid"/>
+                      <a:round/>
+                      <a:headEnd type="none" w="med" len="med"/>
+                      <a:tailEnd type="none" w="med" len="med"/>
+                    </a:lnB>
+                    <a:solidFill>
+                      <a:srgbClr val="EFEFEF"/>
+                    </a:solidFill>
+                  </a:tcPr>
+                </a:tc>
+                <a:tc>
+                  <a:txBody>
+                    <a:bodyPr/>
+                    <a:lstStyle/>
+                    <a:p>
+                      <a:pPr rtl="0" fontAlgn="t">
+                        <a:spcBef>
+                          <a:spcPts val="0"/>
+                        </a:spcBef>
+                        <a:spcAft>
+                          <a:spcPts val="0"/>
+                        </a:spcAft>
+                      </a:pPr>
+                      <a:r>
+                        <a:rPr lang="en-US" sz="1400" b="0" i="0" u="none" strike="noStrike">
+                          <a:solidFill>
+                            <a:srgbClr val="000000"/>
+                          </a:solidFill>
+                          <a:effectLst/>
+                          <a:latin typeface="Arial" panose="020B0604020202020204" pitchFamily="34" charset="0"/>
+                        </a:rPr>
+                        <a:t>Start date for labels</a:t>
+                      </a:r>
+                      <a:endParaRPr lang="en-US" sz="2800">
+                        <a:effectLst/>
+                      </a:endParaRPr>
+                    </a:p>
+                  </a:txBody>
+                  <a:tcPr marL="95250" marR="95250" marT="95250" marB="95250">
+                    <a:lnL w="9525" cap="flat" cmpd="sng" algn="ctr">
+                      <a:solidFill>
+                        <a:srgbClr val="9E9E9E"/>
+                      </a:solidFill>
+                      <a:prstDash val="solid"/>
+                      <a:round/>
+                      <a:headEnd type="none" w="med" len="med"/>
+                      <a:tailEnd type="none" w="med" len="med"/>
+                    </a:lnL>
+                    <a:lnR w="9525" cap="flat" cmpd="sng" algn="ctr">
+                      <a:solidFill>
+                        <a:srgbClr val="9E9E9E"/>
+                      </a:solidFill>
+                      <a:prstDash val="solid"/>
+                      <a:round/>
+                      <a:headEnd type="none" w="med" len="med"/>
+                      <a:tailEnd type="none" w="med" len="med"/>
+                    </a:lnR>
+                    <a:lnB w="9525" cap="flat" cmpd="sng" algn="ctr">
+                      <a:solidFill>
+                        <a:srgbClr val="9E9E9E"/>
+                      </a:solidFill>
+                      <a:prstDash val="solid"/>
+                      <a:round/>
+                      <a:headEnd type="none" w="med" len="med"/>
+                      <a:tailEnd type="none" w="med" len="med"/>
+                    </a:lnB>
+                    <a:solidFill>
+                      <a:srgbClr val="EFEFEF"/>
+                    </a:solidFill>
+                  </a:tcPr>
+                </a:tc>
+                <a:tc>
+                  <a:txBody>
+                    <a:bodyPr/>
+                    <a:lstStyle/>
+                    <a:p>
+                      <a:pPr rtl="0" fontAlgn="t">
+                        <a:spcBef>
+                          <a:spcPts val="0"/>
+                        </a:spcBef>
+                        <a:spcAft>
+                          <a:spcPts val="0"/>
+                        </a:spcAft>
+                      </a:pPr>
+                      <a:r>
+                        <a:rPr lang="en-US" sz="1400" b="0" i="0" u="none" strike="noStrike">
+                          <a:solidFill>
+                            <a:srgbClr val="000000"/>
+                          </a:solidFill>
+                          <a:effectLst/>
+                          <a:latin typeface="Arial" panose="020B0604020202020204" pitchFamily="34" charset="0"/>
+                        </a:rPr>
+                        <a:t>End date for labels</a:t>
+                      </a:r>
+                      <a:endParaRPr lang="en-US" sz="2800">
+                        <a:effectLst/>
+                      </a:endParaRPr>
+                    </a:p>
+                  </a:txBody>
+                  <a:tcPr marL="95250" marR="95250" marT="95250" marB="95250">
+                    <a:lnL w="9525" cap="flat" cmpd="sng" algn="ctr">
+                      <a:solidFill>
+                        <a:srgbClr val="9E9E9E"/>
+                      </a:solidFill>
+                      <a:prstDash val="solid"/>
+                      <a:round/>
+                      <a:headEnd type="none" w="med" len="med"/>
+                      <a:tailEnd type="none" w="med" len="med"/>
+                    </a:lnL>
+                    <a:lnR w="9525" cap="flat" cmpd="sng" algn="ctr">
+                      <a:solidFill>
+                        <a:srgbClr val="9E9E9E"/>
+                      </a:solidFill>
+                      <a:prstDash val="solid"/>
+                      <a:round/>
+                      <a:headEnd type="none" w="med" len="med"/>
+                      <a:tailEnd type="none" w="med" len="med"/>
+                    </a:lnR>
+                    <a:lnT w="9525" cap="flat" cmpd="sng" algn="ctr">
+                      <a:solidFill>
+                        <a:srgbClr val="9E9E9E"/>
+                      </a:solidFill>
+                      <a:prstDash val="solid"/>
+                      <a:round/>
+                      <a:headEnd type="none" w="med" len="med"/>
+                      <a:tailEnd type="none" w="med" len="med"/>
+                    </a:lnT>
+                    <a:lnB w="9525" cap="flat" cmpd="sng" algn="ctr">
+                      <a:solidFill>
+                        <a:srgbClr val="9E9E9E"/>
+                      </a:solidFill>
+                      <a:prstDash val="solid"/>
+                      <a:round/>
+                      <a:headEnd type="none" w="med" len="med"/>
+                      <a:tailEnd type="none" w="med" len="med"/>
+                    </a:lnB>
+                    <a:solidFill>
+                      <a:srgbClr val="EFEFEF"/>
+                    </a:solidFill>
+                  </a:tcPr>
+                </a:tc>
+                <a:extLst>
+                  <a:ext uri="{0D108BD9-81ED-4DB2-BD59-A6C34878D82A}">
+                    <a16:rowId xmlns:a16="http://schemas.microsoft.com/office/drawing/2014/main" val="634230078"/>
+                  </a:ext>
+                </a:extLst>
+              </a:tr>
+              <a:tr h="572400">
+                <a:tc>
+                  <a:txBody>
+                    <a:bodyPr/>
+                    <a:lstStyle/>
+                    <a:p>
+                      <a:pPr rtl="0" fontAlgn="t">
+                        <a:spcBef>
+                          <a:spcPts val="0"/>
+                        </a:spcBef>
+                        <a:spcAft>
+                          <a:spcPts val="0"/>
+                        </a:spcAft>
+                      </a:pPr>
+                      <a:r>
+                        <a:rPr lang="en-US" sz="1400" b="0" i="0" u="none" strike="noStrike">
+                          <a:solidFill>
+                            <a:srgbClr val="000000"/>
+                          </a:solidFill>
+                          <a:effectLst/>
+                          <a:latin typeface="Arial" panose="020B0604020202020204" pitchFamily="34" charset="0"/>
+                        </a:rPr>
+                        <a:t>1 </a:t>
+                      </a:r>
+                      <a:endParaRPr lang="en-US" sz="2800">
+                        <a:effectLst/>
+                      </a:endParaRPr>
+                    </a:p>
+                  </a:txBody>
+                  <a:tcPr marL="95250" marR="95250" marT="95250" marB="95250">
+                    <a:lnL w="9525" cap="flat" cmpd="sng" algn="ctr">
+                      <a:solidFill>
+                        <a:srgbClr val="9E9E9E"/>
+                      </a:solidFill>
+                      <a:prstDash val="solid"/>
+                      <a:round/>
+                      <a:headEnd type="none" w="med" len="med"/>
+                      <a:tailEnd type="none" w="med" len="med"/>
+                    </a:lnL>
+                    <a:lnR w="9525" cap="flat" cmpd="sng" algn="ctr">
+                      <a:solidFill>
+                        <a:srgbClr val="9E9E9E"/>
+                      </a:solidFill>
+                      <a:prstDash val="solid"/>
+                      <a:round/>
+                      <a:headEnd type="none" w="med" len="med"/>
+                      <a:tailEnd type="none" w="med" len="med"/>
+                    </a:lnR>
+                    <a:lnT w="9525" cap="flat" cmpd="sng" algn="ctr">
+                      <a:solidFill>
+                        <a:srgbClr val="9E9E9E"/>
+                      </a:solidFill>
+                      <a:prstDash val="solid"/>
+                      <a:round/>
+                      <a:headEnd type="none" w="med" len="med"/>
+                      <a:tailEnd type="none" w="med" len="med"/>
+                    </a:lnT>
+                    <a:lnB w="9525" cap="flat" cmpd="sng" algn="ctr">
+                      <a:solidFill>
+                        <a:srgbClr val="9E9E9E"/>
+                      </a:solidFill>
+                      <a:prstDash val="solid"/>
+                      <a:round/>
+                      <a:headEnd type="none" w="med" len="med"/>
+                      <a:tailEnd type="none" w="med" len="med"/>
+                    </a:lnB>
+                  </a:tcPr>
+                </a:tc>
+                <a:tc>
+                  <a:txBody>
+                    <a:bodyPr/>
+                    <a:lstStyle/>
+                    <a:p>
+                      <a:pPr fontAlgn="t"/>
+                      <a:r>
+                        <a:rPr lang="en-US" sz="2800">
+                          <a:effectLst/>
+                        </a:rPr>
+                        <a:t> </a:t>
+                      </a:r>
+                    </a:p>
+                  </a:txBody>
+                  <a:tcPr marL="95250" marR="95250" marT="95250" marB="95250">
+                    <a:lnL w="9525" cap="flat" cmpd="sng" algn="ctr">
+                      <a:solidFill>
+                        <a:srgbClr val="9E9E9E"/>
+                      </a:solidFill>
+                      <a:prstDash val="solid"/>
+                      <a:round/>
+                      <a:headEnd type="none" w="med" len="med"/>
+                      <a:tailEnd type="none" w="med" len="med"/>
+                    </a:lnL>
+                    <a:lnR w="9525" cap="flat" cmpd="sng" algn="ctr">
+                      <a:solidFill>
+                        <a:srgbClr val="9E9E9E"/>
+                      </a:solidFill>
+                      <a:prstDash val="solid"/>
+                      <a:round/>
+                      <a:headEnd type="none" w="med" len="med"/>
+                      <a:tailEnd type="none" w="med" len="med"/>
+                    </a:lnR>
+                    <a:lnT w="9525" cap="flat" cmpd="sng" algn="ctr">
+                      <a:solidFill>
+                        <a:srgbClr val="9E9E9E"/>
+                      </a:solidFill>
+                      <a:prstDash val="solid"/>
+                      <a:round/>
+                      <a:headEnd type="none" w="med" len="med"/>
+                      <a:tailEnd type="none" w="med" len="med"/>
+                    </a:lnT>
+                    <a:lnB w="9525" cap="flat" cmpd="sng" algn="ctr">
+                      <a:solidFill>
+                        <a:srgbClr val="9E9E9E"/>
+                      </a:solidFill>
+                      <a:prstDash val="solid"/>
+                      <a:round/>
+                      <a:headEnd type="none" w="med" len="med"/>
+                      <a:tailEnd type="none" w="med" len="med"/>
+                    </a:lnB>
+                    <a:solidFill>
+                      <a:srgbClr val="CFE2F3"/>
+                    </a:solidFill>
+                  </a:tcPr>
+                </a:tc>
+                <a:tc>
+                  <a:txBody>
+                    <a:bodyPr/>
+                    <a:lstStyle/>
+                    <a:p>
+                      <a:pPr fontAlgn="t"/>
+                      <a:r>
+                        <a:rPr lang="en-US" sz="2800">
+                          <a:effectLst/>
+                        </a:rPr>
+                        <a:t> </a:t>
+                      </a:r>
+                    </a:p>
+                  </a:txBody>
+                  <a:tcPr marL="95250" marR="95250" marT="95250" marB="95250">
+                    <a:lnL w="9525" cap="flat" cmpd="sng" algn="ctr">
+                      <a:solidFill>
+                        <a:srgbClr val="9E9E9E"/>
+                      </a:solidFill>
+                      <a:prstDash val="solid"/>
+                      <a:round/>
+                      <a:headEnd type="none" w="med" len="med"/>
+                      <a:tailEnd type="none" w="med" len="med"/>
+                    </a:lnL>
+                    <a:lnR w="9525" cap="flat" cmpd="sng" algn="ctr">
+                      <a:solidFill>
+                        <a:srgbClr val="9E9E9E"/>
+                      </a:solidFill>
+                      <a:prstDash val="solid"/>
+                      <a:round/>
+                      <a:headEnd type="none" w="med" len="med"/>
+                      <a:tailEnd type="none" w="med" len="med"/>
+                    </a:lnR>
+                    <a:lnT w="9525" cap="flat" cmpd="sng" algn="ctr">
+                      <a:solidFill>
+                        <a:srgbClr val="9E9E9E"/>
+                      </a:solidFill>
+                      <a:prstDash val="solid"/>
+                      <a:round/>
+                      <a:headEnd type="none" w="med" len="med"/>
+                      <a:tailEnd type="none" w="med" len="med"/>
+                    </a:lnT>
+                    <a:lnB w="9525" cap="flat" cmpd="sng" algn="ctr">
+                      <a:solidFill>
+                        <a:srgbClr val="9E9E9E"/>
+                      </a:solidFill>
+                      <a:prstDash val="solid"/>
+                      <a:round/>
+                      <a:headEnd type="none" w="med" len="med"/>
+                      <a:tailEnd type="none" w="med" len="med"/>
+                    </a:lnB>
+                    <a:solidFill>
+                      <a:srgbClr val="CFE2F3"/>
+                    </a:solidFill>
+                  </a:tcPr>
+                </a:tc>
+                <a:tc>
+                  <a:txBody>
+                    <a:bodyPr/>
+                    <a:lstStyle/>
+                    <a:p>
+                      <a:pPr fontAlgn="t"/>
+                      <a:r>
+                        <a:rPr lang="en-US" sz="2800">
+                          <a:effectLst/>
+                        </a:rPr>
+                        <a:t> </a:t>
+                      </a:r>
+                    </a:p>
+                  </a:txBody>
+                  <a:tcPr marL="95250" marR="95250" marT="95250" marB="95250">
+                    <a:lnL w="9525" cap="flat" cmpd="sng" algn="ctr">
+                      <a:solidFill>
+                        <a:srgbClr val="9E9E9E"/>
+                      </a:solidFill>
+                      <a:prstDash val="solid"/>
+                      <a:round/>
+                      <a:headEnd type="none" w="med" len="med"/>
+                      <a:tailEnd type="none" w="med" len="med"/>
+                    </a:lnL>
+                    <a:lnR w="9525" cap="flat" cmpd="sng" algn="ctr">
+                      <a:solidFill>
+                        <a:srgbClr val="9E9E9E"/>
+                      </a:solidFill>
+                      <a:prstDash val="solid"/>
+                      <a:round/>
+                      <a:headEnd type="none" w="med" len="med"/>
+                      <a:tailEnd type="none" w="med" len="med"/>
+                    </a:lnR>
+                    <a:lnT w="9525" cap="flat" cmpd="sng" algn="ctr">
+                      <a:solidFill>
+                        <a:srgbClr val="9E9E9E"/>
+                      </a:solidFill>
+                      <a:prstDash val="solid"/>
+                      <a:round/>
+                      <a:headEnd type="none" w="med" len="med"/>
+                      <a:tailEnd type="none" w="med" len="med"/>
+                    </a:lnT>
+                    <a:lnB w="9525" cap="flat" cmpd="sng" algn="ctr">
+                      <a:solidFill>
+                        <a:srgbClr val="9E9E9E"/>
+                      </a:solidFill>
+                      <a:prstDash val="solid"/>
+                      <a:round/>
+                      <a:headEnd type="none" w="med" len="med"/>
+                      <a:tailEnd type="none" w="med" len="med"/>
+                    </a:lnB>
+                    <a:solidFill>
+                      <a:srgbClr val="CFE2F3"/>
+                    </a:solidFill>
+                  </a:tcPr>
+                </a:tc>
+                <a:tc>
+                  <a:txBody>
+                    <a:bodyPr/>
+                    <a:lstStyle/>
+                    <a:p>
+                      <a:pPr fontAlgn="t"/>
+                      <a:r>
+                        <a:rPr lang="en-US" sz="2800">
+                          <a:effectLst/>
+                        </a:rPr>
+                        <a:t> </a:t>
+                      </a:r>
+                    </a:p>
+                  </a:txBody>
+                  <a:tcPr marL="95250" marR="95250" marT="95250" marB="95250">
+                    <a:lnL w="9525" cap="flat" cmpd="sng" algn="ctr">
+                      <a:solidFill>
+                        <a:srgbClr val="9E9E9E"/>
+                      </a:solidFill>
+                      <a:prstDash val="solid"/>
+                      <a:round/>
+                      <a:headEnd type="none" w="med" len="med"/>
+                      <a:tailEnd type="none" w="med" len="med"/>
+                    </a:lnL>
+                    <a:lnR w="9525" cap="flat" cmpd="sng" algn="ctr">
+                      <a:solidFill>
+                        <a:srgbClr val="9E9E9E"/>
+                      </a:solidFill>
+                      <a:prstDash val="solid"/>
+                      <a:round/>
+                      <a:headEnd type="none" w="med" len="med"/>
+                      <a:tailEnd type="none" w="med" len="med"/>
+                    </a:lnR>
+                    <a:lnT w="9525" cap="flat" cmpd="sng" algn="ctr">
+                      <a:solidFill>
+                        <a:srgbClr val="9E9E9E"/>
+                      </a:solidFill>
+                      <a:prstDash val="solid"/>
+                      <a:round/>
+                      <a:headEnd type="none" w="med" len="med"/>
+                      <a:tailEnd type="none" w="med" len="med"/>
+                    </a:lnT>
+                    <a:lnB w="9525" cap="flat" cmpd="sng" algn="ctr">
+                      <a:solidFill>
+                        <a:srgbClr val="9E9E9E"/>
+                      </a:solidFill>
+                      <a:prstDash val="solid"/>
+                      <a:round/>
+                      <a:headEnd type="none" w="med" len="med"/>
+                      <a:tailEnd type="none" w="med" len="med"/>
+                    </a:lnB>
+                    <a:solidFill>
+                      <a:srgbClr val="CFE2F3"/>
+                    </a:solidFill>
+                  </a:tcPr>
+                </a:tc>
+                <a:tc>
+                  <a:txBody>
+                    <a:bodyPr/>
+                    <a:lstStyle/>
+                    <a:p>
+                      <a:pPr fontAlgn="t"/>
+                      <a:r>
+                        <a:rPr lang="en-US" sz="2800" dirty="0">
+                          <a:effectLst/>
+                        </a:rPr>
+                        <a:t> </a:t>
+                      </a:r>
+                    </a:p>
+                  </a:txBody>
+                  <a:tcPr marL="95250" marR="95250" marT="95250" marB="95250">
+                    <a:lnL w="9525" cap="flat" cmpd="sng" algn="ctr">
+                      <a:solidFill>
+                        <a:srgbClr val="9E9E9E"/>
+                      </a:solidFill>
+                      <a:prstDash val="solid"/>
+                      <a:round/>
+                      <a:headEnd type="none" w="med" len="med"/>
+                      <a:tailEnd type="none" w="med" len="med"/>
+                    </a:lnL>
+                    <a:lnR w="9525" cap="flat" cmpd="sng" algn="ctr">
+                      <a:solidFill>
+                        <a:srgbClr val="9E9E9E"/>
+                      </a:solidFill>
+                      <a:prstDash val="solid"/>
+                      <a:round/>
+                      <a:headEnd type="none" w="med" len="med"/>
+                      <a:tailEnd type="none" w="med" len="med"/>
+                    </a:lnR>
+                    <a:lnT w="9525" cap="flat" cmpd="sng" algn="ctr">
+                      <a:solidFill>
+                        <a:srgbClr val="9E9E9E"/>
+                      </a:solidFill>
+                      <a:prstDash val="solid"/>
+                      <a:round/>
+                      <a:headEnd type="none" w="med" len="med"/>
+                      <a:tailEnd type="none" w="med" len="med"/>
+                    </a:lnT>
+                    <a:lnB w="9525" cap="flat" cmpd="sng" algn="ctr">
+                      <a:solidFill>
+                        <a:srgbClr val="9E9E9E"/>
+                      </a:solidFill>
+                      <a:prstDash val="solid"/>
+                      <a:round/>
+                      <a:headEnd type="none" w="med" len="med"/>
+                      <a:tailEnd type="none" w="med" len="med"/>
+                    </a:lnB>
+                    <a:solidFill>
+                      <a:srgbClr val="EFEFEF"/>
+                    </a:solidFill>
+                  </a:tcPr>
+                </a:tc>
+                <a:tc>
+                  <a:txBody>
+                    <a:bodyPr/>
+                    <a:lstStyle/>
+                    <a:p>
+                      <a:pPr fontAlgn="t"/>
+                      <a:r>
+                        <a:rPr lang="en-US" sz="2800">
+                          <a:effectLst/>
+                        </a:rPr>
+                        <a:t> </a:t>
+                      </a:r>
+                    </a:p>
+                  </a:txBody>
+                  <a:tcPr marL="95250" marR="95250" marT="95250" marB="95250">
+                    <a:lnL w="9525" cap="flat" cmpd="sng" algn="ctr">
+                      <a:solidFill>
+                        <a:srgbClr val="9E9E9E"/>
+                      </a:solidFill>
+                      <a:prstDash val="solid"/>
+                      <a:round/>
+                      <a:headEnd type="none" w="med" len="med"/>
+                      <a:tailEnd type="none" w="med" len="med"/>
+                    </a:lnL>
+                    <a:lnR w="9525" cap="flat" cmpd="sng" algn="ctr">
+                      <a:solidFill>
+                        <a:srgbClr val="9E9E9E"/>
+                      </a:solidFill>
+                      <a:prstDash val="solid"/>
+                      <a:round/>
+                      <a:headEnd type="none" w="med" len="med"/>
+                      <a:tailEnd type="none" w="med" len="med"/>
+                    </a:lnR>
+                    <a:lnT w="9525" cap="flat" cmpd="sng" algn="ctr">
+                      <a:solidFill>
+                        <a:srgbClr val="9E9E9E"/>
+                      </a:solidFill>
+                      <a:prstDash val="solid"/>
+                      <a:round/>
+                      <a:headEnd type="none" w="med" len="med"/>
+                      <a:tailEnd type="none" w="med" len="med"/>
+                    </a:lnT>
+                    <a:lnB w="9525" cap="flat" cmpd="sng" algn="ctr">
+                      <a:solidFill>
+                        <a:srgbClr val="9E9E9E"/>
+                      </a:solidFill>
+                      <a:prstDash val="solid"/>
+                      <a:round/>
+                      <a:headEnd type="none" w="med" len="med"/>
+                      <a:tailEnd type="none" w="med" len="med"/>
+                    </a:lnB>
+                    <a:solidFill>
+                      <a:srgbClr val="EFEFEF"/>
+                    </a:solidFill>
+                  </a:tcPr>
+                </a:tc>
+                <a:tc>
+                  <a:txBody>
+                    <a:bodyPr/>
+                    <a:lstStyle/>
+                    <a:p>
+                      <a:pPr fontAlgn="t"/>
+                      <a:r>
+                        <a:rPr lang="en-US" sz="2800">
+                          <a:effectLst/>
+                        </a:rPr>
+                        <a:t> </a:t>
+                      </a:r>
+                    </a:p>
+                  </a:txBody>
+                  <a:tcPr marL="95250" marR="95250" marT="95250" marB="95250">
+                    <a:lnL w="9525" cap="flat" cmpd="sng" algn="ctr">
+                      <a:solidFill>
+                        <a:srgbClr val="9E9E9E"/>
+                      </a:solidFill>
+                      <a:prstDash val="solid"/>
+                      <a:round/>
+                      <a:headEnd type="none" w="med" len="med"/>
+                      <a:tailEnd type="none" w="med" len="med"/>
+                    </a:lnL>
+                    <a:lnR w="9525" cap="flat" cmpd="sng" algn="ctr">
+                      <a:solidFill>
+                        <a:srgbClr val="9E9E9E"/>
+                      </a:solidFill>
+                      <a:prstDash val="solid"/>
+                      <a:round/>
+                      <a:headEnd type="none" w="med" len="med"/>
+                      <a:tailEnd type="none" w="med" len="med"/>
+                    </a:lnR>
+                    <a:lnT w="9525" cap="flat" cmpd="sng" algn="ctr">
+                      <a:solidFill>
+                        <a:srgbClr val="9E9E9E"/>
+                      </a:solidFill>
+                      <a:prstDash val="solid"/>
+                      <a:round/>
+                      <a:headEnd type="none" w="med" len="med"/>
+                      <a:tailEnd type="none" w="med" len="med"/>
+                    </a:lnT>
+                    <a:lnB w="9525" cap="flat" cmpd="sng" algn="ctr">
+                      <a:solidFill>
+                        <a:srgbClr val="9E9E9E"/>
+                      </a:solidFill>
+                      <a:prstDash val="solid"/>
+                      <a:round/>
+                      <a:headEnd type="none" w="med" len="med"/>
+                      <a:tailEnd type="none" w="med" len="med"/>
+                    </a:lnB>
+                    <a:solidFill>
+                      <a:srgbClr val="EFEFEF"/>
+                    </a:solidFill>
+                  </a:tcPr>
+                </a:tc>
+                <a:tc>
+                  <a:txBody>
+                    <a:bodyPr/>
+                    <a:lstStyle/>
+                    <a:p>
+                      <a:pPr fontAlgn="t"/>
+                      <a:r>
+                        <a:rPr lang="en-US" sz="2800" dirty="0">
+                          <a:effectLst/>
+                        </a:rPr>
+                        <a:t> </a:t>
+                      </a:r>
+                    </a:p>
+                  </a:txBody>
+                  <a:tcPr marL="95250" marR="95250" marT="95250" marB="95250">
+                    <a:lnL w="9525" cap="flat" cmpd="sng" algn="ctr">
+                      <a:solidFill>
+                        <a:srgbClr val="9E9E9E"/>
+                      </a:solidFill>
+                      <a:prstDash val="solid"/>
+                      <a:round/>
+                      <a:headEnd type="none" w="med" len="med"/>
+                      <a:tailEnd type="none" w="med" len="med"/>
+                    </a:lnL>
+                    <a:lnR w="9525" cap="flat" cmpd="sng" algn="ctr">
+                      <a:solidFill>
+                        <a:srgbClr val="9E9E9E"/>
+                      </a:solidFill>
+                      <a:prstDash val="solid"/>
+                      <a:round/>
+                      <a:headEnd type="none" w="med" len="med"/>
+                      <a:tailEnd type="none" w="med" len="med"/>
+                    </a:lnR>
+                    <a:lnT w="9525" cap="flat" cmpd="sng" algn="ctr">
+                      <a:solidFill>
+                        <a:srgbClr val="9E9E9E"/>
+                      </a:solidFill>
+                      <a:prstDash val="solid"/>
+                      <a:round/>
+                      <a:headEnd type="none" w="med" len="med"/>
+                      <a:tailEnd type="none" w="med" len="med"/>
+                    </a:lnT>
+                    <a:lnB w="9525" cap="flat" cmpd="sng" algn="ctr">
+                      <a:solidFill>
+                        <a:srgbClr val="9E9E9E"/>
+                      </a:solidFill>
+                      <a:prstDash val="solid"/>
+                      <a:round/>
+                      <a:headEnd type="none" w="med" len="med"/>
+                      <a:tailEnd type="none" w="med" len="med"/>
+                    </a:lnB>
+                    <a:solidFill>
+                      <a:srgbClr val="EFEFEF"/>
+                    </a:solidFill>
+                  </a:tcPr>
+                </a:tc>
+                <a:extLst>
+                  <a:ext uri="{0D108BD9-81ED-4DB2-BD59-A6C34878D82A}">
+                    <a16:rowId xmlns:a16="http://schemas.microsoft.com/office/drawing/2014/main" val="1919315643"/>
+                  </a:ext>
+                </a:extLst>
+              </a:tr>
+              <a:tr h="572400">
+                <a:tc>
+                  <a:txBody>
+                    <a:bodyPr/>
+                    <a:lstStyle/>
+                    <a:p>
+                      <a:pPr rtl="0" fontAlgn="t">
+                        <a:spcBef>
+                          <a:spcPts val="0"/>
+                        </a:spcBef>
+                        <a:spcAft>
+                          <a:spcPts val="0"/>
+                        </a:spcAft>
+                      </a:pPr>
+                      <a:r>
+                        <a:rPr lang="en-US" sz="1400" b="0" i="0" u="none" strike="noStrike">
+                          <a:solidFill>
+                            <a:srgbClr val="000000"/>
+                          </a:solidFill>
+                          <a:effectLst/>
+                          <a:latin typeface="Arial" panose="020B0604020202020204" pitchFamily="34" charset="0"/>
+                        </a:rPr>
+                        <a:t>2</a:t>
+                      </a:r>
+                      <a:endParaRPr lang="en-US" sz="2800">
+                        <a:effectLst/>
+                      </a:endParaRPr>
+                    </a:p>
+                  </a:txBody>
+                  <a:tcPr marL="95250" marR="95250" marT="95250" marB="95250">
+                    <a:lnL w="9525" cap="flat" cmpd="sng" algn="ctr">
+                      <a:solidFill>
+                        <a:srgbClr val="9E9E9E"/>
+                      </a:solidFill>
+                      <a:prstDash val="solid"/>
+                      <a:round/>
+                      <a:headEnd type="none" w="med" len="med"/>
+                      <a:tailEnd type="none" w="med" len="med"/>
+                    </a:lnL>
+                    <a:lnR w="9525" cap="flat" cmpd="sng" algn="ctr">
+                      <a:solidFill>
+                        <a:srgbClr val="9E9E9E"/>
+                      </a:solidFill>
+                      <a:prstDash val="solid"/>
+                      <a:round/>
+                      <a:headEnd type="none" w="med" len="med"/>
+                      <a:tailEnd type="none" w="med" len="med"/>
+                    </a:lnR>
+                    <a:lnT w="9525" cap="flat" cmpd="sng" algn="ctr">
+                      <a:solidFill>
+                        <a:srgbClr val="9E9E9E"/>
+                      </a:solidFill>
+                      <a:prstDash val="solid"/>
+                      <a:round/>
+                      <a:headEnd type="none" w="med" len="med"/>
+                      <a:tailEnd type="none" w="med" len="med"/>
+                    </a:lnT>
+                    <a:lnB w="9525" cap="flat" cmpd="sng" algn="ctr">
+                      <a:solidFill>
+                        <a:srgbClr val="9E9E9E"/>
+                      </a:solidFill>
+                      <a:prstDash val="solid"/>
+                      <a:round/>
+                      <a:headEnd type="none" w="med" len="med"/>
+                      <a:tailEnd type="none" w="med" len="med"/>
+                    </a:lnB>
+                  </a:tcPr>
+                </a:tc>
+                <a:tc>
+                  <a:txBody>
+                    <a:bodyPr/>
+                    <a:lstStyle/>
+                    <a:p>
+                      <a:pPr fontAlgn="t"/>
+                      <a:r>
+                        <a:rPr lang="en-US" sz="2800">
+                          <a:effectLst/>
+                        </a:rPr>
+                        <a:t> </a:t>
+                      </a:r>
+                    </a:p>
+                  </a:txBody>
+                  <a:tcPr marL="95250" marR="95250" marT="95250" marB="95250">
+                    <a:lnL w="9525" cap="flat" cmpd="sng" algn="ctr">
+                      <a:solidFill>
+                        <a:srgbClr val="9E9E9E"/>
+                      </a:solidFill>
+                      <a:prstDash val="solid"/>
+                      <a:round/>
+                      <a:headEnd type="none" w="med" len="med"/>
+                      <a:tailEnd type="none" w="med" len="med"/>
+                    </a:lnL>
+                    <a:lnR w="9525" cap="flat" cmpd="sng" algn="ctr">
+                      <a:solidFill>
+                        <a:srgbClr val="9E9E9E"/>
+                      </a:solidFill>
+                      <a:prstDash val="solid"/>
+                      <a:round/>
+                      <a:headEnd type="none" w="med" len="med"/>
+                      <a:tailEnd type="none" w="med" len="med"/>
+                    </a:lnR>
+                    <a:lnT w="9525" cap="flat" cmpd="sng" algn="ctr">
+                      <a:solidFill>
+                        <a:srgbClr val="9E9E9E"/>
+                      </a:solidFill>
+                      <a:prstDash val="solid"/>
+                      <a:round/>
+                      <a:headEnd type="none" w="med" len="med"/>
+                      <a:tailEnd type="none" w="med" len="med"/>
+                    </a:lnT>
+                    <a:lnB w="9525" cap="flat" cmpd="sng" algn="ctr">
+                      <a:solidFill>
+                        <a:srgbClr val="9E9E9E"/>
+                      </a:solidFill>
+                      <a:prstDash val="solid"/>
+                      <a:round/>
+                      <a:headEnd type="none" w="med" len="med"/>
+                      <a:tailEnd type="none" w="med" len="med"/>
+                    </a:lnB>
+                    <a:solidFill>
+                      <a:srgbClr val="CFE2F3"/>
+                    </a:solidFill>
+                  </a:tcPr>
+                </a:tc>
+                <a:tc>
+                  <a:txBody>
+                    <a:bodyPr/>
+                    <a:lstStyle/>
+                    <a:p>
+                      <a:pPr fontAlgn="t"/>
+                      <a:r>
+                        <a:rPr lang="en-US" sz="2800">
+                          <a:effectLst/>
+                        </a:rPr>
+                        <a:t> </a:t>
+                      </a:r>
+                    </a:p>
+                  </a:txBody>
+                  <a:tcPr marL="95250" marR="95250" marT="95250" marB="95250">
+                    <a:lnL w="9525" cap="flat" cmpd="sng" algn="ctr">
+                      <a:solidFill>
+                        <a:srgbClr val="9E9E9E"/>
+                      </a:solidFill>
+                      <a:prstDash val="solid"/>
+                      <a:round/>
+                      <a:headEnd type="none" w="med" len="med"/>
+                      <a:tailEnd type="none" w="med" len="med"/>
+                    </a:lnL>
+                    <a:lnR w="9525" cap="flat" cmpd="sng" algn="ctr">
+                      <a:solidFill>
+                        <a:srgbClr val="9E9E9E"/>
+                      </a:solidFill>
+                      <a:prstDash val="solid"/>
+                      <a:round/>
+                      <a:headEnd type="none" w="med" len="med"/>
+                      <a:tailEnd type="none" w="med" len="med"/>
+                    </a:lnR>
+                    <a:lnT w="9525" cap="flat" cmpd="sng" algn="ctr">
+                      <a:solidFill>
+                        <a:srgbClr val="9E9E9E"/>
+                      </a:solidFill>
+                      <a:prstDash val="solid"/>
+                      <a:round/>
+                      <a:headEnd type="none" w="med" len="med"/>
+                      <a:tailEnd type="none" w="med" len="med"/>
+                    </a:lnT>
+                    <a:lnB w="9525" cap="flat" cmpd="sng" algn="ctr">
+                      <a:solidFill>
+                        <a:srgbClr val="9E9E9E"/>
+                      </a:solidFill>
+                      <a:prstDash val="solid"/>
+                      <a:round/>
+                      <a:headEnd type="none" w="med" len="med"/>
+                      <a:tailEnd type="none" w="med" len="med"/>
+                    </a:lnB>
+                    <a:solidFill>
+                      <a:srgbClr val="CFE2F3"/>
+                    </a:solidFill>
+                  </a:tcPr>
+                </a:tc>
+                <a:tc>
+                  <a:txBody>
+                    <a:bodyPr/>
+                    <a:lstStyle/>
+                    <a:p>
+                      <a:pPr fontAlgn="t"/>
+                      <a:r>
+                        <a:rPr lang="en-US" sz="2800">
+                          <a:effectLst/>
+                        </a:rPr>
+                        <a:t> </a:t>
+                      </a:r>
+                    </a:p>
+                  </a:txBody>
+                  <a:tcPr marL="95250" marR="95250" marT="95250" marB="95250">
+                    <a:lnL w="9525" cap="flat" cmpd="sng" algn="ctr">
+                      <a:solidFill>
+                        <a:srgbClr val="9E9E9E"/>
+                      </a:solidFill>
+                      <a:prstDash val="solid"/>
+                      <a:round/>
+                      <a:headEnd type="none" w="med" len="med"/>
+                      <a:tailEnd type="none" w="med" len="med"/>
+                    </a:lnL>
+                    <a:lnR w="9525" cap="flat" cmpd="sng" algn="ctr">
+                      <a:solidFill>
+                        <a:srgbClr val="9E9E9E"/>
+                      </a:solidFill>
+                      <a:prstDash val="solid"/>
+                      <a:round/>
+                      <a:headEnd type="none" w="med" len="med"/>
+                      <a:tailEnd type="none" w="med" len="med"/>
+                    </a:lnR>
+                    <a:lnT w="9525" cap="flat" cmpd="sng" algn="ctr">
+                      <a:solidFill>
+                        <a:srgbClr val="9E9E9E"/>
+                      </a:solidFill>
+                      <a:prstDash val="solid"/>
+                      <a:round/>
+                      <a:headEnd type="none" w="med" len="med"/>
+                      <a:tailEnd type="none" w="med" len="med"/>
+                    </a:lnT>
+                    <a:lnB w="9525" cap="flat" cmpd="sng" algn="ctr">
+                      <a:solidFill>
+                        <a:srgbClr val="9E9E9E"/>
+                      </a:solidFill>
+                      <a:prstDash val="solid"/>
+                      <a:round/>
+                      <a:headEnd type="none" w="med" len="med"/>
+                      <a:tailEnd type="none" w="med" len="med"/>
+                    </a:lnB>
+                    <a:solidFill>
+                      <a:srgbClr val="CFE2F3"/>
+                    </a:solidFill>
+                  </a:tcPr>
+                </a:tc>
+                <a:tc>
+                  <a:txBody>
+                    <a:bodyPr/>
+                    <a:lstStyle/>
+                    <a:p>
+                      <a:pPr fontAlgn="t"/>
+                      <a:r>
+                        <a:rPr lang="en-US" sz="2800">
+                          <a:effectLst/>
+                        </a:rPr>
+                        <a:t> </a:t>
+                      </a:r>
+                    </a:p>
+                  </a:txBody>
+                  <a:tcPr marL="95250" marR="95250" marT="95250" marB="95250">
+                    <a:lnL w="9525" cap="flat" cmpd="sng" algn="ctr">
+                      <a:solidFill>
+                        <a:srgbClr val="9E9E9E"/>
+                      </a:solidFill>
+                      <a:prstDash val="solid"/>
+                      <a:round/>
+                      <a:headEnd type="none" w="med" len="med"/>
+                      <a:tailEnd type="none" w="med" len="med"/>
+                    </a:lnL>
+                    <a:lnR w="9525" cap="flat" cmpd="sng" algn="ctr">
+                      <a:solidFill>
+                        <a:srgbClr val="9E9E9E"/>
+                      </a:solidFill>
+                      <a:prstDash val="solid"/>
+                      <a:round/>
+                      <a:headEnd type="none" w="med" len="med"/>
+                      <a:tailEnd type="none" w="med" len="med"/>
+                    </a:lnR>
+                    <a:lnT w="9525" cap="flat" cmpd="sng" algn="ctr">
+                      <a:solidFill>
+                        <a:srgbClr val="9E9E9E"/>
+                      </a:solidFill>
+                      <a:prstDash val="solid"/>
+                      <a:round/>
+                      <a:headEnd type="none" w="med" len="med"/>
+                      <a:tailEnd type="none" w="med" len="med"/>
+                    </a:lnT>
+                    <a:lnB w="9525" cap="flat" cmpd="sng" algn="ctr">
+                      <a:solidFill>
+                        <a:srgbClr val="9E9E9E"/>
+                      </a:solidFill>
+                      <a:prstDash val="solid"/>
+                      <a:round/>
+                      <a:headEnd type="none" w="med" len="med"/>
+                      <a:tailEnd type="none" w="med" len="med"/>
+                    </a:lnB>
+                    <a:solidFill>
+                      <a:srgbClr val="CFE2F3"/>
+                    </a:solidFill>
+                  </a:tcPr>
+                </a:tc>
+                <a:tc>
+                  <a:txBody>
+                    <a:bodyPr/>
+                    <a:lstStyle/>
+                    <a:p>
+                      <a:pPr fontAlgn="t"/>
+                      <a:r>
+                        <a:rPr lang="en-US" sz="2800">
+                          <a:effectLst/>
+                        </a:rPr>
+                        <a:t> </a:t>
+                      </a:r>
+                    </a:p>
+                  </a:txBody>
+                  <a:tcPr marL="95250" marR="95250" marT="95250" marB="95250">
+                    <a:lnL w="9525" cap="flat" cmpd="sng" algn="ctr">
+                      <a:solidFill>
+                        <a:srgbClr val="9E9E9E"/>
+                      </a:solidFill>
+                      <a:prstDash val="solid"/>
+                      <a:round/>
+                      <a:headEnd type="none" w="med" len="med"/>
+                      <a:tailEnd type="none" w="med" len="med"/>
+                    </a:lnL>
+                    <a:lnR w="9525" cap="flat" cmpd="sng" algn="ctr">
+                      <a:solidFill>
+                        <a:srgbClr val="9E9E9E"/>
+                      </a:solidFill>
+                      <a:prstDash val="solid"/>
+                      <a:round/>
+                      <a:headEnd type="none" w="med" len="med"/>
+                      <a:tailEnd type="none" w="med" len="med"/>
+                    </a:lnR>
+                    <a:lnT w="9525" cap="flat" cmpd="sng" algn="ctr">
+                      <a:solidFill>
+                        <a:srgbClr val="9E9E9E"/>
+                      </a:solidFill>
+                      <a:prstDash val="solid"/>
+                      <a:round/>
+                      <a:headEnd type="none" w="med" len="med"/>
+                      <a:tailEnd type="none" w="med" len="med"/>
+                    </a:lnT>
+                    <a:lnB w="9525" cap="flat" cmpd="sng" algn="ctr">
+                      <a:solidFill>
+                        <a:srgbClr val="9E9E9E"/>
+                      </a:solidFill>
+                      <a:prstDash val="solid"/>
+                      <a:round/>
+                      <a:headEnd type="none" w="med" len="med"/>
+                      <a:tailEnd type="none" w="med" len="med"/>
+                    </a:lnB>
+                    <a:solidFill>
+                      <a:srgbClr val="EFEFEF"/>
+                    </a:solidFill>
+                  </a:tcPr>
+                </a:tc>
+                <a:tc>
+                  <a:txBody>
+                    <a:bodyPr/>
+                    <a:lstStyle/>
+                    <a:p>
+                      <a:pPr fontAlgn="t"/>
+                      <a:r>
+                        <a:rPr lang="en-US" sz="2800">
+                          <a:effectLst/>
+                        </a:rPr>
+                        <a:t> </a:t>
+                      </a:r>
+                    </a:p>
+                  </a:txBody>
+                  <a:tcPr marL="95250" marR="95250" marT="95250" marB="95250">
+                    <a:lnL w="9525" cap="flat" cmpd="sng" algn="ctr">
+                      <a:solidFill>
+                        <a:srgbClr val="9E9E9E"/>
+                      </a:solidFill>
+                      <a:prstDash val="solid"/>
+                      <a:round/>
+                      <a:headEnd type="none" w="med" len="med"/>
+                      <a:tailEnd type="none" w="med" len="med"/>
+                    </a:lnL>
+                    <a:lnR w="9525" cap="flat" cmpd="sng" algn="ctr">
+                      <a:solidFill>
+                        <a:srgbClr val="9E9E9E"/>
+                      </a:solidFill>
+                      <a:prstDash val="solid"/>
+                      <a:round/>
+                      <a:headEnd type="none" w="med" len="med"/>
+                      <a:tailEnd type="none" w="med" len="med"/>
+                    </a:lnR>
+                    <a:lnT w="9525" cap="flat" cmpd="sng" algn="ctr">
+                      <a:solidFill>
+                        <a:srgbClr val="9E9E9E"/>
+                      </a:solidFill>
+                      <a:prstDash val="solid"/>
+                      <a:round/>
+                      <a:headEnd type="none" w="med" len="med"/>
+                      <a:tailEnd type="none" w="med" len="med"/>
+                    </a:lnT>
+                    <a:lnB w="9525" cap="flat" cmpd="sng" algn="ctr">
+                      <a:solidFill>
+                        <a:srgbClr val="9E9E9E"/>
+                      </a:solidFill>
+                      <a:prstDash val="solid"/>
+                      <a:round/>
+                      <a:headEnd type="none" w="med" len="med"/>
+                      <a:tailEnd type="none" w="med" len="med"/>
+                    </a:lnB>
+                    <a:solidFill>
+                      <a:srgbClr val="EFEFEF"/>
+                    </a:solidFill>
+                  </a:tcPr>
+                </a:tc>
+                <a:tc>
+                  <a:txBody>
+                    <a:bodyPr/>
+                    <a:lstStyle/>
+                    <a:p>
+                      <a:pPr fontAlgn="t"/>
+                      <a:r>
+                        <a:rPr lang="en-US" sz="2800">
+                          <a:effectLst/>
+                        </a:rPr>
+                        <a:t> </a:t>
+                      </a:r>
+                    </a:p>
+                  </a:txBody>
+                  <a:tcPr marL="95250" marR="95250" marT="95250" marB="95250">
+                    <a:lnL w="9525" cap="flat" cmpd="sng" algn="ctr">
+                      <a:solidFill>
+                        <a:srgbClr val="9E9E9E"/>
+                      </a:solidFill>
+                      <a:prstDash val="solid"/>
+                      <a:round/>
+                      <a:headEnd type="none" w="med" len="med"/>
+                      <a:tailEnd type="none" w="med" len="med"/>
+                    </a:lnL>
+                    <a:lnR w="9525" cap="flat" cmpd="sng" algn="ctr">
+                      <a:solidFill>
+                        <a:srgbClr val="9E9E9E"/>
+                      </a:solidFill>
+                      <a:prstDash val="solid"/>
+                      <a:round/>
+                      <a:headEnd type="none" w="med" len="med"/>
+                      <a:tailEnd type="none" w="med" len="med"/>
+                    </a:lnR>
+                    <a:lnT w="9525" cap="flat" cmpd="sng" algn="ctr">
+                      <a:solidFill>
+                        <a:srgbClr val="9E9E9E"/>
+                      </a:solidFill>
+                      <a:prstDash val="solid"/>
+                      <a:round/>
+                      <a:headEnd type="none" w="med" len="med"/>
+                      <a:tailEnd type="none" w="med" len="med"/>
+                    </a:lnT>
+                    <a:lnB w="9525" cap="flat" cmpd="sng" algn="ctr">
+                      <a:solidFill>
+                        <a:srgbClr val="9E9E9E"/>
+                      </a:solidFill>
+                      <a:prstDash val="solid"/>
+                      <a:round/>
+                      <a:headEnd type="none" w="med" len="med"/>
+                      <a:tailEnd type="none" w="med" len="med"/>
+                    </a:lnB>
+                    <a:solidFill>
+                      <a:srgbClr val="EFEFEF"/>
+                    </a:solidFill>
+                  </a:tcPr>
+                </a:tc>
+                <a:tc>
+                  <a:txBody>
+                    <a:bodyPr/>
+                    <a:lstStyle/>
+                    <a:p>
+                      <a:pPr fontAlgn="t"/>
+                      <a:r>
+                        <a:rPr lang="en-US" sz="2800">
+                          <a:effectLst/>
+                        </a:rPr>
+                        <a:t> </a:t>
+                      </a:r>
+                    </a:p>
+                  </a:txBody>
+                  <a:tcPr marL="95250" marR="95250" marT="95250" marB="95250">
+                    <a:lnL w="9525" cap="flat" cmpd="sng" algn="ctr">
+                      <a:solidFill>
+                        <a:srgbClr val="9E9E9E"/>
+                      </a:solidFill>
+                      <a:prstDash val="solid"/>
+                      <a:round/>
+                      <a:headEnd type="none" w="med" len="med"/>
+                      <a:tailEnd type="none" w="med" len="med"/>
+                    </a:lnL>
+                    <a:lnR w="9525" cap="flat" cmpd="sng" algn="ctr">
+                      <a:solidFill>
+                        <a:srgbClr val="9E9E9E"/>
+                      </a:solidFill>
+                      <a:prstDash val="solid"/>
+                      <a:round/>
+                      <a:headEnd type="none" w="med" len="med"/>
+                      <a:tailEnd type="none" w="med" len="med"/>
+                    </a:lnR>
+                    <a:lnT w="9525" cap="flat" cmpd="sng" algn="ctr">
+                      <a:solidFill>
+                        <a:srgbClr val="9E9E9E"/>
+                      </a:solidFill>
+                      <a:prstDash val="solid"/>
+                      <a:round/>
+                      <a:headEnd type="none" w="med" len="med"/>
+                      <a:tailEnd type="none" w="med" len="med"/>
+                    </a:lnT>
+                    <a:lnB w="9525" cap="flat" cmpd="sng" algn="ctr">
+                      <a:solidFill>
+                        <a:srgbClr val="9E9E9E"/>
+                      </a:solidFill>
+                      <a:prstDash val="solid"/>
+                      <a:round/>
+                      <a:headEnd type="none" w="med" len="med"/>
+                      <a:tailEnd type="none" w="med" len="med"/>
+                    </a:lnB>
+                    <a:solidFill>
+                      <a:srgbClr val="EFEFEF"/>
+                    </a:solidFill>
+                  </a:tcPr>
+                </a:tc>
+                <a:extLst>
+                  <a:ext uri="{0D108BD9-81ED-4DB2-BD59-A6C34878D82A}">
+                    <a16:rowId xmlns:a16="http://schemas.microsoft.com/office/drawing/2014/main" val="3615035906"/>
+                  </a:ext>
+                </a:extLst>
+              </a:tr>
+              <a:tr h="658800">
+                <a:tc>
+                  <a:txBody>
+                    <a:bodyPr/>
+                    <a:lstStyle/>
+                    <a:p>
+                      <a:pPr rtl="0" fontAlgn="t">
+                        <a:spcBef>
+                          <a:spcPts val="0"/>
+                        </a:spcBef>
+                        <a:spcAft>
+                          <a:spcPts val="0"/>
+                        </a:spcAft>
+                      </a:pPr>
+                      <a:r>
+                        <a:rPr lang="en-US" sz="1400" b="0" i="0" u="none" strike="noStrike">
+                          <a:solidFill>
+                            <a:srgbClr val="000000"/>
+                          </a:solidFill>
+                          <a:effectLst/>
+                          <a:latin typeface="Arial" panose="020B0604020202020204" pitchFamily="34" charset="0"/>
+                        </a:rPr>
+                        <a:t>3 (most recent)</a:t>
+                      </a:r>
+                      <a:endParaRPr lang="en-US" sz="2800">
+                        <a:effectLst/>
+                      </a:endParaRPr>
+                    </a:p>
+                  </a:txBody>
+                  <a:tcPr marL="95250" marR="95250" marT="95250" marB="95250">
+                    <a:lnL w="9525" cap="flat" cmpd="sng" algn="ctr">
+                      <a:solidFill>
+                        <a:srgbClr val="9E9E9E"/>
+                      </a:solidFill>
+                      <a:prstDash val="solid"/>
+                      <a:round/>
+                      <a:headEnd type="none" w="med" len="med"/>
+                      <a:tailEnd type="none" w="med" len="med"/>
+                    </a:lnL>
+                    <a:lnR w="9525" cap="flat" cmpd="sng" algn="ctr">
+                      <a:solidFill>
+                        <a:srgbClr val="9E9E9E"/>
+                      </a:solidFill>
+                      <a:prstDash val="solid"/>
+                      <a:round/>
+                      <a:headEnd type="none" w="med" len="med"/>
+                      <a:tailEnd type="none" w="med" len="med"/>
+                    </a:lnR>
+                    <a:lnT w="9525" cap="flat" cmpd="sng" algn="ctr">
+                      <a:solidFill>
+                        <a:srgbClr val="9E9E9E"/>
+                      </a:solidFill>
+                      <a:prstDash val="solid"/>
+                      <a:round/>
+                      <a:headEnd type="none" w="med" len="med"/>
+                      <a:tailEnd type="none" w="med" len="med"/>
+                    </a:lnT>
+                    <a:lnB w="9525" cap="flat" cmpd="sng" algn="ctr">
+                      <a:solidFill>
+                        <a:srgbClr val="9E9E9E"/>
+                      </a:solidFill>
+                      <a:prstDash val="solid"/>
+                      <a:round/>
+                      <a:headEnd type="none" w="med" len="med"/>
+                      <a:tailEnd type="none" w="med" len="med"/>
+                    </a:lnB>
+                  </a:tcPr>
+                </a:tc>
+                <a:tc>
+                  <a:txBody>
+                    <a:bodyPr/>
+                    <a:lstStyle/>
+                    <a:p>
+                      <a:pPr fontAlgn="t"/>
+                      <a:r>
+                        <a:rPr lang="en-US" sz="2800">
+                          <a:effectLst/>
+                        </a:rPr>
+                        <a:t> </a:t>
+                      </a:r>
+                    </a:p>
+                  </a:txBody>
+                  <a:tcPr marL="95250" marR="95250" marT="95250" marB="95250">
+                    <a:lnL w="9525" cap="flat" cmpd="sng" algn="ctr">
+                      <a:solidFill>
+                        <a:srgbClr val="9E9E9E"/>
+                      </a:solidFill>
+                      <a:prstDash val="solid"/>
+                      <a:round/>
+                      <a:headEnd type="none" w="med" len="med"/>
+                      <a:tailEnd type="none" w="med" len="med"/>
+                    </a:lnL>
+                    <a:lnR w="9525" cap="flat" cmpd="sng" algn="ctr">
+                      <a:solidFill>
+                        <a:srgbClr val="9E9E9E"/>
+                      </a:solidFill>
+                      <a:prstDash val="solid"/>
+                      <a:round/>
+                      <a:headEnd type="none" w="med" len="med"/>
+                      <a:tailEnd type="none" w="med" len="med"/>
+                    </a:lnR>
+                    <a:lnT w="9525" cap="flat" cmpd="sng" algn="ctr">
+                      <a:solidFill>
+                        <a:srgbClr val="9E9E9E"/>
+                      </a:solidFill>
+                      <a:prstDash val="solid"/>
+                      <a:round/>
+                      <a:headEnd type="none" w="med" len="med"/>
+                      <a:tailEnd type="none" w="med" len="med"/>
+                    </a:lnT>
+                    <a:lnB w="9525" cap="flat" cmpd="sng" algn="ctr">
+                      <a:solidFill>
+                        <a:srgbClr val="9E9E9E"/>
+                      </a:solidFill>
+                      <a:prstDash val="solid"/>
+                      <a:round/>
+                      <a:headEnd type="none" w="med" len="med"/>
+                      <a:tailEnd type="none" w="med" len="med"/>
+                    </a:lnB>
+                    <a:solidFill>
+                      <a:srgbClr val="CFE2F3"/>
+                    </a:solidFill>
+                  </a:tcPr>
+                </a:tc>
+                <a:tc>
+                  <a:txBody>
+                    <a:bodyPr/>
+                    <a:lstStyle/>
+                    <a:p>
+                      <a:pPr fontAlgn="t"/>
+                      <a:r>
+                        <a:rPr lang="en-US" sz="2800">
+                          <a:effectLst/>
+                        </a:rPr>
+                        <a:t> </a:t>
+                      </a:r>
+                    </a:p>
+                  </a:txBody>
+                  <a:tcPr marL="95250" marR="95250" marT="95250" marB="95250">
+                    <a:lnL w="9525" cap="flat" cmpd="sng" algn="ctr">
+                      <a:solidFill>
+                        <a:srgbClr val="9E9E9E"/>
+                      </a:solidFill>
+                      <a:prstDash val="solid"/>
+                      <a:round/>
+                      <a:headEnd type="none" w="med" len="med"/>
+                      <a:tailEnd type="none" w="med" len="med"/>
+                    </a:lnL>
+                    <a:lnR w="9525" cap="flat" cmpd="sng" algn="ctr">
+                      <a:solidFill>
+                        <a:srgbClr val="9E9E9E"/>
+                      </a:solidFill>
+                      <a:prstDash val="solid"/>
+                      <a:round/>
+                      <a:headEnd type="none" w="med" len="med"/>
+                      <a:tailEnd type="none" w="med" len="med"/>
+                    </a:lnR>
+                    <a:lnT w="9525" cap="flat" cmpd="sng" algn="ctr">
+                      <a:solidFill>
+                        <a:srgbClr val="9E9E9E"/>
+                      </a:solidFill>
+                      <a:prstDash val="solid"/>
+                      <a:round/>
+                      <a:headEnd type="none" w="med" len="med"/>
+                      <a:tailEnd type="none" w="med" len="med"/>
+                    </a:lnT>
+                    <a:lnB w="9525" cap="flat" cmpd="sng" algn="ctr">
+                      <a:solidFill>
+                        <a:srgbClr val="9E9E9E"/>
+                      </a:solidFill>
+                      <a:prstDash val="solid"/>
+                      <a:round/>
+                      <a:headEnd type="none" w="med" len="med"/>
+                      <a:tailEnd type="none" w="med" len="med"/>
+                    </a:lnB>
+                    <a:solidFill>
+                      <a:srgbClr val="CFE2F3"/>
+                    </a:solidFill>
+                  </a:tcPr>
+                </a:tc>
+                <a:tc>
+                  <a:txBody>
+                    <a:bodyPr/>
+                    <a:lstStyle/>
+                    <a:p>
+                      <a:pPr fontAlgn="t"/>
+                      <a:r>
+                        <a:rPr lang="en-US" sz="2800">
+                          <a:effectLst/>
+                        </a:rPr>
+                        <a:t> </a:t>
+                      </a:r>
+                    </a:p>
+                  </a:txBody>
+                  <a:tcPr marL="95250" marR="95250" marT="95250" marB="95250">
+                    <a:lnL w="9525" cap="flat" cmpd="sng" algn="ctr">
+                      <a:solidFill>
+                        <a:srgbClr val="9E9E9E"/>
+                      </a:solidFill>
+                      <a:prstDash val="solid"/>
+                      <a:round/>
+                      <a:headEnd type="none" w="med" len="med"/>
+                      <a:tailEnd type="none" w="med" len="med"/>
+                    </a:lnL>
+                    <a:lnR w="9525" cap="flat" cmpd="sng" algn="ctr">
+                      <a:solidFill>
+                        <a:srgbClr val="9E9E9E"/>
+                      </a:solidFill>
+                      <a:prstDash val="solid"/>
+                      <a:round/>
+                      <a:headEnd type="none" w="med" len="med"/>
+                      <a:tailEnd type="none" w="med" len="med"/>
+                    </a:lnR>
+                    <a:lnT w="9525" cap="flat" cmpd="sng" algn="ctr">
+                      <a:solidFill>
+                        <a:srgbClr val="9E9E9E"/>
+                      </a:solidFill>
+                      <a:prstDash val="solid"/>
+                      <a:round/>
+                      <a:headEnd type="none" w="med" len="med"/>
+                      <a:tailEnd type="none" w="med" len="med"/>
+                    </a:lnT>
+                    <a:lnB w="9525" cap="flat" cmpd="sng" algn="ctr">
+                      <a:solidFill>
+                        <a:srgbClr val="9E9E9E"/>
+                      </a:solidFill>
+                      <a:prstDash val="solid"/>
+                      <a:round/>
+                      <a:headEnd type="none" w="med" len="med"/>
+                      <a:tailEnd type="none" w="med" len="med"/>
+                    </a:lnB>
+                    <a:solidFill>
+                      <a:srgbClr val="CFE2F3"/>
+                    </a:solidFill>
+                  </a:tcPr>
+                </a:tc>
+                <a:tc>
+                  <a:txBody>
+                    <a:bodyPr/>
+                    <a:lstStyle/>
+                    <a:p>
+                      <a:pPr fontAlgn="t"/>
+                      <a:r>
+                        <a:rPr lang="en-US" sz="2800">
+                          <a:effectLst/>
+                        </a:rPr>
+                        <a:t> </a:t>
+                      </a:r>
+                    </a:p>
+                  </a:txBody>
+                  <a:tcPr marL="95250" marR="95250" marT="95250" marB="95250">
+                    <a:lnL w="9525" cap="flat" cmpd="sng" algn="ctr">
+                      <a:solidFill>
+                        <a:srgbClr val="9E9E9E"/>
+                      </a:solidFill>
+                      <a:prstDash val="solid"/>
+                      <a:round/>
+                      <a:headEnd type="none" w="med" len="med"/>
+                      <a:tailEnd type="none" w="med" len="med"/>
+                    </a:lnL>
+                    <a:lnR w="9525" cap="flat" cmpd="sng" algn="ctr">
+                      <a:solidFill>
+                        <a:srgbClr val="9E9E9E"/>
+                      </a:solidFill>
+                      <a:prstDash val="solid"/>
+                      <a:round/>
+                      <a:headEnd type="none" w="med" len="med"/>
+                      <a:tailEnd type="none" w="med" len="med"/>
+                    </a:lnR>
+                    <a:lnT w="9525" cap="flat" cmpd="sng" algn="ctr">
+                      <a:solidFill>
+                        <a:srgbClr val="9E9E9E"/>
+                      </a:solidFill>
+                      <a:prstDash val="solid"/>
+                      <a:round/>
+                      <a:headEnd type="none" w="med" len="med"/>
+                      <a:tailEnd type="none" w="med" len="med"/>
+                    </a:lnT>
+                    <a:lnB w="9525" cap="flat" cmpd="sng" algn="ctr">
+                      <a:solidFill>
+                        <a:srgbClr val="9E9E9E"/>
+                      </a:solidFill>
+                      <a:prstDash val="solid"/>
+                      <a:round/>
+                      <a:headEnd type="none" w="med" len="med"/>
+                      <a:tailEnd type="none" w="med" len="med"/>
+                    </a:lnB>
+                    <a:solidFill>
+                      <a:srgbClr val="CFE2F3"/>
+                    </a:solidFill>
+                  </a:tcPr>
+                </a:tc>
+                <a:tc>
+                  <a:txBody>
+                    <a:bodyPr/>
+                    <a:lstStyle/>
+                    <a:p>
+                      <a:pPr fontAlgn="t"/>
+                      <a:r>
+                        <a:rPr lang="en-US" sz="2800">
+                          <a:effectLst/>
+                        </a:rPr>
+                        <a:t> </a:t>
+                      </a:r>
+                    </a:p>
+                  </a:txBody>
+                  <a:tcPr marL="95250" marR="95250" marT="95250" marB="95250">
+                    <a:lnL w="9525" cap="flat" cmpd="sng" algn="ctr">
+                      <a:solidFill>
+                        <a:srgbClr val="9E9E9E"/>
+                      </a:solidFill>
+                      <a:prstDash val="solid"/>
+                      <a:round/>
+                      <a:headEnd type="none" w="med" len="med"/>
+                      <a:tailEnd type="none" w="med" len="med"/>
+                    </a:lnL>
+                    <a:lnR w="9525" cap="flat" cmpd="sng" algn="ctr">
+                      <a:solidFill>
+                        <a:srgbClr val="9E9E9E"/>
+                      </a:solidFill>
+                      <a:prstDash val="solid"/>
+                      <a:round/>
+                      <a:headEnd type="none" w="med" len="med"/>
+                      <a:tailEnd type="none" w="med" len="med"/>
+                    </a:lnR>
+                    <a:lnT w="9525" cap="flat" cmpd="sng" algn="ctr">
+                      <a:solidFill>
+                        <a:srgbClr val="9E9E9E"/>
+                      </a:solidFill>
+                      <a:prstDash val="solid"/>
+                      <a:round/>
+                      <a:headEnd type="none" w="med" len="med"/>
+                      <a:tailEnd type="none" w="med" len="med"/>
+                    </a:lnT>
+                    <a:lnB w="9525" cap="flat" cmpd="sng" algn="ctr">
+                      <a:solidFill>
+                        <a:srgbClr val="9E9E9E"/>
+                      </a:solidFill>
+                      <a:prstDash val="solid"/>
+                      <a:round/>
+                      <a:headEnd type="none" w="med" len="med"/>
+                      <a:tailEnd type="none" w="med" len="med"/>
+                    </a:lnB>
+                    <a:solidFill>
+                      <a:srgbClr val="EFEFEF"/>
+                    </a:solidFill>
+                  </a:tcPr>
+                </a:tc>
+                <a:tc>
+                  <a:txBody>
+                    <a:bodyPr/>
+                    <a:lstStyle/>
+                    <a:p>
+                      <a:pPr fontAlgn="t"/>
+                      <a:r>
+                        <a:rPr lang="en-US" sz="2800">
+                          <a:effectLst/>
+                        </a:rPr>
+                        <a:t> </a:t>
+                      </a:r>
+                    </a:p>
+                  </a:txBody>
+                  <a:tcPr marL="95250" marR="95250" marT="95250" marB="95250">
+                    <a:lnL w="9525" cap="flat" cmpd="sng" algn="ctr">
+                      <a:solidFill>
+                        <a:srgbClr val="9E9E9E"/>
+                      </a:solidFill>
+                      <a:prstDash val="solid"/>
+                      <a:round/>
+                      <a:headEnd type="none" w="med" len="med"/>
+                      <a:tailEnd type="none" w="med" len="med"/>
+                    </a:lnL>
+                    <a:lnR w="9525" cap="flat" cmpd="sng" algn="ctr">
+                      <a:solidFill>
+                        <a:srgbClr val="9E9E9E"/>
+                      </a:solidFill>
+                      <a:prstDash val="solid"/>
+                      <a:round/>
+                      <a:headEnd type="none" w="med" len="med"/>
+                      <a:tailEnd type="none" w="med" len="med"/>
+                    </a:lnR>
+                    <a:lnT w="9525" cap="flat" cmpd="sng" algn="ctr">
+                      <a:solidFill>
+                        <a:srgbClr val="9E9E9E"/>
+                      </a:solidFill>
+                      <a:prstDash val="solid"/>
+                      <a:round/>
+                      <a:headEnd type="none" w="med" len="med"/>
+                      <a:tailEnd type="none" w="med" len="med"/>
+                    </a:lnT>
+                    <a:lnB w="9525" cap="flat" cmpd="sng" algn="ctr">
+                      <a:solidFill>
+                        <a:srgbClr val="9E9E9E"/>
+                      </a:solidFill>
+                      <a:prstDash val="solid"/>
+                      <a:round/>
+                      <a:headEnd type="none" w="med" len="med"/>
+                      <a:tailEnd type="none" w="med" len="med"/>
+                    </a:lnB>
+                    <a:solidFill>
+                      <a:srgbClr val="EFEFEF"/>
+                    </a:solidFill>
+                  </a:tcPr>
+                </a:tc>
+                <a:tc>
+                  <a:txBody>
+                    <a:bodyPr/>
+                    <a:lstStyle/>
+                    <a:p>
+                      <a:pPr fontAlgn="t"/>
+                      <a:r>
+                        <a:rPr lang="en-US" sz="2800" dirty="0">
+                          <a:effectLst/>
+                        </a:rPr>
+                        <a:t> </a:t>
+                      </a:r>
+                    </a:p>
+                  </a:txBody>
+                  <a:tcPr marL="95250" marR="95250" marT="95250" marB="95250">
+                    <a:lnL w="9525" cap="flat" cmpd="sng" algn="ctr">
+                      <a:solidFill>
+                        <a:srgbClr val="9E9E9E"/>
+                      </a:solidFill>
+                      <a:prstDash val="solid"/>
+                      <a:round/>
+                      <a:headEnd type="none" w="med" len="med"/>
+                      <a:tailEnd type="none" w="med" len="med"/>
+                    </a:lnL>
+                    <a:lnR w="9525" cap="flat" cmpd="sng" algn="ctr">
+                      <a:solidFill>
+                        <a:srgbClr val="9E9E9E"/>
+                      </a:solidFill>
+                      <a:prstDash val="solid"/>
+                      <a:round/>
+                      <a:headEnd type="none" w="med" len="med"/>
+                      <a:tailEnd type="none" w="med" len="med"/>
+                    </a:lnR>
+                    <a:lnT w="9525" cap="flat" cmpd="sng" algn="ctr">
+                      <a:solidFill>
+                        <a:srgbClr val="9E9E9E"/>
+                      </a:solidFill>
+                      <a:prstDash val="solid"/>
+                      <a:round/>
+                      <a:headEnd type="none" w="med" len="med"/>
+                      <a:tailEnd type="none" w="med" len="med"/>
+                    </a:lnT>
+                    <a:lnB w="9525" cap="flat" cmpd="sng" algn="ctr">
+                      <a:solidFill>
+                        <a:srgbClr val="9E9E9E"/>
+                      </a:solidFill>
+                      <a:prstDash val="solid"/>
+                      <a:round/>
+                      <a:headEnd type="none" w="med" len="med"/>
+                      <a:tailEnd type="none" w="med" len="med"/>
+                    </a:lnB>
+                    <a:solidFill>
+                      <a:srgbClr val="EFEFEF"/>
+                    </a:solidFill>
+                  </a:tcPr>
+                </a:tc>
+                <a:tc>
+                  <a:txBody>
+                    <a:bodyPr/>
+                    <a:lstStyle/>
+                    <a:p>
+                      <a:pPr fontAlgn="t"/>
+                      <a:r>
+                        <a:rPr lang="en-US" sz="2800" dirty="0">
+                          <a:effectLst/>
+                        </a:rPr>
+                        <a:t> </a:t>
+                      </a:r>
+                    </a:p>
+                  </a:txBody>
+                  <a:tcPr marL="95250" marR="95250" marT="95250" marB="95250">
+                    <a:lnL w="9525" cap="flat" cmpd="sng" algn="ctr">
+                      <a:solidFill>
+                        <a:srgbClr val="9E9E9E"/>
+                      </a:solidFill>
+                      <a:prstDash val="solid"/>
+                      <a:round/>
+                      <a:headEnd type="none" w="med" len="med"/>
+                      <a:tailEnd type="none" w="med" len="med"/>
+                    </a:lnL>
+                    <a:lnR w="9525" cap="flat" cmpd="sng" algn="ctr">
+                      <a:solidFill>
+                        <a:srgbClr val="9E9E9E"/>
+                      </a:solidFill>
+                      <a:prstDash val="solid"/>
+                      <a:round/>
+                      <a:headEnd type="none" w="med" len="med"/>
+                      <a:tailEnd type="none" w="med" len="med"/>
+                    </a:lnR>
+                    <a:lnT w="9525" cap="flat" cmpd="sng" algn="ctr">
+                      <a:solidFill>
+                        <a:srgbClr val="9E9E9E"/>
+                      </a:solidFill>
+                      <a:prstDash val="solid"/>
+                      <a:round/>
+                      <a:headEnd type="none" w="med" len="med"/>
+                      <a:tailEnd type="none" w="med" len="med"/>
+                    </a:lnT>
+                    <a:lnB w="9525" cap="flat" cmpd="sng" algn="ctr">
+                      <a:solidFill>
+                        <a:srgbClr val="9E9E9E"/>
+                      </a:solidFill>
+                      <a:prstDash val="solid"/>
+                      <a:round/>
+                      <a:headEnd type="none" w="med" len="med"/>
+                      <a:tailEnd type="none" w="med" len="med"/>
+                    </a:lnB>
+                    <a:solidFill>
+                      <a:srgbClr val="EFEFEF"/>
+                    </a:solidFill>
+                  </a:tcPr>
+                </a:tc>
+                <a:extLst>
+                  <a:ext uri="{0D108BD9-81ED-4DB2-BD59-A6C34878D82A}">
+                    <a16:rowId xmlns:a16="http://schemas.microsoft.com/office/drawing/2014/main" val="52947654"/>
+                  </a:ext>
+                </a:extLst>
+              </a:tr>
+            </a:tbl>
+          </a:graphicData>
+        </a:graphic>
+      </p:graphicFrame>
+      <p:sp>
+        <p:nvSpPr>
+          <p:cNvPr id="6" name="Rectangle 1">
+            <a:extLst>
+              <a:ext uri="{FF2B5EF4-FFF2-40B4-BE49-F238E27FC236}">
+                <a16:creationId xmlns:a16="http://schemas.microsoft.com/office/drawing/2014/main" id="{C3A8FBED-85E3-6543-8C9B-3BCDC1DC1B61}"/>
+              </a:ext>
+            </a:extLst>
+          </p:cNvPr>
+          <p:cNvSpPr>
+            <a:spLocks noChangeArrowheads="1"/>
+          </p:cNvSpPr>
+          <p:nvPr/>
+        </p:nvSpPr>
+        <p:spPr bwMode="auto">
+          <a:xfrm>
+            <a:off x="519057" y="1334098"/>
+            <a:ext cx="16688560" cy="648000"/>
+          </a:xfrm>
+          <a:prstGeom prst="rect">
+            <a:avLst/>
+          </a:prstGeom>
+          <a:noFill/>
+          <a:ln>
+            <a:noFill/>
+          </a:ln>
+          <a:effectLst/>
+          <a:extLst>
+            <a:ext uri="{909E8E84-426E-40DD-AFC4-6F175D3DCCD1}">
+              <a14:hiddenFill xmlns:a14="http://schemas.microsoft.com/office/drawing/2010/main">
+                <a:solidFill>
+                  <a:schemeClr val="accent1"/>
+                </a:solidFill>
+              </a14:hiddenFill>
+            </a:ext>
+            <a:ext uri="{91240B29-F687-4F45-9708-019B960494DF}">
+              <a14:hiddenLine xmlns:a14="http://schemas.microsoft.com/office/drawing/2010/main" w="9525">
+                <a:solidFill>
+                  <a:schemeClr val="tx1"/>
+                </a:solidFill>
+                <a:miter lim="800000"/>
+                <a:headEnd/>
+                <a:tailEnd/>
+              </a14:hiddenLine>
+            </a:ext>
+            <a:ext uri="{AF507438-7753-43E0-B8FC-AC1667EBCBE1}">
+              <a14:hiddenEffects xmlns:a14="http://schemas.microsoft.com/office/drawing/2010/main">
+                <a:effectLst>
+                  <a:outerShdw dist="35921" dir="2700000" algn="ctr" rotWithShape="0">
+                    <a:schemeClr val="bg2"/>
+                  </a:outerShdw>
+                </a:effectLst>
+              </a14:hiddenEffects>
+            </a:ext>
+          </a:extLst>
+        </p:spPr>
+        <p:txBody>
+          <a:bodyPr vert="horz" wrap="square" lIns="91440" tIns="45720" rIns="91440" bIns="45720" numCol="1" anchor="ctr" anchorCtr="0" compatLnSpc="1">
+            <a:prstTxWarp prst="textNoShape">
+              <a:avLst/>
+            </a:prstTxWarp>
+            <a:spAutoFit/>
+          </a:bodyPr>
+          <a:lstStyle/>
+          <a:p>
+            <a:endParaRPr lang="en-US"/>
+          </a:p>
+        </p:txBody>
+      </p:sp>
+      <p:sp>
+        <p:nvSpPr>
+          <p:cNvPr id="8" name="Google Shape;75;p16">
+            <a:extLst>
+              <a:ext uri="{FF2B5EF4-FFF2-40B4-BE49-F238E27FC236}">
+                <a16:creationId xmlns:a16="http://schemas.microsoft.com/office/drawing/2014/main" id="{88022FE4-43BB-F446-8B27-9386A69F8BEF}"/>
+              </a:ext>
+            </a:extLst>
+          </p:cNvPr>
+          <p:cNvSpPr/>
+          <p:nvPr/>
+        </p:nvSpPr>
+        <p:spPr>
+          <a:xfrm>
+            <a:off x="2616653" y="4956475"/>
+            <a:ext cx="2723700" cy="518400"/>
+          </a:xfrm>
+          <a:prstGeom prst="rect">
+            <a:avLst/>
+          </a:prstGeom>
+          <a:solidFill>
+            <a:schemeClr val="lt2"/>
+          </a:solidFill>
+          <a:ln w="9525" cap="flat" cmpd="sng">
+            <a:solidFill>
+              <a:schemeClr val="dk2"/>
+            </a:solidFill>
+            <a:prstDash val="solid"/>
+            <a:round/>
+            <a:headEnd type="none" w="sm" len="sm"/>
+            <a:tailEnd type="none" w="sm" len="sm"/>
+          </a:ln>
+        </p:spPr>
+        <p:txBody>
+          <a:bodyPr spcFirstLastPara="1" wrap="square" lIns="91425" tIns="91425" rIns="91425" bIns="91425" anchor="ctr" anchorCtr="0">
+            <a:noAutofit/>
+          </a:bodyPr>
+          <a:lstStyle/>
+          <a:p>
+            <a:pPr marL="0" lvl="0" indent="0" algn="l" rtl="0">
+              <a:spcBef>
+                <a:spcPts val="0"/>
+              </a:spcBef>
+              <a:spcAft>
+                <a:spcPts val="0"/>
+              </a:spcAft>
+              <a:buClr>
+                <a:schemeClr val="dk1"/>
+              </a:buClr>
+              <a:buSzPts val="1100"/>
+              <a:buFont typeface="Arial"/>
+              <a:buNone/>
+            </a:pPr>
+            <a:r>
+              <a:rPr lang="en" dirty="0"/>
+              <a:t>Training Examples</a:t>
+            </a:r>
+            <a:endParaRPr dirty="0"/>
+          </a:p>
+        </p:txBody>
+      </p:sp>
+      <p:sp>
+        <p:nvSpPr>
+          <p:cNvPr id="9" name="Google Shape;76;p16">
+            <a:extLst>
+              <a:ext uri="{FF2B5EF4-FFF2-40B4-BE49-F238E27FC236}">
+                <a16:creationId xmlns:a16="http://schemas.microsoft.com/office/drawing/2014/main" id="{1CC13113-308F-0D49-A54C-F1B7D29843CB}"/>
+              </a:ext>
+            </a:extLst>
+          </p:cNvPr>
+          <p:cNvSpPr/>
+          <p:nvPr/>
+        </p:nvSpPr>
+        <p:spPr>
+          <a:xfrm>
+            <a:off x="5279753" y="4956475"/>
+            <a:ext cx="664200" cy="518400"/>
+          </a:xfrm>
+          <a:prstGeom prst="rect">
+            <a:avLst/>
+          </a:prstGeom>
+          <a:solidFill>
+            <a:srgbClr val="D9EAD3"/>
+          </a:solidFill>
+          <a:ln w="9525" cap="flat" cmpd="sng">
+            <a:solidFill>
+              <a:schemeClr val="dk2"/>
+            </a:solidFill>
+            <a:prstDash val="solid"/>
+            <a:round/>
+            <a:headEnd type="none" w="sm" len="sm"/>
+            <a:tailEnd type="none" w="sm" len="sm"/>
+          </a:ln>
+        </p:spPr>
+        <p:txBody>
+          <a:bodyPr spcFirstLastPara="1" wrap="square" lIns="91425" tIns="91425" rIns="91425" bIns="91425" anchor="ctr" anchorCtr="0">
+            <a:noAutofit/>
+          </a:bodyPr>
+          <a:lstStyle/>
+          <a:p>
+            <a:pPr marL="0" lvl="0" indent="0" algn="l" rtl="0">
+              <a:spcBef>
+                <a:spcPts val="0"/>
+              </a:spcBef>
+              <a:spcAft>
+                <a:spcPts val="0"/>
+              </a:spcAft>
+              <a:buNone/>
+            </a:pPr>
+            <a:r>
+              <a:rPr lang="en"/>
+              <a:t>Label Buffer</a:t>
+            </a:r>
+            <a:endParaRPr/>
+          </a:p>
+        </p:txBody>
+      </p:sp>
+      <p:sp>
+        <p:nvSpPr>
+          <p:cNvPr id="10" name="Google Shape;77;p16">
+            <a:extLst>
+              <a:ext uri="{FF2B5EF4-FFF2-40B4-BE49-F238E27FC236}">
+                <a16:creationId xmlns:a16="http://schemas.microsoft.com/office/drawing/2014/main" id="{74B63F31-AE4A-0947-8507-1D23D6B07216}"/>
+              </a:ext>
+            </a:extLst>
+          </p:cNvPr>
+          <p:cNvSpPr/>
+          <p:nvPr/>
+        </p:nvSpPr>
+        <p:spPr>
+          <a:xfrm>
+            <a:off x="5867753" y="4956475"/>
+            <a:ext cx="2723700" cy="518400"/>
+          </a:xfrm>
+          <a:prstGeom prst="rect">
+            <a:avLst/>
+          </a:prstGeom>
+          <a:solidFill>
+            <a:schemeClr val="lt2"/>
+          </a:solidFill>
+          <a:ln w="9525" cap="flat" cmpd="sng">
+            <a:solidFill>
+              <a:schemeClr val="dk2"/>
+            </a:solidFill>
+            <a:prstDash val="solid"/>
+            <a:round/>
+            <a:headEnd type="none" w="sm" len="sm"/>
+            <a:tailEnd type="none" w="sm" len="sm"/>
+          </a:ln>
+        </p:spPr>
+        <p:txBody>
+          <a:bodyPr spcFirstLastPara="1" wrap="square" lIns="91425" tIns="91425" rIns="91425" bIns="91425" anchor="ctr" anchorCtr="0">
+            <a:noAutofit/>
+          </a:bodyPr>
+          <a:lstStyle/>
+          <a:p>
+            <a:pPr marL="0" lvl="0" indent="0" algn="l" rtl="0">
+              <a:spcBef>
+                <a:spcPts val="0"/>
+              </a:spcBef>
+              <a:spcAft>
+                <a:spcPts val="0"/>
+              </a:spcAft>
+              <a:buNone/>
+            </a:pPr>
+            <a:r>
+              <a:rPr lang="en"/>
+              <a:t>Validation Examples</a:t>
+            </a:r>
+            <a:endParaRPr/>
+          </a:p>
+        </p:txBody>
+      </p:sp>
+      <p:sp>
+        <p:nvSpPr>
+          <p:cNvPr id="11" name="Google Shape;78;p16">
+            <a:extLst>
+              <a:ext uri="{FF2B5EF4-FFF2-40B4-BE49-F238E27FC236}">
+                <a16:creationId xmlns:a16="http://schemas.microsoft.com/office/drawing/2014/main" id="{B0E0B54D-C539-714F-A207-E2E53766956C}"/>
+              </a:ext>
+            </a:extLst>
+          </p:cNvPr>
+          <p:cNvSpPr/>
+          <p:nvPr/>
+        </p:nvSpPr>
+        <p:spPr>
+          <a:xfrm>
+            <a:off x="8384428" y="4956475"/>
+            <a:ext cx="664200" cy="518400"/>
+          </a:xfrm>
+          <a:prstGeom prst="rect">
+            <a:avLst/>
+          </a:prstGeom>
+          <a:solidFill>
+            <a:srgbClr val="D9EAD3"/>
+          </a:solidFill>
+          <a:ln w="9525" cap="flat" cmpd="sng">
+            <a:solidFill>
+              <a:schemeClr val="dk2"/>
+            </a:solidFill>
+            <a:prstDash val="solid"/>
+            <a:round/>
+            <a:headEnd type="none" w="sm" len="sm"/>
+            <a:tailEnd type="none" w="sm" len="sm"/>
+          </a:ln>
+        </p:spPr>
+        <p:txBody>
+          <a:bodyPr spcFirstLastPara="1" wrap="square" lIns="91425" tIns="91425" rIns="91425" bIns="91425" anchor="ctr" anchorCtr="0">
+            <a:noAutofit/>
+          </a:bodyPr>
+          <a:lstStyle/>
+          <a:p>
+            <a:pPr marL="0" lvl="0" indent="0" algn="l" rtl="0">
+              <a:spcBef>
+                <a:spcPts val="0"/>
+              </a:spcBef>
+              <a:spcAft>
+                <a:spcPts val="0"/>
+              </a:spcAft>
+              <a:buNone/>
+            </a:pPr>
+            <a:r>
+              <a:rPr lang="en"/>
+              <a:t>Label Buffer</a:t>
+            </a:r>
+            <a:endParaRPr/>
+          </a:p>
+        </p:txBody>
+      </p:sp>
+      <p:sp>
+        <p:nvSpPr>
+          <p:cNvPr id="12" name="Google Shape;79;p16">
+            <a:extLst>
+              <a:ext uri="{FF2B5EF4-FFF2-40B4-BE49-F238E27FC236}">
+                <a16:creationId xmlns:a16="http://schemas.microsoft.com/office/drawing/2014/main" id="{FA1B9212-0C05-C34C-B9A0-7C260DAEEC4D}"/>
+              </a:ext>
+            </a:extLst>
+          </p:cNvPr>
+          <p:cNvSpPr/>
+          <p:nvPr/>
+        </p:nvSpPr>
+        <p:spPr>
+          <a:xfrm>
+            <a:off x="2826203" y="5664650"/>
+            <a:ext cx="2723700" cy="518400"/>
+          </a:xfrm>
+          <a:prstGeom prst="rect">
+            <a:avLst/>
+          </a:prstGeom>
+          <a:solidFill>
+            <a:schemeClr val="lt2"/>
+          </a:solidFill>
+          <a:ln w="9525" cap="flat" cmpd="sng">
+            <a:solidFill>
+              <a:schemeClr val="dk2"/>
+            </a:solidFill>
+            <a:prstDash val="solid"/>
+            <a:round/>
+            <a:headEnd type="none" w="sm" len="sm"/>
+            <a:tailEnd type="none" w="sm" len="sm"/>
+          </a:ln>
+        </p:spPr>
+        <p:txBody>
+          <a:bodyPr spcFirstLastPara="1" wrap="square" lIns="91425" tIns="91425" rIns="91425" bIns="91425" anchor="ctr" anchorCtr="0">
+            <a:noAutofit/>
+          </a:bodyPr>
+          <a:lstStyle/>
+          <a:p>
+            <a:pPr marL="0" lvl="0" indent="0" algn="l" rtl="0">
+              <a:spcBef>
+                <a:spcPts val="0"/>
+              </a:spcBef>
+              <a:spcAft>
+                <a:spcPts val="0"/>
+              </a:spcAft>
+              <a:buNone/>
+            </a:pPr>
+            <a:r>
+              <a:rPr lang="en"/>
+              <a:t>Training Examples</a:t>
+            </a:r>
+            <a:endParaRPr/>
+          </a:p>
+        </p:txBody>
+      </p:sp>
+      <p:sp>
+        <p:nvSpPr>
+          <p:cNvPr id="13" name="Google Shape;80;p16">
+            <a:extLst>
+              <a:ext uri="{FF2B5EF4-FFF2-40B4-BE49-F238E27FC236}">
+                <a16:creationId xmlns:a16="http://schemas.microsoft.com/office/drawing/2014/main" id="{1FCFB2E6-799F-2642-8B0D-82FE69AF405C}"/>
+              </a:ext>
+            </a:extLst>
+          </p:cNvPr>
+          <p:cNvSpPr/>
+          <p:nvPr/>
+        </p:nvSpPr>
+        <p:spPr>
+          <a:xfrm>
+            <a:off x="5489303" y="5664650"/>
+            <a:ext cx="664200" cy="518400"/>
+          </a:xfrm>
+          <a:prstGeom prst="rect">
+            <a:avLst/>
+          </a:prstGeom>
+          <a:solidFill>
+            <a:srgbClr val="D9EAD3"/>
+          </a:solidFill>
+          <a:ln w="9525" cap="flat" cmpd="sng">
+            <a:solidFill>
+              <a:schemeClr val="dk2"/>
+            </a:solidFill>
+            <a:prstDash val="solid"/>
+            <a:round/>
+            <a:headEnd type="none" w="sm" len="sm"/>
+            <a:tailEnd type="none" w="sm" len="sm"/>
+          </a:ln>
+        </p:spPr>
+        <p:txBody>
+          <a:bodyPr spcFirstLastPara="1" wrap="square" lIns="91425" tIns="91425" rIns="91425" bIns="91425" anchor="ctr" anchorCtr="0">
+            <a:noAutofit/>
+          </a:bodyPr>
+          <a:lstStyle/>
+          <a:p>
+            <a:pPr marL="0" lvl="0" indent="0" algn="l" rtl="0">
+              <a:spcBef>
+                <a:spcPts val="0"/>
+              </a:spcBef>
+              <a:spcAft>
+                <a:spcPts val="0"/>
+              </a:spcAft>
+              <a:buNone/>
+            </a:pPr>
+            <a:r>
+              <a:rPr lang="en"/>
+              <a:t>Label Buffer</a:t>
+            </a:r>
+            <a:endParaRPr/>
+          </a:p>
+        </p:txBody>
+      </p:sp>
+      <p:sp>
+        <p:nvSpPr>
+          <p:cNvPr id="14" name="Google Shape;81;p16">
+            <a:extLst>
+              <a:ext uri="{FF2B5EF4-FFF2-40B4-BE49-F238E27FC236}">
+                <a16:creationId xmlns:a16="http://schemas.microsoft.com/office/drawing/2014/main" id="{23524599-0A97-2941-A8B2-33CCFF497383}"/>
+              </a:ext>
+            </a:extLst>
+          </p:cNvPr>
+          <p:cNvSpPr/>
+          <p:nvPr/>
+        </p:nvSpPr>
+        <p:spPr>
+          <a:xfrm>
+            <a:off x="6077303" y="5664650"/>
+            <a:ext cx="2723700" cy="518400"/>
+          </a:xfrm>
+          <a:prstGeom prst="rect">
+            <a:avLst/>
+          </a:prstGeom>
+          <a:solidFill>
+            <a:schemeClr val="lt2"/>
+          </a:solidFill>
+          <a:ln w="9525" cap="flat" cmpd="sng">
+            <a:solidFill>
+              <a:schemeClr val="dk2"/>
+            </a:solidFill>
+            <a:prstDash val="solid"/>
+            <a:round/>
+            <a:headEnd type="none" w="sm" len="sm"/>
+            <a:tailEnd type="none" w="sm" len="sm"/>
+          </a:ln>
+        </p:spPr>
+        <p:txBody>
+          <a:bodyPr spcFirstLastPara="1" wrap="square" lIns="91425" tIns="91425" rIns="91425" bIns="91425" anchor="ctr" anchorCtr="0">
+            <a:noAutofit/>
+          </a:bodyPr>
+          <a:lstStyle/>
+          <a:p>
+            <a:pPr marL="0" lvl="0" indent="0" algn="l" rtl="0">
+              <a:spcBef>
+                <a:spcPts val="0"/>
+              </a:spcBef>
+              <a:spcAft>
+                <a:spcPts val="0"/>
+              </a:spcAft>
+              <a:buNone/>
+            </a:pPr>
+            <a:r>
+              <a:rPr lang="en"/>
+              <a:t>Validation Examples</a:t>
+            </a:r>
+            <a:endParaRPr/>
+          </a:p>
+        </p:txBody>
+      </p:sp>
+      <p:sp>
+        <p:nvSpPr>
+          <p:cNvPr id="15" name="Google Shape;82;p16">
+            <a:extLst>
+              <a:ext uri="{FF2B5EF4-FFF2-40B4-BE49-F238E27FC236}">
+                <a16:creationId xmlns:a16="http://schemas.microsoft.com/office/drawing/2014/main" id="{DC3E6061-FCD2-2B4E-8D49-44222CC2D6F0}"/>
+              </a:ext>
+            </a:extLst>
+          </p:cNvPr>
+          <p:cNvSpPr/>
+          <p:nvPr/>
+        </p:nvSpPr>
+        <p:spPr>
+          <a:xfrm>
+            <a:off x="8593978" y="5664650"/>
+            <a:ext cx="664200" cy="518400"/>
+          </a:xfrm>
+          <a:prstGeom prst="rect">
+            <a:avLst/>
+          </a:prstGeom>
+          <a:solidFill>
+            <a:srgbClr val="D9EAD3"/>
+          </a:solidFill>
+          <a:ln w="9525" cap="flat" cmpd="sng">
+            <a:solidFill>
+              <a:schemeClr val="dk2"/>
+            </a:solidFill>
+            <a:prstDash val="solid"/>
+            <a:round/>
+            <a:headEnd type="none" w="sm" len="sm"/>
+            <a:tailEnd type="none" w="sm" len="sm"/>
+          </a:ln>
+        </p:spPr>
+        <p:txBody>
+          <a:bodyPr spcFirstLastPara="1" wrap="square" lIns="91425" tIns="91425" rIns="91425" bIns="91425" anchor="ctr" anchorCtr="0">
+            <a:noAutofit/>
+          </a:bodyPr>
+          <a:lstStyle/>
+          <a:p>
+            <a:pPr marL="0" lvl="0" indent="0" algn="l" rtl="0">
+              <a:spcBef>
+                <a:spcPts val="0"/>
+              </a:spcBef>
+              <a:spcAft>
+                <a:spcPts val="0"/>
+              </a:spcAft>
+              <a:buNone/>
+            </a:pPr>
+            <a:r>
+              <a:rPr lang="en"/>
+              <a:t>Label Buffer</a:t>
+            </a:r>
+            <a:endParaRPr/>
+          </a:p>
+        </p:txBody>
+      </p:sp>
+      <p:sp>
+        <p:nvSpPr>
+          <p:cNvPr id="16" name="Google Shape;83;p16">
+            <a:extLst>
+              <a:ext uri="{FF2B5EF4-FFF2-40B4-BE49-F238E27FC236}">
+                <a16:creationId xmlns:a16="http://schemas.microsoft.com/office/drawing/2014/main" id="{3E5A93A3-DDC4-A142-86E1-4EED81ECBB34}"/>
+              </a:ext>
+            </a:extLst>
+          </p:cNvPr>
+          <p:cNvSpPr txBox="1"/>
+          <p:nvPr/>
+        </p:nvSpPr>
+        <p:spPr>
+          <a:xfrm>
+            <a:off x="176178" y="4984825"/>
+            <a:ext cx="2335000" cy="430857"/>
+          </a:xfrm>
+          <a:prstGeom prst="rect">
+            <a:avLst/>
+          </a:prstGeom>
+          <a:noFill/>
+          <a:ln>
+            <a:noFill/>
+          </a:ln>
+        </p:spPr>
+        <p:txBody>
+          <a:bodyPr spcFirstLastPara="1" wrap="square" lIns="91425" tIns="91425" rIns="91425" bIns="91425" anchor="t" anchorCtr="0">
+            <a:spAutoFit/>
+          </a:bodyPr>
+          <a:lstStyle/>
+          <a:p>
+            <a:pPr marL="0" lvl="0" indent="0" algn="l" rtl="0">
+              <a:spcBef>
+                <a:spcPts val="0"/>
+              </a:spcBef>
+              <a:spcAft>
+                <a:spcPts val="0"/>
+              </a:spcAft>
+              <a:buNone/>
+            </a:pPr>
+            <a:r>
+              <a:rPr lang="en" sz="1600" dirty="0">
+                <a:solidFill>
+                  <a:schemeClr val="dk1"/>
+                </a:solidFill>
+              </a:rPr>
+              <a:t>Train-Validation Pair 1</a:t>
+            </a:r>
+            <a:endParaRPr sz="3200" dirty="0"/>
+          </a:p>
+        </p:txBody>
+      </p:sp>
+      <p:sp>
+        <p:nvSpPr>
+          <p:cNvPr id="17" name="Google Shape;84;p16">
+            <a:extLst>
+              <a:ext uri="{FF2B5EF4-FFF2-40B4-BE49-F238E27FC236}">
+                <a16:creationId xmlns:a16="http://schemas.microsoft.com/office/drawing/2014/main" id="{E9289A33-C4D3-8549-9067-B9295D5724D3}"/>
+              </a:ext>
+            </a:extLst>
+          </p:cNvPr>
+          <p:cNvSpPr txBox="1"/>
+          <p:nvPr/>
+        </p:nvSpPr>
+        <p:spPr>
+          <a:xfrm>
+            <a:off x="176178" y="5693000"/>
+            <a:ext cx="2468050" cy="430857"/>
+          </a:xfrm>
+          <a:prstGeom prst="rect">
+            <a:avLst/>
+          </a:prstGeom>
+          <a:noFill/>
+          <a:ln>
+            <a:noFill/>
+          </a:ln>
+        </p:spPr>
+        <p:txBody>
+          <a:bodyPr spcFirstLastPara="1" wrap="square" lIns="91425" tIns="91425" rIns="91425" bIns="91425" anchor="t" anchorCtr="0">
+            <a:spAutoFit/>
+          </a:bodyPr>
+          <a:lstStyle/>
+          <a:p>
+            <a:pPr marL="0" lvl="0" indent="0" algn="l" rtl="0">
+              <a:spcBef>
+                <a:spcPts val="0"/>
+              </a:spcBef>
+              <a:spcAft>
+                <a:spcPts val="0"/>
+              </a:spcAft>
+              <a:buNone/>
+            </a:pPr>
+            <a:r>
+              <a:rPr lang="en" sz="1600" dirty="0">
+                <a:solidFill>
+                  <a:schemeClr val="dk1"/>
+                </a:solidFill>
+              </a:rPr>
+              <a:t>Train-Validation Pair 2</a:t>
+            </a:r>
+            <a:endParaRPr sz="3200" dirty="0"/>
+          </a:p>
+        </p:txBody>
+      </p:sp>
+      <p:cxnSp>
+        <p:nvCxnSpPr>
+          <p:cNvPr id="18" name="Google Shape;85;p16">
+            <a:extLst>
+              <a:ext uri="{FF2B5EF4-FFF2-40B4-BE49-F238E27FC236}">
+                <a16:creationId xmlns:a16="http://schemas.microsoft.com/office/drawing/2014/main" id="{2567FE36-C42B-6540-92E4-C7DBA5213BA9}"/>
+              </a:ext>
+            </a:extLst>
+          </p:cNvPr>
+          <p:cNvCxnSpPr>
+            <a:cxnSpLocks/>
+          </p:cNvCxnSpPr>
+          <p:nvPr/>
+        </p:nvCxnSpPr>
+        <p:spPr>
+          <a:xfrm flipH="1" flipV="1">
+            <a:off x="2334409" y="3302598"/>
+            <a:ext cx="291179" cy="1630772"/>
+          </a:xfrm>
+          <a:prstGeom prst="straightConnector1">
+            <a:avLst/>
+          </a:prstGeom>
+          <a:noFill/>
+          <a:ln w="9525" cap="flat" cmpd="sng">
+            <a:solidFill>
+              <a:schemeClr val="dk2"/>
+            </a:solidFill>
+            <a:prstDash val="solid"/>
+            <a:round/>
+            <a:headEnd type="none" w="med" len="med"/>
+            <a:tailEnd type="triangle" w="med" len="med"/>
+          </a:ln>
+        </p:spPr>
+      </p:cxnSp>
+      <p:cxnSp>
+        <p:nvCxnSpPr>
+          <p:cNvPr id="19" name="Google Shape;86;p16">
+            <a:extLst>
+              <a:ext uri="{FF2B5EF4-FFF2-40B4-BE49-F238E27FC236}">
+                <a16:creationId xmlns:a16="http://schemas.microsoft.com/office/drawing/2014/main" id="{128B2764-2EF0-AB47-82DF-3CC4C0AD7B0F}"/>
+              </a:ext>
+            </a:extLst>
+          </p:cNvPr>
+          <p:cNvCxnSpPr>
+            <a:cxnSpLocks/>
+          </p:cNvCxnSpPr>
+          <p:nvPr/>
+        </p:nvCxnSpPr>
+        <p:spPr>
+          <a:xfrm flipH="1" flipV="1">
+            <a:off x="3313355" y="3239225"/>
+            <a:ext cx="1966398" cy="1708912"/>
+          </a:xfrm>
+          <a:prstGeom prst="straightConnector1">
+            <a:avLst/>
+          </a:prstGeom>
+          <a:noFill/>
+          <a:ln w="9525" cap="flat" cmpd="sng">
+            <a:solidFill>
+              <a:schemeClr val="dk2"/>
+            </a:solidFill>
+            <a:prstDash val="solid"/>
+            <a:round/>
+            <a:headEnd type="none" w="med" len="med"/>
+            <a:tailEnd type="triangle" w="med" len="med"/>
+          </a:ln>
+        </p:spPr>
+      </p:cxnSp>
+      <p:cxnSp>
+        <p:nvCxnSpPr>
+          <p:cNvPr id="20" name="Google Shape;87;p16">
+            <a:extLst>
+              <a:ext uri="{FF2B5EF4-FFF2-40B4-BE49-F238E27FC236}">
+                <a16:creationId xmlns:a16="http://schemas.microsoft.com/office/drawing/2014/main" id="{7B00B6AE-0774-A04C-BD90-AA5163A87411}"/>
+              </a:ext>
+            </a:extLst>
+          </p:cNvPr>
+          <p:cNvCxnSpPr>
+            <a:cxnSpLocks/>
+          </p:cNvCxnSpPr>
+          <p:nvPr/>
+        </p:nvCxnSpPr>
+        <p:spPr>
+          <a:xfrm flipV="1">
+            <a:off x="2655228" y="3239224"/>
+            <a:ext cx="1738624" cy="1708976"/>
+          </a:xfrm>
+          <a:prstGeom prst="straightConnector1">
+            <a:avLst/>
+          </a:prstGeom>
+          <a:noFill/>
+          <a:ln w="9525" cap="flat" cmpd="sng">
+            <a:solidFill>
+              <a:schemeClr val="dk2"/>
+            </a:solidFill>
+            <a:prstDash val="solid"/>
+            <a:round/>
+            <a:headEnd type="none" w="med" len="med"/>
+            <a:tailEnd type="triangle" w="med" len="med"/>
+          </a:ln>
+        </p:spPr>
+      </p:cxnSp>
+      <p:cxnSp>
+        <p:nvCxnSpPr>
+          <p:cNvPr id="21" name="Google Shape;88;p16">
+            <a:extLst>
+              <a:ext uri="{FF2B5EF4-FFF2-40B4-BE49-F238E27FC236}">
+                <a16:creationId xmlns:a16="http://schemas.microsoft.com/office/drawing/2014/main" id="{C47765E1-A98E-1B4F-8F44-E2C687798D34}"/>
+              </a:ext>
+            </a:extLst>
+          </p:cNvPr>
+          <p:cNvCxnSpPr>
+            <a:cxnSpLocks/>
+          </p:cNvCxnSpPr>
+          <p:nvPr/>
+        </p:nvCxnSpPr>
+        <p:spPr>
+          <a:xfrm flipH="1" flipV="1">
+            <a:off x="5489303" y="3239162"/>
+            <a:ext cx="378450" cy="1717313"/>
+          </a:xfrm>
+          <a:prstGeom prst="straightConnector1">
+            <a:avLst/>
+          </a:prstGeom>
+          <a:noFill/>
+          <a:ln w="9525" cap="flat" cmpd="sng">
+            <a:solidFill>
+              <a:schemeClr val="dk2"/>
+            </a:solidFill>
+            <a:prstDash val="solid"/>
+            <a:round/>
+            <a:headEnd type="none" w="med" len="med"/>
+            <a:tailEnd type="triangle" w="med" len="med"/>
+          </a:ln>
+        </p:spPr>
+      </p:cxnSp>
+      <p:cxnSp>
+        <p:nvCxnSpPr>
+          <p:cNvPr id="40" name="Google Shape;85;p16">
+            <a:extLst>
+              <a:ext uri="{FF2B5EF4-FFF2-40B4-BE49-F238E27FC236}">
+                <a16:creationId xmlns:a16="http://schemas.microsoft.com/office/drawing/2014/main" id="{02C7722C-A353-154E-9BC4-296A2BF0FD96}"/>
+              </a:ext>
+            </a:extLst>
+          </p:cNvPr>
+          <p:cNvCxnSpPr>
+            <a:cxnSpLocks/>
+          </p:cNvCxnSpPr>
+          <p:nvPr/>
+        </p:nvCxnSpPr>
+        <p:spPr>
+          <a:xfrm flipV="1">
+            <a:off x="5897143" y="3228203"/>
+            <a:ext cx="893435" cy="1705167"/>
+          </a:xfrm>
+          <a:prstGeom prst="straightConnector1">
+            <a:avLst/>
+          </a:prstGeom>
+          <a:noFill/>
+          <a:ln w="9525" cap="flat" cmpd="sng">
+            <a:solidFill>
+              <a:schemeClr val="dk2"/>
+            </a:solidFill>
+            <a:prstDash val="solid"/>
+            <a:round/>
+            <a:headEnd type="none" w="med" len="med"/>
+            <a:tailEnd type="triangle" w="med" len="med"/>
+          </a:ln>
+        </p:spPr>
+      </p:cxnSp>
+      <p:cxnSp>
+        <p:nvCxnSpPr>
+          <p:cNvPr id="41" name="Google Shape;86;p16">
+            <a:extLst>
+              <a:ext uri="{FF2B5EF4-FFF2-40B4-BE49-F238E27FC236}">
+                <a16:creationId xmlns:a16="http://schemas.microsoft.com/office/drawing/2014/main" id="{491297DD-0D6D-D94F-80F4-D4CB875DFD89}"/>
+              </a:ext>
+            </a:extLst>
+          </p:cNvPr>
+          <p:cNvCxnSpPr>
+            <a:cxnSpLocks/>
+          </p:cNvCxnSpPr>
+          <p:nvPr/>
+        </p:nvCxnSpPr>
+        <p:spPr>
+          <a:xfrm flipV="1">
+            <a:off x="5867753" y="3230949"/>
+            <a:ext cx="3297762" cy="1725526"/>
+          </a:xfrm>
+          <a:prstGeom prst="straightConnector1">
+            <a:avLst/>
+          </a:prstGeom>
+          <a:noFill/>
+          <a:ln w="9525" cap="flat" cmpd="sng">
+            <a:solidFill>
+              <a:schemeClr val="dk2"/>
+            </a:solidFill>
+            <a:prstDash val="solid"/>
+            <a:round/>
+            <a:headEnd type="none" w="med" len="med"/>
+            <a:tailEnd type="triangle" w="med" len="med"/>
+          </a:ln>
+        </p:spPr>
+      </p:cxnSp>
+      <p:cxnSp>
+        <p:nvCxnSpPr>
+          <p:cNvPr id="42" name="Google Shape;87;p16">
+            <a:extLst>
+              <a:ext uri="{FF2B5EF4-FFF2-40B4-BE49-F238E27FC236}">
+                <a16:creationId xmlns:a16="http://schemas.microsoft.com/office/drawing/2014/main" id="{E28D42CD-1164-364E-A37D-76E6A7DC0BCE}"/>
+              </a:ext>
+            </a:extLst>
+          </p:cNvPr>
+          <p:cNvCxnSpPr>
+            <a:cxnSpLocks/>
+          </p:cNvCxnSpPr>
+          <p:nvPr/>
+        </p:nvCxnSpPr>
+        <p:spPr>
+          <a:xfrm flipH="1" flipV="1">
+            <a:off x="7653624" y="3239224"/>
+            <a:ext cx="713197" cy="1708913"/>
+          </a:xfrm>
+          <a:prstGeom prst="straightConnector1">
+            <a:avLst/>
+          </a:prstGeom>
+          <a:noFill/>
+          <a:ln w="9525" cap="flat" cmpd="sng">
+            <a:solidFill>
+              <a:schemeClr val="dk2"/>
+            </a:solidFill>
+            <a:prstDash val="solid"/>
+            <a:round/>
+            <a:headEnd type="none" w="med" len="med"/>
+            <a:tailEnd type="triangle" w="med" len="med"/>
+          </a:ln>
+        </p:spPr>
+      </p:cxnSp>
+      <p:cxnSp>
+        <p:nvCxnSpPr>
+          <p:cNvPr id="43" name="Google Shape;88;p16">
+            <a:extLst>
+              <a:ext uri="{FF2B5EF4-FFF2-40B4-BE49-F238E27FC236}">
+                <a16:creationId xmlns:a16="http://schemas.microsoft.com/office/drawing/2014/main" id="{B477AA2D-D7A8-0546-AE76-40F633252E5C}"/>
+              </a:ext>
+            </a:extLst>
+          </p:cNvPr>
+          <p:cNvCxnSpPr>
+            <a:cxnSpLocks/>
+          </p:cNvCxnSpPr>
+          <p:nvPr/>
+        </p:nvCxnSpPr>
+        <p:spPr>
+          <a:xfrm flipV="1">
+            <a:off x="9048629" y="3239162"/>
+            <a:ext cx="1224924" cy="1694209"/>
+          </a:xfrm>
+          <a:prstGeom prst="straightConnector1">
+            <a:avLst/>
+          </a:prstGeom>
+          <a:noFill/>
+          <a:ln w="9525" cap="flat" cmpd="sng">
+            <a:solidFill>
+              <a:schemeClr val="dk2"/>
+            </a:solidFill>
+            <a:prstDash val="solid"/>
+            <a:round/>
+            <a:headEnd type="none" w="med" len="med"/>
+            <a:tailEnd type="triangle" w="med" len="med"/>
+          </a:ln>
+        </p:spPr>
+      </p:cxnSp>
+    </p:spTree>
+    <p:extLst>
+      <p:ext uri="{BB962C8B-B14F-4D97-AF65-F5344CB8AC3E}">
+        <p14:creationId xmlns:p14="http://schemas.microsoft.com/office/powerpoint/2010/main" val="2281409787"/>
+      </p:ext>
+    </p:extLst>
+  </p:cSld>
+  <p:clrMapOvr>
+    <a:masterClrMapping/>
+  </p:clrMapOvr>
+  <p:timing>
+    <p:tnLst>
+      <p:par>
+        <p:cTn id="1" dur="indefinite" restart="never" nodeType="tmRoot">
+          <p:childTnLst>
+            <p:seq concurrent="1" nextAc="seek">
+              <p:cTn id="2" dur="indefinite" nodeType="mainSeq">
+                <p:childTnLst>
+                  <p:par>
+                    <p:cTn id="3" fill="hold">
+                      <p:stCondLst>
+                        <p:cond delay="indefinite"/>
+                      </p:stCondLst>
+                      <p:childTnLst>
+                        <p:par>
+                          <p:cTn id="4" fill="hold">
+                            <p:stCondLst>
+                              <p:cond delay="0"/>
+                            </p:stCondLst>
+                            <p:childTnLst>
+                              <p:par>
+                                <p:cTn id="5" presetID="1" presetClass="entr" presetSubtype="0" fill="hold" nodeType="clickEffect">
+                                  <p:stCondLst>
+                                    <p:cond delay="0"/>
+                                  </p:stCondLst>
+                                  <p:childTnLst>
+                                    <p:set>
+                                      <p:cBhvr>
+                                        <p:cTn id="6" dur="1" fill="hold">
+                                          <p:stCondLst>
+                                            <p:cond delay="0"/>
+                                          </p:stCondLst>
+                                        </p:cTn>
+                                        <p:tgtEl>
+                                          <p:spTgt spid="18"/>
+                                        </p:tgtEl>
+                                        <p:attrNameLst>
+                                          <p:attrName>style.visibility</p:attrName>
+                                        </p:attrNameLst>
+                                      </p:cBhvr>
+                                      <p:to>
+                                        <p:strVal val="visible"/>
+                                      </p:to>
+                                    </p:set>
+                                  </p:childTnLst>
+                                </p:cTn>
+                              </p:par>
+                            </p:childTnLst>
+                          </p:cTn>
+                        </p:par>
+                      </p:childTnLst>
+                    </p:cTn>
+                  </p:par>
+                  <p:par>
+                    <p:cTn id="7" fill="hold">
+                      <p:stCondLst>
+                        <p:cond delay="indefinite"/>
+                      </p:stCondLst>
+                      <p:childTnLst>
+                        <p:par>
+                          <p:cTn id="8" fill="hold">
+                            <p:stCondLst>
+                              <p:cond delay="0"/>
+                            </p:stCondLst>
+                            <p:childTnLst>
+                              <p:par>
+                                <p:cTn id="9" presetID="1" presetClass="entr" presetSubtype="0" fill="hold" nodeType="clickEffect">
+                                  <p:stCondLst>
+                                    <p:cond delay="0"/>
+                                  </p:stCondLst>
+                                  <p:childTnLst>
+                                    <p:set>
+                                      <p:cBhvr>
+                                        <p:cTn id="10" dur="1" fill="hold">
+                                          <p:stCondLst>
+                                            <p:cond delay="0"/>
+                                          </p:stCondLst>
+                                        </p:cTn>
+                                        <p:tgtEl>
+                                          <p:spTgt spid="19"/>
+                                        </p:tgtEl>
+                                        <p:attrNameLst>
+                                          <p:attrName>style.visibility</p:attrName>
+                                        </p:attrNameLst>
+                                      </p:cBhvr>
+                                      <p:to>
+                                        <p:strVal val="visible"/>
+                                      </p:to>
+                                    </p:set>
+                                  </p:childTnLst>
+                                </p:cTn>
+                              </p:par>
+                            </p:childTnLst>
+                          </p:cTn>
+                        </p:par>
+                      </p:childTnLst>
+                    </p:cTn>
+                  </p:par>
+                  <p:par>
+                    <p:cTn id="11" fill="hold">
+                      <p:stCondLst>
+                        <p:cond delay="indefinite"/>
+                      </p:stCondLst>
+                      <p:childTnLst>
+                        <p:par>
+                          <p:cTn id="12" fill="hold">
+                            <p:stCondLst>
+                              <p:cond delay="0"/>
+                            </p:stCondLst>
+                            <p:childTnLst>
+                              <p:par>
+                                <p:cTn id="13" presetID="1" presetClass="entr" presetSubtype="0" fill="hold" nodeType="clickEffect">
+                                  <p:stCondLst>
+                                    <p:cond delay="0"/>
+                                  </p:stCondLst>
+                                  <p:childTnLst>
+                                    <p:set>
+                                      <p:cBhvr>
+                                        <p:cTn id="14" dur="1" fill="hold">
+                                          <p:stCondLst>
+                                            <p:cond delay="0"/>
+                                          </p:stCondLst>
+                                        </p:cTn>
+                                        <p:tgtEl>
+                                          <p:spTgt spid="20"/>
+                                        </p:tgtEl>
+                                        <p:attrNameLst>
+                                          <p:attrName>style.visibility</p:attrName>
+                                        </p:attrNameLst>
+                                      </p:cBhvr>
+                                      <p:to>
+                                        <p:strVal val="visible"/>
+                                      </p:to>
+                                    </p:set>
+                                  </p:childTnLst>
+                                </p:cTn>
+                              </p:par>
+                            </p:childTnLst>
+                          </p:cTn>
+                        </p:par>
+                      </p:childTnLst>
+                    </p:cTn>
+                  </p:par>
+                  <p:par>
+                    <p:cTn id="15" fill="hold">
+                      <p:stCondLst>
+                        <p:cond delay="indefinite"/>
+                      </p:stCondLst>
+                      <p:childTnLst>
+                        <p:par>
+                          <p:cTn id="16" fill="hold">
+                            <p:stCondLst>
+                              <p:cond delay="0"/>
+                            </p:stCondLst>
+                            <p:childTnLst>
+                              <p:par>
+                                <p:cTn id="17" presetID="1" presetClass="entr" presetSubtype="0" fill="hold" nodeType="clickEffect">
+                                  <p:stCondLst>
+                                    <p:cond delay="0"/>
+                                  </p:stCondLst>
+                                  <p:childTnLst>
+                                    <p:set>
+                                      <p:cBhvr>
+                                        <p:cTn id="18" dur="1" fill="hold">
+                                          <p:stCondLst>
+                                            <p:cond delay="0"/>
+                                          </p:stCondLst>
+                                        </p:cTn>
+                                        <p:tgtEl>
+                                          <p:spTgt spid="21"/>
+                                        </p:tgtEl>
+                                        <p:attrNameLst>
+                                          <p:attrName>style.visibility</p:attrName>
+                                        </p:attrNameLst>
+                                      </p:cBhvr>
+                                      <p:to>
+                                        <p:strVal val="visible"/>
+                                      </p:to>
+                                    </p:set>
+                                  </p:childTnLst>
+                                </p:cTn>
+                              </p:par>
+                            </p:childTnLst>
+                          </p:cTn>
+                        </p:par>
+                      </p:childTnLst>
+                    </p:cTn>
+                  </p:par>
+                  <p:par>
+                    <p:cTn id="19" fill="hold">
+                      <p:stCondLst>
+                        <p:cond delay="indefinite"/>
+                      </p:stCondLst>
+                      <p:childTnLst>
+                        <p:par>
+                          <p:cTn id="20" fill="hold">
+                            <p:stCondLst>
+                              <p:cond delay="0"/>
+                            </p:stCondLst>
+                            <p:childTnLst>
+                              <p:par>
+                                <p:cTn id="21" presetID="1" presetClass="entr" presetSubtype="0" fill="hold" nodeType="clickEffect">
+                                  <p:stCondLst>
+                                    <p:cond delay="0"/>
+                                  </p:stCondLst>
+                                  <p:childTnLst>
+                                    <p:set>
+                                      <p:cBhvr>
+                                        <p:cTn id="22" dur="1" fill="hold">
+                                          <p:stCondLst>
+                                            <p:cond delay="0"/>
+                                          </p:stCondLst>
+                                        </p:cTn>
+                                        <p:tgtEl>
+                                          <p:spTgt spid="40"/>
+                                        </p:tgtEl>
+                                        <p:attrNameLst>
+                                          <p:attrName>style.visibility</p:attrName>
+                                        </p:attrNameLst>
+                                      </p:cBhvr>
+                                      <p:to>
+                                        <p:strVal val="visible"/>
+                                      </p:to>
+                                    </p:set>
+                                  </p:childTnLst>
+                                </p:cTn>
+                              </p:par>
+                            </p:childTnLst>
+                          </p:cTn>
+                        </p:par>
+                      </p:childTnLst>
+                    </p:cTn>
+                  </p:par>
+                  <p:par>
+                    <p:cTn id="23" fill="hold">
+                      <p:stCondLst>
+                        <p:cond delay="indefinite"/>
+                      </p:stCondLst>
+                      <p:childTnLst>
+                        <p:par>
+                          <p:cTn id="24" fill="hold">
+                            <p:stCondLst>
+                              <p:cond delay="0"/>
+                            </p:stCondLst>
+                            <p:childTnLst>
+                              <p:par>
+                                <p:cTn id="25" presetID="1" presetClass="entr" presetSubtype="0" fill="hold" nodeType="clickEffect">
+                                  <p:stCondLst>
+                                    <p:cond delay="0"/>
+                                  </p:stCondLst>
+                                  <p:childTnLst>
+                                    <p:set>
+                                      <p:cBhvr>
+                                        <p:cTn id="26" dur="1" fill="hold">
+                                          <p:stCondLst>
+                                            <p:cond delay="0"/>
+                                          </p:stCondLst>
+                                        </p:cTn>
+                                        <p:tgtEl>
+                                          <p:spTgt spid="41"/>
+                                        </p:tgtEl>
+                                        <p:attrNameLst>
+                                          <p:attrName>style.visibility</p:attrName>
+                                        </p:attrNameLst>
+                                      </p:cBhvr>
+                                      <p:to>
+                                        <p:strVal val="visible"/>
+                                      </p:to>
+                                    </p:set>
+                                  </p:childTnLst>
+                                </p:cTn>
+                              </p:par>
+                            </p:childTnLst>
+                          </p:cTn>
+                        </p:par>
+                      </p:childTnLst>
+                    </p:cTn>
+                  </p:par>
+                  <p:par>
+                    <p:cTn id="27" fill="hold">
+                      <p:stCondLst>
+                        <p:cond delay="indefinite"/>
+                      </p:stCondLst>
+                      <p:childTnLst>
+                        <p:par>
+                          <p:cTn id="28" fill="hold">
+                            <p:stCondLst>
+                              <p:cond delay="0"/>
+                            </p:stCondLst>
+                            <p:childTnLst>
+                              <p:par>
+                                <p:cTn id="29" presetID="1" presetClass="entr" presetSubtype="0" fill="hold" nodeType="clickEffect">
+                                  <p:stCondLst>
+                                    <p:cond delay="0"/>
+                                  </p:stCondLst>
+                                  <p:childTnLst>
+                                    <p:set>
+                                      <p:cBhvr>
+                                        <p:cTn id="30" dur="1" fill="hold">
+                                          <p:stCondLst>
+                                            <p:cond delay="0"/>
+                                          </p:stCondLst>
+                                        </p:cTn>
+                                        <p:tgtEl>
+                                          <p:spTgt spid="42"/>
+                                        </p:tgtEl>
+                                        <p:attrNameLst>
+                                          <p:attrName>style.visibility</p:attrName>
+                                        </p:attrNameLst>
+                                      </p:cBhvr>
+                                      <p:to>
+                                        <p:strVal val="visible"/>
+                                      </p:to>
+                                    </p:set>
+                                  </p:childTnLst>
+                                </p:cTn>
+                              </p:par>
+                            </p:childTnLst>
+                          </p:cTn>
+                        </p:par>
+                      </p:childTnLst>
+                    </p:cTn>
+                  </p:par>
+                  <p:par>
+                    <p:cTn id="31" fill="hold">
+                      <p:stCondLst>
+                        <p:cond delay="indefinite"/>
+                      </p:stCondLst>
+                      <p:childTnLst>
+                        <p:par>
+                          <p:cTn id="32" fill="hold">
+                            <p:stCondLst>
+                              <p:cond delay="0"/>
+                            </p:stCondLst>
+                            <p:childTnLst>
+                              <p:par>
+                                <p:cTn id="33" presetID="1" presetClass="entr" presetSubtype="0" fill="hold" nodeType="clickEffect">
+                                  <p:stCondLst>
+                                    <p:cond delay="0"/>
+                                  </p:stCondLst>
+                                  <p:childTnLst>
+                                    <p:set>
+                                      <p:cBhvr>
+                                        <p:cTn id="34" dur="1" fill="hold">
+                                          <p:stCondLst>
+                                            <p:cond delay="0"/>
+                                          </p:stCondLst>
+                                        </p:cTn>
+                                        <p:tgtEl>
+                                          <p:spTgt spid="43"/>
+                                        </p:tgtEl>
+                                        <p:attrNameLst>
+                                          <p:attrName>style.visibility</p:attrName>
+                                        </p:attrNameLst>
+                                      </p:cBhvr>
+                                      <p:to>
+                                        <p:strVal val="visible"/>
+                                      </p:to>
+                                    </p:set>
+                                  </p:childTnLst>
+                                </p:cTn>
+                              </p:par>
+                            </p:childTnLst>
+                          </p:cTn>
+                        </p:par>
+                      </p:childTnLst>
+                    </p:cTn>
+                  </p:par>
+                </p:childTnLst>
+              </p:cTn>
+              <p:prevCondLst>
+                <p:cond evt="onPrev" delay="0">
+                  <p:tgtEl>
+                    <p:sldTgt/>
+                  </p:tgtEl>
+                </p:cond>
+              </p:prevCondLst>
+              <p:nextCondLst>
+                <p:cond evt="onNext" delay="0">
+                  <p:tgtEl>
+                    <p:sldTgt/>
+                  </p:tgtEl>
+                </p:cond>
+              </p:nextCondLst>
+            </p:seq>
+          </p:childTnLst>
+        </p:cTn>
+      </p:par>
+    </p:tnLst>
+  </p:timing>
+</p:sld>
+</file>
+
+<file path=ppt/slides/slide23.xml><?xml version="1.0" encoding="utf-8"?>
 <p:sld xmlns:a="http://schemas.openxmlformats.org/drawingml/2006/main" xmlns:r="http://schemas.openxmlformats.org/officeDocument/2006/relationships" xmlns:p="http://schemas.openxmlformats.org/presentationml/2006/main">
   <p:cSld>
     <p:spTree>
@@ -13623,7 +17719,7 @@
 </p:sld>
 </file>
 
-<file path=ppt/slides/slide22.xml><?xml version="1.0" encoding="utf-8"?>
+<file path=ppt/slides/slide24.xml><?xml version="1.0" encoding="utf-8"?>
 <p:sld xmlns:a="http://schemas.openxmlformats.org/drawingml/2006/main" xmlns:r="http://schemas.openxmlformats.org/officeDocument/2006/relationships" xmlns:p="http://schemas.openxmlformats.org/presentationml/2006/main">
   <p:cSld>
     <p:spTree>
@@ -16256,7 +20352,7 @@
 </p:sld>
 </file>
 
-<file path=ppt/slides/slide23.xml><?xml version="1.0" encoding="utf-8"?>
+<file path=ppt/slides/slide25.xml><?xml version="1.0" encoding="utf-8"?>
 <p:sld xmlns:a="http://schemas.openxmlformats.org/drawingml/2006/main" xmlns:r="http://schemas.openxmlformats.org/officeDocument/2006/relationships" xmlns:p="http://schemas.openxmlformats.org/presentationml/2006/main">
   <p:cSld>
     <p:spTree>
@@ -17396,7 +21492,7 @@
 </p:sld>
 </file>
 
-<file path=ppt/slides/slide24.xml><?xml version="1.0" encoding="utf-8"?>
+<file path=ppt/slides/slide26.xml><?xml version="1.0" encoding="utf-8"?>
 <p:sld xmlns:a="http://schemas.openxmlformats.org/drawingml/2006/main" xmlns:r="http://schemas.openxmlformats.org/officeDocument/2006/relationships" xmlns:p="http://schemas.openxmlformats.org/presentationml/2006/main">
   <p:cSld>
     <p:spTree>
@@ -18535,7 +22631,7 @@
 </p:sld>
 </file>
 
-<file path=ppt/slides/slide25.xml><?xml version="1.0" encoding="utf-8"?>
+<file path=ppt/slides/slide27.xml><?xml version="1.0" encoding="utf-8"?>
 <p:sld xmlns:a="http://schemas.openxmlformats.org/drawingml/2006/main" xmlns:r="http://schemas.openxmlformats.org/officeDocument/2006/relationships" xmlns:p="http://schemas.openxmlformats.org/presentationml/2006/main">
   <p:cSld>
     <p:spTree>
@@ -19674,7 +23770,7 @@
 </p:sld>
 </file>
 
-<file path=ppt/slides/slide26.xml><?xml version="1.0" encoding="utf-8"?>
+<file path=ppt/slides/slide28.xml><?xml version="1.0" encoding="utf-8"?>
 <p:sld xmlns:a="http://schemas.openxmlformats.org/drawingml/2006/main" xmlns:r="http://schemas.openxmlformats.org/officeDocument/2006/relationships" xmlns:p="http://schemas.openxmlformats.org/presentationml/2006/main">
   <p:cSld>
     <p:spTree>
@@ -20813,7 +24909,7 @@
 </p:sld>
 </file>
 
-<file path=ppt/slides/slide27.xml><?xml version="1.0" encoding="utf-8"?>
+<file path=ppt/slides/slide29.xml><?xml version="1.0" encoding="utf-8"?>
 <p:sld xmlns:a="http://schemas.openxmlformats.org/drawingml/2006/main" xmlns:r="http://schemas.openxmlformats.org/officeDocument/2006/relationships" xmlns:p="http://schemas.openxmlformats.org/presentationml/2006/main">
   <p:cSld>
     <p:spTree>
@@ -21952,7 +26048,161 @@
 </p:sld>
 </file>
 
-<file path=ppt/slides/slide28.xml><?xml version="1.0" encoding="utf-8"?>
+<file path=ppt/slides/slide3.xml><?xml version="1.0" encoding="utf-8"?>
+<p:sld xmlns:a="http://schemas.openxmlformats.org/drawingml/2006/main" xmlns:r="http://schemas.openxmlformats.org/officeDocument/2006/relationships" xmlns:p="http://schemas.openxmlformats.org/presentationml/2006/main">
+  <p:cSld>
+    <p:spTree>
+      <p:nvGrpSpPr>
+        <p:cNvPr id="1" name=""/>
+        <p:cNvGrpSpPr/>
+        <p:nvPr/>
+      </p:nvGrpSpPr>
+      <p:grpSpPr>
+        <a:xfrm>
+          <a:off x="0" y="0"/>
+          <a:ext cx="0" cy="0"/>
+          <a:chOff x="0" y="0"/>
+          <a:chExt cx="0" cy="0"/>
+        </a:xfrm>
+      </p:grpSpPr>
+      <p:sp>
+        <p:nvSpPr>
+          <p:cNvPr id="3" name="Title 2">
+            <a:extLst>
+              <a:ext uri="{FF2B5EF4-FFF2-40B4-BE49-F238E27FC236}">
+                <a16:creationId xmlns:a16="http://schemas.microsoft.com/office/drawing/2014/main" id="{9323871C-7CA8-1448-8FFC-1AE6E1838941}"/>
+              </a:ext>
+            </a:extLst>
+          </p:cNvPr>
+          <p:cNvSpPr>
+            <a:spLocks noGrp="1"/>
+          </p:cNvSpPr>
+          <p:nvPr>
+            <p:ph type="title"/>
+          </p:nvPr>
+        </p:nvSpPr>
+        <p:spPr/>
+        <p:txBody>
+          <a:bodyPr/>
+          <a:lstStyle/>
+          <a:p>
+            <a:r>
+              <a:rPr lang="en-US" dirty="0"/>
+              <a:t>Reminder: Office Hours</a:t>
+            </a:r>
+          </a:p>
+        </p:txBody>
+      </p:sp>
+      <p:sp>
+        <p:nvSpPr>
+          <p:cNvPr id="4" name="Text Placeholder 3">
+            <a:extLst>
+              <a:ext uri="{FF2B5EF4-FFF2-40B4-BE49-F238E27FC236}">
+                <a16:creationId xmlns:a16="http://schemas.microsoft.com/office/drawing/2014/main" id="{5E600BA7-FA45-884F-9820-9E5F2CB7AA48}"/>
+              </a:ext>
+            </a:extLst>
+          </p:cNvPr>
+          <p:cNvSpPr>
+            <a:spLocks noGrp="1"/>
+          </p:cNvSpPr>
+          <p:nvPr>
+            <p:ph type="body" idx="1"/>
+          </p:nvPr>
+        </p:nvSpPr>
+        <p:spPr/>
+        <p:txBody>
+          <a:bodyPr/>
+          <a:lstStyle/>
+          <a:p>
+            <a:pPr marL="76200" indent="0">
+              <a:buNone/>
+            </a:pPr>
+            <a:r>
+              <a:rPr lang="en-US" i="1" dirty="0"/>
+              <a:t>Instructor Office Hours (course content, general questions, </a:t>
+            </a:r>
+            <a:r>
+              <a:rPr lang="en-US" i="1" dirty="0" err="1"/>
+              <a:t>etc</a:t>
+            </a:r>
+            <a:r>
+              <a:rPr lang="en-US" i="1" dirty="0"/>
+              <a:t>)</a:t>
+            </a:r>
+            <a:endParaRPr lang="en-US" dirty="0"/>
+          </a:p>
+          <a:p>
+            <a:pPr lvl="1"/>
+            <a:r>
+              <a:rPr lang="en-US" sz="2400" dirty="0" err="1"/>
+              <a:t>Rayid</a:t>
+            </a:r>
+            <a:r>
+              <a:rPr lang="en-US" sz="2400" dirty="0"/>
+              <a:t> (in GHC 8023): Tuesdays 12-1, Wednesdays 2-3</a:t>
+            </a:r>
+          </a:p>
+          <a:p>
+            <a:pPr lvl="1"/>
+            <a:r>
+              <a:rPr lang="en-US" sz="2400" dirty="0"/>
+              <a:t>Kit (in GHC 8018): Wednesdays 11-12, Thursdays 12-1</a:t>
+            </a:r>
+            <a:endParaRPr lang="en-US" dirty="0"/>
+          </a:p>
+          <a:p>
+            <a:pPr marL="76200" indent="0">
+              <a:buNone/>
+            </a:pPr>
+            <a:endParaRPr lang="en-US" i="1" dirty="0"/>
+          </a:p>
+          <a:p>
+            <a:pPr marL="76200" indent="0">
+              <a:buNone/>
+            </a:pPr>
+            <a:r>
+              <a:rPr lang="en-US" i="1" dirty="0"/>
+              <a:t>Infrastructure and Tech Setup Office Hours with the TAs:</a:t>
+            </a:r>
+            <a:endParaRPr lang="en-US" dirty="0"/>
+          </a:p>
+          <a:p>
+            <a:pPr lvl="1"/>
+            <a:r>
+              <a:rPr lang="en-US" sz="2400" dirty="0"/>
+              <a:t>Riyaz (8th floor GHC, by printers): Mondays 12-1, Fridays 10-11</a:t>
+            </a:r>
+          </a:p>
+          <a:p>
+            <a:pPr lvl="1"/>
+            <a:r>
+              <a:rPr lang="en-US" sz="2400" dirty="0"/>
+              <a:t>Abhishek (8th floor GHC, by printers): Mondays 11-12, Fridays 2-3</a:t>
+            </a:r>
+            <a:endParaRPr lang="en-US" dirty="0"/>
+          </a:p>
+          <a:p>
+            <a:pPr marL="76200" indent="0">
+              <a:buNone/>
+            </a:pPr>
+            <a:endParaRPr lang="en-US" dirty="0"/>
+          </a:p>
+        </p:txBody>
+      </p:sp>
+    </p:spTree>
+    <p:extLst>
+      <p:ext uri="{BB962C8B-B14F-4D97-AF65-F5344CB8AC3E}">
+        <p14:creationId xmlns:p14="http://schemas.microsoft.com/office/powerpoint/2010/main" val="1285932549"/>
+      </p:ext>
+    </p:extLst>
+  </p:cSld>
+  <p:clrMapOvr>
+    <a:masterClrMapping/>
+  </p:clrMapOvr>
+</p:sld>
+</file>
+
+<file path=ppt/slides/slide30.xml><?xml version="1.0" encoding="utf-8"?>
 <p:sld xmlns:a="http://schemas.openxmlformats.org/drawingml/2006/main" xmlns:r="http://schemas.openxmlformats.org/officeDocument/2006/relationships" xmlns:p="http://schemas.openxmlformats.org/presentationml/2006/main">
   <p:cSld>
     <p:spTree>
@@ -23365,7 +27615,7 @@
 </p:sld>
 </file>
 
-<file path=ppt/slides/slide29.xml><?xml version="1.0" encoding="utf-8"?>
+<file path=ppt/slides/slide31.xml><?xml version="1.0" encoding="utf-8"?>
 <p:sld xmlns:a="http://schemas.openxmlformats.org/drawingml/2006/main" xmlns:r="http://schemas.openxmlformats.org/officeDocument/2006/relationships" xmlns:p="http://schemas.openxmlformats.org/presentationml/2006/main">
   <p:cSld>
     <p:spTree>
@@ -24186,161 +28436,7 @@
 </p:sld>
 </file>
 
-<file path=ppt/slides/slide3.xml><?xml version="1.0" encoding="utf-8"?>
-<p:sld xmlns:a="http://schemas.openxmlformats.org/drawingml/2006/main" xmlns:r="http://schemas.openxmlformats.org/officeDocument/2006/relationships" xmlns:p="http://schemas.openxmlformats.org/presentationml/2006/main">
-  <p:cSld>
-    <p:spTree>
-      <p:nvGrpSpPr>
-        <p:cNvPr id="1" name=""/>
-        <p:cNvGrpSpPr/>
-        <p:nvPr/>
-      </p:nvGrpSpPr>
-      <p:grpSpPr>
-        <a:xfrm>
-          <a:off x="0" y="0"/>
-          <a:ext cx="0" cy="0"/>
-          <a:chOff x="0" y="0"/>
-          <a:chExt cx="0" cy="0"/>
-        </a:xfrm>
-      </p:grpSpPr>
-      <p:sp>
-        <p:nvSpPr>
-          <p:cNvPr id="3" name="Title 2">
-            <a:extLst>
-              <a:ext uri="{FF2B5EF4-FFF2-40B4-BE49-F238E27FC236}">
-                <a16:creationId xmlns:a16="http://schemas.microsoft.com/office/drawing/2014/main" id="{9323871C-7CA8-1448-8FFC-1AE6E1838941}"/>
-              </a:ext>
-            </a:extLst>
-          </p:cNvPr>
-          <p:cNvSpPr>
-            <a:spLocks noGrp="1"/>
-          </p:cNvSpPr>
-          <p:nvPr>
-            <p:ph type="title"/>
-          </p:nvPr>
-        </p:nvSpPr>
-        <p:spPr/>
-        <p:txBody>
-          <a:bodyPr/>
-          <a:lstStyle/>
-          <a:p>
-            <a:r>
-              <a:rPr lang="en-US" dirty="0"/>
-              <a:t>Reminder: Office Hours</a:t>
-            </a:r>
-          </a:p>
-        </p:txBody>
-      </p:sp>
-      <p:sp>
-        <p:nvSpPr>
-          <p:cNvPr id="4" name="Text Placeholder 3">
-            <a:extLst>
-              <a:ext uri="{FF2B5EF4-FFF2-40B4-BE49-F238E27FC236}">
-                <a16:creationId xmlns:a16="http://schemas.microsoft.com/office/drawing/2014/main" id="{5E600BA7-FA45-884F-9820-9E5F2CB7AA48}"/>
-              </a:ext>
-            </a:extLst>
-          </p:cNvPr>
-          <p:cNvSpPr>
-            <a:spLocks noGrp="1"/>
-          </p:cNvSpPr>
-          <p:nvPr>
-            <p:ph type="body" idx="1"/>
-          </p:nvPr>
-        </p:nvSpPr>
-        <p:spPr/>
-        <p:txBody>
-          <a:bodyPr/>
-          <a:lstStyle/>
-          <a:p>
-            <a:pPr marL="76200" indent="0">
-              <a:buNone/>
-            </a:pPr>
-            <a:r>
-              <a:rPr lang="en-US" i="1" dirty="0"/>
-              <a:t>Instructor Office Hours (course content, general questions, </a:t>
-            </a:r>
-            <a:r>
-              <a:rPr lang="en-US" i="1" dirty="0" err="1"/>
-              <a:t>etc</a:t>
-            </a:r>
-            <a:r>
-              <a:rPr lang="en-US" i="1" dirty="0"/>
-              <a:t>)</a:t>
-            </a:r>
-            <a:endParaRPr lang="en-US" dirty="0"/>
-          </a:p>
-          <a:p>
-            <a:pPr lvl="1"/>
-            <a:r>
-              <a:rPr lang="en-US" sz="2400" dirty="0" err="1"/>
-              <a:t>Rayid</a:t>
-            </a:r>
-            <a:r>
-              <a:rPr lang="en-US" sz="2400" dirty="0"/>
-              <a:t> (in GHC 8023): Tuesdays 12-1, Wednesdays 2-3</a:t>
-            </a:r>
-          </a:p>
-          <a:p>
-            <a:pPr lvl="1"/>
-            <a:r>
-              <a:rPr lang="en-US" sz="2400" dirty="0"/>
-              <a:t>Kit (in GHC 8018): Wednesdays 11-12, Thursdays 12-1</a:t>
-            </a:r>
-            <a:endParaRPr lang="en-US" dirty="0"/>
-          </a:p>
-          <a:p>
-            <a:pPr marL="76200" indent="0">
-              <a:buNone/>
-            </a:pPr>
-            <a:endParaRPr lang="en-US" i="1" dirty="0"/>
-          </a:p>
-          <a:p>
-            <a:pPr marL="76200" indent="0">
-              <a:buNone/>
-            </a:pPr>
-            <a:r>
-              <a:rPr lang="en-US" i="1" dirty="0"/>
-              <a:t>Infrastructure and Tech Setup Office Hours with the TAs:</a:t>
-            </a:r>
-            <a:endParaRPr lang="en-US" dirty="0"/>
-          </a:p>
-          <a:p>
-            <a:pPr lvl="1"/>
-            <a:r>
-              <a:rPr lang="en-US" sz="2400" dirty="0"/>
-              <a:t>Riyaz (8th floor GHC, by printers): Mondays 12-1, Fridays 10-11</a:t>
-            </a:r>
-          </a:p>
-          <a:p>
-            <a:pPr lvl="1"/>
-            <a:r>
-              <a:rPr lang="en-US" sz="2400" dirty="0"/>
-              <a:t>Abhishek (8th floor GHC, by printers): Mondays 11-12, Fridays 2-3</a:t>
-            </a:r>
-            <a:endParaRPr lang="en-US" dirty="0"/>
-          </a:p>
-          <a:p>
-            <a:pPr marL="76200" indent="0">
-              <a:buNone/>
-            </a:pPr>
-            <a:endParaRPr lang="en-US" dirty="0"/>
-          </a:p>
-        </p:txBody>
-      </p:sp>
-    </p:spTree>
-    <p:extLst>
-      <p:ext uri="{BB962C8B-B14F-4D97-AF65-F5344CB8AC3E}">
-        <p14:creationId xmlns:p14="http://schemas.microsoft.com/office/powerpoint/2010/main" val="1285932549"/>
-      </p:ext>
-    </p:extLst>
-  </p:cSld>
-  <p:clrMapOvr>
-    <a:masterClrMapping/>
-  </p:clrMapOvr>
-</p:sld>
-</file>
-
-<file path=ppt/slides/slide30.xml><?xml version="1.0" encoding="utf-8"?>
+<file path=ppt/slides/slide32.xml><?xml version="1.0" encoding="utf-8"?>
 <p:sld xmlns:a="http://schemas.openxmlformats.org/drawingml/2006/main" xmlns:r="http://schemas.openxmlformats.org/officeDocument/2006/relationships" xmlns:p="http://schemas.openxmlformats.org/presentationml/2006/main">
   <p:cSld>
     <p:spTree>

--- a/Lectures/Lecture5-ModelSelection.pptx
+++ b/Lectures/Lecture5-ModelSelection.pptx
@@ -11,9 +11,9 @@
   <p:sldIdLst>
     <p:sldId id="256" r:id="rId3"/>
     <p:sldId id="477" r:id="rId4"/>
-    <p:sldId id="281" r:id="rId5"/>
-    <p:sldId id="486" r:id="rId6"/>
-    <p:sldId id="323" r:id="rId7"/>
+    <p:sldId id="486" r:id="rId5"/>
+    <p:sldId id="323" r:id="rId6"/>
+    <p:sldId id="490" r:id="rId7"/>
     <p:sldId id="286" r:id="rId8"/>
     <p:sldId id="472" r:id="rId9"/>
     <p:sldId id="287" r:id="rId10"/>
@@ -278,7 +278,7 @@
       <p15:sldGuideLst xmlns:p15="http://schemas.microsoft.com/office/powerpoint/2012/main"/>
     </p:ext>
     <p:ext uri="http://customooxmlschemas.google.com/">
-      <go:slidesCustomData xmlns:go="http://customooxmlschemas.google.com/" xmlns:p15="http://schemas.microsoft.com/office/powerpoint/2012/main" xmlns:p14="http://schemas.microsoft.com/office/powerpoint/2010/main" xmlns:com="http://schemas.openxmlformats.org/drawingml/2006/compatibility" xmlns:pvml="urn:schemas-microsoft-com:office:powerpoint" xmlns:v="urn:schemas-microsoft-com:vml" xmlns:o="urn:schemas-microsoft-com:office:office" xmlns:dgm="http://schemas.openxmlformats.org/drawingml/2006/diagram" xmlns:c="http://schemas.openxmlformats.org/drawingml/2006/chart" xmlns:mv="urn:schemas-microsoft-com:mac:vml" xmlns:mc="http://schemas.openxmlformats.org/markup-compatibility/2006" xmlns="" r:id="rId40" roundtripDataSignature="AMtx7mjFyVUGRZWio+dc9dxzYsimUxNJbg=="/>
+      <go:slidesCustomData xmlns="" xmlns:mc="http://schemas.openxmlformats.org/markup-compatibility/2006" xmlns:mv="urn:schemas-microsoft-com:mac:vml" xmlns:c="http://schemas.openxmlformats.org/drawingml/2006/chart" xmlns:dgm="http://schemas.openxmlformats.org/drawingml/2006/diagram" xmlns:o="urn:schemas-microsoft-com:office:office" xmlns:v="urn:schemas-microsoft-com:vml" xmlns:pvml="urn:schemas-microsoft-com:office:powerpoint" xmlns:com="http://schemas.openxmlformats.org/drawingml/2006/compatibility" xmlns:p14="http://schemas.microsoft.com/office/powerpoint/2010/main" xmlns:p15="http://schemas.microsoft.com/office/powerpoint/2012/main" xmlns:go="http://customooxmlschemas.google.com/" r:id="rId40" roundtripDataSignature="AMtx7mjFyVUGRZWio+dc9dxzYsimUxNJbg=="/>
     </p:ext>
   </p:extLst>
 </p:presentation>
@@ -7333,7 +7333,7 @@
           <a:p>
             <a:fld id="{7C0312F8-2DE2-6B40-83C5-731724CAE2B0}" type="datetimeFigureOut">
               <a:rPr lang="en-US" smtClean="0"/>
-              <a:t>9/15/21</a:t>
+              <a:t>9/13/22</a:t>
             </a:fld>
             <a:endParaRPr lang="en-US"/>
           </a:p>
@@ -7428,7 +7428,7 @@
           <a:p>
             <a:fld id="{7C0312F8-2DE2-6B40-83C5-731724CAE2B0}" type="datetimeFigureOut">
               <a:rPr lang="en-US" smtClean="0"/>
-              <a:t>9/15/21</a:t>
+              <a:t>9/13/22</a:t>
             </a:fld>
             <a:endParaRPr lang="en-US"/>
           </a:p>
@@ -9420,7 +9420,7 @@
           <a:p>
             <a:fld id="{7C0312F8-2DE2-6B40-83C5-731724CAE2B0}" type="datetimeFigureOut">
               <a:rPr lang="en-US" smtClean="0"/>
-              <a:t>9/15/21</a:t>
+              <a:t>9/13/22</a:t>
             </a:fld>
             <a:endParaRPr lang="en-US"/>
           </a:p>
@@ -9705,7 +9705,7 @@
           <a:p>
             <a:fld id="{7C0312F8-2DE2-6B40-83C5-731724CAE2B0}" type="datetimeFigureOut">
               <a:rPr lang="en-US" smtClean="0"/>
-              <a:t>9/15/21</a:t>
+              <a:t>9/13/22</a:t>
             </a:fld>
             <a:endParaRPr lang="en-US"/>
           </a:p>
@@ -11182,7 +11182,7 @@
           <a:p>
             <a:fld id="{7C0312F8-2DE2-6B40-83C5-731724CAE2B0}" type="datetimeFigureOut">
               <a:rPr lang="en-US" smtClean="0"/>
-              <a:t>9/15/21</a:t>
+              <a:t>9/13/22</a:t>
             </a:fld>
             <a:endParaRPr lang="en-US"/>
           </a:p>
@@ -13017,39 +13017,6 @@
             <a:pPr marL="76200" indent="0">
               <a:buNone/>
             </a:pPr>
-            <a:r>
-              <a:rPr lang="en-US" b="1" dirty="0"/>
-              <a:t>This week:</a:t>
-            </a:r>
-            <a:endParaRPr lang="en-US" dirty="0"/>
-          </a:p>
-          <a:p>
-            <a:r>
-              <a:rPr lang="en-US" dirty="0"/>
-              <a:t>Wednesday Session</a:t>
-            </a:r>
-          </a:p>
-          <a:p>
-            <a:pPr lvl="1">
-              <a:spcBef>
-                <a:spcPts val="0"/>
-              </a:spcBef>
-            </a:pPr>
-            <a:r>
-              <a:rPr lang="en-US" dirty="0"/>
-              <a:t>Won’t have one this week, but will talk through update 1 on Thursday</a:t>
-            </a:r>
-          </a:p>
-          <a:p>
-            <a:r>
-              <a:rPr lang="en-US" dirty="0"/>
-              <a:t>If you didn’t read it for today, read for Thursday: Cross-Validation Strategies</a:t>
-            </a:r>
-          </a:p>
-          <a:p>
-            <a:pPr marL="76200" indent="0">
-              <a:buNone/>
-            </a:pPr>
             <a:endParaRPr lang="en-US" dirty="0"/>
           </a:p>
           <a:p>
@@ -13064,7 +13031,7 @@
           <a:p>
             <a:r>
               <a:rPr lang="en-US" dirty="0"/>
-              <a:t>Monday: Project Update 2 (will be posted on canvas soon)</a:t>
+              <a:t>Monday: Project Update 2 (posted on canvas)</a:t>
             </a:r>
           </a:p>
           <a:p>
@@ -26067,10 +26034,10 @@
       </p:grpSpPr>
       <p:sp>
         <p:nvSpPr>
-          <p:cNvPr id="3" name="Title 2">
+          <p:cNvPr id="2" name="Title 1">
             <a:extLst>
               <a:ext uri="{FF2B5EF4-FFF2-40B4-BE49-F238E27FC236}">
-                <a16:creationId xmlns:a16="http://schemas.microsoft.com/office/drawing/2014/main" id="{9323871C-7CA8-1448-8FFC-1AE6E1838941}"/>
+                <a16:creationId xmlns:a16="http://schemas.microsoft.com/office/drawing/2014/main" id="{A073B702-ED77-884E-88F7-92D73313F38D}"/>
               </a:ext>
             </a:extLst>
           </p:cNvPr>
@@ -26088,17 +26055,17 @@
           <a:p>
             <a:r>
               <a:rPr lang="en-US" dirty="0"/>
-              <a:t>Reminder: Office Hours</a:t>
+              <a:t>Plan for the week</a:t>
             </a:r>
           </a:p>
         </p:txBody>
       </p:sp>
       <p:sp>
         <p:nvSpPr>
-          <p:cNvPr id="4" name="Text Placeholder 3">
+          <p:cNvPr id="3" name="Text Placeholder 2">
             <a:extLst>
               <a:ext uri="{FF2B5EF4-FFF2-40B4-BE49-F238E27FC236}">
-                <a16:creationId xmlns:a16="http://schemas.microsoft.com/office/drawing/2014/main" id="{5E600BA7-FA45-884F-9820-9E5F2CB7AA48}"/>
+                <a16:creationId xmlns:a16="http://schemas.microsoft.com/office/drawing/2014/main" id="{7861BAD4-F7FB-1D48-9D37-2273592A75CE}"/>
               </a:ext>
             </a:extLst>
           </p:cNvPr>
@@ -26114,85 +26081,62 @@
           <a:bodyPr/>
           <a:lstStyle/>
           <a:p>
-            <a:pPr marL="76200" indent="0">
-              <a:buNone/>
-            </a:pPr>
             <a:r>
-              <a:rPr lang="en-US" i="1" dirty="0"/>
-              <a:t>Instructor Office Hours (course content, general questions, </a:t>
+              <a:rPr lang="en-US" dirty="0"/>
+              <a:t>What you should be discussing this week within your team</a:t>
             </a:r>
-            <a:r>
-              <a:rPr lang="en-US" i="1" dirty="0" err="1"/>
-              <a:t>etc</a:t>
-            </a:r>
-            <a:r>
-              <a:rPr lang="en-US" i="1" dirty="0"/>
-              <a:t>)</a:t>
-            </a:r>
-            <a:endParaRPr lang="en-US" dirty="0"/>
           </a:p>
           <a:p>
             <a:pPr lvl="1"/>
             <a:r>
-              <a:rPr lang="en-US" sz="2400" dirty="0" err="1"/>
-              <a:t>Rayid</a:t>
-            </a:r>
-            <a:r>
-              <a:rPr lang="en-US" sz="2400" dirty="0"/>
-              <a:t> (in GHC 8023): Tuesdays 12-1, Wednesdays 2-3</a:t>
+              <a:rPr lang="en-US" dirty="0"/>
+              <a:t>Finalizing your analytical formulation and baselines to compare against</a:t>
             </a:r>
           </a:p>
           <a:p>
             <a:pPr lvl="1"/>
             <a:r>
-              <a:rPr lang="en-US" sz="2400" dirty="0"/>
-              <a:t>Kit (in GHC 8018): Wednesdays 11-12, Thursdays 12-1</a:t>
+              <a:rPr lang="en-US" dirty="0"/>
+              <a:t>Validation strategy</a:t>
             </a:r>
+          </a:p>
+          <a:p>
+            <a:pPr lvl="1"/>
             <a:endParaRPr lang="en-US" dirty="0"/>
           </a:p>
           <a:p>
-            <a:pPr marL="76200" indent="0">
-              <a:buNone/>
-            </a:pPr>
-            <a:endParaRPr lang="en-US" i="1" dirty="0"/>
-          </a:p>
-          <a:p>
-            <a:pPr marL="76200" indent="0">
-              <a:buNone/>
-            </a:pPr>
             <a:r>
-              <a:rPr lang="en-US" i="1" dirty="0"/>
-              <a:t>Infrastructure and Tech Setup Office Hours with the TAs:</a:t>
+              <a:rPr lang="en-US" dirty="0"/>
+              <a:t>What you should be building this week</a:t>
             </a:r>
-            <a:endParaRPr lang="en-US" dirty="0"/>
           </a:p>
           <a:p>
             <a:pPr lvl="1"/>
             <a:r>
-              <a:rPr lang="en-US" sz="2400" dirty="0"/>
-              <a:t>Riyaz (8th floor GHC, by printers): Mondays 12-1, Fridays 10-11</a:t>
+              <a:rPr lang="en-US" dirty="0"/>
+              <a:t>V0 of your ML pipeline</a:t>
             </a:r>
           </a:p>
           <a:p>
             <a:pPr lvl="1"/>
             <a:r>
-              <a:rPr lang="en-US" sz="2400" dirty="0"/>
-              <a:t>Abhishek (8th floor GHC, by printers): Mondays 11-12, Fridays 2-3</a:t>
+              <a:rPr lang="en-US" dirty="0"/>
+              <a:t>Training/validation logic</a:t>
             </a:r>
-            <a:endParaRPr lang="en-US" dirty="0"/>
-          </a:p>
-          <a:p>
-            <a:pPr marL="76200" indent="0">
-              <a:buNone/>
-            </a:pPr>
-            <a:endParaRPr lang="en-US" dirty="0"/>
+          </a:p>
+          <a:p>
+            <a:pPr lvl="1"/>
+            <a:r>
+              <a:rPr lang="en-US" dirty="0"/>
+              <a:t>Implemented Baselines</a:t>
+            </a:r>
           </a:p>
         </p:txBody>
       </p:sp>
     </p:spTree>
     <p:extLst>
       <p:ext uri="{BB962C8B-B14F-4D97-AF65-F5344CB8AC3E}">
-        <p14:creationId xmlns:p14="http://schemas.microsoft.com/office/powerpoint/2010/main" val="1285932549"/>
+        <p14:creationId xmlns:p14="http://schemas.microsoft.com/office/powerpoint/2010/main" val="2336692870"/>
       </p:ext>
     </p:extLst>
   </p:cSld>
@@ -28621,137 +28565,6 @@
           <p:cNvPr id="2" name="Title 1">
             <a:extLst>
               <a:ext uri="{FF2B5EF4-FFF2-40B4-BE49-F238E27FC236}">
-                <a16:creationId xmlns:a16="http://schemas.microsoft.com/office/drawing/2014/main" id="{A073B702-ED77-884E-88F7-92D73313F38D}"/>
-              </a:ext>
-            </a:extLst>
-          </p:cNvPr>
-          <p:cNvSpPr>
-            <a:spLocks noGrp="1"/>
-          </p:cNvSpPr>
-          <p:nvPr>
-            <p:ph type="title"/>
-          </p:nvPr>
-        </p:nvSpPr>
-        <p:spPr/>
-        <p:txBody>
-          <a:bodyPr/>
-          <a:lstStyle/>
-          <a:p>
-            <a:r>
-              <a:rPr lang="en-US" dirty="0"/>
-              <a:t>Plan for the week</a:t>
-            </a:r>
-          </a:p>
-        </p:txBody>
-      </p:sp>
-      <p:sp>
-        <p:nvSpPr>
-          <p:cNvPr id="3" name="Text Placeholder 2">
-            <a:extLst>
-              <a:ext uri="{FF2B5EF4-FFF2-40B4-BE49-F238E27FC236}">
-                <a16:creationId xmlns:a16="http://schemas.microsoft.com/office/drawing/2014/main" id="{7861BAD4-F7FB-1D48-9D37-2273592A75CE}"/>
-              </a:ext>
-            </a:extLst>
-          </p:cNvPr>
-          <p:cNvSpPr>
-            <a:spLocks noGrp="1"/>
-          </p:cNvSpPr>
-          <p:nvPr>
-            <p:ph type="body" idx="1"/>
-          </p:nvPr>
-        </p:nvSpPr>
-        <p:spPr/>
-        <p:txBody>
-          <a:bodyPr/>
-          <a:lstStyle/>
-          <a:p>
-            <a:r>
-              <a:rPr lang="en-US" dirty="0"/>
-              <a:t>What you should be discussing this week within your team</a:t>
-            </a:r>
-          </a:p>
-          <a:p>
-            <a:pPr lvl="1"/>
-            <a:r>
-              <a:rPr lang="en-US" dirty="0"/>
-              <a:t>Finalizing your analytical formulation and baselines to compare against</a:t>
-            </a:r>
-          </a:p>
-          <a:p>
-            <a:pPr lvl="1"/>
-            <a:r>
-              <a:rPr lang="en-US" dirty="0"/>
-              <a:t>Validation strategy</a:t>
-            </a:r>
-          </a:p>
-          <a:p>
-            <a:pPr lvl="1"/>
-            <a:endParaRPr lang="en-US" dirty="0"/>
-          </a:p>
-          <a:p>
-            <a:r>
-              <a:rPr lang="en-US" dirty="0"/>
-              <a:t>What you should be building this week</a:t>
-            </a:r>
-          </a:p>
-          <a:p>
-            <a:pPr lvl="1"/>
-            <a:r>
-              <a:rPr lang="en-US" dirty="0"/>
-              <a:t>V0 of your ML pipeline</a:t>
-            </a:r>
-          </a:p>
-          <a:p>
-            <a:pPr lvl="1"/>
-            <a:r>
-              <a:rPr lang="en-US" dirty="0"/>
-              <a:t>Training/validation logic</a:t>
-            </a:r>
-          </a:p>
-          <a:p>
-            <a:pPr lvl="1"/>
-            <a:r>
-              <a:rPr lang="en-US" dirty="0"/>
-              <a:t>Implemented Baselines</a:t>
-            </a:r>
-          </a:p>
-        </p:txBody>
-      </p:sp>
-    </p:spTree>
-    <p:extLst>
-      <p:ext uri="{BB962C8B-B14F-4D97-AF65-F5344CB8AC3E}">
-        <p14:creationId xmlns:p14="http://schemas.microsoft.com/office/powerpoint/2010/main" val="2336692870"/>
-      </p:ext>
-    </p:extLst>
-  </p:cSld>
-  <p:clrMapOvr>
-    <a:masterClrMapping/>
-  </p:clrMapOvr>
-</p:sld>
-</file>
-
-<file path=ppt/slides/slide5.xml><?xml version="1.0" encoding="utf-8"?>
-<p:sld xmlns:a="http://schemas.openxmlformats.org/drawingml/2006/main" xmlns:r="http://schemas.openxmlformats.org/officeDocument/2006/relationships" xmlns:p="http://schemas.openxmlformats.org/presentationml/2006/main">
-  <p:cSld>
-    <p:spTree>
-      <p:nvGrpSpPr>
-        <p:cNvPr id="1" name=""/>
-        <p:cNvGrpSpPr/>
-        <p:nvPr/>
-      </p:nvGrpSpPr>
-      <p:grpSpPr>
-        <a:xfrm>
-          <a:off x="0" y="0"/>
-          <a:ext cx="0" cy="0"/>
-          <a:chOff x="0" y="0"/>
-          <a:chExt cx="0" cy="0"/>
-        </a:xfrm>
-      </p:grpSpPr>
-      <p:sp>
-        <p:nvSpPr>
-          <p:cNvPr id="2" name="Title 1">
-            <a:extLst>
-              <a:ext uri="{FF2B5EF4-FFF2-40B4-BE49-F238E27FC236}">
                 <a16:creationId xmlns:a16="http://schemas.microsoft.com/office/drawing/2014/main" id="{94CF2A94-A63F-6149-AA28-2E35B60E3D3E}"/>
               </a:ext>
             </a:extLst>
@@ -28859,6 +28672,89 @@
 </p:sld>
 </file>
 
+<file path=ppt/slides/slide5.xml><?xml version="1.0" encoding="utf-8"?>
+<p:sld xmlns:a="http://schemas.openxmlformats.org/drawingml/2006/main" xmlns:r="http://schemas.openxmlformats.org/officeDocument/2006/relationships" xmlns:p="http://schemas.openxmlformats.org/presentationml/2006/main">
+  <p:cSld>
+    <p:spTree>
+      <p:nvGrpSpPr>
+        <p:cNvPr id="1" name=""/>
+        <p:cNvGrpSpPr/>
+        <p:nvPr/>
+      </p:nvGrpSpPr>
+      <p:grpSpPr>
+        <a:xfrm>
+          <a:off x="0" y="0"/>
+          <a:ext cx="0" cy="0"/>
+          <a:chOff x="0" y="0"/>
+          <a:chExt cx="0" cy="0"/>
+        </a:xfrm>
+      </p:grpSpPr>
+      <p:sp>
+        <p:nvSpPr>
+          <p:cNvPr id="3" name="Title 2">
+            <a:extLst>
+              <a:ext uri="{FF2B5EF4-FFF2-40B4-BE49-F238E27FC236}">
+                <a16:creationId xmlns:a16="http://schemas.microsoft.com/office/drawing/2014/main" id="{B62E1458-5106-9285-FF44-749A91C11F3E}"/>
+              </a:ext>
+            </a:extLst>
+          </p:cNvPr>
+          <p:cNvSpPr>
+            <a:spLocks noGrp="1"/>
+          </p:cNvSpPr>
+          <p:nvPr>
+            <p:ph type="title"/>
+          </p:nvPr>
+        </p:nvSpPr>
+        <p:spPr/>
+        <p:txBody>
+          <a:bodyPr/>
+          <a:lstStyle/>
+          <a:p>
+            <a:r>
+              <a:rPr lang="en-US" dirty="0"/>
+              <a:t>Non-ML Baselines</a:t>
+            </a:r>
+          </a:p>
+        </p:txBody>
+      </p:sp>
+      <p:sp>
+        <p:nvSpPr>
+          <p:cNvPr id="4" name="Text Placeholder 3">
+            <a:extLst>
+              <a:ext uri="{FF2B5EF4-FFF2-40B4-BE49-F238E27FC236}">
+                <a16:creationId xmlns:a16="http://schemas.microsoft.com/office/drawing/2014/main" id="{A8102D65-BF56-3A5F-F2DC-CED53ED372D2}"/>
+              </a:ext>
+            </a:extLst>
+          </p:cNvPr>
+          <p:cNvSpPr>
+            <a:spLocks noGrp="1"/>
+          </p:cNvSpPr>
+          <p:nvPr>
+            <p:ph type="body" idx="1"/>
+          </p:nvPr>
+        </p:nvSpPr>
+        <p:spPr/>
+        <p:txBody>
+          <a:bodyPr/>
+          <a:lstStyle/>
+          <a:p>
+            <a:endParaRPr lang="en-US"/>
+          </a:p>
+        </p:txBody>
+      </p:sp>
+    </p:spTree>
+    <p:extLst>
+      <p:ext uri="{BB962C8B-B14F-4D97-AF65-F5344CB8AC3E}">
+        <p14:creationId xmlns:p14="http://schemas.microsoft.com/office/powerpoint/2010/main" val="3038760186"/>
+      </p:ext>
+    </p:extLst>
+  </p:cSld>
+  <p:clrMapOvr>
+    <a:masterClrMapping/>
+  </p:clrMapOvr>
+</p:sld>
+</file>
+
 <file path=ppt/slides/slide6.xml><?xml version="1.0" encoding="utf-8"?>
 <p:sld xmlns:a="http://schemas.openxmlformats.org/drawingml/2006/main" xmlns:r="http://schemas.openxmlformats.org/officeDocument/2006/relationships" xmlns:p="http://schemas.openxmlformats.org/presentationml/2006/main">
   <p:cSld>
@@ -28893,7 +28789,7 @@
           <a:p>
             <a:r>
               <a:rPr lang="en-US" dirty="0"/>
-              <a:t>How to solve a prediction problem</a:t>
+              <a:t>Here’s how we typically solve a prediction problem</a:t>
             </a:r>
           </a:p>
         </p:txBody>
@@ -28951,7 +28847,7 @@
           <a:p>
             <a:r>
               <a:rPr lang="en-US" dirty="0"/>
-              <a:t>Select “best” model</a:t>
+              <a:t>Select “best” model to use</a:t>
             </a:r>
           </a:p>
         </p:txBody>

--- a/Lectures/Lecture5-ModelSelection.pptx
+++ b/Lectures/Lecture5-ModelSelection.pptx
@@ -10,7 +10,7 @@
   </p:notesMasterIdLst>
   <p:sldIdLst>
     <p:sldId id="256" r:id="rId3"/>
-    <p:sldId id="477" r:id="rId4"/>
+    <p:sldId id="471" r:id="rId4"/>
     <p:sldId id="486" r:id="rId5"/>
     <p:sldId id="323" r:id="rId6"/>
     <p:sldId id="490" r:id="rId7"/>
@@ -278,7 +278,7 @@
       <p15:sldGuideLst xmlns:p15="http://schemas.microsoft.com/office/powerpoint/2012/main"/>
     </p:ext>
     <p:ext uri="http://customooxmlschemas.google.com/">
-      <go:slidesCustomData xmlns="" xmlns:mc="http://schemas.openxmlformats.org/markup-compatibility/2006" xmlns:mv="urn:schemas-microsoft-com:mac:vml" xmlns:c="http://schemas.openxmlformats.org/drawingml/2006/chart" xmlns:dgm="http://schemas.openxmlformats.org/drawingml/2006/diagram" xmlns:o="urn:schemas-microsoft-com:office:office" xmlns:v="urn:schemas-microsoft-com:vml" xmlns:pvml="urn:schemas-microsoft-com:office:powerpoint" xmlns:com="http://schemas.openxmlformats.org/drawingml/2006/compatibility" xmlns:p14="http://schemas.microsoft.com/office/powerpoint/2010/main" xmlns:p15="http://schemas.microsoft.com/office/powerpoint/2012/main" xmlns:go="http://customooxmlschemas.google.com/" r:id="rId40" roundtripDataSignature="AMtx7mjFyVUGRZWio+dc9dxzYsimUxNJbg=="/>
+      <go:slidesCustomData xmlns:go="http://customooxmlschemas.google.com/" xmlns:p15="http://schemas.microsoft.com/office/powerpoint/2012/main" xmlns:p14="http://schemas.microsoft.com/office/powerpoint/2010/main" xmlns:com="http://schemas.openxmlformats.org/drawingml/2006/compatibility" xmlns:pvml="urn:schemas-microsoft-com:office:powerpoint" xmlns:v="urn:schemas-microsoft-com:vml" xmlns:o="urn:schemas-microsoft-com:office:office" xmlns:dgm="http://schemas.openxmlformats.org/drawingml/2006/diagram" xmlns:c="http://schemas.openxmlformats.org/drawingml/2006/chart" xmlns:mv="urn:schemas-microsoft-com:mac:vml" xmlns:mc="http://schemas.openxmlformats.org/markup-compatibility/2006" xmlns="" r:id="rId40" roundtripDataSignature="AMtx7mjFyVUGRZWio+dc9dxzYsimUxNJbg=="/>
     </p:ext>
   </p:extLst>
 </p:presentation>
@@ -7333,7 +7333,7 @@
           <a:p>
             <a:fld id="{7C0312F8-2DE2-6B40-83C5-731724CAE2B0}" type="datetimeFigureOut">
               <a:rPr lang="en-US" smtClean="0"/>
-              <a:t>9/13/22</a:t>
+              <a:t>9/15/22</a:t>
             </a:fld>
             <a:endParaRPr lang="en-US"/>
           </a:p>
@@ -7428,7 +7428,7 @@
           <a:p>
             <a:fld id="{7C0312F8-2DE2-6B40-83C5-731724CAE2B0}" type="datetimeFigureOut">
               <a:rPr lang="en-US" smtClean="0"/>
-              <a:t>9/13/22</a:t>
+              <a:t>9/15/22</a:t>
             </a:fld>
             <a:endParaRPr lang="en-US"/>
           </a:p>
@@ -9420,7 +9420,7 @@
           <a:p>
             <a:fld id="{7C0312F8-2DE2-6B40-83C5-731724CAE2B0}" type="datetimeFigureOut">
               <a:rPr lang="en-US" smtClean="0"/>
-              <a:t>9/13/22</a:t>
+              <a:t>9/15/22</a:t>
             </a:fld>
             <a:endParaRPr lang="en-US"/>
           </a:p>
@@ -9705,7 +9705,7 @@
           <a:p>
             <a:fld id="{7C0312F8-2DE2-6B40-83C5-731724CAE2B0}" type="datetimeFigureOut">
               <a:rPr lang="en-US" smtClean="0"/>
-              <a:t>9/13/22</a:t>
+              <a:t>9/15/22</a:t>
             </a:fld>
             <a:endParaRPr lang="en-US"/>
           </a:p>
@@ -11182,7 +11182,7 @@
           <a:p>
             <a:fld id="{7C0312F8-2DE2-6B40-83C5-731724CAE2B0}" type="datetimeFigureOut">
               <a:rPr lang="en-US" smtClean="0"/>
-              <a:t>9/13/22</a:t>
+              <a:t>9/15/22</a:t>
             </a:fld>
             <a:endParaRPr lang="en-US"/>
           </a:p>
@@ -12861,8 +12861,8 @@
         </p:nvSpPr>
         <p:spPr>
           <a:xfrm>
-            <a:off x="0" y="947004"/>
-            <a:ext cx="11360700" cy="4555200"/>
+            <a:off x="-1" y="947003"/>
+            <a:ext cx="12035481" cy="5404369"/>
           </a:xfrm>
         </p:spPr>
         <p:txBody>
@@ -12878,7 +12878,7 @@
             <a:pPr lvl="1"/>
             <a:r>
               <a:rPr lang="en-US" dirty="0"/>
-              <a:t> To the beginning of time (expanding training window)?</a:t>
+              <a:t>To the beginning of time (expanding training window)?</a:t>
             </a:r>
           </a:p>
           <a:p>
@@ -13017,41 +13017,49 @@
             <a:pPr marL="76200" indent="0">
               <a:buNone/>
             </a:pPr>
-            <a:endParaRPr lang="en-US" dirty="0"/>
-          </a:p>
-          <a:p>
-            <a:pPr marL="76200" indent="0">
-              <a:buNone/>
-            </a:pPr>
             <a:r>
               <a:rPr lang="en-US" b="1" dirty="0"/>
               <a:t>Coming up next week:</a:t>
             </a:r>
           </a:p>
           <a:p>
+            <a:pPr marL="76200" indent="0">
+              <a:buNone/>
+            </a:pPr>
+            <a:endParaRPr lang="en-US" b="1" dirty="0"/>
+          </a:p>
+          <a:p>
             <a:r>
               <a:rPr lang="en-US" dirty="0"/>
-              <a:t>Monday: Project Update 2 (posted on canvas)</a:t>
+              <a:t>Monday: Project Update 2</a:t>
             </a:r>
+            <a:br>
+              <a:rPr lang="en-US" dirty="0"/>
+            </a:br>
+            <a:endParaRPr lang="en-US" dirty="0"/>
           </a:p>
           <a:p>
             <a:r>
               <a:rPr lang="en-US" dirty="0"/>
               <a:t>Tuesday: Weekly Feedback Form</a:t>
             </a:r>
-          </a:p>
-          <a:p>
-            <a:pPr marL="76200" indent="0">
-              <a:buNone/>
-            </a:pPr>
+            <a:br>
+              <a:rPr lang="en-US" dirty="0"/>
+            </a:br>
             <a:endParaRPr lang="en-US" dirty="0"/>
+          </a:p>
+          <a:p>
+            <a:r>
+              <a:rPr lang="en-US" dirty="0"/>
+              <a:t>Note: all readings for next week are optional</a:t>
+            </a:r>
           </a:p>
         </p:txBody>
       </p:sp>
     </p:spTree>
     <p:extLst>
       <p:ext uri="{BB962C8B-B14F-4D97-AF65-F5344CB8AC3E}">
-        <p14:creationId xmlns:p14="http://schemas.microsoft.com/office/powerpoint/2010/main" val="2656943805"/>
+        <p14:creationId xmlns:p14="http://schemas.microsoft.com/office/powerpoint/2010/main" val="186046226"/>
       </p:ext>
     </p:extLst>
   </p:cSld>
@@ -13275,7 +13283,7 @@
             <a:pPr lvl="1"/>
             <a:r>
               <a:rPr lang="en-US" dirty="0"/>
-              <a:t> Sampling (if helpful)</a:t>
+              <a:t>Sampling (if helpful)</a:t>
             </a:r>
           </a:p>
           <a:p>

--- a/Lectures/Lecture5-ModelSelection.pptx
+++ b/Lectures/Lecture5-ModelSelection.pptx
@@ -6,41 +6,42 @@
     <p:sldMasterId id="2147483660" r:id="rId2"/>
   </p:sldMasterIdLst>
   <p:notesMasterIdLst>
-    <p:notesMasterId r:id="rId35"/>
+    <p:notesMasterId r:id="rId36"/>
   </p:notesMasterIdLst>
   <p:sldIdLst>
     <p:sldId id="256" r:id="rId3"/>
     <p:sldId id="471" r:id="rId4"/>
-    <p:sldId id="486" r:id="rId5"/>
-    <p:sldId id="323" r:id="rId6"/>
-    <p:sldId id="490" r:id="rId7"/>
-    <p:sldId id="286" r:id="rId8"/>
-    <p:sldId id="472" r:id="rId9"/>
-    <p:sldId id="287" r:id="rId10"/>
-    <p:sldId id="478" r:id="rId11"/>
-    <p:sldId id="468" r:id="rId12"/>
-    <p:sldId id="473" r:id="rId13"/>
-    <p:sldId id="288" r:id="rId14"/>
-    <p:sldId id="474" r:id="rId15"/>
-    <p:sldId id="297" r:id="rId16"/>
-    <p:sldId id="479" r:id="rId17"/>
-    <p:sldId id="480" r:id="rId18"/>
-    <p:sldId id="481" r:id="rId19"/>
-    <p:sldId id="482" r:id="rId20"/>
-    <p:sldId id="483" r:id="rId21"/>
-    <p:sldId id="489" r:id="rId22"/>
-    <p:sldId id="487" r:id="rId23"/>
-    <p:sldId id="488" r:id="rId24"/>
-    <p:sldId id="289" r:id="rId25"/>
-    <p:sldId id="290" r:id="rId26"/>
-    <p:sldId id="291" r:id="rId27"/>
-    <p:sldId id="292" r:id="rId28"/>
-    <p:sldId id="293" r:id="rId29"/>
-    <p:sldId id="469" r:id="rId30"/>
-    <p:sldId id="470" r:id="rId31"/>
-    <p:sldId id="296" r:id="rId32"/>
-    <p:sldId id="454" r:id="rId33"/>
-    <p:sldId id="484" r:id="rId34"/>
+    <p:sldId id="491" r:id="rId5"/>
+    <p:sldId id="486" r:id="rId6"/>
+    <p:sldId id="323" r:id="rId7"/>
+    <p:sldId id="490" r:id="rId8"/>
+    <p:sldId id="286" r:id="rId9"/>
+    <p:sldId id="472" r:id="rId10"/>
+    <p:sldId id="287" r:id="rId11"/>
+    <p:sldId id="478" r:id="rId12"/>
+    <p:sldId id="468" r:id="rId13"/>
+    <p:sldId id="473" r:id="rId14"/>
+    <p:sldId id="288" r:id="rId15"/>
+    <p:sldId id="474" r:id="rId16"/>
+    <p:sldId id="297" r:id="rId17"/>
+    <p:sldId id="479" r:id="rId18"/>
+    <p:sldId id="480" r:id="rId19"/>
+    <p:sldId id="481" r:id="rId20"/>
+    <p:sldId id="482" r:id="rId21"/>
+    <p:sldId id="483" r:id="rId22"/>
+    <p:sldId id="489" r:id="rId23"/>
+    <p:sldId id="487" r:id="rId24"/>
+    <p:sldId id="488" r:id="rId25"/>
+    <p:sldId id="289" r:id="rId26"/>
+    <p:sldId id="290" r:id="rId27"/>
+    <p:sldId id="291" r:id="rId28"/>
+    <p:sldId id="292" r:id="rId29"/>
+    <p:sldId id="293" r:id="rId30"/>
+    <p:sldId id="469" r:id="rId31"/>
+    <p:sldId id="470" r:id="rId32"/>
+    <p:sldId id="296" r:id="rId33"/>
+    <p:sldId id="454" r:id="rId34"/>
+    <p:sldId id="484" r:id="rId35"/>
   </p:sldIdLst>
   <p:sldSz cx="12192000" cy="6858000"/>
   <p:notesSz cx="6858000" cy="9144000"/>
@@ -11780,10 +11781,10 @@
       </p:sp>
       <p:sp>
         <p:nvSpPr>
-          <p:cNvPr id="5" name="Text Placeholder 4">
+          <p:cNvPr id="3" name="Text Placeholder 2">
             <a:extLst>
               <a:ext uri="{FF2B5EF4-FFF2-40B4-BE49-F238E27FC236}">
-                <a16:creationId xmlns:a16="http://schemas.microsoft.com/office/drawing/2014/main" id="{24A75FF1-9EFE-0F41-92F5-3E749CFB2EB5}"/>
+                <a16:creationId xmlns:a16="http://schemas.microsoft.com/office/drawing/2014/main" id="{DA13BAFF-48B6-9046-94F3-CBF50B2F21D8}"/>
               </a:ext>
             </a:extLst>
           </p:cNvPr>
@@ -11799,47 +11800,14 @@
           <a:bodyPr/>
           <a:lstStyle/>
           <a:p>
-            <a:r>
-              <a:rPr lang="en-US" dirty="0"/>
-              <a:t>Perform well</a:t>
-            </a:r>
-          </a:p>
-          <a:p>
-            <a:pPr lvl="1"/>
-            <a:r>
-              <a:rPr lang="en-US" dirty="0"/>
-              <a:t>What metric?</a:t>
-            </a:r>
-          </a:p>
-          <a:p>
-            <a:pPr lvl="1"/>
-            <a:r>
-              <a:rPr lang="en-US" dirty="0"/>
-              <a:t>Compared to what?</a:t>
-            </a:r>
-          </a:p>
-          <a:p>
-            <a:endParaRPr lang="en-US" dirty="0"/>
-          </a:p>
-          <a:p>
-            <a:r>
-              <a:rPr lang="en-US" dirty="0"/>
-              <a:t>Generalize</a:t>
-            </a:r>
-          </a:p>
-          <a:p>
-            <a:pPr lvl="1"/>
-            <a:r>
-              <a:rPr lang="en-US" dirty="0"/>
-              <a:t>To what?</a:t>
-            </a:r>
+            <a:endParaRPr lang="en-US"/>
           </a:p>
         </p:txBody>
       </p:sp>
     </p:spTree>
     <p:extLst>
       <p:ext uri="{BB962C8B-B14F-4D97-AF65-F5344CB8AC3E}">
-        <p14:creationId xmlns:p14="http://schemas.microsoft.com/office/powerpoint/2010/main" val="4111643116"/>
+        <p14:creationId xmlns:p14="http://schemas.microsoft.com/office/powerpoint/2010/main" val="106807354"/>
       </p:ext>
     </p:extLst>
   </p:cSld>
@@ -11880,6 +11848,134 @@
       </p:grpSpPr>
       <p:sp>
         <p:nvSpPr>
+          <p:cNvPr id="4" name="Title 3">
+            <a:extLst>
+              <a:ext uri="{FF2B5EF4-FFF2-40B4-BE49-F238E27FC236}">
+                <a16:creationId xmlns:a16="http://schemas.microsoft.com/office/drawing/2014/main" id="{30C2C959-72F2-EF4D-80DA-F48A29D0F3C4}"/>
+              </a:ext>
+            </a:extLst>
+          </p:cNvPr>
+          <p:cNvSpPr>
+            <a:spLocks noGrp="1"/>
+          </p:cNvSpPr>
+          <p:nvPr>
+            <p:ph type="title"/>
+          </p:nvPr>
+        </p:nvSpPr>
+        <p:spPr/>
+        <p:txBody>
+          <a:bodyPr/>
+          <a:lstStyle/>
+          <a:p>
+            <a:r>
+              <a:rPr lang="en-US" dirty="0"/>
+              <a:t>What do we need our selected model to do?</a:t>
+            </a:r>
+          </a:p>
+        </p:txBody>
+      </p:sp>
+      <p:sp>
+        <p:nvSpPr>
+          <p:cNvPr id="5" name="Text Placeholder 4">
+            <a:extLst>
+              <a:ext uri="{FF2B5EF4-FFF2-40B4-BE49-F238E27FC236}">
+                <a16:creationId xmlns:a16="http://schemas.microsoft.com/office/drawing/2014/main" id="{24A75FF1-9EFE-0F41-92F5-3E749CFB2EB5}"/>
+              </a:ext>
+            </a:extLst>
+          </p:cNvPr>
+          <p:cNvSpPr>
+            <a:spLocks noGrp="1"/>
+          </p:cNvSpPr>
+          <p:nvPr>
+            <p:ph type="body" idx="1"/>
+          </p:nvPr>
+        </p:nvSpPr>
+        <p:spPr/>
+        <p:txBody>
+          <a:bodyPr/>
+          <a:lstStyle/>
+          <a:p>
+            <a:r>
+              <a:rPr lang="en-US" dirty="0"/>
+              <a:t>Perform well</a:t>
+            </a:r>
+          </a:p>
+          <a:p>
+            <a:pPr lvl="1"/>
+            <a:r>
+              <a:rPr lang="en-US" dirty="0"/>
+              <a:t>What metric?</a:t>
+            </a:r>
+          </a:p>
+          <a:p>
+            <a:pPr lvl="1"/>
+            <a:r>
+              <a:rPr lang="en-US" dirty="0"/>
+              <a:t>Compared to what?</a:t>
+            </a:r>
+          </a:p>
+          <a:p>
+            <a:endParaRPr lang="en-US" dirty="0"/>
+          </a:p>
+          <a:p>
+            <a:r>
+              <a:rPr lang="en-US" dirty="0"/>
+              <a:t>Generalize</a:t>
+            </a:r>
+          </a:p>
+          <a:p>
+            <a:pPr lvl="1"/>
+            <a:r>
+              <a:rPr lang="en-US" dirty="0"/>
+              <a:t>To what?</a:t>
+            </a:r>
+          </a:p>
+        </p:txBody>
+      </p:sp>
+    </p:spTree>
+    <p:extLst>
+      <p:ext uri="{BB962C8B-B14F-4D97-AF65-F5344CB8AC3E}">
+        <p14:creationId xmlns:p14="http://schemas.microsoft.com/office/powerpoint/2010/main" val="4111643116"/>
+      </p:ext>
+    </p:extLst>
+  </p:cSld>
+  <p:clrMapOvr>
+    <a:masterClrMapping/>
+  </p:clrMapOvr>
+  <mc:AlternateContent xmlns:mc="http://schemas.openxmlformats.org/markup-compatibility/2006" xmlns:p14="http://schemas.microsoft.com/office/powerpoint/2010/main">
+    <mc:Choice Requires="p14">
+      <p:transition spd="med" p14:dur="700">
+        <p:fade/>
+      </p:transition>
+    </mc:Choice>
+    <mc:Fallback xmlns="">
+      <p:transition spd="med">
+        <p:fade/>
+      </p:transition>
+    </mc:Fallback>
+  </mc:AlternateContent>
+</p:sld>
+</file>
+
+<file path=ppt/slides/slide12.xml><?xml version="1.0" encoding="utf-8"?>
+<p:sld xmlns:a="http://schemas.openxmlformats.org/drawingml/2006/main" xmlns:r="http://schemas.openxmlformats.org/officeDocument/2006/relationships" xmlns:p="http://schemas.openxmlformats.org/presentationml/2006/main">
+  <p:cSld>
+    <p:spTree>
+      <p:nvGrpSpPr>
+        <p:cNvPr id="1" name=""/>
+        <p:cNvGrpSpPr/>
+        <p:nvPr/>
+      </p:nvGrpSpPr>
+      <p:grpSpPr>
+        <a:xfrm>
+          <a:off x="0" y="0"/>
+          <a:ext cx="0" cy="0"/>
+          <a:chOff x="0" y="0"/>
+          <a:chExt cx="0" cy="0"/>
+        </a:xfrm>
+      </p:grpSpPr>
+      <p:sp>
+        <p:nvSpPr>
           <p:cNvPr id="2" name="Title 1">
             <a:extLst>
               <a:ext uri="{FF2B5EF4-FFF2-40B4-BE49-F238E27FC236}">
@@ -11944,7 +12040,7 @@
 </p:sld>
 </file>
 
-<file path=ppt/slides/slide12.xml><?xml version="1.0" encoding="utf-8"?>
+<file path=ppt/slides/slide13.xml><?xml version="1.0" encoding="utf-8"?>
 <p:sld xmlns:a="http://schemas.openxmlformats.org/drawingml/2006/main" xmlns:r="http://schemas.openxmlformats.org/officeDocument/2006/relationships" xmlns:p="http://schemas.openxmlformats.org/presentationml/2006/main">
   <p:cSld>
     <p:spTree>
@@ -12041,7 +12137,7 @@
 </p:sld>
 </file>
 
-<file path=ppt/slides/slide13.xml><?xml version="1.0" encoding="utf-8"?>
+<file path=ppt/slides/slide14.xml><?xml version="1.0" encoding="utf-8"?>
 <p:sld xmlns:a="http://schemas.openxmlformats.org/drawingml/2006/main" xmlns:r="http://schemas.openxmlformats.org/officeDocument/2006/relationships" xmlns:p="http://schemas.openxmlformats.org/presentationml/2006/main">
   <p:cSld>
     <p:spTree>
@@ -12124,7 +12220,7 @@
 </p:sld>
 </file>
 
-<file path=ppt/slides/slide14.xml><?xml version="1.0" encoding="utf-8"?>
+<file path=ppt/slides/slide15.xml><?xml version="1.0" encoding="utf-8"?>
 <p:sld xmlns:a="http://schemas.openxmlformats.org/drawingml/2006/main" xmlns:r="http://schemas.openxmlformats.org/officeDocument/2006/relationships" xmlns:p="http://schemas.openxmlformats.org/presentationml/2006/main">
   <p:cSld>
     <p:spTree>
@@ -12241,140 +12337,6 @@
     <p:extLst>
       <p:ext uri="{BB962C8B-B14F-4D97-AF65-F5344CB8AC3E}">
         <p14:creationId xmlns:p14="http://schemas.microsoft.com/office/powerpoint/2010/main" val="4093726934"/>
-      </p:ext>
-    </p:extLst>
-  </p:cSld>
-  <p:clrMapOvr>
-    <a:masterClrMapping/>
-  </p:clrMapOvr>
-</p:sld>
-</file>
-
-<file path=ppt/slides/slide15.xml><?xml version="1.0" encoding="utf-8"?>
-<p:sld xmlns:a="http://schemas.openxmlformats.org/drawingml/2006/main" xmlns:r="http://schemas.openxmlformats.org/officeDocument/2006/relationships" xmlns:p="http://schemas.openxmlformats.org/presentationml/2006/main">
-  <p:cSld>
-    <p:spTree>
-      <p:nvGrpSpPr>
-        <p:cNvPr id="1" name=""/>
-        <p:cNvGrpSpPr/>
-        <p:nvPr/>
-      </p:nvGrpSpPr>
-      <p:grpSpPr>
-        <a:xfrm>
-          <a:off x="0" y="0"/>
-          <a:ext cx="0" cy="0"/>
-          <a:chOff x="0" y="0"/>
-          <a:chExt cx="0" cy="0"/>
-        </a:xfrm>
-      </p:grpSpPr>
-      <p:sp>
-        <p:nvSpPr>
-          <p:cNvPr id="2" name="Title 1">
-            <a:extLst>
-              <a:ext uri="{FF2B5EF4-FFF2-40B4-BE49-F238E27FC236}">
-                <a16:creationId xmlns:a16="http://schemas.microsoft.com/office/drawing/2014/main" id="{D78147EA-4092-034E-8792-847E37175401}"/>
-              </a:ext>
-            </a:extLst>
-          </p:cNvPr>
-          <p:cNvSpPr>
-            <a:spLocks noGrp="1"/>
-          </p:cNvSpPr>
-          <p:nvPr>
-            <p:ph type="title"/>
-          </p:nvPr>
-        </p:nvSpPr>
-        <p:spPr/>
-        <p:txBody>
-          <a:bodyPr/>
-          <a:lstStyle/>
-          <a:p>
-            <a:r>
-              <a:rPr lang="en-US" dirty="0"/>
-              <a:t>Scenarios</a:t>
-            </a:r>
-          </a:p>
-        </p:txBody>
-      </p:sp>
-      <p:sp>
-        <p:nvSpPr>
-          <p:cNvPr id="3" name="Text Placeholder 2">
-            <a:extLst>
-              <a:ext uri="{FF2B5EF4-FFF2-40B4-BE49-F238E27FC236}">
-                <a16:creationId xmlns:a16="http://schemas.microsoft.com/office/drawing/2014/main" id="{3B207A3F-596E-1542-A461-8EE389BA1A43}"/>
-              </a:ext>
-            </a:extLst>
-          </p:cNvPr>
-          <p:cNvSpPr>
-            <a:spLocks noGrp="1"/>
-          </p:cNvSpPr>
-          <p:nvPr>
-            <p:ph type="body" idx="1"/>
-          </p:nvPr>
-        </p:nvSpPr>
-        <p:spPr/>
-        <p:txBody>
-          <a:bodyPr/>
-          <a:lstStyle/>
-          <a:p>
-            <a:pPr marL="76200" indent="0">
-              <a:buNone/>
-            </a:pPr>
-            <a:r>
-              <a:rPr lang="en-US" dirty="0"/>
-              <a:t>1: We want to track news coverage of epidemic related topics. We have tagged a small corpus (n=1000) of news articles from Jan 2019 to September 2020 and now have a stream of new incoming articles every day. We want to deploy a system that tracks the intensity of coverage by media outlet going forward.</a:t>
-            </a:r>
-          </a:p>
-          <a:p>
-            <a:pPr marL="76200" indent="0">
-              <a:buNone/>
-            </a:pPr>
-            <a:endParaRPr lang="en-US" dirty="0"/>
-          </a:p>
-          <a:p>
-            <a:pPr marL="76200" indent="0">
-              <a:buNone/>
-            </a:pPr>
-            <a:r>
-              <a:rPr lang="en-US" dirty="0"/>
-              <a:t>What should our model generalize to?</a:t>
-            </a:r>
-          </a:p>
-          <a:p>
-            <a:pPr marL="76200" indent="0">
-              <a:buNone/>
-            </a:pPr>
-            <a:endParaRPr lang="en-US" dirty="0"/>
-          </a:p>
-          <a:p>
-            <a:pPr marL="76200" indent="0">
-              <a:buNone/>
-            </a:pPr>
-            <a:r>
-              <a:rPr lang="en-US" dirty="0"/>
-              <a:t>What is a training set?</a:t>
-            </a:r>
-          </a:p>
-          <a:p>
-            <a:pPr marL="76200" indent="0">
-              <a:buNone/>
-            </a:pPr>
-            <a:endParaRPr lang="en-US" dirty="0"/>
-          </a:p>
-          <a:p>
-            <a:pPr marL="76200" indent="0">
-              <a:buNone/>
-            </a:pPr>
-            <a:r>
-              <a:rPr lang="en-US" dirty="0"/>
-              <a:t>What is the corresponding validation set?</a:t>
-            </a:r>
-          </a:p>
-        </p:txBody>
-      </p:sp>
-    </p:spTree>
-    <p:extLst>
-      <p:ext uri="{BB962C8B-B14F-4D97-AF65-F5344CB8AC3E}">
-        <p14:creationId xmlns:p14="http://schemas.microsoft.com/office/powerpoint/2010/main" val="1096452247"/>
       </p:ext>
     </p:extLst>
   </p:cSld>
@@ -12455,7 +12417,7 @@
             </a:pPr>
             <a:r>
               <a:rPr lang="en-US" dirty="0"/>
-              <a:t>2: We want to track news coverage of epidemic related topics. We have tagged a small corpus (n=1000) of news articles from Jan 2019 to September 2020 and now have a stream of new incoming articles every day. We want to deploy a system that tracks intensity of coverage by media outlet over the last 2 years as well as going forward.</a:t>
+              <a:t>1: We want to track news coverage of epidemic related topics. We have tagged a small corpus (n=1000) of news articles from Jan 2019 to September 2020 and now have a stream of new incoming articles every day. We want to deploy a system that tracks the intensity of coverage by media outlet going forward.</a:t>
             </a:r>
           </a:p>
           <a:p>
@@ -12508,7 +12470,7 @@
     </p:spTree>
     <p:extLst>
       <p:ext uri="{BB962C8B-B14F-4D97-AF65-F5344CB8AC3E}">
-        <p14:creationId xmlns:p14="http://schemas.microsoft.com/office/powerpoint/2010/main" val="1074433782"/>
+        <p14:creationId xmlns:p14="http://schemas.microsoft.com/office/powerpoint/2010/main" val="1096452247"/>
       </p:ext>
     </p:extLst>
   </p:cSld>
@@ -12589,14 +12551,8 @@
             </a:pPr>
             <a:r>
               <a:rPr lang="en-US" dirty="0"/>
-              <a:t>3: We want to predict whether there will be an increase in epidemic related articles in the media during the next week. </a:t>
+              <a:t>2: We want to track news coverage of epidemic related topics. We have tagged a small corpus (n=1000) of news articles from Jan 2019 to September 2020 and now have a stream of new incoming articles every day. We want to deploy a system that tracks intensity of coverage by media outlet over the last 2 years as well as going forward.</a:t>
             </a:r>
-          </a:p>
-          <a:p>
-            <a:pPr marL="76200" indent="0">
-              <a:buNone/>
-            </a:pPr>
-            <a:endParaRPr lang="en-US" dirty="0"/>
           </a:p>
           <a:p>
             <a:pPr marL="76200" indent="0">
@@ -12648,7 +12604,7 @@
     </p:spTree>
     <p:extLst>
       <p:ext uri="{BB962C8B-B14F-4D97-AF65-F5344CB8AC3E}">
-        <p14:creationId xmlns:p14="http://schemas.microsoft.com/office/powerpoint/2010/main" val="3999252044"/>
+        <p14:creationId xmlns:p14="http://schemas.microsoft.com/office/powerpoint/2010/main" val="1074433782"/>
       </p:ext>
     </p:extLst>
   </p:cSld>
@@ -12729,7 +12685,7 @@
             </a:pPr>
             <a:r>
               <a:rPr lang="en-US" dirty="0"/>
-              <a:t>4: We want to predict whether there will be an increase in epidemic related articles in the media during the next month. </a:t>
+              <a:t>3: We want to predict whether there will be an increase in epidemic related articles in the media during the next week. </a:t>
             </a:r>
           </a:p>
           <a:p>
@@ -12788,7 +12744,7 @@
     </p:spTree>
     <p:extLst>
       <p:ext uri="{BB962C8B-B14F-4D97-AF65-F5344CB8AC3E}">
-        <p14:creationId xmlns:p14="http://schemas.microsoft.com/office/powerpoint/2010/main" val="1147417782"/>
+        <p14:creationId xmlns:p14="http://schemas.microsoft.com/office/powerpoint/2010/main" val="3999252044"/>
       </p:ext>
     </p:extLst>
   </p:cSld>
@@ -12820,7 +12776,7 @@
           <p:cNvPr id="2" name="Title 1">
             <a:extLst>
               <a:ext uri="{FF2B5EF4-FFF2-40B4-BE49-F238E27FC236}">
-                <a16:creationId xmlns:a16="http://schemas.microsoft.com/office/drawing/2014/main" id="{E3F5A4E3-1083-BD43-B370-9A1F90A39416}"/>
+                <a16:creationId xmlns:a16="http://schemas.microsoft.com/office/drawing/2014/main" id="{D78147EA-4092-034E-8792-847E37175401}"/>
               </a:ext>
             </a:extLst>
           </p:cNvPr>
@@ -12838,7 +12794,7 @@
           <a:p>
             <a:r>
               <a:rPr lang="en-US" dirty="0"/>
-              <a:t>Parameters</a:t>
+              <a:t>Scenarios</a:t>
             </a:r>
           </a:p>
         </p:txBody>
@@ -12848,7 +12804,7 @@
           <p:cNvPr id="3" name="Text Placeholder 2">
             <a:extLst>
               <a:ext uri="{FF2B5EF4-FFF2-40B4-BE49-F238E27FC236}">
-                <a16:creationId xmlns:a16="http://schemas.microsoft.com/office/drawing/2014/main" id="{B761F066-C352-2344-9AFE-A7E0C820CFA0}"/>
+                <a16:creationId xmlns:a16="http://schemas.microsoft.com/office/drawing/2014/main" id="{3B207A3F-596E-1542-A461-8EE389BA1A43}"/>
               </a:ext>
             </a:extLst>
           </p:cNvPr>
@@ -12859,78 +12815,68 @@
             <p:ph type="body" idx="1"/>
           </p:nvPr>
         </p:nvSpPr>
-        <p:spPr>
-          <a:xfrm>
-            <a:off x="-1" y="947003"/>
-            <a:ext cx="12035481" cy="5404369"/>
-          </a:xfrm>
-        </p:spPr>
+        <p:spPr/>
         <p:txBody>
           <a:bodyPr/>
           <a:lstStyle/>
           <a:p>
+            <a:pPr marL="76200" indent="0">
+              <a:buNone/>
+            </a:pPr>
             <a:r>
               <a:rPr lang="en-US" dirty="0"/>
-              <a:t>How far back to go when training models? (max training history)</a:t>
+              <a:t>4: We want to predict whether there will be an increase in epidemic related articles in the media during the next month. </a:t>
             </a:r>
           </a:p>
           <a:p>
-            <a:pPr lvl="1"/>
+            <a:pPr marL="76200" indent="0">
+              <a:buNone/>
+            </a:pPr>
+            <a:endParaRPr lang="en-US" dirty="0"/>
+          </a:p>
+          <a:p>
+            <a:pPr marL="76200" indent="0">
+              <a:buNone/>
+            </a:pPr>
+            <a:endParaRPr lang="en-US" dirty="0"/>
+          </a:p>
+          <a:p>
+            <a:pPr marL="76200" indent="0">
+              <a:buNone/>
+            </a:pPr>
             <a:r>
               <a:rPr lang="en-US" dirty="0"/>
-              <a:t>To the beginning of time (expanding training window)?</a:t>
+              <a:t>What should our model generalize to?</a:t>
             </a:r>
           </a:p>
           <a:p>
-            <a:pPr lvl="1"/>
+            <a:pPr marL="76200" indent="0">
+              <a:buNone/>
+            </a:pPr>
+            <a:endParaRPr lang="en-US" dirty="0"/>
+          </a:p>
+          <a:p>
+            <a:pPr marL="76200" indent="0">
+              <a:buNone/>
+            </a:pPr>
             <a:r>
               <a:rPr lang="en-US" dirty="0"/>
-              <a:t>Fixed history (rolling training window)?</a:t>
+              <a:t>What is a training set?</a:t>
             </a:r>
           </a:p>
           <a:p>
-            <a:pPr lvl="1"/>
+            <a:pPr marL="76200" indent="0">
+              <a:buNone/>
+            </a:pPr>
+            <a:endParaRPr lang="en-US" dirty="0"/>
+          </a:p>
+          <a:p>
+            <a:pPr marL="76200" indent="0">
+              <a:buNone/>
+            </a:pPr>
             <a:r>
               <a:rPr lang="en-US" dirty="0"/>
-              <a:t>Something else?</a:t>
-            </a:r>
-          </a:p>
-          <a:p>
-            <a:pPr lvl="1"/>
-            <a:r>
-              <a:rPr lang="en-US" dirty="0"/>
-              <a:t>How far back do you get your features from?</a:t>
-            </a:r>
-            <a:br>
-              <a:rPr lang="en-US" dirty="0"/>
-            </a:br>
-            <a:endParaRPr lang="en-US" dirty="0"/>
-          </a:p>
-          <a:p>
-            <a:r>
-              <a:rPr lang="en-US" dirty="0"/>
-              <a:t>How much to move forward from train-validation pair 1 to train-validation pair 2?</a:t>
-            </a:r>
-          </a:p>
-          <a:p>
-            <a:pPr lvl="1"/>
-            <a:r>
-              <a:rPr lang="en-US" dirty="0"/>
-              <a:t>A day?</a:t>
-            </a:r>
-          </a:p>
-          <a:p>
-            <a:pPr lvl="1"/>
-            <a:r>
-              <a:rPr lang="en-US" dirty="0"/>
-              <a:t>A month? </a:t>
-            </a:r>
-          </a:p>
-          <a:p>
-            <a:pPr lvl="1"/>
-            <a:r>
-              <a:rPr lang="en-US" dirty="0"/>
-              <a:t>Something else?</a:t>
+              <a:t>What is the corresponding validation set?</a:t>
             </a:r>
           </a:p>
         </p:txBody>
@@ -12938,7 +12884,7 @@
     </p:spTree>
     <p:extLst>
       <p:ext uri="{BB962C8B-B14F-4D97-AF65-F5344CB8AC3E}">
-        <p14:creationId xmlns:p14="http://schemas.microsoft.com/office/powerpoint/2010/main" val="3359709114"/>
+        <p14:creationId xmlns:p14="http://schemas.microsoft.com/office/powerpoint/2010/main" val="1147417782"/>
       </p:ext>
     </p:extLst>
   </p:cSld>
@@ -13109,6 +13055,156 @@
           <a:p>
             <a:r>
               <a:rPr lang="en-US" dirty="0"/>
+              <a:t>Parameters</a:t>
+            </a:r>
+          </a:p>
+        </p:txBody>
+      </p:sp>
+      <p:sp>
+        <p:nvSpPr>
+          <p:cNvPr id="3" name="Text Placeholder 2">
+            <a:extLst>
+              <a:ext uri="{FF2B5EF4-FFF2-40B4-BE49-F238E27FC236}">
+                <a16:creationId xmlns:a16="http://schemas.microsoft.com/office/drawing/2014/main" id="{B761F066-C352-2344-9AFE-A7E0C820CFA0}"/>
+              </a:ext>
+            </a:extLst>
+          </p:cNvPr>
+          <p:cNvSpPr>
+            <a:spLocks noGrp="1"/>
+          </p:cNvSpPr>
+          <p:nvPr>
+            <p:ph type="body" idx="1"/>
+          </p:nvPr>
+        </p:nvSpPr>
+        <p:spPr>
+          <a:xfrm>
+            <a:off x="-1" y="947003"/>
+            <a:ext cx="12035481" cy="5404369"/>
+          </a:xfrm>
+        </p:spPr>
+        <p:txBody>
+          <a:bodyPr/>
+          <a:lstStyle/>
+          <a:p>
+            <a:r>
+              <a:rPr lang="en-US" dirty="0"/>
+              <a:t>How far back to go when training models? (max training history)</a:t>
+            </a:r>
+          </a:p>
+          <a:p>
+            <a:pPr lvl="1"/>
+            <a:r>
+              <a:rPr lang="en-US" dirty="0"/>
+              <a:t>To the beginning of time (expanding training window)?</a:t>
+            </a:r>
+          </a:p>
+          <a:p>
+            <a:pPr lvl="1"/>
+            <a:r>
+              <a:rPr lang="en-US" dirty="0"/>
+              <a:t>Fixed history (rolling training window)?</a:t>
+            </a:r>
+          </a:p>
+          <a:p>
+            <a:pPr lvl="1"/>
+            <a:r>
+              <a:rPr lang="en-US" dirty="0"/>
+              <a:t>Something else?</a:t>
+            </a:r>
+          </a:p>
+          <a:p>
+            <a:pPr lvl="1"/>
+            <a:r>
+              <a:rPr lang="en-US" dirty="0"/>
+              <a:t>How far back do you get your features from?</a:t>
+            </a:r>
+            <a:br>
+              <a:rPr lang="en-US" dirty="0"/>
+            </a:br>
+            <a:endParaRPr lang="en-US" dirty="0"/>
+          </a:p>
+          <a:p>
+            <a:r>
+              <a:rPr lang="en-US" dirty="0"/>
+              <a:t>How much to move forward from train-validation pair 1 to train-validation pair 2?</a:t>
+            </a:r>
+          </a:p>
+          <a:p>
+            <a:pPr lvl="1"/>
+            <a:r>
+              <a:rPr lang="en-US" dirty="0"/>
+              <a:t>A day?</a:t>
+            </a:r>
+          </a:p>
+          <a:p>
+            <a:pPr lvl="1"/>
+            <a:r>
+              <a:rPr lang="en-US" dirty="0"/>
+              <a:t>A month? </a:t>
+            </a:r>
+          </a:p>
+          <a:p>
+            <a:pPr lvl="1"/>
+            <a:r>
+              <a:rPr lang="en-US" dirty="0"/>
+              <a:t>Something else?</a:t>
+            </a:r>
+          </a:p>
+        </p:txBody>
+      </p:sp>
+    </p:spTree>
+    <p:extLst>
+      <p:ext uri="{BB962C8B-B14F-4D97-AF65-F5344CB8AC3E}">
+        <p14:creationId xmlns:p14="http://schemas.microsoft.com/office/powerpoint/2010/main" val="3359709114"/>
+      </p:ext>
+    </p:extLst>
+  </p:cSld>
+  <p:clrMapOvr>
+    <a:masterClrMapping/>
+  </p:clrMapOvr>
+</p:sld>
+</file>
+
+<file path=ppt/slides/slide21.xml><?xml version="1.0" encoding="utf-8"?>
+<p:sld xmlns:a="http://schemas.openxmlformats.org/drawingml/2006/main" xmlns:r="http://schemas.openxmlformats.org/officeDocument/2006/relationships" xmlns:p="http://schemas.openxmlformats.org/presentationml/2006/main">
+  <p:cSld>
+    <p:spTree>
+      <p:nvGrpSpPr>
+        <p:cNvPr id="1" name=""/>
+        <p:cNvGrpSpPr/>
+        <p:nvPr/>
+      </p:nvGrpSpPr>
+      <p:grpSpPr>
+        <a:xfrm>
+          <a:off x="0" y="0"/>
+          <a:ext cx="0" cy="0"/>
+          <a:chOff x="0" y="0"/>
+          <a:chExt cx="0" cy="0"/>
+        </a:xfrm>
+      </p:grpSpPr>
+      <p:sp>
+        <p:nvSpPr>
+          <p:cNvPr id="2" name="Title 1">
+            <a:extLst>
+              <a:ext uri="{FF2B5EF4-FFF2-40B4-BE49-F238E27FC236}">
+                <a16:creationId xmlns:a16="http://schemas.microsoft.com/office/drawing/2014/main" id="{E3F5A4E3-1083-BD43-B370-9A1F90A39416}"/>
+              </a:ext>
+            </a:extLst>
+          </p:cNvPr>
+          <p:cNvSpPr>
+            <a:spLocks noGrp="1"/>
+          </p:cNvSpPr>
+          <p:nvPr>
+            <p:ph type="title"/>
+          </p:nvPr>
+        </p:nvSpPr>
+        <p:spPr/>
+        <p:txBody>
+          <a:bodyPr/>
+          <a:lstStyle/>
+          <a:p>
+            <a:r>
+              <a:rPr lang="en-US" dirty="0"/>
               <a:t>Other considerations</a:t>
             </a:r>
           </a:p>
@@ -13192,7 +13288,7 @@
 </p:sld>
 </file>
 
-<file path=ppt/slides/slide21.xml><?xml version="1.0" encoding="utf-8"?>
+<file path=ppt/slides/slide22.xml><?xml version="1.0" encoding="utf-8"?>
 <p:sld xmlns:a="http://schemas.openxmlformats.org/drawingml/2006/main" xmlns:r="http://schemas.openxmlformats.org/officeDocument/2006/relationships" xmlns:p="http://schemas.openxmlformats.org/presentationml/2006/main">
   <p:cSld>
     <p:spTree>
@@ -13312,7 +13408,7 @@
 </p:sld>
 </file>
 
-<file path=ppt/slides/slide22.xml><?xml version="1.0" encoding="utf-8"?>
+<file path=ppt/slides/slide23.xml><?xml version="1.0" encoding="utf-8"?>
 <p:sld xmlns:a="http://schemas.openxmlformats.org/drawingml/2006/main" xmlns:r="http://schemas.openxmlformats.org/officeDocument/2006/relationships" xmlns:p="http://schemas.openxmlformats.org/presentationml/2006/main">
   <p:cSld>
     <p:spTree>
@@ -17216,7 +17312,7 @@
 </p:sld>
 </file>
 
-<file path=ppt/slides/slide23.xml><?xml version="1.0" encoding="utf-8"?>
+<file path=ppt/slides/slide24.xml><?xml version="1.0" encoding="utf-8"?>
 <p:sld xmlns:a="http://schemas.openxmlformats.org/drawingml/2006/main" xmlns:r="http://schemas.openxmlformats.org/officeDocument/2006/relationships" xmlns:p="http://schemas.openxmlformats.org/presentationml/2006/main">
   <p:cSld>
     <p:spTree>
@@ -17694,7 +17790,7 @@
 </p:sld>
 </file>
 
-<file path=ppt/slides/slide24.xml><?xml version="1.0" encoding="utf-8"?>
+<file path=ppt/slides/slide25.xml><?xml version="1.0" encoding="utf-8"?>
 <p:sld xmlns:a="http://schemas.openxmlformats.org/drawingml/2006/main" xmlns:r="http://schemas.openxmlformats.org/officeDocument/2006/relationships" xmlns:p="http://schemas.openxmlformats.org/presentationml/2006/main">
   <p:cSld>
     <p:spTree>
@@ -20327,7 +20423,7 @@
 </p:sld>
 </file>
 
-<file path=ppt/slides/slide25.xml><?xml version="1.0" encoding="utf-8"?>
+<file path=ppt/slides/slide26.xml><?xml version="1.0" encoding="utf-8"?>
 <p:sld xmlns:a="http://schemas.openxmlformats.org/drawingml/2006/main" xmlns:r="http://schemas.openxmlformats.org/officeDocument/2006/relationships" xmlns:p="http://schemas.openxmlformats.org/presentationml/2006/main">
   <p:cSld>
     <p:spTree>
@@ -21467,7 +21563,7 @@
 </p:sld>
 </file>
 
-<file path=ppt/slides/slide26.xml><?xml version="1.0" encoding="utf-8"?>
+<file path=ppt/slides/slide27.xml><?xml version="1.0" encoding="utf-8"?>
 <p:sld xmlns:a="http://schemas.openxmlformats.org/drawingml/2006/main" xmlns:r="http://schemas.openxmlformats.org/officeDocument/2006/relationships" xmlns:p="http://schemas.openxmlformats.org/presentationml/2006/main">
   <p:cSld>
     <p:spTree>
@@ -22606,7 +22702,7 @@
 </p:sld>
 </file>
 
-<file path=ppt/slides/slide27.xml><?xml version="1.0" encoding="utf-8"?>
+<file path=ppt/slides/slide28.xml><?xml version="1.0" encoding="utf-8"?>
 <p:sld xmlns:a="http://schemas.openxmlformats.org/drawingml/2006/main" xmlns:r="http://schemas.openxmlformats.org/officeDocument/2006/relationships" xmlns:p="http://schemas.openxmlformats.org/presentationml/2006/main">
   <p:cSld>
     <p:spTree>
@@ -23745,7 +23841,7 @@
 </p:sld>
 </file>
 
-<file path=ppt/slides/slide28.xml><?xml version="1.0" encoding="utf-8"?>
+<file path=ppt/slides/slide29.xml><?xml version="1.0" encoding="utf-8"?>
 <p:sld xmlns:a="http://schemas.openxmlformats.org/drawingml/2006/main" xmlns:r="http://schemas.openxmlformats.org/officeDocument/2006/relationships" xmlns:p="http://schemas.openxmlformats.org/presentationml/2006/main">
   <p:cSld>
     <p:spTree>
@@ -24884,7 +24980,408 @@
 </p:sld>
 </file>
 
-<file path=ppt/slides/slide29.xml><?xml version="1.0" encoding="utf-8"?>
+<file path=ppt/slides/slide3.xml><?xml version="1.0" encoding="utf-8"?>
+<p:sld xmlns:a="http://schemas.openxmlformats.org/drawingml/2006/main" xmlns:r="http://schemas.openxmlformats.org/officeDocument/2006/relationships" xmlns:p="http://schemas.openxmlformats.org/presentationml/2006/main">
+  <p:cSld>
+    <p:spTree>
+      <p:nvGrpSpPr>
+        <p:cNvPr id="1" name=""/>
+        <p:cNvGrpSpPr/>
+        <p:nvPr/>
+      </p:nvGrpSpPr>
+      <p:grpSpPr>
+        <a:xfrm>
+          <a:off x="0" y="0"/>
+          <a:ext cx="0" cy="0"/>
+          <a:chOff x="0" y="0"/>
+          <a:chExt cx="0" cy="0"/>
+        </a:xfrm>
+      </p:grpSpPr>
+      <p:sp>
+        <p:nvSpPr>
+          <p:cNvPr id="3" name="Title 2">
+            <a:extLst>
+              <a:ext uri="{FF2B5EF4-FFF2-40B4-BE49-F238E27FC236}">
+                <a16:creationId xmlns:a16="http://schemas.microsoft.com/office/drawing/2014/main" id="{9323871C-7CA8-1448-8FFC-1AE6E1838941}"/>
+              </a:ext>
+            </a:extLst>
+          </p:cNvPr>
+          <p:cNvSpPr>
+            <a:spLocks noGrp="1"/>
+          </p:cNvSpPr>
+          <p:nvPr>
+            <p:ph type="title"/>
+          </p:nvPr>
+        </p:nvSpPr>
+        <p:spPr/>
+        <p:txBody>
+          <a:bodyPr/>
+          <a:lstStyle/>
+          <a:p>
+            <a:r>
+              <a:rPr lang="en-US" dirty="0"/>
+              <a:t>Discussion Question</a:t>
+            </a:r>
+          </a:p>
+        </p:txBody>
+      </p:sp>
+      <p:sp>
+        <p:nvSpPr>
+          <p:cNvPr id="4" name="Text Placeholder 3">
+            <a:extLst>
+              <a:ext uri="{FF2B5EF4-FFF2-40B4-BE49-F238E27FC236}">
+                <a16:creationId xmlns:a16="http://schemas.microsoft.com/office/drawing/2014/main" id="{5E600BA7-FA45-884F-9820-9E5F2CB7AA48}"/>
+              </a:ext>
+            </a:extLst>
+          </p:cNvPr>
+          <p:cNvSpPr>
+            <a:spLocks noGrp="1"/>
+          </p:cNvSpPr>
+          <p:nvPr>
+            <p:ph type="body" idx="1"/>
+          </p:nvPr>
+        </p:nvSpPr>
+        <p:spPr/>
+        <p:txBody>
+          <a:bodyPr/>
+          <a:lstStyle/>
+          <a:p>
+            <a:pPr marL="76200" indent="0" algn="ctr">
+              <a:buNone/>
+            </a:pPr>
+            <a:r>
+              <a:rPr lang="en-US" sz="3600" dirty="0"/>
+              <a:t>What model selection strategy is your group considering for the Donors Choose project?</a:t>
+            </a:r>
+          </a:p>
+        </p:txBody>
+      </p:sp>
+      <p:sp>
+        <p:nvSpPr>
+          <p:cNvPr id="5" name="Text Placeholder 3">
+            <a:extLst>
+              <a:ext uri="{FF2B5EF4-FFF2-40B4-BE49-F238E27FC236}">
+                <a16:creationId xmlns:a16="http://schemas.microsoft.com/office/drawing/2014/main" id="{0CF60459-98F0-E844-AFCC-DC0705B0478D}"/>
+              </a:ext>
+            </a:extLst>
+          </p:cNvPr>
+          <p:cNvSpPr txBox="1">
+            <a:spLocks/>
+          </p:cNvSpPr>
+          <p:nvPr/>
+        </p:nvSpPr>
+        <p:spPr>
+          <a:xfrm>
+            <a:off x="3652513" y="3822585"/>
+            <a:ext cx="4886875" cy="2794571"/>
+          </a:xfrm>
+          <a:prstGeom prst="rect">
+            <a:avLst/>
+          </a:prstGeom>
+          <a:noFill/>
+          <a:ln>
+            <a:noFill/>
+          </a:ln>
+        </p:spPr>
+        <p:txBody>
+          <a:bodyPr spcFirstLastPara="1" wrap="none" lIns="121900" tIns="121900" rIns="121900" bIns="121900" rtlCol="0" anchor="t" anchorCtr="0">
+            <a:spAutoFit/>
+          </a:bodyPr>
+          <a:lstStyle>
+            <a:defPPr marR="0" lvl="0" algn="l" rtl="0">
+              <a:lnSpc>
+                <a:spcPct val="100000"/>
+              </a:lnSpc>
+              <a:spcBef>
+                <a:spcPts val="0"/>
+              </a:spcBef>
+              <a:spcAft>
+                <a:spcPts val="0"/>
+              </a:spcAft>
+            </a:defPPr>
+            <a:lvl1pPr marL="457200" marR="0" lvl="0" indent="-381000" algn="l" rtl="0">
+              <a:lnSpc>
+                <a:spcPct val="115000"/>
+              </a:lnSpc>
+              <a:spcBef>
+                <a:spcPts val="0"/>
+              </a:spcBef>
+              <a:spcAft>
+                <a:spcPts val="0"/>
+              </a:spcAft>
+              <a:buClr>
+                <a:srgbClr val="434343"/>
+              </a:buClr>
+              <a:buSzPts val="2400"/>
+              <a:buFont typeface="Arial"/>
+              <a:buChar char="●"/>
+              <a:defRPr sz="2400" b="0" i="0" u="none" strike="noStrike" cap="none">
+                <a:solidFill>
+                  <a:srgbClr val="434343"/>
+                </a:solidFill>
+                <a:latin typeface="Arial"/>
+                <a:ea typeface="Arial"/>
+                <a:cs typeface="Arial"/>
+                <a:sym typeface="Arial"/>
+              </a:defRPr>
+            </a:lvl1pPr>
+            <a:lvl2pPr marL="914400" marR="0" lvl="1" indent="-349250" algn="l" rtl="0">
+              <a:lnSpc>
+                <a:spcPct val="115000"/>
+              </a:lnSpc>
+              <a:spcBef>
+                <a:spcPts val="2100"/>
+              </a:spcBef>
+              <a:spcAft>
+                <a:spcPts val="0"/>
+              </a:spcAft>
+              <a:buClr>
+                <a:srgbClr val="434343"/>
+              </a:buClr>
+              <a:buSzPts val="1900"/>
+              <a:buFont typeface="Arial"/>
+              <a:buChar char="○"/>
+              <a:defRPr sz="1900" b="0" i="0" u="none" strike="noStrike" cap="none">
+                <a:solidFill>
+                  <a:srgbClr val="434343"/>
+                </a:solidFill>
+                <a:latin typeface="Arial"/>
+                <a:ea typeface="Arial"/>
+                <a:cs typeface="Arial"/>
+                <a:sym typeface="Arial"/>
+              </a:defRPr>
+            </a:lvl2pPr>
+            <a:lvl3pPr marL="1371600" marR="0" lvl="2" indent="-349250" algn="l" rtl="0">
+              <a:lnSpc>
+                <a:spcPct val="115000"/>
+              </a:lnSpc>
+              <a:spcBef>
+                <a:spcPts val="2100"/>
+              </a:spcBef>
+              <a:spcAft>
+                <a:spcPts val="0"/>
+              </a:spcAft>
+              <a:buClr>
+                <a:srgbClr val="434343"/>
+              </a:buClr>
+              <a:buSzPts val="1900"/>
+              <a:buFont typeface="Arial"/>
+              <a:buChar char="■"/>
+              <a:defRPr sz="1900" b="0" i="0" u="none" strike="noStrike" cap="none">
+                <a:solidFill>
+                  <a:srgbClr val="434343"/>
+                </a:solidFill>
+                <a:latin typeface="Arial"/>
+                <a:ea typeface="Arial"/>
+                <a:cs typeface="Arial"/>
+                <a:sym typeface="Arial"/>
+              </a:defRPr>
+            </a:lvl3pPr>
+            <a:lvl4pPr marL="1828800" marR="0" lvl="3" indent="-349250" algn="l" rtl="0">
+              <a:lnSpc>
+                <a:spcPct val="115000"/>
+              </a:lnSpc>
+              <a:spcBef>
+                <a:spcPts val="2100"/>
+              </a:spcBef>
+              <a:spcAft>
+                <a:spcPts val="0"/>
+              </a:spcAft>
+              <a:buClr>
+                <a:srgbClr val="434343"/>
+              </a:buClr>
+              <a:buSzPts val="1900"/>
+              <a:buFont typeface="Arial"/>
+              <a:buChar char="●"/>
+              <a:defRPr sz="1900" b="0" i="0" u="none" strike="noStrike" cap="none">
+                <a:solidFill>
+                  <a:srgbClr val="434343"/>
+                </a:solidFill>
+                <a:latin typeface="Arial"/>
+                <a:ea typeface="Arial"/>
+                <a:cs typeface="Arial"/>
+                <a:sym typeface="Arial"/>
+              </a:defRPr>
+            </a:lvl4pPr>
+            <a:lvl5pPr marL="2286000" marR="0" lvl="4" indent="-349250" algn="l" rtl="0">
+              <a:lnSpc>
+                <a:spcPct val="115000"/>
+              </a:lnSpc>
+              <a:spcBef>
+                <a:spcPts val="2100"/>
+              </a:spcBef>
+              <a:spcAft>
+                <a:spcPts val="0"/>
+              </a:spcAft>
+              <a:buClr>
+                <a:srgbClr val="434343"/>
+              </a:buClr>
+              <a:buSzPts val="1900"/>
+              <a:buFont typeface="Arial"/>
+              <a:buChar char="○"/>
+              <a:defRPr sz="1900" b="0" i="0" u="none" strike="noStrike" cap="none">
+                <a:solidFill>
+                  <a:srgbClr val="434343"/>
+                </a:solidFill>
+                <a:latin typeface="Arial"/>
+                <a:ea typeface="Arial"/>
+                <a:cs typeface="Arial"/>
+                <a:sym typeface="Arial"/>
+              </a:defRPr>
+            </a:lvl5pPr>
+            <a:lvl6pPr marL="2743200" marR="0" lvl="5" indent="-349250" algn="l" rtl="0">
+              <a:lnSpc>
+                <a:spcPct val="115000"/>
+              </a:lnSpc>
+              <a:spcBef>
+                <a:spcPts val="2100"/>
+              </a:spcBef>
+              <a:spcAft>
+                <a:spcPts val="0"/>
+              </a:spcAft>
+              <a:buClr>
+                <a:srgbClr val="434343"/>
+              </a:buClr>
+              <a:buSzPts val="1900"/>
+              <a:buFont typeface="Arial"/>
+              <a:buChar char="■"/>
+              <a:defRPr sz="1900" b="0" i="0" u="none" strike="noStrike" cap="none">
+                <a:solidFill>
+                  <a:srgbClr val="434343"/>
+                </a:solidFill>
+                <a:latin typeface="Arial"/>
+                <a:ea typeface="Arial"/>
+                <a:cs typeface="Arial"/>
+                <a:sym typeface="Arial"/>
+              </a:defRPr>
+            </a:lvl6pPr>
+            <a:lvl7pPr marL="3200400" marR="0" lvl="6" indent="-349250" algn="l" rtl="0">
+              <a:lnSpc>
+                <a:spcPct val="115000"/>
+              </a:lnSpc>
+              <a:spcBef>
+                <a:spcPts val="2100"/>
+              </a:spcBef>
+              <a:spcAft>
+                <a:spcPts val="0"/>
+              </a:spcAft>
+              <a:buClr>
+                <a:srgbClr val="434343"/>
+              </a:buClr>
+              <a:buSzPts val="1900"/>
+              <a:buFont typeface="Arial"/>
+              <a:buChar char="●"/>
+              <a:defRPr sz="1900" b="0" i="0" u="none" strike="noStrike" cap="none">
+                <a:solidFill>
+                  <a:srgbClr val="434343"/>
+                </a:solidFill>
+                <a:latin typeface="Arial"/>
+                <a:ea typeface="Arial"/>
+                <a:cs typeface="Arial"/>
+                <a:sym typeface="Arial"/>
+              </a:defRPr>
+            </a:lvl7pPr>
+            <a:lvl8pPr marL="3657600" marR="0" lvl="7" indent="-349250" algn="l" rtl="0">
+              <a:lnSpc>
+                <a:spcPct val="115000"/>
+              </a:lnSpc>
+              <a:spcBef>
+                <a:spcPts val="2100"/>
+              </a:spcBef>
+              <a:spcAft>
+                <a:spcPts val="0"/>
+              </a:spcAft>
+              <a:buClr>
+                <a:srgbClr val="434343"/>
+              </a:buClr>
+              <a:buSzPts val="1900"/>
+              <a:buFont typeface="Arial"/>
+              <a:buChar char="○"/>
+              <a:defRPr sz="1900" b="0" i="0" u="none" strike="noStrike" cap="none">
+                <a:solidFill>
+                  <a:srgbClr val="434343"/>
+                </a:solidFill>
+                <a:latin typeface="Arial"/>
+                <a:ea typeface="Arial"/>
+                <a:cs typeface="Arial"/>
+                <a:sym typeface="Arial"/>
+              </a:defRPr>
+            </a:lvl8pPr>
+            <a:lvl9pPr marL="4114800" marR="0" lvl="8" indent="-349250" algn="l" rtl="0">
+              <a:lnSpc>
+                <a:spcPct val="115000"/>
+              </a:lnSpc>
+              <a:spcBef>
+                <a:spcPts val="2100"/>
+              </a:spcBef>
+              <a:spcAft>
+                <a:spcPts val="2100"/>
+              </a:spcAft>
+              <a:buClr>
+                <a:srgbClr val="434343"/>
+              </a:buClr>
+              <a:buSzPts val="1900"/>
+              <a:buFont typeface="Arial"/>
+              <a:buChar char="■"/>
+              <a:defRPr sz="1900" b="0" i="0" u="none" strike="noStrike" cap="none">
+                <a:solidFill>
+                  <a:srgbClr val="434343"/>
+                </a:solidFill>
+                <a:latin typeface="Arial"/>
+                <a:ea typeface="Arial"/>
+                <a:cs typeface="Arial"/>
+                <a:sym typeface="Arial"/>
+              </a:defRPr>
+            </a:lvl9pPr>
+          </a:lstStyle>
+          <a:p>
+            <a:pPr marL="114300" indent="0" algn="ctr">
+              <a:buFont typeface="Arial"/>
+              <a:buNone/>
+            </a:pPr>
+            <a:r>
+              <a:rPr lang="en-US" sz="4800" dirty="0" err="1"/>
+              <a:t>sli.do</a:t>
+            </a:r>
+            <a:r>
+              <a:rPr lang="en-US" sz="4800" dirty="0"/>
+              <a:t>      #10718</a:t>
+            </a:r>
+          </a:p>
+          <a:p>
+            <a:pPr algn="ctr"/>
+            <a:endParaRPr lang="en-US" sz="4800" dirty="0"/>
+          </a:p>
+          <a:p>
+            <a:pPr marL="114300" indent="0" algn="ctr">
+              <a:buFont typeface="Arial"/>
+              <a:buNone/>
+            </a:pPr>
+            <a:r>
+              <a:rPr lang="en-US" sz="4800" dirty="0" err="1"/>
+              <a:t>sli.do</a:t>
+            </a:r>
+            <a:r>
+              <a:rPr lang="en-US" sz="4800" dirty="0"/>
+              <a:t>/10718</a:t>
+            </a:r>
+          </a:p>
+        </p:txBody>
+      </p:sp>
+    </p:spTree>
+    <p:extLst>
+      <p:ext uri="{BB962C8B-B14F-4D97-AF65-F5344CB8AC3E}">
+        <p14:creationId xmlns:p14="http://schemas.microsoft.com/office/powerpoint/2010/main" val="4066479944"/>
+      </p:ext>
+    </p:extLst>
+  </p:cSld>
+  <p:clrMapOvr>
+    <a:masterClrMapping/>
+  </p:clrMapOvr>
+</p:sld>
+</file>
+
+<file path=ppt/slides/slide30.xml><?xml version="1.0" encoding="utf-8"?>
 <p:sld xmlns:a="http://schemas.openxmlformats.org/drawingml/2006/main" xmlns:r="http://schemas.openxmlformats.org/officeDocument/2006/relationships" xmlns:p="http://schemas.openxmlformats.org/presentationml/2006/main">
   <p:cSld>
     <p:spTree>
@@ -26023,138 +26520,7 @@
 </p:sld>
 </file>
 
-<file path=ppt/slides/slide3.xml><?xml version="1.0" encoding="utf-8"?>
-<p:sld xmlns:a="http://schemas.openxmlformats.org/drawingml/2006/main" xmlns:r="http://schemas.openxmlformats.org/officeDocument/2006/relationships" xmlns:p="http://schemas.openxmlformats.org/presentationml/2006/main">
-  <p:cSld>
-    <p:spTree>
-      <p:nvGrpSpPr>
-        <p:cNvPr id="1" name=""/>
-        <p:cNvGrpSpPr/>
-        <p:nvPr/>
-      </p:nvGrpSpPr>
-      <p:grpSpPr>
-        <a:xfrm>
-          <a:off x="0" y="0"/>
-          <a:ext cx="0" cy="0"/>
-          <a:chOff x="0" y="0"/>
-          <a:chExt cx="0" cy="0"/>
-        </a:xfrm>
-      </p:grpSpPr>
-      <p:sp>
-        <p:nvSpPr>
-          <p:cNvPr id="2" name="Title 1">
-            <a:extLst>
-              <a:ext uri="{FF2B5EF4-FFF2-40B4-BE49-F238E27FC236}">
-                <a16:creationId xmlns:a16="http://schemas.microsoft.com/office/drawing/2014/main" id="{A073B702-ED77-884E-88F7-92D73313F38D}"/>
-              </a:ext>
-            </a:extLst>
-          </p:cNvPr>
-          <p:cNvSpPr>
-            <a:spLocks noGrp="1"/>
-          </p:cNvSpPr>
-          <p:nvPr>
-            <p:ph type="title"/>
-          </p:nvPr>
-        </p:nvSpPr>
-        <p:spPr/>
-        <p:txBody>
-          <a:bodyPr/>
-          <a:lstStyle/>
-          <a:p>
-            <a:r>
-              <a:rPr lang="en-US" dirty="0"/>
-              <a:t>Plan for the week</a:t>
-            </a:r>
-          </a:p>
-        </p:txBody>
-      </p:sp>
-      <p:sp>
-        <p:nvSpPr>
-          <p:cNvPr id="3" name="Text Placeholder 2">
-            <a:extLst>
-              <a:ext uri="{FF2B5EF4-FFF2-40B4-BE49-F238E27FC236}">
-                <a16:creationId xmlns:a16="http://schemas.microsoft.com/office/drawing/2014/main" id="{7861BAD4-F7FB-1D48-9D37-2273592A75CE}"/>
-              </a:ext>
-            </a:extLst>
-          </p:cNvPr>
-          <p:cNvSpPr>
-            <a:spLocks noGrp="1"/>
-          </p:cNvSpPr>
-          <p:nvPr>
-            <p:ph type="body" idx="1"/>
-          </p:nvPr>
-        </p:nvSpPr>
-        <p:spPr/>
-        <p:txBody>
-          <a:bodyPr/>
-          <a:lstStyle/>
-          <a:p>
-            <a:r>
-              <a:rPr lang="en-US" dirty="0"/>
-              <a:t>What you should be discussing this week within your team</a:t>
-            </a:r>
-          </a:p>
-          <a:p>
-            <a:pPr lvl="1"/>
-            <a:r>
-              <a:rPr lang="en-US" dirty="0"/>
-              <a:t>Finalizing your analytical formulation and baselines to compare against</a:t>
-            </a:r>
-          </a:p>
-          <a:p>
-            <a:pPr lvl="1"/>
-            <a:r>
-              <a:rPr lang="en-US" dirty="0"/>
-              <a:t>Validation strategy</a:t>
-            </a:r>
-          </a:p>
-          <a:p>
-            <a:pPr lvl="1"/>
-            <a:endParaRPr lang="en-US" dirty="0"/>
-          </a:p>
-          <a:p>
-            <a:r>
-              <a:rPr lang="en-US" dirty="0"/>
-              <a:t>What you should be building this week</a:t>
-            </a:r>
-          </a:p>
-          <a:p>
-            <a:pPr lvl="1"/>
-            <a:r>
-              <a:rPr lang="en-US" dirty="0"/>
-              <a:t>V0 of your ML pipeline</a:t>
-            </a:r>
-          </a:p>
-          <a:p>
-            <a:pPr lvl="1"/>
-            <a:r>
-              <a:rPr lang="en-US" dirty="0"/>
-              <a:t>Training/validation logic</a:t>
-            </a:r>
-          </a:p>
-          <a:p>
-            <a:pPr lvl="1"/>
-            <a:r>
-              <a:rPr lang="en-US" dirty="0"/>
-              <a:t>Implemented Baselines</a:t>
-            </a:r>
-          </a:p>
-        </p:txBody>
-      </p:sp>
-    </p:spTree>
-    <p:extLst>
-      <p:ext uri="{BB962C8B-B14F-4D97-AF65-F5344CB8AC3E}">
-        <p14:creationId xmlns:p14="http://schemas.microsoft.com/office/powerpoint/2010/main" val="2336692870"/>
-      </p:ext>
-    </p:extLst>
-  </p:cSld>
-  <p:clrMapOvr>
-    <a:masterClrMapping/>
-  </p:clrMapOvr>
-</p:sld>
-</file>
-
-<file path=ppt/slides/slide30.xml><?xml version="1.0" encoding="utf-8"?>
+<file path=ppt/slides/slide31.xml><?xml version="1.0" encoding="utf-8"?>
 <p:sld xmlns:a="http://schemas.openxmlformats.org/drawingml/2006/main" xmlns:r="http://schemas.openxmlformats.org/officeDocument/2006/relationships" xmlns:p="http://schemas.openxmlformats.org/presentationml/2006/main">
   <p:cSld>
     <p:spTree>
@@ -27567,7 +27933,7 @@
 </p:sld>
 </file>
 
-<file path=ppt/slides/slide31.xml><?xml version="1.0" encoding="utf-8"?>
+<file path=ppt/slides/slide32.xml><?xml version="1.0" encoding="utf-8"?>
 <p:sld xmlns:a="http://schemas.openxmlformats.org/drawingml/2006/main" xmlns:r="http://schemas.openxmlformats.org/officeDocument/2006/relationships" xmlns:p="http://schemas.openxmlformats.org/presentationml/2006/main">
   <p:cSld>
     <p:spTree>
@@ -28388,7 +28754,7 @@
 </p:sld>
 </file>
 
-<file path=ppt/slides/slide32.xml><?xml version="1.0" encoding="utf-8"?>
+<file path=ppt/slides/slide33.xml><?xml version="1.0" encoding="utf-8"?>
 <p:sld xmlns:a="http://schemas.openxmlformats.org/drawingml/2006/main" xmlns:r="http://schemas.openxmlformats.org/officeDocument/2006/relationships" xmlns:p="http://schemas.openxmlformats.org/presentationml/2006/main">
   <p:cSld>
     <p:spTree>
@@ -28552,6 +28918,137 @@
 </file>
 
 <file path=ppt/slides/slide4.xml><?xml version="1.0" encoding="utf-8"?>
+<p:sld xmlns:a="http://schemas.openxmlformats.org/drawingml/2006/main" xmlns:r="http://schemas.openxmlformats.org/officeDocument/2006/relationships" xmlns:p="http://schemas.openxmlformats.org/presentationml/2006/main" show="0">
+  <p:cSld>
+    <p:spTree>
+      <p:nvGrpSpPr>
+        <p:cNvPr id="1" name=""/>
+        <p:cNvGrpSpPr/>
+        <p:nvPr/>
+      </p:nvGrpSpPr>
+      <p:grpSpPr>
+        <a:xfrm>
+          <a:off x="0" y="0"/>
+          <a:ext cx="0" cy="0"/>
+          <a:chOff x="0" y="0"/>
+          <a:chExt cx="0" cy="0"/>
+        </a:xfrm>
+      </p:grpSpPr>
+      <p:sp>
+        <p:nvSpPr>
+          <p:cNvPr id="2" name="Title 1">
+            <a:extLst>
+              <a:ext uri="{FF2B5EF4-FFF2-40B4-BE49-F238E27FC236}">
+                <a16:creationId xmlns:a16="http://schemas.microsoft.com/office/drawing/2014/main" id="{A073B702-ED77-884E-88F7-92D73313F38D}"/>
+              </a:ext>
+            </a:extLst>
+          </p:cNvPr>
+          <p:cNvSpPr>
+            <a:spLocks noGrp="1"/>
+          </p:cNvSpPr>
+          <p:nvPr>
+            <p:ph type="title"/>
+          </p:nvPr>
+        </p:nvSpPr>
+        <p:spPr/>
+        <p:txBody>
+          <a:bodyPr/>
+          <a:lstStyle/>
+          <a:p>
+            <a:r>
+              <a:rPr lang="en-US" dirty="0"/>
+              <a:t>Plan for the week</a:t>
+            </a:r>
+          </a:p>
+        </p:txBody>
+      </p:sp>
+      <p:sp>
+        <p:nvSpPr>
+          <p:cNvPr id="3" name="Text Placeholder 2">
+            <a:extLst>
+              <a:ext uri="{FF2B5EF4-FFF2-40B4-BE49-F238E27FC236}">
+                <a16:creationId xmlns:a16="http://schemas.microsoft.com/office/drawing/2014/main" id="{7861BAD4-F7FB-1D48-9D37-2273592A75CE}"/>
+              </a:ext>
+            </a:extLst>
+          </p:cNvPr>
+          <p:cNvSpPr>
+            <a:spLocks noGrp="1"/>
+          </p:cNvSpPr>
+          <p:nvPr>
+            <p:ph type="body" idx="1"/>
+          </p:nvPr>
+        </p:nvSpPr>
+        <p:spPr/>
+        <p:txBody>
+          <a:bodyPr/>
+          <a:lstStyle/>
+          <a:p>
+            <a:r>
+              <a:rPr lang="en-US" dirty="0"/>
+              <a:t>What you should be discussing this week within your team</a:t>
+            </a:r>
+          </a:p>
+          <a:p>
+            <a:pPr lvl="1"/>
+            <a:r>
+              <a:rPr lang="en-US" dirty="0"/>
+              <a:t>Finalizing your analytical formulation and baselines to compare against</a:t>
+            </a:r>
+          </a:p>
+          <a:p>
+            <a:pPr lvl="1"/>
+            <a:r>
+              <a:rPr lang="en-US" dirty="0"/>
+              <a:t>Validation strategy</a:t>
+            </a:r>
+          </a:p>
+          <a:p>
+            <a:pPr lvl="1"/>
+            <a:endParaRPr lang="en-US" dirty="0"/>
+          </a:p>
+          <a:p>
+            <a:r>
+              <a:rPr lang="en-US" dirty="0"/>
+              <a:t>What you should be building this week</a:t>
+            </a:r>
+          </a:p>
+          <a:p>
+            <a:pPr lvl="1"/>
+            <a:r>
+              <a:rPr lang="en-US" dirty="0"/>
+              <a:t>V0 of your ML pipeline</a:t>
+            </a:r>
+          </a:p>
+          <a:p>
+            <a:pPr lvl="1"/>
+            <a:r>
+              <a:rPr lang="en-US" dirty="0"/>
+              <a:t>Training/validation logic</a:t>
+            </a:r>
+          </a:p>
+          <a:p>
+            <a:pPr lvl="1"/>
+            <a:r>
+              <a:rPr lang="en-US" dirty="0"/>
+              <a:t>Implemented Baselines</a:t>
+            </a:r>
+          </a:p>
+        </p:txBody>
+      </p:sp>
+    </p:spTree>
+    <p:extLst>
+      <p:ext uri="{BB962C8B-B14F-4D97-AF65-F5344CB8AC3E}">
+        <p14:creationId xmlns:p14="http://schemas.microsoft.com/office/powerpoint/2010/main" val="2336692870"/>
+      </p:ext>
+    </p:extLst>
+  </p:cSld>
+  <p:clrMapOvr>
+    <a:masterClrMapping/>
+  </p:clrMapOvr>
+</p:sld>
+</file>
+
+<file path=ppt/slides/slide5.xml><?xml version="1.0" encoding="utf-8"?>
 <p:sld xmlns:a="http://schemas.openxmlformats.org/drawingml/2006/main" xmlns:r="http://schemas.openxmlformats.org/officeDocument/2006/relationships" xmlns:p="http://schemas.openxmlformats.org/presentationml/2006/main">
   <p:cSld>
     <p:spTree>
@@ -28680,7 +29177,7 @@
 </p:sld>
 </file>
 
-<file path=ppt/slides/slide5.xml><?xml version="1.0" encoding="utf-8"?>
+<file path=ppt/slides/slide6.xml><?xml version="1.0" encoding="utf-8"?>
 <p:sld xmlns:a="http://schemas.openxmlformats.org/drawingml/2006/main" xmlns:r="http://schemas.openxmlformats.org/officeDocument/2006/relationships" xmlns:p="http://schemas.openxmlformats.org/presentationml/2006/main">
   <p:cSld>
     <p:spTree>
@@ -28763,7 +29260,7 @@
 </p:sld>
 </file>
 
-<file path=ppt/slides/slide6.xml><?xml version="1.0" encoding="utf-8"?>
+<file path=ppt/slides/slide7.xml><?xml version="1.0" encoding="utf-8"?>
 <p:sld xmlns:a="http://schemas.openxmlformats.org/drawingml/2006/main" xmlns:r="http://schemas.openxmlformats.org/officeDocument/2006/relationships" xmlns:p="http://schemas.openxmlformats.org/presentationml/2006/main">
   <p:cSld>
     <p:spTree>
@@ -28873,7 +29370,7 @@
 </p:sld>
 </file>
 
-<file path=ppt/slides/slide7.xml><?xml version="1.0" encoding="utf-8"?>
+<file path=ppt/slides/slide8.xml><?xml version="1.0" encoding="utf-8"?>
 <p:sld xmlns:a="http://schemas.openxmlformats.org/drawingml/2006/main" xmlns:r="http://schemas.openxmlformats.org/officeDocument/2006/relationships" xmlns:p="http://schemas.openxmlformats.org/presentationml/2006/main">
   <p:cSld>
     <p:spTree>
@@ -28956,7 +29453,7 @@
 </p:sld>
 </file>
 
-<file path=ppt/slides/slide8.xml><?xml version="1.0" encoding="utf-8"?>
+<file path=ppt/slides/slide9.xml><?xml version="1.0" encoding="utf-8"?>
 <p:sld xmlns:a="http://schemas.openxmlformats.org/drawingml/2006/main" xmlns:r="http://schemas.openxmlformats.org/officeDocument/2006/relationships" xmlns:p="http://schemas.openxmlformats.org/presentationml/2006/main">
   <p:cSld>
     <p:spTree>
@@ -29054,101 +29551,6 @@
   <p:clrMapOvr>
     <a:masterClrMapping/>
   </p:clrMapOvr>
-</p:sld>
-</file>
-
-<file path=ppt/slides/slide9.xml><?xml version="1.0" encoding="utf-8"?>
-<p:sld xmlns:a="http://schemas.openxmlformats.org/drawingml/2006/main" xmlns:r="http://schemas.openxmlformats.org/officeDocument/2006/relationships" xmlns:p="http://schemas.openxmlformats.org/presentationml/2006/main">
-  <p:cSld>
-    <p:spTree>
-      <p:nvGrpSpPr>
-        <p:cNvPr id="1" name=""/>
-        <p:cNvGrpSpPr/>
-        <p:nvPr/>
-      </p:nvGrpSpPr>
-      <p:grpSpPr>
-        <a:xfrm>
-          <a:off x="0" y="0"/>
-          <a:ext cx="0" cy="0"/>
-          <a:chOff x="0" y="0"/>
-          <a:chExt cx="0" cy="0"/>
-        </a:xfrm>
-      </p:grpSpPr>
-      <p:sp>
-        <p:nvSpPr>
-          <p:cNvPr id="4" name="Title 3">
-            <a:extLst>
-              <a:ext uri="{FF2B5EF4-FFF2-40B4-BE49-F238E27FC236}">
-                <a16:creationId xmlns:a16="http://schemas.microsoft.com/office/drawing/2014/main" id="{30C2C959-72F2-EF4D-80DA-F48A29D0F3C4}"/>
-              </a:ext>
-            </a:extLst>
-          </p:cNvPr>
-          <p:cNvSpPr>
-            <a:spLocks noGrp="1"/>
-          </p:cNvSpPr>
-          <p:nvPr>
-            <p:ph type="title"/>
-          </p:nvPr>
-        </p:nvSpPr>
-        <p:spPr/>
-        <p:txBody>
-          <a:bodyPr/>
-          <a:lstStyle/>
-          <a:p>
-            <a:r>
-              <a:rPr lang="en-US" dirty="0"/>
-              <a:t>What do we need our selected model to do?</a:t>
-            </a:r>
-          </a:p>
-        </p:txBody>
-      </p:sp>
-      <p:sp>
-        <p:nvSpPr>
-          <p:cNvPr id="3" name="Text Placeholder 2">
-            <a:extLst>
-              <a:ext uri="{FF2B5EF4-FFF2-40B4-BE49-F238E27FC236}">
-                <a16:creationId xmlns:a16="http://schemas.microsoft.com/office/drawing/2014/main" id="{DA13BAFF-48B6-9046-94F3-CBF50B2F21D8}"/>
-              </a:ext>
-            </a:extLst>
-          </p:cNvPr>
-          <p:cNvSpPr>
-            <a:spLocks noGrp="1"/>
-          </p:cNvSpPr>
-          <p:nvPr>
-            <p:ph type="body" idx="1"/>
-          </p:nvPr>
-        </p:nvSpPr>
-        <p:spPr/>
-        <p:txBody>
-          <a:bodyPr/>
-          <a:lstStyle/>
-          <a:p>
-            <a:endParaRPr lang="en-US"/>
-          </a:p>
-        </p:txBody>
-      </p:sp>
-    </p:spTree>
-    <p:extLst>
-      <p:ext uri="{BB962C8B-B14F-4D97-AF65-F5344CB8AC3E}">
-        <p14:creationId xmlns:p14="http://schemas.microsoft.com/office/powerpoint/2010/main" val="106807354"/>
-      </p:ext>
-    </p:extLst>
-  </p:cSld>
-  <p:clrMapOvr>
-    <a:masterClrMapping/>
-  </p:clrMapOvr>
-  <mc:AlternateContent xmlns:mc="http://schemas.openxmlformats.org/markup-compatibility/2006" xmlns:p14="http://schemas.microsoft.com/office/powerpoint/2010/main">
-    <mc:Choice Requires="p14">
-      <p:transition spd="med" p14:dur="700">
-        <p:fade/>
-      </p:transition>
-    </mc:Choice>
-    <mc:Fallback xmlns="">
-      <p:transition spd="med">
-        <p:fade/>
-      </p:transition>
-    </mc:Fallback>
-  </mc:AlternateContent>
 </p:sld>
 </file>
 

--- a/Lectures/Lecture5-ModelSelection.pptx
+++ b/Lectures/Lecture5-ModelSelection.pptx
@@ -6,42 +6,43 @@
     <p:sldMasterId id="2147483660" r:id="rId2"/>
   </p:sldMasterIdLst>
   <p:notesMasterIdLst>
-    <p:notesMasterId r:id="rId36"/>
+    <p:notesMasterId r:id="rId37"/>
   </p:notesMasterIdLst>
   <p:sldIdLst>
     <p:sldId id="256" r:id="rId3"/>
     <p:sldId id="471" r:id="rId4"/>
     <p:sldId id="491" r:id="rId5"/>
-    <p:sldId id="486" r:id="rId6"/>
-    <p:sldId id="323" r:id="rId7"/>
-    <p:sldId id="490" r:id="rId8"/>
-    <p:sldId id="286" r:id="rId9"/>
-    <p:sldId id="472" r:id="rId10"/>
-    <p:sldId id="287" r:id="rId11"/>
-    <p:sldId id="478" r:id="rId12"/>
-    <p:sldId id="468" r:id="rId13"/>
-    <p:sldId id="473" r:id="rId14"/>
-    <p:sldId id="288" r:id="rId15"/>
-    <p:sldId id="474" r:id="rId16"/>
-    <p:sldId id="297" r:id="rId17"/>
-    <p:sldId id="479" r:id="rId18"/>
-    <p:sldId id="480" r:id="rId19"/>
-    <p:sldId id="481" r:id="rId20"/>
-    <p:sldId id="482" r:id="rId21"/>
-    <p:sldId id="483" r:id="rId22"/>
-    <p:sldId id="489" r:id="rId23"/>
-    <p:sldId id="487" r:id="rId24"/>
-    <p:sldId id="488" r:id="rId25"/>
-    <p:sldId id="289" r:id="rId26"/>
-    <p:sldId id="290" r:id="rId27"/>
-    <p:sldId id="291" r:id="rId28"/>
-    <p:sldId id="292" r:id="rId29"/>
-    <p:sldId id="293" r:id="rId30"/>
-    <p:sldId id="469" r:id="rId31"/>
-    <p:sldId id="470" r:id="rId32"/>
-    <p:sldId id="296" r:id="rId33"/>
-    <p:sldId id="454" r:id="rId34"/>
-    <p:sldId id="484" r:id="rId35"/>
+    <p:sldId id="492" r:id="rId6"/>
+    <p:sldId id="486" r:id="rId7"/>
+    <p:sldId id="323" r:id="rId8"/>
+    <p:sldId id="490" r:id="rId9"/>
+    <p:sldId id="286" r:id="rId10"/>
+    <p:sldId id="472" r:id="rId11"/>
+    <p:sldId id="287" r:id="rId12"/>
+    <p:sldId id="478" r:id="rId13"/>
+    <p:sldId id="468" r:id="rId14"/>
+    <p:sldId id="473" r:id="rId15"/>
+    <p:sldId id="288" r:id="rId16"/>
+    <p:sldId id="474" r:id="rId17"/>
+    <p:sldId id="297" r:id="rId18"/>
+    <p:sldId id="479" r:id="rId19"/>
+    <p:sldId id="480" r:id="rId20"/>
+    <p:sldId id="481" r:id="rId21"/>
+    <p:sldId id="482" r:id="rId22"/>
+    <p:sldId id="483" r:id="rId23"/>
+    <p:sldId id="489" r:id="rId24"/>
+    <p:sldId id="487" r:id="rId25"/>
+    <p:sldId id="488" r:id="rId26"/>
+    <p:sldId id="289" r:id="rId27"/>
+    <p:sldId id="290" r:id="rId28"/>
+    <p:sldId id="291" r:id="rId29"/>
+    <p:sldId id="292" r:id="rId30"/>
+    <p:sldId id="293" r:id="rId31"/>
+    <p:sldId id="469" r:id="rId32"/>
+    <p:sldId id="470" r:id="rId33"/>
+    <p:sldId id="296" r:id="rId34"/>
+    <p:sldId id="454" r:id="rId35"/>
+    <p:sldId id="484" r:id="rId36"/>
   </p:sldIdLst>
   <p:sldSz cx="12192000" cy="6858000"/>
   <p:notesSz cx="6858000" cy="9144000"/>
@@ -11753,13 +11754,7 @@
       </p:grpSpPr>
       <p:sp>
         <p:nvSpPr>
-          <p:cNvPr id="4" name="Title 3">
-            <a:extLst>
-              <a:ext uri="{FF2B5EF4-FFF2-40B4-BE49-F238E27FC236}">
-                <a16:creationId xmlns:a16="http://schemas.microsoft.com/office/drawing/2014/main" id="{30C2C959-72F2-EF4D-80DA-F48A29D0F3C4}"/>
-              </a:ext>
-            </a:extLst>
-          </p:cNvPr>
+          <p:cNvPr id="3" name="Title 2"/>
           <p:cNvSpPr>
             <a:spLocks noGrp="1"/>
           </p:cNvSpPr>
@@ -11774,20 +11769,14 @@
           <a:p>
             <a:r>
               <a:rPr lang="en-US" dirty="0"/>
-              <a:t>What do we need our selected model to do?</a:t>
+              <a:t>What is the goal of model selection?</a:t>
             </a:r>
           </a:p>
         </p:txBody>
       </p:sp>
       <p:sp>
         <p:nvSpPr>
-          <p:cNvPr id="3" name="Text Placeholder 2">
-            <a:extLst>
-              <a:ext uri="{FF2B5EF4-FFF2-40B4-BE49-F238E27FC236}">
-                <a16:creationId xmlns:a16="http://schemas.microsoft.com/office/drawing/2014/main" id="{DA13BAFF-48B6-9046-94F3-CBF50B2F21D8}"/>
-              </a:ext>
-            </a:extLst>
-          </p:cNvPr>
+          <p:cNvPr id="2" name="Content Placeholder 1"/>
           <p:cNvSpPr>
             <a:spLocks noGrp="1"/>
           </p:cNvSpPr>
@@ -11800,32 +11789,50 @@
           <a:bodyPr/>
           <a:lstStyle/>
           <a:p>
-            <a:endParaRPr lang="en-US"/>
+            <a:r>
+              <a:rPr lang="en-US" sz="2800" dirty="0"/>
+              <a:t>You’ve run a large number of different types of models varying model types, hyperparameters, features, … (other decisions in the pipeline)</a:t>
+            </a:r>
+          </a:p>
+          <a:p>
+            <a:endParaRPr lang="en-US" sz="2800" dirty="0"/>
+          </a:p>
+          <a:p>
+            <a:r>
+              <a:rPr lang="en-US" sz="2800" dirty="0"/>
+              <a:t>Now we need to </a:t>
+            </a:r>
+          </a:p>
+          <a:p>
+            <a:pPr lvl="1"/>
+            <a:r>
+              <a:rPr lang="en-US" sz="2800" dirty="0"/>
+              <a:t>Understand what types of models are effective under what circumstances</a:t>
+            </a:r>
+          </a:p>
+          <a:p>
+            <a:pPr lvl="1"/>
+            <a:r>
+              <a:rPr lang="en-US" sz="2800" dirty="0"/>
+              <a:t>Decide which one(s) to use in the </a:t>
+            </a:r>
+            <a:r>
+              <a:rPr lang="en-US" sz="2800" b="1" dirty="0"/>
+              <a:t>future</a:t>
+            </a:r>
           </a:p>
         </p:txBody>
       </p:sp>
     </p:spTree>
     <p:extLst>
       <p:ext uri="{BB962C8B-B14F-4D97-AF65-F5344CB8AC3E}">
-        <p14:creationId xmlns:p14="http://schemas.microsoft.com/office/powerpoint/2010/main" val="106807354"/>
+        <p14:creationId xmlns:p14="http://schemas.microsoft.com/office/powerpoint/2010/main" val="423896287"/>
       </p:ext>
     </p:extLst>
   </p:cSld>
   <p:clrMapOvr>
     <a:masterClrMapping/>
   </p:clrMapOvr>
-  <mc:AlternateContent xmlns:mc="http://schemas.openxmlformats.org/markup-compatibility/2006" xmlns:p14="http://schemas.microsoft.com/office/powerpoint/2010/main">
-    <mc:Choice Requires="p14">
-      <p:transition spd="med" p14:dur="700">
-        <p:fade/>
-      </p:transition>
-    </mc:Choice>
-    <mc:Fallback xmlns="">
-      <p:transition spd="med">
-        <p:fade/>
-      </p:transition>
-    </mc:Fallback>
-  </mc:AlternateContent>
 </p:sld>
 </file>
 
@@ -11876,10 +11883,10 @@
       </p:sp>
       <p:sp>
         <p:nvSpPr>
-          <p:cNvPr id="5" name="Text Placeholder 4">
+          <p:cNvPr id="3" name="Text Placeholder 2">
             <a:extLst>
               <a:ext uri="{FF2B5EF4-FFF2-40B4-BE49-F238E27FC236}">
-                <a16:creationId xmlns:a16="http://schemas.microsoft.com/office/drawing/2014/main" id="{24A75FF1-9EFE-0F41-92F5-3E749CFB2EB5}"/>
+                <a16:creationId xmlns:a16="http://schemas.microsoft.com/office/drawing/2014/main" id="{DA13BAFF-48B6-9046-94F3-CBF50B2F21D8}"/>
               </a:ext>
             </a:extLst>
           </p:cNvPr>
@@ -11895,47 +11902,14 @@
           <a:bodyPr/>
           <a:lstStyle/>
           <a:p>
-            <a:r>
-              <a:rPr lang="en-US" dirty="0"/>
-              <a:t>Perform well</a:t>
-            </a:r>
-          </a:p>
-          <a:p>
-            <a:pPr lvl="1"/>
-            <a:r>
-              <a:rPr lang="en-US" dirty="0"/>
-              <a:t>What metric?</a:t>
-            </a:r>
-          </a:p>
-          <a:p>
-            <a:pPr lvl="1"/>
-            <a:r>
-              <a:rPr lang="en-US" dirty="0"/>
-              <a:t>Compared to what?</a:t>
-            </a:r>
-          </a:p>
-          <a:p>
-            <a:endParaRPr lang="en-US" dirty="0"/>
-          </a:p>
-          <a:p>
-            <a:r>
-              <a:rPr lang="en-US" dirty="0"/>
-              <a:t>Generalize</a:t>
-            </a:r>
-          </a:p>
-          <a:p>
-            <a:pPr lvl="1"/>
-            <a:r>
-              <a:rPr lang="en-US" dirty="0"/>
-              <a:t>To what?</a:t>
-            </a:r>
+            <a:endParaRPr lang="en-US"/>
           </a:p>
         </p:txBody>
       </p:sp>
     </p:spTree>
     <p:extLst>
       <p:ext uri="{BB962C8B-B14F-4D97-AF65-F5344CB8AC3E}">
-        <p14:creationId xmlns:p14="http://schemas.microsoft.com/office/powerpoint/2010/main" val="4111643116"/>
+        <p14:creationId xmlns:p14="http://schemas.microsoft.com/office/powerpoint/2010/main" val="106807354"/>
       </p:ext>
     </p:extLst>
   </p:cSld>
@@ -11976,6 +11950,134 @@
       </p:grpSpPr>
       <p:sp>
         <p:nvSpPr>
+          <p:cNvPr id="4" name="Title 3">
+            <a:extLst>
+              <a:ext uri="{FF2B5EF4-FFF2-40B4-BE49-F238E27FC236}">
+                <a16:creationId xmlns:a16="http://schemas.microsoft.com/office/drawing/2014/main" id="{30C2C959-72F2-EF4D-80DA-F48A29D0F3C4}"/>
+              </a:ext>
+            </a:extLst>
+          </p:cNvPr>
+          <p:cNvSpPr>
+            <a:spLocks noGrp="1"/>
+          </p:cNvSpPr>
+          <p:nvPr>
+            <p:ph type="title"/>
+          </p:nvPr>
+        </p:nvSpPr>
+        <p:spPr/>
+        <p:txBody>
+          <a:bodyPr/>
+          <a:lstStyle/>
+          <a:p>
+            <a:r>
+              <a:rPr lang="en-US" dirty="0"/>
+              <a:t>What do we need our selected model to do?</a:t>
+            </a:r>
+          </a:p>
+        </p:txBody>
+      </p:sp>
+      <p:sp>
+        <p:nvSpPr>
+          <p:cNvPr id="5" name="Text Placeholder 4">
+            <a:extLst>
+              <a:ext uri="{FF2B5EF4-FFF2-40B4-BE49-F238E27FC236}">
+                <a16:creationId xmlns:a16="http://schemas.microsoft.com/office/drawing/2014/main" id="{24A75FF1-9EFE-0F41-92F5-3E749CFB2EB5}"/>
+              </a:ext>
+            </a:extLst>
+          </p:cNvPr>
+          <p:cNvSpPr>
+            <a:spLocks noGrp="1"/>
+          </p:cNvSpPr>
+          <p:nvPr>
+            <p:ph type="body" idx="1"/>
+          </p:nvPr>
+        </p:nvSpPr>
+        <p:spPr/>
+        <p:txBody>
+          <a:bodyPr/>
+          <a:lstStyle/>
+          <a:p>
+            <a:r>
+              <a:rPr lang="en-US" dirty="0"/>
+              <a:t>Perform well</a:t>
+            </a:r>
+          </a:p>
+          <a:p>
+            <a:pPr lvl="1"/>
+            <a:r>
+              <a:rPr lang="en-US" dirty="0"/>
+              <a:t>What metric?</a:t>
+            </a:r>
+          </a:p>
+          <a:p>
+            <a:pPr lvl="1"/>
+            <a:r>
+              <a:rPr lang="en-US" dirty="0"/>
+              <a:t>Compared to what?</a:t>
+            </a:r>
+          </a:p>
+          <a:p>
+            <a:endParaRPr lang="en-US" dirty="0"/>
+          </a:p>
+          <a:p>
+            <a:r>
+              <a:rPr lang="en-US" dirty="0"/>
+              <a:t>Generalize</a:t>
+            </a:r>
+          </a:p>
+          <a:p>
+            <a:pPr lvl="1"/>
+            <a:r>
+              <a:rPr lang="en-US" dirty="0"/>
+              <a:t>To what?</a:t>
+            </a:r>
+          </a:p>
+        </p:txBody>
+      </p:sp>
+    </p:spTree>
+    <p:extLst>
+      <p:ext uri="{BB962C8B-B14F-4D97-AF65-F5344CB8AC3E}">
+        <p14:creationId xmlns:p14="http://schemas.microsoft.com/office/powerpoint/2010/main" val="4111643116"/>
+      </p:ext>
+    </p:extLst>
+  </p:cSld>
+  <p:clrMapOvr>
+    <a:masterClrMapping/>
+  </p:clrMapOvr>
+  <mc:AlternateContent xmlns:mc="http://schemas.openxmlformats.org/markup-compatibility/2006" xmlns:p14="http://schemas.microsoft.com/office/powerpoint/2010/main">
+    <mc:Choice Requires="p14">
+      <p:transition spd="med" p14:dur="700">
+        <p:fade/>
+      </p:transition>
+    </mc:Choice>
+    <mc:Fallback xmlns="">
+      <p:transition spd="med">
+        <p:fade/>
+      </p:transition>
+    </mc:Fallback>
+  </mc:AlternateContent>
+</p:sld>
+</file>
+
+<file path=ppt/slides/slide13.xml><?xml version="1.0" encoding="utf-8"?>
+<p:sld xmlns:a="http://schemas.openxmlformats.org/drawingml/2006/main" xmlns:r="http://schemas.openxmlformats.org/officeDocument/2006/relationships" xmlns:p="http://schemas.openxmlformats.org/presentationml/2006/main">
+  <p:cSld>
+    <p:spTree>
+      <p:nvGrpSpPr>
+        <p:cNvPr id="1" name=""/>
+        <p:cNvGrpSpPr/>
+        <p:nvPr/>
+      </p:nvGrpSpPr>
+      <p:grpSpPr>
+        <a:xfrm>
+          <a:off x="0" y="0"/>
+          <a:ext cx="0" cy="0"/>
+          <a:chOff x="0" y="0"/>
+          <a:chExt cx="0" cy="0"/>
+        </a:xfrm>
+      </p:grpSpPr>
+      <p:sp>
+        <p:nvSpPr>
           <p:cNvPr id="2" name="Title 1">
             <a:extLst>
               <a:ext uri="{FF2B5EF4-FFF2-40B4-BE49-F238E27FC236}">
@@ -12040,7 +12142,7 @@
 </p:sld>
 </file>
 
-<file path=ppt/slides/slide13.xml><?xml version="1.0" encoding="utf-8"?>
+<file path=ppt/slides/slide14.xml><?xml version="1.0" encoding="utf-8"?>
 <p:sld xmlns:a="http://schemas.openxmlformats.org/drawingml/2006/main" xmlns:r="http://schemas.openxmlformats.org/officeDocument/2006/relationships" xmlns:p="http://schemas.openxmlformats.org/presentationml/2006/main">
   <p:cSld>
     <p:spTree>
@@ -12137,7 +12239,7 @@
 </p:sld>
 </file>
 
-<file path=ppt/slides/slide14.xml><?xml version="1.0" encoding="utf-8"?>
+<file path=ppt/slides/slide15.xml><?xml version="1.0" encoding="utf-8"?>
 <p:sld xmlns:a="http://schemas.openxmlformats.org/drawingml/2006/main" xmlns:r="http://schemas.openxmlformats.org/officeDocument/2006/relationships" xmlns:p="http://schemas.openxmlformats.org/presentationml/2006/main">
   <p:cSld>
     <p:spTree>
@@ -12220,7 +12322,7 @@
 </p:sld>
 </file>
 
-<file path=ppt/slides/slide15.xml><?xml version="1.0" encoding="utf-8"?>
+<file path=ppt/slides/slide16.xml><?xml version="1.0" encoding="utf-8"?>
 <p:sld xmlns:a="http://schemas.openxmlformats.org/drawingml/2006/main" xmlns:r="http://schemas.openxmlformats.org/officeDocument/2006/relationships" xmlns:p="http://schemas.openxmlformats.org/presentationml/2006/main">
   <p:cSld>
     <p:spTree>
@@ -12337,140 +12439,6 @@
     <p:extLst>
       <p:ext uri="{BB962C8B-B14F-4D97-AF65-F5344CB8AC3E}">
         <p14:creationId xmlns:p14="http://schemas.microsoft.com/office/powerpoint/2010/main" val="4093726934"/>
-      </p:ext>
-    </p:extLst>
-  </p:cSld>
-  <p:clrMapOvr>
-    <a:masterClrMapping/>
-  </p:clrMapOvr>
-</p:sld>
-</file>
-
-<file path=ppt/slides/slide16.xml><?xml version="1.0" encoding="utf-8"?>
-<p:sld xmlns:a="http://schemas.openxmlformats.org/drawingml/2006/main" xmlns:r="http://schemas.openxmlformats.org/officeDocument/2006/relationships" xmlns:p="http://schemas.openxmlformats.org/presentationml/2006/main">
-  <p:cSld>
-    <p:spTree>
-      <p:nvGrpSpPr>
-        <p:cNvPr id="1" name=""/>
-        <p:cNvGrpSpPr/>
-        <p:nvPr/>
-      </p:nvGrpSpPr>
-      <p:grpSpPr>
-        <a:xfrm>
-          <a:off x="0" y="0"/>
-          <a:ext cx="0" cy="0"/>
-          <a:chOff x="0" y="0"/>
-          <a:chExt cx="0" cy="0"/>
-        </a:xfrm>
-      </p:grpSpPr>
-      <p:sp>
-        <p:nvSpPr>
-          <p:cNvPr id="2" name="Title 1">
-            <a:extLst>
-              <a:ext uri="{FF2B5EF4-FFF2-40B4-BE49-F238E27FC236}">
-                <a16:creationId xmlns:a16="http://schemas.microsoft.com/office/drawing/2014/main" id="{D78147EA-4092-034E-8792-847E37175401}"/>
-              </a:ext>
-            </a:extLst>
-          </p:cNvPr>
-          <p:cNvSpPr>
-            <a:spLocks noGrp="1"/>
-          </p:cNvSpPr>
-          <p:nvPr>
-            <p:ph type="title"/>
-          </p:nvPr>
-        </p:nvSpPr>
-        <p:spPr/>
-        <p:txBody>
-          <a:bodyPr/>
-          <a:lstStyle/>
-          <a:p>
-            <a:r>
-              <a:rPr lang="en-US" dirty="0"/>
-              <a:t>Scenarios</a:t>
-            </a:r>
-          </a:p>
-        </p:txBody>
-      </p:sp>
-      <p:sp>
-        <p:nvSpPr>
-          <p:cNvPr id="3" name="Text Placeholder 2">
-            <a:extLst>
-              <a:ext uri="{FF2B5EF4-FFF2-40B4-BE49-F238E27FC236}">
-                <a16:creationId xmlns:a16="http://schemas.microsoft.com/office/drawing/2014/main" id="{3B207A3F-596E-1542-A461-8EE389BA1A43}"/>
-              </a:ext>
-            </a:extLst>
-          </p:cNvPr>
-          <p:cNvSpPr>
-            <a:spLocks noGrp="1"/>
-          </p:cNvSpPr>
-          <p:nvPr>
-            <p:ph type="body" idx="1"/>
-          </p:nvPr>
-        </p:nvSpPr>
-        <p:spPr/>
-        <p:txBody>
-          <a:bodyPr/>
-          <a:lstStyle/>
-          <a:p>
-            <a:pPr marL="76200" indent="0">
-              <a:buNone/>
-            </a:pPr>
-            <a:r>
-              <a:rPr lang="en-US" dirty="0"/>
-              <a:t>1: We want to track news coverage of epidemic related topics. We have tagged a small corpus (n=1000) of news articles from Jan 2019 to September 2020 and now have a stream of new incoming articles every day. We want to deploy a system that tracks the intensity of coverage by media outlet going forward.</a:t>
-            </a:r>
-          </a:p>
-          <a:p>
-            <a:pPr marL="76200" indent="0">
-              <a:buNone/>
-            </a:pPr>
-            <a:endParaRPr lang="en-US" dirty="0"/>
-          </a:p>
-          <a:p>
-            <a:pPr marL="76200" indent="0">
-              <a:buNone/>
-            </a:pPr>
-            <a:r>
-              <a:rPr lang="en-US" dirty="0"/>
-              <a:t>What should our model generalize to?</a:t>
-            </a:r>
-          </a:p>
-          <a:p>
-            <a:pPr marL="76200" indent="0">
-              <a:buNone/>
-            </a:pPr>
-            <a:endParaRPr lang="en-US" dirty="0"/>
-          </a:p>
-          <a:p>
-            <a:pPr marL="76200" indent="0">
-              <a:buNone/>
-            </a:pPr>
-            <a:r>
-              <a:rPr lang="en-US" dirty="0"/>
-              <a:t>What is a training set?</a:t>
-            </a:r>
-          </a:p>
-          <a:p>
-            <a:pPr marL="76200" indent="0">
-              <a:buNone/>
-            </a:pPr>
-            <a:endParaRPr lang="en-US" dirty="0"/>
-          </a:p>
-          <a:p>
-            <a:pPr marL="76200" indent="0">
-              <a:buNone/>
-            </a:pPr>
-            <a:r>
-              <a:rPr lang="en-US" dirty="0"/>
-              <a:t>What is the corresponding validation set?</a:t>
-            </a:r>
-          </a:p>
-        </p:txBody>
-      </p:sp>
-    </p:spTree>
-    <p:extLst>
-      <p:ext uri="{BB962C8B-B14F-4D97-AF65-F5344CB8AC3E}">
-        <p14:creationId xmlns:p14="http://schemas.microsoft.com/office/powerpoint/2010/main" val="1096452247"/>
       </p:ext>
     </p:extLst>
   </p:cSld>
@@ -12551,7 +12519,7 @@
             </a:pPr>
             <a:r>
               <a:rPr lang="en-US" dirty="0"/>
-              <a:t>2: We want to track news coverage of epidemic related topics. We have tagged a small corpus (n=1000) of news articles from Jan 2019 to September 2020 and now have a stream of new incoming articles every day. We want to deploy a system that tracks intensity of coverage by media outlet over the last 2 years as well as going forward.</a:t>
+              <a:t>1: We want to track news coverage of epidemic related topics. We have tagged a small corpus (n=1000) of news articles from Jan 2019 to September 2020 and now have a stream of new incoming articles every day. We want to deploy a system that tracks the intensity of coverage by media outlet going forward.</a:t>
             </a:r>
           </a:p>
           <a:p>
@@ -12604,7 +12572,7 @@
     </p:spTree>
     <p:extLst>
       <p:ext uri="{BB962C8B-B14F-4D97-AF65-F5344CB8AC3E}">
-        <p14:creationId xmlns:p14="http://schemas.microsoft.com/office/powerpoint/2010/main" val="1074433782"/>
+        <p14:creationId xmlns:p14="http://schemas.microsoft.com/office/powerpoint/2010/main" val="1096452247"/>
       </p:ext>
     </p:extLst>
   </p:cSld>
@@ -12685,14 +12653,8 @@
             </a:pPr>
             <a:r>
               <a:rPr lang="en-US" dirty="0"/>
-              <a:t>3: We want to predict whether there will be an increase in epidemic related articles in the media during the next week. </a:t>
+              <a:t>2: We want to track news coverage of epidemic related topics. We have tagged a small corpus (n=1000) of news articles from Jan 2019 to September 2020 and now have a stream of new incoming articles every day. We want to deploy a system that tracks intensity of coverage by media outlet over the last 2 years as well as going forward.</a:t>
             </a:r>
-          </a:p>
-          <a:p>
-            <a:pPr marL="76200" indent="0">
-              <a:buNone/>
-            </a:pPr>
-            <a:endParaRPr lang="en-US" dirty="0"/>
           </a:p>
           <a:p>
             <a:pPr marL="76200" indent="0">
@@ -12744,7 +12706,7 @@
     </p:spTree>
     <p:extLst>
       <p:ext uri="{BB962C8B-B14F-4D97-AF65-F5344CB8AC3E}">
-        <p14:creationId xmlns:p14="http://schemas.microsoft.com/office/powerpoint/2010/main" val="3999252044"/>
+        <p14:creationId xmlns:p14="http://schemas.microsoft.com/office/powerpoint/2010/main" val="1074433782"/>
       </p:ext>
     </p:extLst>
   </p:cSld>
@@ -12825,7 +12787,7 @@
             </a:pPr>
             <a:r>
               <a:rPr lang="en-US" dirty="0"/>
-              <a:t>4: We want to predict whether there will be an increase in epidemic related articles in the media during the next month. </a:t>
+              <a:t>3: We want to predict whether there will be an increase in epidemic related articles in the media during the next week. </a:t>
             </a:r>
           </a:p>
           <a:p>
@@ -12884,7 +12846,7 @@
     </p:spTree>
     <p:extLst>
       <p:ext uri="{BB962C8B-B14F-4D97-AF65-F5344CB8AC3E}">
-        <p14:creationId xmlns:p14="http://schemas.microsoft.com/office/powerpoint/2010/main" val="1147417782"/>
+        <p14:creationId xmlns:p14="http://schemas.microsoft.com/office/powerpoint/2010/main" val="3999252044"/>
       </p:ext>
     </p:extLst>
   </p:cSld>
@@ -12979,6 +12941,13 @@
               <a:rPr lang="en-US" dirty="0"/>
               <a:t>Monday: Project Update 2</a:t>
             </a:r>
+          </a:p>
+          <a:p>
+            <a:pPr lvl="1"/>
+            <a:r>
+              <a:rPr lang="en-US" sz="2000" dirty="0"/>
+              <a:t>Also see feedback in update 1 slides</a:t>
+            </a:r>
             <a:br>
               <a:rPr lang="en-US" dirty="0"/>
             </a:br>
@@ -13037,7 +13006,7 @@
           <p:cNvPr id="2" name="Title 1">
             <a:extLst>
               <a:ext uri="{FF2B5EF4-FFF2-40B4-BE49-F238E27FC236}">
-                <a16:creationId xmlns:a16="http://schemas.microsoft.com/office/drawing/2014/main" id="{E3F5A4E3-1083-BD43-B370-9A1F90A39416}"/>
+                <a16:creationId xmlns:a16="http://schemas.microsoft.com/office/drawing/2014/main" id="{D78147EA-4092-034E-8792-847E37175401}"/>
               </a:ext>
             </a:extLst>
           </p:cNvPr>
@@ -13055,7 +13024,7 @@
           <a:p>
             <a:r>
               <a:rPr lang="en-US" dirty="0"/>
-              <a:t>Parameters</a:t>
+              <a:t>Scenarios</a:t>
             </a:r>
           </a:p>
         </p:txBody>
@@ -13065,7 +13034,7 @@
           <p:cNvPr id="3" name="Text Placeholder 2">
             <a:extLst>
               <a:ext uri="{FF2B5EF4-FFF2-40B4-BE49-F238E27FC236}">
-                <a16:creationId xmlns:a16="http://schemas.microsoft.com/office/drawing/2014/main" id="{B761F066-C352-2344-9AFE-A7E0C820CFA0}"/>
+                <a16:creationId xmlns:a16="http://schemas.microsoft.com/office/drawing/2014/main" id="{3B207A3F-596E-1542-A461-8EE389BA1A43}"/>
               </a:ext>
             </a:extLst>
           </p:cNvPr>
@@ -13076,78 +13045,68 @@
             <p:ph type="body" idx="1"/>
           </p:nvPr>
         </p:nvSpPr>
-        <p:spPr>
-          <a:xfrm>
-            <a:off x="-1" y="947003"/>
-            <a:ext cx="12035481" cy="5404369"/>
-          </a:xfrm>
-        </p:spPr>
+        <p:spPr/>
         <p:txBody>
           <a:bodyPr/>
           <a:lstStyle/>
           <a:p>
+            <a:pPr marL="76200" indent="0">
+              <a:buNone/>
+            </a:pPr>
             <a:r>
               <a:rPr lang="en-US" dirty="0"/>
-              <a:t>How far back to go when training models? (max training history)</a:t>
+              <a:t>4: We want to predict whether there will be an increase in epidemic related articles in the media during the next month. </a:t>
             </a:r>
           </a:p>
           <a:p>
-            <a:pPr lvl="1"/>
+            <a:pPr marL="76200" indent="0">
+              <a:buNone/>
+            </a:pPr>
+            <a:endParaRPr lang="en-US" dirty="0"/>
+          </a:p>
+          <a:p>
+            <a:pPr marL="76200" indent="0">
+              <a:buNone/>
+            </a:pPr>
+            <a:endParaRPr lang="en-US" dirty="0"/>
+          </a:p>
+          <a:p>
+            <a:pPr marL="76200" indent="0">
+              <a:buNone/>
+            </a:pPr>
             <a:r>
               <a:rPr lang="en-US" dirty="0"/>
-              <a:t>To the beginning of time (expanding training window)?</a:t>
+              <a:t>What should our model generalize to?</a:t>
             </a:r>
           </a:p>
           <a:p>
-            <a:pPr lvl="1"/>
+            <a:pPr marL="76200" indent="0">
+              <a:buNone/>
+            </a:pPr>
+            <a:endParaRPr lang="en-US" dirty="0"/>
+          </a:p>
+          <a:p>
+            <a:pPr marL="76200" indent="0">
+              <a:buNone/>
+            </a:pPr>
             <a:r>
               <a:rPr lang="en-US" dirty="0"/>
-              <a:t>Fixed history (rolling training window)?</a:t>
+              <a:t>What is a training set?</a:t>
             </a:r>
           </a:p>
           <a:p>
-            <a:pPr lvl="1"/>
+            <a:pPr marL="76200" indent="0">
+              <a:buNone/>
+            </a:pPr>
+            <a:endParaRPr lang="en-US" dirty="0"/>
+          </a:p>
+          <a:p>
+            <a:pPr marL="76200" indent="0">
+              <a:buNone/>
+            </a:pPr>
             <a:r>
               <a:rPr lang="en-US" dirty="0"/>
-              <a:t>Something else?</a:t>
-            </a:r>
-          </a:p>
-          <a:p>
-            <a:pPr lvl="1"/>
-            <a:r>
-              <a:rPr lang="en-US" dirty="0"/>
-              <a:t>How far back do you get your features from?</a:t>
-            </a:r>
-            <a:br>
-              <a:rPr lang="en-US" dirty="0"/>
-            </a:br>
-            <a:endParaRPr lang="en-US" dirty="0"/>
-          </a:p>
-          <a:p>
-            <a:r>
-              <a:rPr lang="en-US" dirty="0"/>
-              <a:t>How much to move forward from train-validation pair 1 to train-validation pair 2?</a:t>
-            </a:r>
-          </a:p>
-          <a:p>
-            <a:pPr lvl="1"/>
-            <a:r>
-              <a:rPr lang="en-US" dirty="0"/>
-              <a:t>A day?</a:t>
-            </a:r>
-          </a:p>
-          <a:p>
-            <a:pPr lvl="1"/>
-            <a:r>
-              <a:rPr lang="en-US" dirty="0"/>
-              <a:t>A month? </a:t>
-            </a:r>
-          </a:p>
-          <a:p>
-            <a:pPr lvl="1"/>
-            <a:r>
-              <a:rPr lang="en-US" dirty="0"/>
-              <a:t>Something else?</a:t>
+              <a:t>What is the corresponding validation set?</a:t>
             </a:r>
           </a:p>
         </p:txBody>
@@ -13155,7 +13114,7 @@
     </p:spTree>
     <p:extLst>
       <p:ext uri="{BB962C8B-B14F-4D97-AF65-F5344CB8AC3E}">
-        <p14:creationId xmlns:p14="http://schemas.microsoft.com/office/powerpoint/2010/main" val="3359709114"/>
+        <p14:creationId xmlns:p14="http://schemas.microsoft.com/office/powerpoint/2010/main" val="1147417782"/>
       </p:ext>
     </p:extLst>
   </p:cSld>
@@ -13205,6 +13164,156 @@
           <a:p>
             <a:r>
               <a:rPr lang="en-US" dirty="0"/>
+              <a:t>Parameters</a:t>
+            </a:r>
+          </a:p>
+        </p:txBody>
+      </p:sp>
+      <p:sp>
+        <p:nvSpPr>
+          <p:cNvPr id="3" name="Text Placeholder 2">
+            <a:extLst>
+              <a:ext uri="{FF2B5EF4-FFF2-40B4-BE49-F238E27FC236}">
+                <a16:creationId xmlns:a16="http://schemas.microsoft.com/office/drawing/2014/main" id="{B761F066-C352-2344-9AFE-A7E0C820CFA0}"/>
+              </a:ext>
+            </a:extLst>
+          </p:cNvPr>
+          <p:cNvSpPr>
+            <a:spLocks noGrp="1"/>
+          </p:cNvSpPr>
+          <p:nvPr>
+            <p:ph type="body" idx="1"/>
+          </p:nvPr>
+        </p:nvSpPr>
+        <p:spPr>
+          <a:xfrm>
+            <a:off x="-1" y="947003"/>
+            <a:ext cx="12035481" cy="5404369"/>
+          </a:xfrm>
+        </p:spPr>
+        <p:txBody>
+          <a:bodyPr/>
+          <a:lstStyle/>
+          <a:p>
+            <a:r>
+              <a:rPr lang="en-US" dirty="0"/>
+              <a:t>How far back to go when training models? (max training history)</a:t>
+            </a:r>
+          </a:p>
+          <a:p>
+            <a:pPr lvl="1"/>
+            <a:r>
+              <a:rPr lang="en-US" dirty="0"/>
+              <a:t>To the beginning of time (expanding training window)?</a:t>
+            </a:r>
+          </a:p>
+          <a:p>
+            <a:pPr lvl="1"/>
+            <a:r>
+              <a:rPr lang="en-US" dirty="0"/>
+              <a:t>Fixed history (rolling training window)?</a:t>
+            </a:r>
+          </a:p>
+          <a:p>
+            <a:pPr lvl="1"/>
+            <a:r>
+              <a:rPr lang="en-US" dirty="0"/>
+              <a:t>Something else?</a:t>
+            </a:r>
+          </a:p>
+          <a:p>
+            <a:pPr lvl="1"/>
+            <a:r>
+              <a:rPr lang="en-US" dirty="0"/>
+              <a:t>How far back do you get your features from?</a:t>
+            </a:r>
+            <a:br>
+              <a:rPr lang="en-US" dirty="0"/>
+            </a:br>
+            <a:endParaRPr lang="en-US" dirty="0"/>
+          </a:p>
+          <a:p>
+            <a:r>
+              <a:rPr lang="en-US" dirty="0"/>
+              <a:t>How much to move forward from train-validation pair 1 to train-validation pair 2?</a:t>
+            </a:r>
+          </a:p>
+          <a:p>
+            <a:pPr lvl="1"/>
+            <a:r>
+              <a:rPr lang="en-US" dirty="0"/>
+              <a:t>A day?</a:t>
+            </a:r>
+          </a:p>
+          <a:p>
+            <a:pPr lvl="1"/>
+            <a:r>
+              <a:rPr lang="en-US" dirty="0"/>
+              <a:t>A month? </a:t>
+            </a:r>
+          </a:p>
+          <a:p>
+            <a:pPr lvl="1"/>
+            <a:r>
+              <a:rPr lang="en-US" dirty="0"/>
+              <a:t>Something else?</a:t>
+            </a:r>
+          </a:p>
+        </p:txBody>
+      </p:sp>
+    </p:spTree>
+    <p:extLst>
+      <p:ext uri="{BB962C8B-B14F-4D97-AF65-F5344CB8AC3E}">
+        <p14:creationId xmlns:p14="http://schemas.microsoft.com/office/powerpoint/2010/main" val="3359709114"/>
+      </p:ext>
+    </p:extLst>
+  </p:cSld>
+  <p:clrMapOvr>
+    <a:masterClrMapping/>
+  </p:clrMapOvr>
+</p:sld>
+</file>
+
+<file path=ppt/slides/slide22.xml><?xml version="1.0" encoding="utf-8"?>
+<p:sld xmlns:a="http://schemas.openxmlformats.org/drawingml/2006/main" xmlns:r="http://schemas.openxmlformats.org/officeDocument/2006/relationships" xmlns:p="http://schemas.openxmlformats.org/presentationml/2006/main">
+  <p:cSld>
+    <p:spTree>
+      <p:nvGrpSpPr>
+        <p:cNvPr id="1" name=""/>
+        <p:cNvGrpSpPr/>
+        <p:nvPr/>
+      </p:nvGrpSpPr>
+      <p:grpSpPr>
+        <a:xfrm>
+          <a:off x="0" y="0"/>
+          <a:ext cx="0" cy="0"/>
+          <a:chOff x="0" y="0"/>
+          <a:chExt cx="0" cy="0"/>
+        </a:xfrm>
+      </p:grpSpPr>
+      <p:sp>
+        <p:nvSpPr>
+          <p:cNvPr id="2" name="Title 1">
+            <a:extLst>
+              <a:ext uri="{FF2B5EF4-FFF2-40B4-BE49-F238E27FC236}">
+                <a16:creationId xmlns:a16="http://schemas.microsoft.com/office/drawing/2014/main" id="{E3F5A4E3-1083-BD43-B370-9A1F90A39416}"/>
+              </a:ext>
+            </a:extLst>
+          </p:cNvPr>
+          <p:cNvSpPr>
+            <a:spLocks noGrp="1"/>
+          </p:cNvSpPr>
+          <p:nvPr>
+            <p:ph type="title"/>
+          </p:nvPr>
+        </p:nvSpPr>
+        <p:spPr/>
+        <p:txBody>
+          <a:bodyPr/>
+          <a:lstStyle/>
+          <a:p>
+            <a:r>
+              <a:rPr lang="en-US" dirty="0"/>
               <a:t>Other considerations</a:t>
             </a:r>
           </a:p>
@@ -13288,7 +13397,7 @@
 </p:sld>
 </file>
 
-<file path=ppt/slides/slide22.xml><?xml version="1.0" encoding="utf-8"?>
+<file path=ppt/slides/slide23.xml><?xml version="1.0" encoding="utf-8"?>
 <p:sld xmlns:a="http://schemas.openxmlformats.org/drawingml/2006/main" xmlns:r="http://schemas.openxmlformats.org/officeDocument/2006/relationships" xmlns:p="http://schemas.openxmlformats.org/presentationml/2006/main">
   <p:cSld>
     <p:spTree>
@@ -13408,7 +13517,7 @@
 </p:sld>
 </file>
 
-<file path=ppt/slides/slide23.xml><?xml version="1.0" encoding="utf-8"?>
+<file path=ppt/slides/slide24.xml><?xml version="1.0" encoding="utf-8"?>
 <p:sld xmlns:a="http://schemas.openxmlformats.org/drawingml/2006/main" xmlns:r="http://schemas.openxmlformats.org/officeDocument/2006/relationships" xmlns:p="http://schemas.openxmlformats.org/presentationml/2006/main">
   <p:cSld>
     <p:spTree>
@@ -17312,7 +17421,7 @@
 </p:sld>
 </file>
 
-<file path=ppt/slides/slide24.xml><?xml version="1.0" encoding="utf-8"?>
+<file path=ppt/slides/slide25.xml><?xml version="1.0" encoding="utf-8"?>
 <p:sld xmlns:a="http://schemas.openxmlformats.org/drawingml/2006/main" xmlns:r="http://schemas.openxmlformats.org/officeDocument/2006/relationships" xmlns:p="http://schemas.openxmlformats.org/presentationml/2006/main">
   <p:cSld>
     <p:spTree>
@@ -17790,7 +17899,7 @@
 </p:sld>
 </file>
 
-<file path=ppt/slides/slide25.xml><?xml version="1.0" encoding="utf-8"?>
+<file path=ppt/slides/slide26.xml><?xml version="1.0" encoding="utf-8"?>
 <p:sld xmlns:a="http://schemas.openxmlformats.org/drawingml/2006/main" xmlns:r="http://schemas.openxmlformats.org/officeDocument/2006/relationships" xmlns:p="http://schemas.openxmlformats.org/presentationml/2006/main">
   <p:cSld>
     <p:spTree>
@@ -20423,7 +20532,7 @@
 </p:sld>
 </file>
 
-<file path=ppt/slides/slide26.xml><?xml version="1.0" encoding="utf-8"?>
+<file path=ppt/slides/slide27.xml><?xml version="1.0" encoding="utf-8"?>
 <p:sld xmlns:a="http://schemas.openxmlformats.org/drawingml/2006/main" xmlns:r="http://schemas.openxmlformats.org/officeDocument/2006/relationships" xmlns:p="http://schemas.openxmlformats.org/presentationml/2006/main">
   <p:cSld>
     <p:spTree>
@@ -21563,7 +21672,7 @@
 </p:sld>
 </file>
 
-<file path=ppt/slides/slide27.xml><?xml version="1.0" encoding="utf-8"?>
+<file path=ppt/slides/slide28.xml><?xml version="1.0" encoding="utf-8"?>
 <p:sld xmlns:a="http://schemas.openxmlformats.org/drawingml/2006/main" xmlns:r="http://schemas.openxmlformats.org/officeDocument/2006/relationships" xmlns:p="http://schemas.openxmlformats.org/presentationml/2006/main">
   <p:cSld>
     <p:spTree>
@@ -22702,7 +22811,7 @@
 </p:sld>
 </file>
 
-<file path=ppt/slides/slide28.xml><?xml version="1.0" encoding="utf-8"?>
+<file path=ppt/slides/slide29.xml><?xml version="1.0" encoding="utf-8"?>
 <p:sld xmlns:a="http://schemas.openxmlformats.org/drawingml/2006/main" xmlns:r="http://schemas.openxmlformats.org/officeDocument/2006/relationships" xmlns:p="http://schemas.openxmlformats.org/presentationml/2006/main">
   <p:cSld>
     <p:spTree>
@@ -23841,7 +23950,413 @@
 </p:sld>
 </file>
 
-<file path=ppt/slides/slide29.xml><?xml version="1.0" encoding="utf-8"?>
+<file path=ppt/slides/slide3.xml><?xml version="1.0" encoding="utf-8"?>
+<p:sld xmlns:a="http://schemas.openxmlformats.org/drawingml/2006/main" xmlns:r="http://schemas.openxmlformats.org/officeDocument/2006/relationships" xmlns:p="http://schemas.openxmlformats.org/presentationml/2006/main">
+  <p:cSld>
+    <p:spTree>
+      <p:nvGrpSpPr>
+        <p:cNvPr id="1" name=""/>
+        <p:cNvGrpSpPr/>
+        <p:nvPr/>
+      </p:nvGrpSpPr>
+      <p:grpSpPr>
+        <a:xfrm>
+          <a:off x="0" y="0"/>
+          <a:ext cx="0" cy="0"/>
+          <a:chOff x="0" y="0"/>
+          <a:chExt cx="0" cy="0"/>
+        </a:xfrm>
+      </p:grpSpPr>
+      <p:sp>
+        <p:nvSpPr>
+          <p:cNvPr id="3" name="Title 2">
+            <a:extLst>
+              <a:ext uri="{FF2B5EF4-FFF2-40B4-BE49-F238E27FC236}">
+                <a16:creationId xmlns:a16="http://schemas.microsoft.com/office/drawing/2014/main" id="{9323871C-7CA8-1448-8FFC-1AE6E1838941}"/>
+              </a:ext>
+            </a:extLst>
+          </p:cNvPr>
+          <p:cNvSpPr>
+            <a:spLocks noGrp="1"/>
+          </p:cNvSpPr>
+          <p:nvPr>
+            <p:ph type="title"/>
+          </p:nvPr>
+        </p:nvSpPr>
+        <p:spPr/>
+        <p:txBody>
+          <a:bodyPr/>
+          <a:lstStyle/>
+          <a:p>
+            <a:r>
+              <a:rPr lang="en-US" dirty="0"/>
+              <a:t>Teamwork Question</a:t>
+            </a:r>
+          </a:p>
+        </p:txBody>
+      </p:sp>
+      <p:sp>
+        <p:nvSpPr>
+          <p:cNvPr id="4" name="Text Placeholder 3">
+            <a:extLst>
+              <a:ext uri="{FF2B5EF4-FFF2-40B4-BE49-F238E27FC236}">
+                <a16:creationId xmlns:a16="http://schemas.microsoft.com/office/drawing/2014/main" id="{5E600BA7-FA45-884F-9820-9E5F2CB7AA48}"/>
+              </a:ext>
+            </a:extLst>
+          </p:cNvPr>
+          <p:cNvSpPr>
+            <a:spLocks noGrp="1"/>
+          </p:cNvSpPr>
+          <p:nvPr>
+            <p:ph type="body" idx="1"/>
+          </p:nvPr>
+        </p:nvSpPr>
+        <p:spPr>
+          <a:xfrm>
+            <a:off x="415600" y="1130134"/>
+            <a:ext cx="11360700" cy="4555200"/>
+          </a:xfrm>
+        </p:spPr>
+        <p:txBody>
+          <a:bodyPr/>
+          <a:lstStyle/>
+          <a:p>
+            <a:pPr marL="76200" indent="0" algn="ctr">
+              <a:buNone/>
+            </a:pPr>
+            <a:r>
+              <a:rPr lang="en-US" sz="3600" dirty="0"/>
+              <a:t>How’s teamwork going?</a:t>
+            </a:r>
+          </a:p>
+        </p:txBody>
+      </p:sp>
+      <p:sp>
+        <p:nvSpPr>
+          <p:cNvPr id="5" name="Text Placeholder 3">
+            <a:extLst>
+              <a:ext uri="{FF2B5EF4-FFF2-40B4-BE49-F238E27FC236}">
+                <a16:creationId xmlns:a16="http://schemas.microsoft.com/office/drawing/2014/main" id="{0CF60459-98F0-E844-AFCC-DC0705B0478D}"/>
+              </a:ext>
+            </a:extLst>
+          </p:cNvPr>
+          <p:cNvSpPr txBox="1">
+            <a:spLocks/>
+          </p:cNvSpPr>
+          <p:nvPr/>
+        </p:nvSpPr>
+        <p:spPr>
+          <a:xfrm>
+            <a:off x="3726941" y="2567943"/>
+            <a:ext cx="4886875" cy="2794571"/>
+          </a:xfrm>
+          <a:prstGeom prst="rect">
+            <a:avLst/>
+          </a:prstGeom>
+          <a:noFill/>
+          <a:ln>
+            <a:noFill/>
+          </a:ln>
+        </p:spPr>
+        <p:txBody>
+          <a:bodyPr spcFirstLastPara="1" wrap="none" lIns="121900" tIns="121900" rIns="121900" bIns="121900" rtlCol="0" anchor="t" anchorCtr="0">
+            <a:spAutoFit/>
+          </a:bodyPr>
+          <a:lstStyle>
+            <a:defPPr marR="0" lvl="0" algn="l" rtl="0">
+              <a:lnSpc>
+                <a:spcPct val="100000"/>
+              </a:lnSpc>
+              <a:spcBef>
+                <a:spcPts val="0"/>
+              </a:spcBef>
+              <a:spcAft>
+                <a:spcPts val="0"/>
+              </a:spcAft>
+            </a:defPPr>
+            <a:lvl1pPr marL="457200" marR="0" lvl="0" indent="-381000" algn="l" rtl="0">
+              <a:lnSpc>
+                <a:spcPct val="115000"/>
+              </a:lnSpc>
+              <a:spcBef>
+                <a:spcPts val="0"/>
+              </a:spcBef>
+              <a:spcAft>
+                <a:spcPts val="0"/>
+              </a:spcAft>
+              <a:buClr>
+                <a:srgbClr val="434343"/>
+              </a:buClr>
+              <a:buSzPts val="2400"/>
+              <a:buFont typeface="Arial"/>
+              <a:buChar char="●"/>
+              <a:defRPr sz="2400" b="0" i="0" u="none" strike="noStrike" cap="none">
+                <a:solidFill>
+                  <a:srgbClr val="434343"/>
+                </a:solidFill>
+                <a:latin typeface="Arial"/>
+                <a:ea typeface="Arial"/>
+                <a:cs typeface="Arial"/>
+                <a:sym typeface="Arial"/>
+              </a:defRPr>
+            </a:lvl1pPr>
+            <a:lvl2pPr marL="914400" marR="0" lvl="1" indent="-349250" algn="l" rtl="0">
+              <a:lnSpc>
+                <a:spcPct val="115000"/>
+              </a:lnSpc>
+              <a:spcBef>
+                <a:spcPts val="2100"/>
+              </a:spcBef>
+              <a:spcAft>
+                <a:spcPts val="0"/>
+              </a:spcAft>
+              <a:buClr>
+                <a:srgbClr val="434343"/>
+              </a:buClr>
+              <a:buSzPts val="1900"/>
+              <a:buFont typeface="Arial"/>
+              <a:buChar char="○"/>
+              <a:defRPr sz="1900" b="0" i="0" u="none" strike="noStrike" cap="none">
+                <a:solidFill>
+                  <a:srgbClr val="434343"/>
+                </a:solidFill>
+                <a:latin typeface="Arial"/>
+                <a:ea typeface="Arial"/>
+                <a:cs typeface="Arial"/>
+                <a:sym typeface="Arial"/>
+              </a:defRPr>
+            </a:lvl2pPr>
+            <a:lvl3pPr marL="1371600" marR="0" lvl="2" indent="-349250" algn="l" rtl="0">
+              <a:lnSpc>
+                <a:spcPct val="115000"/>
+              </a:lnSpc>
+              <a:spcBef>
+                <a:spcPts val="2100"/>
+              </a:spcBef>
+              <a:spcAft>
+                <a:spcPts val="0"/>
+              </a:spcAft>
+              <a:buClr>
+                <a:srgbClr val="434343"/>
+              </a:buClr>
+              <a:buSzPts val="1900"/>
+              <a:buFont typeface="Arial"/>
+              <a:buChar char="■"/>
+              <a:defRPr sz="1900" b="0" i="0" u="none" strike="noStrike" cap="none">
+                <a:solidFill>
+                  <a:srgbClr val="434343"/>
+                </a:solidFill>
+                <a:latin typeface="Arial"/>
+                <a:ea typeface="Arial"/>
+                <a:cs typeface="Arial"/>
+                <a:sym typeface="Arial"/>
+              </a:defRPr>
+            </a:lvl3pPr>
+            <a:lvl4pPr marL="1828800" marR="0" lvl="3" indent="-349250" algn="l" rtl="0">
+              <a:lnSpc>
+                <a:spcPct val="115000"/>
+              </a:lnSpc>
+              <a:spcBef>
+                <a:spcPts val="2100"/>
+              </a:spcBef>
+              <a:spcAft>
+                <a:spcPts val="0"/>
+              </a:spcAft>
+              <a:buClr>
+                <a:srgbClr val="434343"/>
+              </a:buClr>
+              <a:buSzPts val="1900"/>
+              <a:buFont typeface="Arial"/>
+              <a:buChar char="●"/>
+              <a:defRPr sz="1900" b="0" i="0" u="none" strike="noStrike" cap="none">
+                <a:solidFill>
+                  <a:srgbClr val="434343"/>
+                </a:solidFill>
+                <a:latin typeface="Arial"/>
+                <a:ea typeface="Arial"/>
+                <a:cs typeface="Arial"/>
+                <a:sym typeface="Arial"/>
+              </a:defRPr>
+            </a:lvl4pPr>
+            <a:lvl5pPr marL="2286000" marR="0" lvl="4" indent="-349250" algn="l" rtl="0">
+              <a:lnSpc>
+                <a:spcPct val="115000"/>
+              </a:lnSpc>
+              <a:spcBef>
+                <a:spcPts val="2100"/>
+              </a:spcBef>
+              <a:spcAft>
+                <a:spcPts val="0"/>
+              </a:spcAft>
+              <a:buClr>
+                <a:srgbClr val="434343"/>
+              </a:buClr>
+              <a:buSzPts val="1900"/>
+              <a:buFont typeface="Arial"/>
+              <a:buChar char="○"/>
+              <a:defRPr sz="1900" b="0" i="0" u="none" strike="noStrike" cap="none">
+                <a:solidFill>
+                  <a:srgbClr val="434343"/>
+                </a:solidFill>
+                <a:latin typeface="Arial"/>
+                <a:ea typeface="Arial"/>
+                <a:cs typeface="Arial"/>
+                <a:sym typeface="Arial"/>
+              </a:defRPr>
+            </a:lvl5pPr>
+            <a:lvl6pPr marL="2743200" marR="0" lvl="5" indent="-349250" algn="l" rtl="0">
+              <a:lnSpc>
+                <a:spcPct val="115000"/>
+              </a:lnSpc>
+              <a:spcBef>
+                <a:spcPts val="2100"/>
+              </a:spcBef>
+              <a:spcAft>
+                <a:spcPts val="0"/>
+              </a:spcAft>
+              <a:buClr>
+                <a:srgbClr val="434343"/>
+              </a:buClr>
+              <a:buSzPts val="1900"/>
+              <a:buFont typeface="Arial"/>
+              <a:buChar char="■"/>
+              <a:defRPr sz="1900" b="0" i="0" u="none" strike="noStrike" cap="none">
+                <a:solidFill>
+                  <a:srgbClr val="434343"/>
+                </a:solidFill>
+                <a:latin typeface="Arial"/>
+                <a:ea typeface="Arial"/>
+                <a:cs typeface="Arial"/>
+                <a:sym typeface="Arial"/>
+              </a:defRPr>
+            </a:lvl6pPr>
+            <a:lvl7pPr marL="3200400" marR="0" lvl="6" indent="-349250" algn="l" rtl="0">
+              <a:lnSpc>
+                <a:spcPct val="115000"/>
+              </a:lnSpc>
+              <a:spcBef>
+                <a:spcPts val="2100"/>
+              </a:spcBef>
+              <a:spcAft>
+                <a:spcPts val="0"/>
+              </a:spcAft>
+              <a:buClr>
+                <a:srgbClr val="434343"/>
+              </a:buClr>
+              <a:buSzPts val="1900"/>
+              <a:buFont typeface="Arial"/>
+              <a:buChar char="●"/>
+              <a:defRPr sz="1900" b="0" i="0" u="none" strike="noStrike" cap="none">
+                <a:solidFill>
+                  <a:srgbClr val="434343"/>
+                </a:solidFill>
+                <a:latin typeface="Arial"/>
+                <a:ea typeface="Arial"/>
+                <a:cs typeface="Arial"/>
+                <a:sym typeface="Arial"/>
+              </a:defRPr>
+            </a:lvl7pPr>
+            <a:lvl8pPr marL="3657600" marR="0" lvl="7" indent="-349250" algn="l" rtl="0">
+              <a:lnSpc>
+                <a:spcPct val="115000"/>
+              </a:lnSpc>
+              <a:spcBef>
+                <a:spcPts val="2100"/>
+              </a:spcBef>
+              <a:spcAft>
+                <a:spcPts val="0"/>
+              </a:spcAft>
+              <a:buClr>
+                <a:srgbClr val="434343"/>
+              </a:buClr>
+              <a:buSzPts val="1900"/>
+              <a:buFont typeface="Arial"/>
+              <a:buChar char="○"/>
+              <a:defRPr sz="1900" b="0" i="0" u="none" strike="noStrike" cap="none">
+                <a:solidFill>
+                  <a:srgbClr val="434343"/>
+                </a:solidFill>
+                <a:latin typeface="Arial"/>
+                <a:ea typeface="Arial"/>
+                <a:cs typeface="Arial"/>
+                <a:sym typeface="Arial"/>
+              </a:defRPr>
+            </a:lvl8pPr>
+            <a:lvl9pPr marL="4114800" marR="0" lvl="8" indent="-349250" algn="l" rtl="0">
+              <a:lnSpc>
+                <a:spcPct val="115000"/>
+              </a:lnSpc>
+              <a:spcBef>
+                <a:spcPts val="2100"/>
+              </a:spcBef>
+              <a:spcAft>
+                <a:spcPts val="2100"/>
+              </a:spcAft>
+              <a:buClr>
+                <a:srgbClr val="434343"/>
+              </a:buClr>
+              <a:buSzPts val="1900"/>
+              <a:buFont typeface="Arial"/>
+              <a:buChar char="■"/>
+              <a:defRPr sz="1900" b="0" i="0" u="none" strike="noStrike" cap="none">
+                <a:solidFill>
+                  <a:srgbClr val="434343"/>
+                </a:solidFill>
+                <a:latin typeface="Arial"/>
+                <a:ea typeface="Arial"/>
+                <a:cs typeface="Arial"/>
+                <a:sym typeface="Arial"/>
+              </a:defRPr>
+            </a:lvl9pPr>
+          </a:lstStyle>
+          <a:p>
+            <a:pPr marL="114300" indent="0" algn="ctr">
+              <a:buFont typeface="Arial"/>
+              <a:buNone/>
+            </a:pPr>
+            <a:r>
+              <a:rPr lang="en-US" sz="4800" dirty="0" err="1"/>
+              <a:t>sli.do</a:t>
+            </a:r>
+            <a:r>
+              <a:rPr lang="en-US" sz="4800" dirty="0"/>
+              <a:t>      #10718</a:t>
+            </a:r>
+          </a:p>
+          <a:p>
+            <a:pPr algn="ctr"/>
+            <a:endParaRPr lang="en-US" sz="4800" dirty="0"/>
+          </a:p>
+          <a:p>
+            <a:pPr marL="114300" indent="0" algn="ctr">
+              <a:buFont typeface="Arial"/>
+              <a:buNone/>
+            </a:pPr>
+            <a:r>
+              <a:rPr lang="en-US" sz="4800" dirty="0" err="1"/>
+              <a:t>sli.do</a:t>
+            </a:r>
+            <a:r>
+              <a:rPr lang="en-US" sz="4800" dirty="0"/>
+              <a:t>/10718</a:t>
+            </a:r>
+          </a:p>
+        </p:txBody>
+      </p:sp>
+    </p:spTree>
+    <p:extLst>
+      <p:ext uri="{BB962C8B-B14F-4D97-AF65-F5344CB8AC3E}">
+        <p14:creationId xmlns:p14="http://schemas.microsoft.com/office/powerpoint/2010/main" val="4066479944"/>
+      </p:ext>
+    </p:extLst>
+  </p:cSld>
+  <p:clrMapOvr>
+    <a:masterClrMapping/>
+  </p:clrMapOvr>
+</p:sld>
+</file>
+
+<file path=ppt/slides/slide30.xml><?xml version="1.0" encoding="utf-8"?>
 <p:sld xmlns:a="http://schemas.openxmlformats.org/drawingml/2006/main" xmlns:r="http://schemas.openxmlformats.org/officeDocument/2006/relationships" xmlns:p="http://schemas.openxmlformats.org/presentationml/2006/main">
   <p:cSld>
     <p:spTree>
@@ -24980,408 +25495,7 @@
 </p:sld>
 </file>
 
-<file path=ppt/slides/slide3.xml><?xml version="1.0" encoding="utf-8"?>
-<p:sld xmlns:a="http://schemas.openxmlformats.org/drawingml/2006/main" xmlns:r="http://schemas.openxmlformats.org/officeDocument/2006/relationships" xmlns:p="http://schemas.openxmlformats.org/presentationml/2006/main">
-  <p:cSld>
-    <p:spTree>
-      <p:nvGrpSpPr>
-        <p:cNvPr id="1" name=""/>
-        <p:cNvGrpSpPr/>
-        <p:nvPr/>
-      </p:nvGrpSpPr>
-      <p:grpSpPr>
-        <a:xfrm>
-          <a:off x="0" y="0"/>
-          <a:ext cx="0" cy="0"/>
-          <a:chOff x="0" y="0"/>
-          <a:chExt cx="0" cy="0"/>
-        </a:xfrm>
-      </p:grpSpPr>
-      <p:sp>
-        <p:nvSpPr>
-          <p:cNvPr id="3" name="Title 2">
-            <a:extLst>
-              <a:ext uri="{FF2B5EF4-FFF2-40B4-BE49-F238E27FC236}">
-                <a16:creationId xmlns:a16="http://schemas.microsoft.com/office/drawing/2014/main" id="{9323871C-7CA8-1448-8FFC-1AE6E1838941}"/>
-              </a:ext>
-            </a:extLst>
-          </p:cNvPr>
-          <p:cNvSpPr>
-            <a:spLocks noGrp="1"/>
-          </p:cNvSpPr>
-          <p:nvPr>
-            <p:ph type="title"/>
-          </p:nvPr>
-        </p:nvSpPr>
-        <p:spPr/>
-        <p:txBody>
-          <a:bodyPr/>
-          <a:lstStyle/>
-          <a:p>
-            <a:r>
-              <a:rPr lang="en-US" dirty="0"/>
-              <a:t>Discussion Question</a:t>
-            </a:r>
-          </a:p>
-        </p:txBody>
-      </p:sp>
-      <p:sp>
-        <p:nvSpPr>
-          <p:cNvPr id="4" name="Text Placeholder 3">
-            <a:extLst>
-              <a:ext uri="{FF2B5EF4-FFF2-40B4-BE49-F238E27FC236}">
-                <a16:creationId xmlns:a16="http://schemas.microsoft.com/office/drawing/2014/main" id="{5E600BA7-FA45-884F-9820-9E5F2CB7AA48}"/>
-              </a:ext>
-            </a:extLst>
-          </p:cNvPr>
-          <p:cNvSpPr>
-            <a:spLocks noGrp="1"/>
-          </p:cNvSpPr>
-          <p:nvPr>
-            <p:ph type="body" idx="1"/>
-          </p:nvPr>
-        </p:nvSpPr>
-        <p:spPr/>
-        <p:txBody>
-          <a:bodyPr/>
-          <a:lstStyle/>
-          <a:p>
-            <a:pPr marL="76200" indent="0" algn="ctr">
-              <a:buNone/>
-            </a:pPr>
-            <a:r>
-              <a:rPr lang="en-US" sz="3600" dirty="0"/>
-              <a:t>What model selection strategy is your group considering for the Donors Choose project?</a:t>
-            </a:r>
-          </a:p>
-        </p:txBody>
-      </p:sp>
-      <p:sp>
-        <p:nvSpPr>
-          <p:cNvPr id="5" name="Text Placeholder 3">
-            <a:extLst>
-              <a:ext uri="{FF2B5EF4-FFF2-40B4-BE49-F238E27FC236}">
-                <a16:creationId xmlns:a16="http://schemas.microsoft.com/office/drawing/2014/main" id="{0CF60459-98F0-E844-AFCC-DC0705B0478D}"/>
-              </a:ext>
-            </a:extLst>
-          </p:cNvPr>
-          <p:cNvSpPr txBox="1">
-            <a:spLocks/>
-          </p:cNvSpPr>
-          <p:nvPr/>
-        </p:nvSpPr>
-        <p:spPr>
-          <a:xfrm>
-            <a:off x="3652513" y="3822585"/>
-            <a:ext cx="4886875" cy="2794571"/>
-          </a:xfrm>
-          <a:prstGeom prst="rect">
-            <a:avLst/>
-          </a:prstGeom>
-          <a:noFill/>
-          <a:ln>
-            <a:noFill/>
-          </a:ln>
-        </p:spPr>
-        <p:txBody>
-          <a:bodyPr spcFirstLastPara="1" wrap="none" lIns="121900" tIns="121900" rIns="121900" bIns="121900" rtlCol="0" anchor="t" anchorCtr="0">
-            <a:spAutoFit/>
-          </a:bodyPr>
-          <a:lstStyle>
-            <a:defPPr marR="0" lvl="0" algn="l" rtl="0">
-              <a:lnSpc>
-                <a:spcPct val="100000"/>
-              </a:lnSpc>
-              <a:spcBef>
-                <a:spcPts val="0"/>
-              </a:spcBef>
-              <a:spcAft>
-                <a:spcPts val="0"/>
-              </a:spcAft>
-            </a:defPPr>
-            <a:lvl1pPr marL="457200" marR="0" lvl="0" indent="-381000" algn="l" rtl="0">
-              <a:lnSpc>
-                <a:spcPct val="115000"/>
-              </a:lnSpc>
-              <a:spcBef>
-                <a:spcPts val="0"/>
-              </a:spcBef>
-              <a:spcAft>
-                <a:spcPts val="0"/>
-              </a:spcAft>
-              <a:buClr>
-                <a:srgbClr val="434343"/>
-              </a:buClr>
-              <a:buSzPts val="2400"/>
-              <a:buFont typeface="Arial"/>
-              <a:buChar char="●"/>
-              <a:defRPr sz="2400" b="0" i="0" u="none" strike="noStrike" cap="none">
-                <a:solidFill>
-                  <a:srgbClr val="434343"/>
-                </a:solidFill>
-                <a:latin typeface="Arial"/>
-                <a:ea typeface="Arial"/>
-                <a:cs typeface="Arial"/>
-                <a:sym typeface="Arial"/>
-              </a:defRPr>
-            </a:lvl1pPr>
-            <a:lvl2pPr marL="914400" marR="0" lvl="1" indent="-349250" algn="l" rtl="0">
-              <a:lnSpc>
-                <a:spcPct val="115000"/>
-              </a:lnSpc>
-              <a:spcBef>
-                <a:spcPts val="2100"/>
-              </a:spcBef>
-              <a:spcAft>
-                <a:spcPts val="0"/>
-              </a:spcAft>
-              <a:buClr>
-                <a:srgbClr val="434343"/>
-              </a:buClr>
-              <a:buSzPts val="1900"/>
-              <a:buFont typeface="Arial"/>
-              <a:buChar char="○"/>
-              <a:defRPr sz="1900" b="0" i="0" u="none" strike="noStrike" cap="none">
-                <a:solidFill>
-                  <a:srgbClr val="434343"/>
-                </a:solidFill>
-                <a:latin typeface="Arial"/>
-                <a:ea typeface="Arial"/>
-                <a:cs typeface="Arial"/>
-                <a:sym typeface="Arial"/>
-              </a:defRPr>
-            </a:lvl2pPr>
-            <a:lvl3pPr marL="1371600" marR="0" lvl="2" indent="-349250" algn="l" rtl="0">
-              <a:lnSpc>
-                <a:spcPct val="115000"/>
-              </a:lnSpc>
-              <a:spcBef>
-                <a:spcPts val="2100"/>
-              </a:spcBef>
-              <a:spcAft>
-                <a:spcPts val="0"/>
-              </a:spcAft>
-              <a:buClr>
-                <a:srgbClr val="434343"/>
-              </a:buClr>
-              <a:buSzPts val="1900"/>
-              <a:buFont typeface="Arial"/>
-              <a:buChar char="■"/>
-              <a:defRPr sz="1900" b="0" i="0" u="none" strike="noStrike" cap="none">
-                <a:solidFill>
-                  <a:srgbClr val="434343"/>
-                </a:solidFill>
-                <a:latin typeface="Arial"/>
-                <a:ea typeface="Arial"/>
-                <a:cs typeface="Arial"/>
-                <a:sym typeface="Arial"/>
-              </a:defRPr>
-            </a:lvl3pPr>
-            <a:lvl4pPr marL="1828800" marR="0" lvl="3" indent="-349250" algn="l" rtl="0">
-              <a:lnSpc>
-                <a:spcPct val="115000"/>
-              </a:lnSpc>
-              <a:spcBef>
-                <a:spcPts val="2100"/>
-              </a:spcBef>
-              <a:spcAft>
-                <a:spcPts val="0"/>
-              </a:spcAft>
-              <a:buClr>
-                <a:srgbClr val="434343"/>
-              </a:buClr>
-              <a:buSzPts val="1900"/>
-              <a:buFont typeface="Arial"/>
-              <a:buChar char="●"/>
-              <a:defRPr sz="1900" b="0" i="0" u="none" strike="noStrike" cap="none">
-                <a:solidFill>
-                  <a:srgbClr val="434343"/>
-                </a:solidFill>
-                <a:latin typeface="Arial"/>
-                <a:ea typeface="Arial"/>
-                <a:cs typeface="Arial"/>
-                <a:sym typeface="Arial"/>
-              </a:defRPr>
-            </a:lvl4pPr>
-            <a:lvl5pPr marL="2286000" marR="0" lvl="4" indent="-349250" algn="l" rtl="0">
-              <a:lnSpc>
-                <a:spcPct val="115000"/>
-              </a:lnSpc>
-              <a:spcBef>
-                <a:spcPts val="2100"/>
-              </a:spcBef>
-              <a:spcAft>
-                <a:spcPts val="0"/>
-              </a:spcAft>
-              <a:buClr>
-                <a:srgbClr val="434343"/>
-              </a:buClr>
-              <a:buSzPts val="1900"/>
-              <a:buFont typeface="Arial"/>
-              <a:buChar char="○"/>
-              <a:defRPr sz="1900" b="0" i="0" u="none" strike="noStrike" cap="none">
-                <a:solidFill>
-                  <a:srgbClr val="434343"/>
-                </a:solidFill>
-                <a:latin typeface="Arial"/>
-                <a:ea typeface="Arial"/>
-                <a:cs typeface="Arial"/>
-                <a:sym typeface="Arial"/>
-              </a:defRPr>
-            </a:lvl5pPr>
-            <a:lvl6pPr marL="2743200" marR="0" lvl="5" indent="-349250" algn="l" rtl="0">
-              <a:lnSpc>
-                <a:spcPct val="115000"/>
-              </a:lnSpc>
-              <a:spcBef>
-                <a:spcPts val="2100"/>
-              </a:spcBef>
-              <a:spcAft>
-                <a:spcPts val="0"/>
-              </a:spcAft>
-              <a:buClr>
-                <a:srgbClr val="434343"/>
-              </a:buClr>
-              <a:buSzPts val="1900"/>
-              <a:buFont typeface="Arial"/>
-              <a:buChar char="■"/>
-              <a:defRPr sz="1900" b="0" i="0" u="none" strike="noStrike" cap="none">
-                <a:solidFill>
-                  <a:srgbClr val="434343"/>
-                </a:solidFill>
-                <a:latin typeface="Arial"/>
-                <a:ea typeface="Arial"/>
-                <a:cs typeface="Arial"/>
-                <a:sym typeface="Arial"/>
-              </a:defRPr>
-            </a:lvl6pPr>
-            <a:lvl7pPr marL="3200400" marR="0" lvl="6" indent="-349250" algn="l" rtl="0">
-              <a:lnSpc>
-                <a:spcPct val="115000"/>
-              </a:lnSpc>
-              <a:spcBef>
-                <a:spcPts val="2100"/>
-              </a:spcBef>
-              <a:spcAft>
-                <a:spcPts val="0"/>
-              </a:spcAft>
-              <a:buClr>
-                <a:srgbClr val="434343"/>
-              </a:buClr>
-              <a:buSzPts val="1900"/>
-              <a:buFont typeface="Arial"/>
-              <a:buChar char="●"/>
-              <a:defRPr sz="1900" b="0" i="0" u="none" strike="noStrike" cap="none">
-                <a:solidFill>
-                  <a:srgbClr val="434343"/>
-                </a:solidFill>
-                <a:latin typeface="Arial"/>
-                <a:ea typeface="Arial"/>
-                <a:cs typeface="Arial"/>
-                <a:sym typeface="Arial"/>
-              </a:defRPr>
-            </a:lvl7pPr>
-            <a:lvl8pPr marL="3657600" marR="0" lvl="7" indent="-349250" algn="l" rtl="0">
-              <a:lnSpc>
-                <a:spcPct val="115000"/>
-              </a:lnSpc>
-              <a:spcBef>
-                <a:spcPts val="2100"/>
-              </a:spcBef>
-              <a:spcAft>
-                <a:spcPts val="0"/>
-              </a:spcAft>
-              <a:buClr>
-                <a:srgbClr val="434343"/>
-              </a:buClr>
-              <a:buSzPts val="1900"/>
-              <a:buFont typeface="Arial"/>
-              <a:buChar char="○"/>
-              <a:defRPr sz="1900" b="0" i="0" u="none" strike="noStrike" cap="none">
-                <a:solidFill>
-                  <a:srgbClr val="434343"/>
-                </a:solidFill>
-                <a:latin typeface="Arial"/>
-                <a:ea typeface="Arial"/>
-                <a:cs typeface="Arial"/>
-                <a:sym typeface="Arial"/>
-              </a:defRPr>
-            </a:lvl8pPr>
-            <a:lvl9pPr marL="4114800" marR="0" lvl="8" indent="-349250" algn="l" rtl="0">
-              <a:lnSpc>
-                <a:spcPct val="115000"/>
-              </a:lnSpc>
-              <a:spcBef>
-                <a:spcPts val="2100"/>
-              </a:spcBef>
-              <a:spcAft>
-                <a:spcPts val="2100"/>
-              </a:spcAft>
-              <a:buClr>
-                <a:srgbClr val="434343"/>
-              </a:buClr>
-              <a:buSzPts val="1900"/>
-              <a:buFont typeface="Arial"/>
-              <a:buChar char="■"/>
-              <a:defRPr sz="1900" b="0" i="0" u="none" strike="noStrike" cap="none">
-                <a:solidFill>
-                  <a:srgbClr val="434343"/>
-                </a:solidFill>
-                <a:latin typeface="Arial"/>
-                <a:ea typeface="Arial"/>
-                <a:cs typeface="Arial"/>
-                <a:sym typeface="Arial"/>
-              </a:defRPr>
-            </a:lvl9pPr>
-          </a:lstStyle>
-          <a:p>
-            <a:pPr marL="114300" indent="0" algn="ctr">
-              <a:buFont typeface="Arial"/>
-              <a:buNone/>
-            </a:pPr>
-            <a:r>
-              <a:rPr lang="en-US" sz="4800" dirty="0" err="1"/>
-              <a:t>sli.do</a:t>
-            </a:r>
-            <a:r>
-              <a:rPr lang="en-US" sz="4800" dirty="0"/>
-              <a:t>      #10718</a:t>
-            </a:r>
-          </a:p>
-          <a:p>
-            <a:pPr algn="ctr"/>
-            <a:endParaRPr lang="en-US" sz="4800" dirty="0"/>
-          </a:p>
-          <a:p>
-            <a:pPr marL="114300" indent="0" algn="ctr">
-              <a:buFont typeface="Arial"/>
-              <a:buNone/>
-            </a:pPr>
-            <a:r>
-              <a:rPr lang="en-US" sz="4800" dirty="0" err="1"/>
-              <a:t>sli.do</a:t>
-            </a:r>
-            <a:r>
-              <a:rPr lang="en-US" sz="4800" dirty="0"/>
-              <a:t>/10718</a:t>
-            </a:r>
-          </a:p>
-        </p:txBody>
-      </p:sp>
-    </p:spTree>
-    <p:extLst>
-      <p:ext uri="{BB962C8B-B14F-4D97-AF65-F5344CB8AC3E}">
-        <p14:creationId xmlns:p14="http://schemas.microsoft.com/office/powerpoint/2010/main" val="4066479944"/>
-      </p:ext>
-    </p:extLst>
-  </p:cSld>
-  <p:clrMapOvr>
-    <a:masterClrMapping/>
-  </p:clrMapOvr>
-</p:sld>
-</file>
-
-<file path=ppt/slides/slide30.xml><?xml version="1.0" encoding="utf-8"?>
+<file path=ppt/slides/slide31.xml><?xml version="1.0" encoding="utf-8"?>
 <p:sld xmlns:a="http://schemas.openxmlformats.org/drawingml/2006/main" xmlns:r="http://schemas.openxmlformats.org/officeDocument/2006/relationships" xmlns:p="http://schemas.openxmlformats.org/presentationml/2006/main">
   <p:cSld>
     <p:spTree>
@@ -26520,7 +26634,7 @@
 </p:sld>
 </file>
 
-<file path=ppt/slides/slide31.xml><?xml version="1.0" encoding="utf-8"?>
+<file path=ppt/slides/slide32.xml><?xml version="1.0" encoding="utf-8"?>
 <p:sld xmlns:a="http://schemas.openxmlformats.org/drawingml/2006/main" xmlns:r="http://schemas.openxmlformats.org/officeDocument/2006/relationships" xmlns:p="http://schemas.openxmlformats.org/presentationml/2006/main">
   <p:cSld>
     <p:spTree>
@@ -27933,7 +28047,7 @@
 </p:sld>
 </file>
 
-<file path=ppt/slides/slide32.xml><?xml version="1.0" encoding="utf-8"?>
+<file path=ppt/slides/slide33.xml><?xml version="1.0" encoding="utf-8"?>
 <p:sld xmlns:a="http://schemas.openxmlformats.org/drawingml/2006/main" xmlns:r="http://schemas.openxmlformats.org/officeDocument/2006/relationships" xmlns:p="http://schemas.openxmlformats.org/presentationml/2006/main">
   <p:cSld>
     <p:spTree>
@@ -28754,7 +28868,7 @@
 </p:sld>
 </file>
 
-<file path=ppt/slides/slide33.xml><?xml version="1.0" encoding="utf-8"?>
+<file path=ppt/slides/slide34.xml><?xml version="1.0" encoding="utf-8"?>
 <p:sld xmlns:a="http://schemas.openxmlformats.org/drawingml/2006/main" xmlns:r="http://schemas.openxmlformats.org/officeDocument/2006/relationships" xmlns:p="http://schemas.openxmlformats.org/presentationml/2006/main">
   <p:cSld>
     <p:spTree>
@@ -28918,6 +29032,407 @@
 </file>
 
 <file path=ppt/slides/slide4.xml><?xml version="1.0" encoding="utf-8"?>
+<p:sld xmlns:a="http://schemas.openxmlformats.org/drawingml/2006/main" xmlns:r="http://schemas.openxmlformats.org/officeDocument/2006/relationships" xmlns:p="http://schemas.openxmlformats.org/presentationml/2006/main">
+  <p:cSld>
+    <p:spTree>
+      <p:nvGrpSpPr>
+        <p:cNvPr id="1" name=""/>
+        <p:cNvGrpSpPr/>
+        <p:nvPr/>
+      </p:nvGrpSpPr>
+      <p:grpSpPr>
+        <a:xfrm>
+          <a:off x="0" y="0"/>
+          <a:ext cx="0" cy="0"/>
+          <a:chOff x="0" y="0"/>
+          <a:chExt cx="0" cy="0"/>
+        </a:xfrm>
+      </p:grpSpPr>
+      <p:sp>
+        <p:nvSpPr>
+          <p:cNvPr id="3" name="Title 2">
+            <a:extLst>
+              <a:ext uri="{FF2B5EF4-FFF2-40B4-BE49-F238E27FC236}">
+                <a16:creationId xmlns:a16="http://schemas.microsoft.com/office/drawing/2014/main" id="{9323871C-7CA8-1448-8FFC-1AE6E1838941}"/>
+              </a:ext>
+            </a:extLst>
+          </p:cNvPr>
+          <p:cNvSpPr>
+            <a:spLocks noGrp="1"/>
+          </p:cNvSpPr>
+          <p:nvPr>
+            <p:ph type="title"/>
+          </p:nvPr>
+        </p:nvSpPr>
+        <p:spPr/>
+        <p:txBody>
+          <a:bodyPr/>
+          <a:lstStyle/>
+          <a:p>
+            <a:r>
+              <a:rPr lang="en-US" dirty="0"/>
+              <a:t>Discussion Question</a:t>
+            </a:r>
+          </a:p>
+        </p:txBody>
+      </p:sp>
+      <p:sp>
+        <p:nvSpPr>
+          <p:cNvPr id="4" name="Text Placeholder 3">
+            <a:extLst>
+              <a:ext uri="{FF2B5EF4-FFF2-40B4-BE49-F238E27FC236}">
+                <a16:creationId xmlns:a16="http://schemas.microsoft.com/office/drawing/2014/main" id="{5E600BA7-FA45-884F-9820-9E5F2CB7AA48}"/>
+              </a:ext>
+            </a:extLst>
+          </p:cNvPr>
+          <p:cNvSpPr>
+            <a:spLocks noGrp="1"/>
+          </p:cNvSpPr>
+          <p:nvPr>
+            <p:ph type="body" idx="1"/>
+          </p:nvPr>
+        </p:nvSpPr>
+        <p:spPr/>
+        <p:txBody>
+          <a:bodyPr/>
+          <a:lstStyle/>
+          <a:p>
+            <a:pPr marL="76200" indent="0" algn="ctr">
+              <a:buNone/>
+            </a:pPr>
+            <a:r>
+              <a:rPr lang="en-US" sz="3600" dirty="0"/>
+              <a:t>What model selection strategy is your group considering for the Donors Choose project?</a:t>
+            </a:r>
+          </a:p>
+        </p:txBody>
+      </p:sp>
+      <p:sp>
+        <p:nvSpPr>
+          <p:cNvPr id="5" name="Text Placeholder 3">
+            <a:extLst>
+              <a:ext uri="{FF2B5EF4-FFF2-40B4-BE49-F238E27FC236}">
+                <a16:creationId xmlns:a16="http://schemas.microsoft.com/office/drawing/2014/main" id="{0CF60459-98F0-E844-AFCC-DC0705B0478D}"/>
+              </a:ext>
+            </a:extLst>
+          </p:cNvPr>
+          <p:cNvSpPr txBox="1">
+            <a:spLocks/>
+          </p:cNvSpPr>
+          <p:nvPr/>
+        </p:nvSpPr>
+        <p:spPr>
+          <a:xfrm>
+            <a:off x="3652513" y="3822585"/>
+            <a:ext cx="4886875" cy="2794571"/>
+          </a:xfrm>
+          <a:prstGeom prst="rect">
+            <a:avLst/>
+          </a:prstGeom>
+          <a:noFill/>
+          <a:ln>
+            <a:noFill/>
+          </a:ln>
+        </p:spPr>
+        <p:txBody>
+          <a:bodyPr spcFirstLastPara="1" wrap="none" lIns="121900" tIns="121900" rIns="121900" bIns="121900" rtlCol="0" anchor="t" anchorCtr="0">
+            <a:spAutoFit/>
+          </a:bodyPr>
+          <a:lstStyle>
+            <a:defPPr marR="0" lvl="0" algn="l" rtl="0">
+              <a:lnSpc>
+                <a:spcPct val="100000"/>
+              </a:lnSpc>
+              <a:spcBef>
+                <a:spcPts val="0"/>
+              </a:spcBef>
+              <a:spcAft>
+                <a:spcPts val="0"/>
+              </a:spcAft>
+            </a:defPPr>
+            <a:lvl1pPr marL="457200" marR="0" lvl="0" indent="-381000" algn="l" rtl="0">
+              <a:lnSpc>
+                <a:spcPct val="115000"/>
+              </a:lnSpc>
+              <a:spcBef>
+                <a:spcPts val="0"/>
+              </a:spcBef>
+              <a:spcAft>
+                <a:spcPts val="0"/>
+              </a:spcAft>
+              <a:buClr>
+                <a:srgbClr val="434343"/>
+              </a:buClr>
+              <a:buSzPts val="2400"/>
+              <a:buFont typeface="Arial"/>
+              <a:buChar char="●"/>
+              <a:defRPr sz="2400" b="0" i="0" u="none" strike="noStrike" cap="none">
+                <a:solidFill>
+                  <a:srgbClr val="434343"/>
+                </a:solidFill>
+                <a:latin typeface="Arial"/>
+                <a:ea typeface="Arial"/>
+                <a:cs typeface="Arial"/>
+                <a:sym typeface="Arial"/>
+              </a:defRPr>
+            </a:lvl1pPr>
+            <a:lvl2pPr marL="914400" marR="0" lvl="1" indent="-349250" algn="l" rtl="0">
+              <a:lnSpc>
+                <a:spcPct val="115000"/>
+              </a:lnSpc>
+              <a:spcBef>
+                <a:spcPts val="2100"/>
+              </a:spcBef>
+              <a:spcAft>
+                <a:spcPts val="0"/>
+              </a:spcAft>
+              <a:buClr>
+                <a:srgbClr val="434343"/>
+              </a:buClr>
+              <a:buSzPts val="1900"/>
+              <a:buFont typeface="Arial"/>
+              <a:buChar char="○"/>
+              <a:defRPr sz="1900" b="0" i="0" u="none" strike="noStrike" cap="none">
+                <a:solidFill>
+                  <a:srgbClr val="434343"/>
+                </a:solidFill>
+                <a:latin typeface="Arial"/>
+                <a:ea typeface="Arial"/>
+                <a:cs typeface="Arial"/>
+                <a:sym typeface="Arial"/>
+              </a:defRPr>
+            </a:lvl2pPr>
+            <a:lvl3pPr marL="1371600" marR="0" lvl="2" indent="-349250" algn="l" rtl="0">
+              <a:lnSpc>
+                <a:spcPct val="115000"/>
+              </a:lnSpc>
+              <a:spcBef>
+                <a:spcPts val="2100"/>
+              </a:spcBef>
+              <a:spcAft>
+                <a:spcPts val="0"/>
+              </a:spcAft>
+              <a:buClr>
+                <a:srgbClr val="434343"/>
+              </a:buClr>
+              <a:buSzPts val="1900"/>
+              <a:buFont typeface="Arial"/>
+              <a:buChar char="■"/>
+              <a:defRPr sz="1900" b="0" i="0" u="none" strike="noStrike" cap="none">
+                <a:solidFill>
+                  <a:srgbClr val="434343"/>
+                </a:solidFill>
+                <a:latin typeface="Arial"/>
+                <a:ea typeface="Arial"/>
+                <a:cs typeface="Arial"/>
+                <a:sym typeface="Arial"/>
+              </a:defRPr>
+            </a:lvl3pPr>
+            <a:lvl4pPr marL="1828800" marR="0" lvl="3" indent="-349250" algn="l" rtl="0">
+              <a:lnSpc>
+                <a:spcPct val="115000"/>
+              </a:lnSpc>
+              <a:spcBef>
+                <a:spcPts val="2100"/>
+              </a:spcBef>
+              <a:spcAft>
+                <a:spcPts val="0"/>
+              </a:spcAft>
+              <a:buClr>
+                <a:srgbClr val="434343"/>
+              </a:buClr>
+              <a:buSzPts val="1900"/>
+              <a:buFont typeface="Arial"/>
+              <a:buChar char="●"/>
+              <a:defRPr sz="1900" b="0" i="0" u="none" strike="noStrike" cap="none">
+                <a:solidFill>
+                  <a:srgbClr val="434343"/>
+                </a:solidFill>
+                <a:latin typeface="Arial"/>
+                <a:ea typeface="Arial"/>
+                <a:cs typeface="Arial"/>
+                <a:sym typeface="Arial"/>
+              </a:defRPr>
+            </a:lvl4pPr>
+            <a:lvl5pPr marL="2286000" marR="0" lvl="4" indent="-349250" algn="l" rtl="0">
+              <a:lnSpc>
+                <a:spcPct val="115000"/>
+              </a:lnSpc>
+              <a:spcBef>
+                <a:spcPts val="2100"/>
+              </a:spcBef>
+              <a:spcAft>
+                <a:spcPts val="0"/>
+              </a:spcAft>
+              <a:buClr>
+                <a:srgbClr val="434343"/>
+              </a:buClr>
+              <a:buSzPts val="1900"/>
+              <a:buFont typeface="Arial"/>
+              <a:buChar char="○"/>
+              <a:defRPr sz="1900" b="0" i="0" u="none" strike="noStrike" cap="none">
+                <a:solidFill>
+                  <a:srgbClr val="434343"/>
+                </a:solidFill>
+                <a:latin typeface="Arial"/>
+                <a:ea typeface="Arial"/>
+                <a:cs typeface="Arial"/>
+                <a:sym typeface="Arial"/>
+              </a:defRPr>
+            </a:lvl5pPr>
+            <a:lvl6pPr marL="2743200" marR="0" lvl="5" indent="-349250" algn="l" rtl="0">
+              <a:lnSpc>
+                <a:spcPct val="115000"/>
+              </a:lnSpc>
+              <a:spcBef>
+                <a:spcPts val="2100"/>
+              </a:spcBef>
+              <a:spcAft>
+                <a:spcPts val="0"/>
+              </a:spcAft>
+              <a:buClr>
+                <a:srgbClr val="434343"/>
+              </a:buClr>
+              <a:buSzPts val="1900"/>
+              <a:buFont typeface="Arial"/>
+              <a:buChar char="■"/>
+              <a:defRPr sz="1900" b="0" i="0" u="none" strike="noStrike" cap="none">
+                <a:solidFill>
+                  <a:srgbClr val="434343"/>
+                </a:solidFill>
+                <a:latin typeface="Arial"/>
+                <a:ea typeface="Arial"/>
+                <a:cs typeface="Arial"/>
+                <a:sym typeface="Arial"/>
+              </a:defRPr>
+            </a:lvl6pPr>
+            <a:lvl7pPr marL="3200400" marR="0" lvl="6" indent="-349250" algn="l" rtl="0">
+              <a:lnSpc>
+                <a:spcPct val="115000"/>
+              </a:lnSpc>
+              <a:spcBef>
+                <a:spcPts val="2100"/>
+              </a:spcBef>
+              <a:spcAft>
+                <a:spcPts val="0"/>
+              </a:spcAft>
+              <a:buClr>
+                <a:srgbClr val="434343"/>
+              </a:buClr>
+              <a:buSzPts val="1900"/>
+              <a:buFont typeface="Arial"/>
+              <a:buChar char="●"/>
+              <a:defRPr sz="1900" b="0" i="0" u="none" strike="noStrike" cap="none">
+                <a:solidFill>
+                  <a:srgbClr val="434343"/>
+                </a:solidFill>
+                <a:latin typeface="Arial"/>
+                <a:ea typeface="Arial"/>
+                <a:cs typeface="Arial"/>
+                <a:sym typeface="Arial"/>
+              </a:defRPr>
+            </a:lvl7pPr>
+            <a:lvl8pPr marL="3657600" marR="0" lvl="7" indent="-349250" algn="l" rtl="0">
+              <a:lnSpc>
+                <a:spcPct val="115000"/>
+              </a:lnSpc>
+              <a:spcBef>
+                <a:spcPts val="2100"/>
+              </a:spcBef>
+              <a:spcAft>
+                <a:spcPts val="0"/>
+              </a:spcAft>
+              <a:buClr>
+                <a:srgbClr val="434343"/>
+              </a:buClr>
+              <a:buSzPts val="1900"/>
+              <a:buFont typeface="Arial"/>
+              <a:buChar char="○"/>
+              <a:defRPr sz="1900" b="0" i="0" u="none" strike="noStrike" cap="none">
+                <a:solidFill>
+                  <a:srgbClr val="434343"/>
+                </a:solidFill>
+                <a:latin typeface="Arial"/>
+                <a:ea typeface="Arial"/>
+                <a:cs typeface="Arial"/>
+                <a:sym typeface="Arial"/>
+              </a:defRPr>
+            </a:lvl8pPr>
+            <a:lvl9pPr marL="4114800" marR="0" lvl="8" indent="-349250" algn="l" rtl="0">
+              <a:lnSpc>
+                <a:spcPct val="115000"/>
+              </a:lnSpc>
+              <a:spcBef>
+                <a:spcPts val="2100"/>
+              </a:spcBef>
+              <a:spcAft>
+                <a:spcPts val="2100"/>
+              </a:spcAft>
+              <a:buClr>
+                <a:srgbClr val="434343"/>
+              </a:buClr>
+              <a:buSzPts val="1900"/>
+              <a:buFont typeface="Arial"/>
+              <a:buChar char="■"/>
+              <a:defRPr sz="1900" b="0" i="0" u="none" strike="noStrike" cap="none">
+                <a:solidFill>
+                  <a:srgbClr val="434343"/>
+                </a:solidFill>
+                <a:latin typeface="Arial"/>
+                <a:ea typeface="Arial"/>
+                <a:cs typeface="Arial"/>
+                <a:sym typeface="Arial"/>
+              </a:defRPr>
+            </a:lvl9pPr>
+          </a:lstStyle>
+          <a:p>
+            <a:pPr marL="114300" indent="0" algn="ctr">
+              <a:buFont typeface="Arial"/>
+              <a:buNone/>
+            </a:pPr>
+            <a:r>
+              <a:rPr lang="en-US" sz="4800" dirty="0" err="1"/>
+              <a:t>sli.do</a:t>
+            </a:r>
+            <a:r>
+              <a:rPr lang="en-US" sz="4800" dirty="0"/>
+              <a:t>      #10718</a:t>
+            </a:r>
+          </a:p>
+          <a:p>
+            <a:pPr algn="ctr"/>
+            <a:endParaRPr lang="en-US" sz="4800" dirty="0"/>
+          </a:p>
+          <a:p>
+            <a:pPr marL="114300" indent="0" algn="ctr">
+              <a:buFont typeface="Arial"/>
+              <a:buNone/>
+            </a:pPr>
+            <a:r>
+              <a:rPr lang="en-US" sz="4800" dirty="0" err="1"/>
+              <a:t>sli.do</a:t>
+            </a:r>
+            <a:r>
+              <a:rPr lang="en-US" sz="4800" dirty="0"/>
+              <a:t>/10718</a:t>
+            </a:r>
+          </a:p>
+        </p:txBody>
+      </p:sp>
+    </p:spTree>
+    <p:extLst>
+      <p:ext uri="{BB962C8B-B14F-4D97-AF65-F5344CB8AC3E}">
+        <p14:creationId xmlns:p14="http://schemas.microsoft.com/office/powerpoint/2010/main" val="584125031"/>
+      </p:ext>
+    </p:extLst>
+  </p:cSld>
+  <p:clrMapOvr>
+    <a:masterClrMapping/>
+  </p:clrMapOvr>
+</p:sld>
+</file>
+
+<file path=ppt/slides/slide5.xml><?xml version="1.0" encoding="utf-8"?>
 <p:sld xmlns:a="http://schemas.openxmlformats.org/drawingml/2006/main" xmlns:r="http://schemas.openxmlformats.org/officeDocument/2006/relationships" xmlns:p="http://schemas.openxmlformats.org/presentationml/2006/main" show="0">
   <p:cSld>
     <p:spTree>
@@ -29048,7 +29563,7 @@
 </p:sld>
 </file>
 
-<file path=ppt/slides/slide5.xml><?xml version="1.0" encoding="utf-8"?>
+<file path=ppt/slides/slide6.xml><?xml version="1.0" encoding="utf-8"?>
 <p:sld xmlns:a="http://schemas.openxmlformats.org/drawingml/2006/main" xmlns:r="http://schemas.openxmlformats.org/officeDocument/2006/relationships" xmlns:p="http://schemas.openxmlformats.org/presentationml/2006/main">
   <p:cSld>
     <p:spTree>
@@ -29177,7 +29692,7 @@
 </p:sld>
 </file>
 
-<file path=ppt/slides/slide6.xml><?xml version="1.0" encoding="utf-8"?>
+<file path=ppt/slides/slide7.xml><?xml version="1.0" encoding="utf-8"?>
 <p:sld xmlns:a="http://schemas.openxmlformats.org/drawingml/2006/main" xmlns:r="http://schemas.openxmlformats.org/officeDocument/2006/relationships" xmlns:p="http://schemas.openxmlformats.org/presentationml/2006/main">
   <p:cSld>
     <p:spTree>
@@ -29260,7 +29775,7 @@
 </p:sld>
 </file>
 
-<file path=ppt/slides/slide7.xml><?xml version="1.0" encoding="utf-8"?>
+<file path=ppt/slides/slide8.xml><?xml version="1.0" encoding="utf-8"?>
 <p:sld xmlns:a="http://schemas.openxmlformats.org/drawingml/2006/main" xmlns:r="http://schemas.openxmlformats.org/officeDocument/2006/relationships" xmlns:p="http://schemas.openxmlformats.org/presentationml/2006/main">
   <p:cSld>
     <p:spTree>
@@ -29370,7 +29885,7 @@
 </p:sld>
 </file>
 
-<file path=ppt/slides/slide8.xml><?xml version="1.0" encoding="utf-8"?>
+<file path=ppt/slides/slide9.xml><?xml version="1.0" encoding="utf-8"?>
 <p:sld xmlns:a="http://schemas.openxmlformats.org/drawingml/2006/main" xmlns:r="http://schemas.openxmlformats.org/officeDocument/2006/relationships" xmlns:p="http://schemas.openxmlformats.org/presentationml/2006/main">
   <p:cSld>
     <p:spTree>
@@ -29444,107 +29959,6 @@
     <p:extLst>
       <p:ext uri="{BB962C8B-B14F-4D97-AF65-F5344CB8AC3E}">
         <p14:creationId xmlns:p14="http://schemas.microsoft.com/office/powerpoint/2010/main" val="3250978397"/>
-      </p:ext>
-    </p:extLst>
-  </p:cSld>
-  <p:clrMapOvr>
-    <a:masterClrMapping/>
-  </p:clrMapOvr>
-</p:sld>
-</file>
-
-<file path=ppt/slides/slide9.xml><?xml version="1.0" encoding="utf-8"?>
-<p:sld xmlns:a="http://schemas.openxmlformats.org/drawingml/2006/main" xmlns:r="http://schemas.openxmlformats.org/officeDocument/2006/relationships" xmlns:p="http://schemas.openxmlformats.org/presentationml/2006/main">
-  <p:cSld>
-    <p:spTree>
-      <p:nvGrpSpPr>
-        <p:cNvPr id="1" name=""/>
-        <p:cNvGrpSpPr/>
-        <p:nvPr/>
-      </p:nvGrpSpPr>
-      <p:grpSpPr>
-        <a:xfrm>
-          <a:off x="0" y="0"/>
-          <a:ext cx="0" cy="0"/>
-          <a:chOff x="0" y="0"/>
-          <a:chExt cx="0" cy="0"/>
-        </a:xfrm>
-      </p:grpSpPr>
-      <p:sp>
-        <p:nvSpPr>
-          <p:cNvPr id="3" name="Title 2"/>
-          <p:cNvSpPr>
-            <a:spLocks noGrp="1"/>
-          </p:cNvSpPr>
-          <p:nvPr>
-            <p:ph type="title"/>
-          </p:nvPr>
-        </p:nvSpPr>
-        <p:spPr/>
-        <p:txBody>
-          <a:bodyPr/>
-          <a:lstStyle/>
-          <a:p>
-            <a:r>
-              <a:rPr lang="en-US" dirty="0"/>
-              <a:t>What is the goal of model selection?</a:t>
-            </a:r>
-          </a:p>
-        </p:txBody>
-      </p:sp>
-      <p:sp>
-        <p:nvSpPr>
-          <p:cNvPr id="2" name="Content Placeholder 1"/>
-          <p:cNvSpPr>
-            <a:spLocks noGrp="1"/>
-          </p:cNvSpPr>
-          <p:nvPr>
-            <p:ph type="body" idx="1"/>
-          </p:nvPr>
-        </p:nvSpPr>
-        <p:spPr/>
-        <p:txBody>
-          <a:bodyPr/>
-          <a:lstStyle/>
-          <a:p>
-            <a:r>
-              <a:rPr lang="en-US" sz="2800" dirty="0"/>
-              <a:t>You’ve run a large number of different types of models varying model types, hyperparameters, features, … (other decisions in the pipeline)</a:t>
-            </a:r>
-          </a:p>
-          <a:p>
-            <a:endParaRPr lang="en-US" sz="2800" dirty="0"/>
-          </a:p>
-          <a:p>
-            <a:r>
-              <a:rPr lang="en-US" sz="2800" dirty="0"/>
-              <a:t>Now we need to </a:t>
-            </a:r>
-          </a:p>
-          <a:p>
-            <a:pPr lvl="1"/>
-            <a:r>
-              <a:rPr lang="en-US" sz="2800" dirty="0"/>
-              <a:t>Understand what types of models are effective under what circumstances</a:t>
-            </a:r>
-          </a:p>
-          <a:p>
-            <a:pPr lvl="1"/>
-            <a:r>
-              <a:rPr lang="en-US" sz="2800" dirty="0"/>
-              <a:t>Decide which one(s) to use in the </a:t>
-            </a:r>
-            <a:r>
-              <a:rPr lang="en-US" sz="2800" b="1" dirty="0"/>
-              <a:t>future</a:t>
-            </a:r>
-          </a:p>
-        </p:txBody>
-      </p:sp>
-    </p:spTree>
-    <p:extLst>
-      <p:ext uri="{BB962C8B-B14F-4D97-AF65-F5344CB8AC3E}">
-        <p14:creationId xmlns:p14="http://schemas.microsoft.com/office/powerpoint/2010/main" val="423896287"/>
       </p:ext>
     </p:extLst>
   </p:cSld>

--- a/Lectures/Lecture5-ModelSelection.pptx
+++ b/Lectures/Lecture5-ModelSelection.pptx
@@ -6,7 +6,7 @@
     <p:sldMasterId id="2147483660" r:id="rId2"/>
   </p:sldMasterIdLst>
   <p:notesMasterIdLst>
-    <p:notesMasterId r:id="rId37"/>
+    <p:notesMasterId r:id="rId41"/>
   </p:notesMasterIdLst>
   <p:sldIdLst>
     <p:sldId id="256" r:id="rId3"/>
@@ -29,20 +29,24 @@
     <p:sldId id="480" r:id="rId20"/>
     <p:sldId id="481" r:id="rId21"/>
     <p:sldId id="482" r:id="rId22"/>
-    <p:sldId id="483" r:id="rId23"/>
-    <p:sldId id="489" r:id="rId24"/>
-    <p:sldId id="487" r:id="rId25"/>
-    <p:sldId id="488" r:id="rId26"/>
-    <p:sldId id="289" r:id="rId27"/>
-    <p:sldId id="290" r:id="rId28"/>
-    <p:sldId id="291" r:id="rId29"/>
-    <p:sldId id="292" r:id="rId30"/>
-    <p:sldId id="293" r:id="rId31"/>
-    <p:sldId id="469" r:id="rId32"/>
-    <p:sldId id="470" r:id="rId33"/>
-    <p:sldId id="296" r:id="rId34"/>
-    <p:sldId id="454" r:id="rId35"/>
-    <p:sldId id="484" r:id="rId36"/>
+    <p:sldId id="493" r:id="rId23"/>
+    <p:sldId id="494" r:id="rId24"/>
+    <p:sldId id="495" r:id="rId25"/>
+    <p:sldId id="496" r:id="rId26"/>
+    <p:sldId id="483" r:id="rId27"/>
+    <p:sldId id="489" r:id="rId28"/>
+    <p:sldId id="487" r:id="rId29"/>
+    <p:sldId id="488" r:id="rId30"/>
+    <p:sldId id="289" r:id="rId31"/>
+    <p:sldId id="290" r:id="rId32"/>
+    <p:sldId id="291" r:id="rId33"/>
+    <p:sldId id="292" r:id="rId34"/>
+    <p:sldId id="293" r:id="rId35"/>
+    <p:sldId id="469" r:id="rId36"/>
+    <p:sldId id="470" r:id="rId37"/>
+    <p:sldId id="296" r:id="rId38"/>
+    <p:sldId id="454" r:id="rId39"/>
+    <p:sldId id="484" r:id="rId40"/>
   </p:sldIdLst>
   <p:sldSz cx="12192000" cy="6858000"/>
   <p:notesSz cx="6858000" cy="9144000"/>
@@ -280,7 +284,7 @@
       <p15:sldGuideLst xmlns:p15="http://schemas.microsoft.com/office/powerpoint/2012/main"/>
     </p:ext>
     <p:ext uri="http://customooxmlschemas.google.com/">
-      <go:slidesCustomData xmlns:go="http://customooxmlschemas.google.com/" xmlns:p15="http://schemas.microsoft.com/office/powerpoint/2012/main" xmlns:p14="http://schemas.microsoft.com/office/powerpoint/2010/main" xmlns:com="http://schemas.openxmlformats.org/drawingml/2006/compatibility" xmlns:pvml="urn:schemas-microsoft-com:office:powerpoint" xmlns:v="urn:schemas-microsoft-com:vml" xmlns:o="urn:schemas-microsoft-com:office:office" xmlns:dgm="http://schemas.openxmlformats.org/drawingml/2006/diagram" xmlns:c="http://schemas.openxmlformats.org/drawingml/2006/chart" xmlns:mv="urn:schemas-microsoft-com:mac:vml" xmlns:mc="http://schemas.openxmlformats.org/markup-compatibility/2006" xmlns="" r:id="rId40" roundtripDataSignature="AMtx7mjFyVUGRZWio+dc9dxzYsimUxNJbg=="/>
+      <go:slidesCustomData xmlns="" xmlns:mc="http://schemas.openxmlformats.org/markup-compatibility/2006" xmlns:mv="urn:schemas-microsoft-com:mac:vml" xmlns:c="http://schemas.openxmlformats.org/drawingml/2006/chart" xmlns:dgm="http://schemas.openxmlformats.org/drawingml/2006/diagram" xmlns:o="urn:schemas-microsoft-com:office:office" xmlns:v="urn:schemas-microsoft-com:vml" xmlns:pvml="urn:schemas-microsoft-com:office:powerpoint" xmlns:com="http://schemas.openxmlformats.org/drawingml/2006/compatibility" xmlns:p14="http://schemas.microsoft.com/office/powerpoint/2010/main" xmlns:p15="http://schemas.microsoft.com/office/powerpoint/2012/main" xmlns:go="http://customooxmlschemas.google.com/" r:id="rId42" roundtripDataSignature="AMtx7mjFyVUGRZWio+dc9dxzYsimUxNJbg=="/>
     </p:ext>
   </p:extLst>
 </p:presentation>
@@ -6588,6 +6592,224 @@
 </p:notes>
 </file>
 
+<file path=ppt/notesSlides/notesSlide2.xml><?xml version="1.0" encoding="utf-8"?>
+<p:notes xmlns:a="http://schemas.openxmlformats.org/drawingml/2006/main" xmlns:r="http://schemas.openxmlformats.org/officeDocument/2006/relationships" xmlns:p="http://schemas.openxmlformats.org/presentationml/2006/main" showMasterSp="0" showMasterPhAnim="0">
+  <p:cSld>
+    <p:spTree>
+      <p:nvGrpSpPr>
+        <p:cNvPr id="1" name="Shape 199"/>
+        <p:cNvGrpSpPr/>
+        <p:nvPr/>
+      </p:nvGrpSpPr>
+      <p:grpSpPr>
+        <a:xfrm>
+          <a:off x="0" y="0"/>
+          <a:ext cx="0" cy="0"/>
+          <a:chOff x="0" y="0"/>
+          <a:chExt cx="0" cy="0"/>
+        </a:xfrm>
+      </p:grpSpPr>
+      <p:sp>
+        <p:nvSpPr>
+          <p:cNvPr id="200" name="Google Shape;200;g13a827b83f3_1_5:notes"/>
+          <p:cNvSpPr>
+            <a:spLocks noGrp="1" noRot="1" noChangeAspect="1"/>
+          </p:cNvSpPr>
+          <p:nvPr>
+            <p:ph type="sldImg" idx="2"/>
+          </p:nvPr>
+        </p:nvSpPr>
+        <p:spPr>
+          <a:xfrm>
+            <a:off x="381000" y="685800"/>
+            <a:ext cx="6096000" cy="3429000"/>
+          </a:xfrm>
+          <a:custGeom>
+            <a:avLst/>
+            <a:gdLst/>
+            <a:ahLst/>
+            <a:cxnLst/>
+            <a:rect l="l" t="t" r="r" b="b"/>
+            <a:pathLst>
+              <a:path w="120000" h="120000" extrusionOk="0">
+                <a:moveTo>
+                  <a:pt x="0" y="0"/>
+                </a:moveTo>
+                <a:lnTo>
+                  <a:pt x="120000" y="0"/>
+                </a:lnTo>
+                <a:lnTo>
+                  <a:pt x="120000" y="120000"/>
+                </a:lnTo>
+                <a:lnTo>
+                  <a:pt x="0" y="120000"/>
+                </a:lnTo>
+                <a:close/>
+              </a:path>
+            </a:pathLst>
+          </a:custGeom>
+        </p:spPr>
+      </p:sp>
+      <p:sp>
+        <p:nvSpPr>
+          <p:cNvPr id="201" name="Google Shape;201;g13a827b83f3_1_5:notes"/>
+          <p:cNvSpPr txBox="1">
+            <a:spLocks noGrp="1"/>
+          </p:cNvSpPr>
+          <p:nvPr>
+            <p:ph type="body" idx="1"/>
+          </p:nvPr>
+        </p:nvSpPr>
+        <p:spPr>
+          <a:xfrm>
+            <a:off x="685800" y="4343400"/>
+            <a:ext cx="5486400" cy="4114800"/>
+          </a:xfrm>
+          <a:prstGeom prst="rect">
+            <a:avLst/>
+          </a:prstGeom>
+        </p:spPr>
+        <p:txBody>
+          <a:bodyPr spcFirstLastPara="1" wrap="square" lIns="91425" tIns="91425" rIns="91425" bIns="91425" anchor="t" anchorCtr="0">
+            <a:noAutofit/>
+          </a:bodyPr>
+          <a:lstStyle/>
+          <a:p>
+            <a:pPr marL="0" lvl="0" indent="0" algn="l" rtl="0">
+              <a:spcBef>
+                <a:spcPts val="0"/>
+              </a:spcBef>
+              <a:spcAft>
+                <a:spcPts val="0"/>
+              </a:spcAft>
+              <a:buNone/>
+            </a:pPr>
+            <a:endParaRPr/>
+          </a:p>
+        </p:txBody>
+      </p:sp>
+    </p:spTree>
+    <p:extLst>
+      <p:ext uri="{BB962C8B-B14F-4D97-AF65-F5344CB8AC3E}">
+        <p14:creationId xmlns:p14="http://schemas.microsoft.com/office/powerpoint/2010/main" val="342831109"/>
+      </p:ext>
+    </p:extLst>
+  </p:cSld>
+  <p:clrMapOvr>
+    <a:masterClrMapping/>
+  </p:clrMapOvr>
+</p:notes>
+</file>
+
+<file path=ppt/notesSlides/notesSlide3.xml><?xml version="1.0" encoding="utf-8"?>
+<p:notes xmlns:a="http://schemas.openxmlformats.org/drawingml/2006/main" xmlns:r="http://schemas.openxmlformats.org/officeDocument/2006/relationships" xmlns:p="http://schemas.openxmlformats.org/presentationml/2006/main" showMasterSp="0" showMasterPhAnim="0">
+  <p:cSld>
+    <p:spTree>
+      <p:nvGrpSpPr>
+        <p:cNvPr id="1" name="Shape 199"/>
+        <p:cNvGrpSpPr/>
+        <p:nvPr/>
+      </p:nvGrpSpPr>
+      <p:grpSpPr>
+        <a:xfrm>
+          <a:off x="0" y="0"/>
+          <a:ext cx="0" cy="0"/>
+          <a:chOff x="0" y="0"/>
+          <a:chExt cx="0" cy="0"/>
+        </a:xfrm>
+      </p:grpSpPr>
+      <p:sp>
+        <p:nvSpPr>
+          <p:cNvPr id="200" name="Google Shape;200;g13a827b83f3_1_5:notes"/>
+          <p:cNvSpPr>
+            <a:spLocks noGrp="1" noRot="1" noChangeAspect="1"/>
+          </p:cNvSpPr>
+          <p:nvPr>
+            <p:ph type="sldImg" idx="2"/>
+          </p:nvPr>
+        </p:nvSpPr>
+        <p:spPr>
+          <a:xfrm>
+            <a:off x="381000" y="685800"/>
+            <a:ext cx="6096000" cy="3429000"/>
+          </a:xfrm>
+          <a:custGeom>
+            <a:avLst/>
+            <a:gdLst/>
+            <a:ahLst/>
+            <a:cxnLst/>
+            <a:rect l="l" t="t" r="r" b="b"/>
+            <a:pathLst>
+              <a:path w="120000" h="120000" extrusionOk="0">
+                <a:moveTo>
+                  <a:pt x="0" y="0"/>
+                </a:moveTo>
+                <a:lnTo>
+                  <a:pt x="120000" y="0"/>
+                </a:lnTo>
+                <a:lnTo>
+                  <a:pt x="120000" y="120000"/>
+                </a:lnTo>
+                <a:lnTo>
+                  <a:pt x="0" y="120000"/>
+                </a:lnTo>
+                <a:close/>
+              </a:path>
+            </a:pathLst>
+          </a:custGeom>
+        </p:spPr>
+      </p:sp>
+      <p:sp>
+        <p:nvSpPr>
+          <p:cNvPr id="201" name="Google Shape;201;g13a827b83f3_1_5:notes"/>
+          <p:cNvSpPr txBox="1">
+            <a:spLocks noGrp="1"/>
+          </p:cNvSpPr>
+          <p:nvPr>
+            <p:ph type="body" idx="1"/>
+          </p:nvPr>
+        </p:nvSpPr>
+        <p:spPr>
+          <a:xfrm>
+            <a:off x="685800" y="4343400"/>
+            <a:ext cx="5486400" cy="4114800"/>
+          </a:xfrm>
+          <a:prstGeom prst="rect">
+            <a:avLst/>
+          </a:prstGeom>
+        </p:spPr>
+        <p:txBody>
+          <a:bodyPr spcFirstLastPara="1" wrap="square" lIns="91425" tIns="91425" rIns="91425" bIns="91425" anchor="t" anchorCtr="0">
+            <a:noAutofit/>
+          </a:bodyPr>
+          <a:lstStyle/>
+          <a:p>
+            <a:pPr marL="0" lvl="0" indent="0" algn="l" rtl="0">
+              <a:spcBef>
+                <a:spcPts val="0"/>
+              </a:spcBef>
+              <a:spcAft>
+                <a:spcPts val="0"/>
+              </a:spcAft>
+              <a:buNone/>
+            </a:pPr>
+            <a:endParaRPr/>
+          </a:p>
+        </p:txBody>
+      </p:sp>
+    </p:spTree>
+    <p:extLst>
+      <p:ext uri="{BB962C8B-B14F-4D97-AF65-F5344CB8AC3E}">
+        <p14:creationId xmlns:p14="http://schemas.microsoft.com/office/powerpoint/2010/main" val="3167519624"/>
+      </p:ext>
+    </p:extLst>
+  </p:cSld>
+  <p:clrMapOvr>
+    <a:masterClrMapping/>
+  </p:clrMapOvr>
+</p:notes>
+</file>
+
 <file path=ppt/slideLayouts/slideLayout1.xml><?xml version="1.0" encoding="utf-8"?>
 <p:sldLayout xmlns:a="http://schemas.openxmlformats.org/drawingml/2006/main" xmlns:r="http://schemas.openxmlformats.org/officeDocument/2006/relationships" xmlns:p="http://schemas.openxmlformats.org/presentationml/2006/main" matchingName="Title slide" type="title">
   <p:cSld name="TITLE">
@@ -6978,6 +7200,291 @@
 </file>
 
 <file path=ppt/slideLayouts/slideLayout10.xml><?xml version="1.0" encoding="utf-8"?>
+<p:sldLayout xmlns:a="http://schemas.openxmlformats.org/drawingml/2006/main" xmlns:r="http://schemas.openxmlformats.org/officeDocument/2006/relationships" xmlns:p="http://schemas.openxmlformats.org/presentationml/2006/main" type="twoObj" preserve="1">
+  <p:cSld name="Two Content">
+    <p:spTree>
+      <p:nvGrpSpPr>
+        <p:cNvPr id="1" name=""/>
+        <p:cNvGrpSpPr/>
+        <p:nvPr/>
+      </p:nvGrpSpPr>
+      <p:grpSpPr>
+        <a:xfrm>
+          <a:off x="0" y="0"/>
+          <a:ext cx="0" cy="0"/>
+          <a:chOff x="0" y="0"/>
+          <a:chExt cx="0" cy="0"/>
+        </a:xfrm>
+      </p:grpSpPr>
+      <p:sp>
+        <p:nvSpPr>
+          <p:cNvPr id="2" name="Title 1"/>
+          <p:cNvSpPr>
+            <a:spLocks noGrp="1"/>
+          </p:cNvSpPr>
+          <p:nvPr>
+            <p:ph type="title"/>
+          </p:nvPr>
+        </p:nvSpPr>
+        <p:spPr/>
+        <p:txBody>
+          <a:bodyPr/>
+          <a:lstStyle/>
+          <a:p>
+            <a:r>
+              <a:rPr lang="en-US"/>
+              <a:t>Click to edit Master title style</a:t>
+            </a:r>
+          </a:p>
+        </p:txBody>
+      </p:sp>
+      <p:sp>
+        <p:nvSpPr>
+          <p:cNvPr id="3" name="Content Placeholder 2"/>
+          <p:cNvSpPr>
+            <a:spLocks noGrp="1"/>
+          </p:cNvSpPr>
+          <p:nvPr>
+            <p:ph sz="half" idx="1"/>
+          </p:nvPr>
+        </p:nvSpPr>
+        <p:spPr>
+          <a:xfrm>
+            <a:off x="609600" y="1600201"/>
+            <a:ext cx="5384800" cy="4525963"/>
+          </a:xfrm>
+        </p:spPr>
+        <p:txBody>
+          <a:bodyPr/>
+          <a:lstStyle>
+            <a:lvl1pPr>
+              <a:defRPr sz="2800"/>
+            </a:lvl1pPr>
+            <a:lvl2pPr>
+              <a:defRPr sz="2400"/>
+            </a:lvl2pPr>
+            <a:lvl3pPr>
+              <a:defRPr sz="2000"/>
+            </a:lvl3pPr>
+            <a:lvl4pPr>
+              <a:defRPr sz="1800"/>
+            </a:lvl4pPr>
+            <a:lvl5pPr>
+              <a:defRPr sz="1800"/>
+            </a:lvl5pPr>
+            <a:lvl6pPr>
+              <a:defRPr sz="1800"/>
+            </a:lvl6pPr>
+            <a:lvl7pPr>
+              <a:defRPr sz="1800"/>
+            </a:lvl7pPr>
+            <a:lvl8pPr>
+              <a:defRPr sz="1800"/>
+            </a:lvl8pPr>
+            <a:lvl9pPr>
+              <a:defRPr sz="1800"/>
+            </a:lvl9pPr>
+          </a:lstStyle>
+          <a:p>
+            <a:pPr lvl="0"/>
+            <a:r>
+              <a:rPr lang="en-US"/>
+              <a:t>Click to edit Master text styles</a:t>
+            </a:r>
+          </a:p>
+          <a:p>
+            <a:pPr lvl="1"/>
+            <a:r>
+              <a:rPr lang="en-US"/>
+              <a:t>Second level</a:t>
+            </a:r>
+          </a:p>
+          <a:p>
+            <a:pPr lvl="2"/>
+            <a:r>
+              <a:rPr lang="en-US"/>
+              <a:t>Third level</a:t>
+            </a:r>
+          </a:p>
+          <a:p>
+            <a:pPr lvl="3"/>
+            <a:r>
+              <a:rPr lang="en-US"/>
+              <a:t>Fourth level</a:t>
+            </a:r>
+          </a:p>
+          <a:p>
+            <a:pPr lvl="4"/>
+            <a:r>
+              <a:rPr lang="en-US"/>
+              <a:t>Fifth level</a:t>
+            </a:r>
+          </a:p>
+        </p:txBody>
+      </p:sp>
+      <p:sp>
+        <p:nvSpPr>
+          <p:cNvPr id="4" name="Content Placeholder 3"/>
+          <p:cNvSpPr>
+            <a:spLocks noGrp="1"/>
+          </p:cNvSpPr>
+          <p:nvPr>
+            <p:ph sz="half" idx="2"/>
+          </p:nvPr>
+        </p:nvSpPr>
+        <p:spPr>
+          <a:xfrm>
+            <a:off x="6197600" y="1600201"/>
+            <a:ext cx="5384800" cy="4525963"/>
+          </a:xfrm>
+        </p:spPr>
+        <p:txBody>
+          <a:bodyPr/>
+          <a:lstStyle>
+            <a:lvl1pPr>
+              <a:defRPr sz="2800"/>
+            </a:lvl1pPr>
+            <a:lvl2pPr>
+              <a:defRPr sz="2400"/>
+            </a:lvl2pPr>
+            <a:lvl3pPr>
+              <a:defRPr sz="2000"/>
+            </a:lvl3pPr>
+            <a:lvl4pPr>
+              <a:defRPr sz="1800"/>
+            </a:lvl4pPr>
+            <a:lvl5pPr>
+              <a:defRPr sz="1800"/>
+            </a:lvl5pPr>
+            <a:lvl6pPr>
+              <a:defRPr sz="1800"/>
+            </a:lvl6pPr>
+            <a:lvl7pPr>
+              <a:defRPr sz="1800"/>
+            </a:lvl7pPr>
+            <a:lvl8pPr>
+              <a:defRPr sz="1800"/>
+            </a:lvl8pPr>
+            <a:lvl9pPr>
+              <a:defRPr sz="1800"/>
+            </a:lvl9pPr>
+          </a:lstStyle>
+          <a:p>
+            <a:pPr lvl="0"/>
+            <a:r>
+              <a:rPr lang="en-US"/>
+              <a:t>Click to edit Master text styles</a:t>
+            </a:r>
+          </a:p>
+          <a:p>
+            <a:pPr lvl="1"/>
+            <a:r>
+              <a:rPr lang="en-US"/>
+              <a:t>Second level</a:t>
+            </a:r>
+          </a:p>
+          <a:p>
+            <a:pPr lvl="2"/>
+            <a:r>
+              <a:rPr lang="en-US"/>
+              <a:t>Third level</a:t>
+            </a:r>
+          </a:p>
+          <a:p>
+            <a:pPr lvl="3"/>
+            <a:r>
+              <a:rPr lang="en-US"/>
+              <a:t>Fourth level</a:t>
+            </a:r>
+          </a:p>
+          <a:p>
+            <a:pPr lvl="4"/>
+            <a:r>
+              <a:rPr lang="en-US"/>
+              <a:t>Fifth level</a:t>
+            </a:r>
+          </a:p>
+        </p:txBody>
+      </p:sp>
+      <p:sp>
+        <p:nvSpPr>
+          <p:cNvPr id="5" name="Date Placeholder 4"/>
+          <p:cNvSpPr>
+            <a:spLocks noGrp="1"/>
+          </p:cNvSpPr>
+          <p:nvPr>
+            <p:ph type="dt" sz="half" idx="10"/>
+          </p:nvPr>
+        </p:nvSpPr>
+        <p:spPr/>
+        <p:txBody>
+          <a:bodyPr/>
+          <a:lstStyle/>
+          <a:p>
+            <a:fld id="{7C0312F8-2DE2-6B40-83C5-731724CAE2B0}" type="datetimeFigureOut">
+              <a:rPr lang="en-US" smtClean="0"/>
+              <a:t>9/20/22</a:t>
+            </a:fld>
+            <a:endParaRPr lang="en-US"/>
+          </a:p>
+        </p:txBody>
+      </p:sp>
+      <p:sp>
+        <p:nvSpPr>
+          <p:cNvPr id="6" name="Footer Placeholder 5"/>
+          <p:cNvSpPr>
+            <a:spLocks noGrp="1"/>
+          </p:cNvSpPr>
+          <p:nvPr>
+            <p:ph type="ftr" sz="quarter" idx="11"/>
+          </p:nvPr>
+        </p:nvSpPr>
+        <p:spPr/>
+        <p:txBody>
+          <a:bodyPr/>
+          <a:lstStyle/>
+          <a:p>
+            <a:endParaRPr lang="en-US"/>
+          </a:p>
+        </p:txBody>
+      </p:sp>
+      <p:sp>
+        <p:nvSpPr>
+          <p:cNvPr id="7" name="Slide Number Placeholder 6"/>
+          <p:cNvSpPr>
+            <a:spLocks noGrp="1"/>
+          </p:cNvSpPr>
+          <p:nvPr>
+            <p:ph type="sldNum" sz="quarter" idx="12"/>
+          </p:nvPr>
+        </p:nvSpPr>
+        <p:spPr/>
+        <p:txBody>
+          <a:bodyPr/>
+          <a:lstStyle/>
+          <a:p>
+            <a:fld id="{901A5543-5B78-C749-93A6-E6A0D0050255}" type="slidenum">
+              <a:rPr lang="en-US" smtClean="0"/>
+              <a:t>‹#›</a:t>
+            </a:fld>
+            <a:endParaRPr lang="en-US"/>
+          </a:p>
+        </p:txBody>
+      </p:sp>
+    </p:spTree>
+    <p:extLst>
+      <p:ext uri="{BB962C8B-B14F-4D97-AF65-F5344CB8AC3E}">
+        <p14:creationId xmlns:p14="http://schemas.microsoft.com/office/powerpoint/2010/main" val="4203646594"/>
+      </p:ext>
+    </p:extLst>
+  </p:cSld>
+  <p:clrMapOvr>
+    <a:masterClrMapping/>
+  </p:clrMapOvr>
+</p:sldLayout>
+</file>
+
+<file path=ppt/slideLayouts/slideLayout11.xml><?xml version="1.0" encoding="utf-8"?>
 <p:sldLayout xmlns:a="http://schemas.openxmlformats.org/drawingml/2006/main" xmlns:r="http://schemas.openxmlformats.org/officeDocument/2006/relationships" xmlns:p="http://schemas.openxmlformats.org/presentationml/2006/main" type="twoTxTwoObj" preserve="1">
   <p:cSld name="Comparison">
     <p:spTree>
@@ -7335,7 +7842,7 @@
           <a:p>
             <a:fld id="{7C0312F8-2DE2-6B40-83C5-731724CAE2B0}" type="datetimeFigureOut">
               <a:rPr lang="en-US" smtClean="0"/>
-              <a:t>9/15/22</a:t>
+              <a:t>9/20/22</a:t>
             </a:fld>
             <a:endParaRPr lang="en-US"/>
           </a:p>
@@ -7396,7 +7903,7 @@
 </p:sldLayout>
 </file>
 
-<file path=ppt/slideLayouts/slideLayout11.xml><?xml version="1.0" encoding="utf-8"?>
+<file path=ppt/slideLayouts/slideLayout12.xml><?xml version="1.0" encoding="utf-8"?>
 <p:sldLayout xmlns:a="http://schemas.openxmlformats.org/drawingml/2006/main" xmlns:r="http://schemas.openxmlformats.org/officeDocument/2006/relationships" xmlns:p="http://schemas.openxmlformats.org/presentationml/2006/main" type="blank" preserve="1">
   <p:cSld name="Blank">
     <p:spTree>
@@ -7430,7 +7937,7 @@
           <a:p>
             <a:fld id="{7C0312F8-2DE2-6B40-83C5-731724CAE2B0}" type="datetimeFigureOut">
               <a:rPr lang="en-US" smtClean="0"/>
-              <a:t>9/15/22</a:t>
+              <a:t>9/20/22</a:t>
             </a:fld>
             <a:endParaRPr lang="en-US"/>
           </a:p>
@@ -8792,6 +9299,285 @@
 </file>
 
 <file path=ppt/slideLayouts/slideLayout6.xml><?xml version="1.0" encoding="utf-8"?>
+<p:sldLayout xmlns:a="http://schemas.openxmlformats.org/drawingml/2006/main" xmlns:r="http://schemas.openxmlformats.org/officeDocument/2006/relationships" xmlns:p="http://schemas.openxmlformats.org/presentationml/2006/main" matchingName="1_Title and Content">
+  <p:cSld name="1_Title and Content">
+    <p:spTree>
+      <p:nvGrpSpPr>
+        <p:cNvPr id="1" name="Shape 62"/>
+        <p:cNvGrpSpPr/>
+        <p:nvPr/>
+      </p:nvGrpSpPr>
+      <p:grpSpPr>
+        <a:xfrm>
+          <a:off x="0" y="0"/>
+          <a:ext cx="0" cy="0"/>
+          <a:chOff x="0" y="0"/>
+          <a:chExt cx="0" cy="0"/>
+        </a:xfrm>
+      </p:grpSpPr>
+      <p:sp>
+        <p:nvSpPr>
+          <p:cNvPr id="63" name="Google Shape;63;g6dad9273e7_0_53"/>
+          <p:cNvSpPr txBox="1">
+            <a:spLocks noGrp="1"/>
+          </p:cNvSpPr>
+          <p:nvPr>
+            <p:ph type="body" idx="1"/>
+          </p:nvPr>
+        </p:nvSpPr>
+        <p:spPr>
+          <a:xfrm>
+            <a:off x="268210" y="1588503"/>
+            <a:ext cx="11666400" cy="4954500"/>
+          </a:xfrm>
+          <a:prstGeom prst="rect">
+            <a:avLst/>
+          </a:prstGeom>
+          <a:noFill/>
+          <a:ln>
+            <a:noFill/>
+          </a:ln>
+        </p:spPr>
+        <p:txBody>
+          <a:bodyPr spcFirstLastPara="1" wrap="square" lIns="91425" tIns="45700" rIns="91425" bIns="45700" anchor="t" anchorCtr="0">
+            <a:noAutofit/>
+          </a:bodyPr>
+          <a:lstStyle>
+            <a:lvl1pPr marL="457200" lvl="0" indent="-342900" algn="l" rtl="0">
+              <a:spcBef>
+                <a:spcPts val="360"/>
+              </a:spcBef>
+              <a:spcAft>
+                <a:spcPts val="0"/>
+              </a:spcAft>
+              <a:buClr>
+                <a:schemeClr val="dk1"/>
+              </a:buClr>
+              <a:buSzPts val="1800"/>
+              <a:buChar char="●"/>
+              <a:defRPr/>
+            </a:lvl1pPr>
+            <a:lvl2pPr marL="914400" lvl="1" indent="-342900" algn="l" rtl="0">
+              <a:spcBef>
+                <a:spcPts val="360"/>
+              </a:spcBef>
+              <a:spcAft>
+                <a:spcPts val="0"/>
+              </a:spcAft>
+              <a:buClr>
+                <a:schemeClr val="dk1"/>
+              </a:buClr>
+              <a:buSzPts val="1800"/>
+              <a:buChar char="○"/>
+              <a:defRPr/>
+            </a:lvl2pPr>
+            <a:lvl3pPr marL="1371600" lvl="2" indent="-342900" algn="l" rtl="0">
+              <a:spcBef>
+                <a:spcPts val="360"/>
+              </a:spcBef>
+              <a:spcAft>
+                <a:spcPts val="0"/>
+              </a:spcAft>
+              <a:buClr>
+                <a:schemeClr val="dk1"/>
+              </a:buClr>
+              <a:buSzPts val="1800"/>
+              <a:buChar char="■"/>
+              <a:defRPr/>
+            </a:lvl3pPr>
+            <a:lvl4pPr marL="1828800" lvl="3" indent="-342900" algn="l" rtl="0">
+              <a:spcBef>
+                <a:spcPts val="360"/>
+              </a:spcBef>
+              <a:spcAft>
+                <a:spcPts val="0"/>
+              </a:spcAft>
+              <a:buClr>
+                <a:schemeClr val="dk1"/>
+              </a:buClr>
+              <a:buSzPts val="1800"/>
+              <a:buChar char="●"/>
+              <a:defRPr/>
+            </a:lvl4pPr>
+            <a:lvl5pPr marL="2286000" lvl="4" indent="-342900" algn="l" rtl="0">
+              <a:spcBef>
+                <a:spcPts val="360"/>
+              </a:spcBef>
+              <a:spcAft>
+                <a:spcPts val="0"/>
+              </a:spcAft>
+              <a:buClr>
+                <a:schemeClr val="dk1"/>
+              </a:buClr>
+              <a:buSzPts val="1800"/>
+              <a:buChar char="○"/>
+              <a:defRPr/>
+            </a:lvl5pPr>
+            <a:lvl6pPr marL="2743200" lvl="5" indent="-342900" algn="l" rtl="0">
+              <a:spcBef>
+                <a:spcPts val="360"/>
+              </a:spcBef>
+              <a:spcAft>
+                <a:spcPts val="0"/>
+              </a:spcAft>
+              <a:buClr>
+                <a:schemeClr val="dk1"/>
+              </a:buClr>
+              <a:buSzPts val="1800"/>
+              <a:buChar char="■"/>
+              <a:defRPr/>
+            </a:lvl6pPr>
+            <a:lvl7pPr marL="3200400" lvl="6" indent="-342900" algn="l" rtl="0">
+              <a:spcBef>
+                <a:spcPts val="2100"/>
+              </a:spcBef>
+              <a:spcAft>
+                <a:spcPts val="0"/>
+              </a:spcAft>
+              <a:buClr>
+                <a:schemeClr val="dk1"/>
+              </a:buClr>
+              <a:buSzPts val="1800"/>
+              <a:buChar char="●"/>
+              <a:defRPr/>
+            </a:lvl7pPr>
+            <a:lvl8pPr marL="3657600" lvl="7" indent="-342900" algn="l" rtl="0">
+              <a:spcBef>
+                <a:spcPts val="2100"/>
+              </a:spcBef>
+              <a:spcAft>
+                <a:spcPts val="0"/>
+              </a:spcAft>
+              <a:buClr>
+                <a:schemeClr val="dk1"/>
+              </a:buClr>
+              <a:buSzPts val="1800"/>
+              <a:buChar char="○"/>
+              <a:defRPr/>
+            </a:lvl8pPr>
+            <a:lvl9pPr marL="4114800" lvl="8" indent="-342900" algn="l" rtl="0">
+              <a:spcBef>
+                <a:spcPts val="2100"/>
+              </a:spcBef>
+              <a:spcAft>
+                <a:spcPts val="2100"/>
+              </a:spcAft>
+              <a:buClr>
+                <a:schemeClr val="dk1"/>
+              </a:buClr>
+              <a:buSzPts val="1800"/>
+              <a:buChar char="■"/>
+              <a:defRPr/>
+            </a:lvl9pPr>
+          </a:lstStyle>
+          <a:p>
+            <a:endParaRPr dirty="0"/>
+          </a:p>
+        </p:txBody>
+      </p:sp>
+      <p:sp>
+        <p:nvSpPr>
+          <p:cNvPr id="64" name="Google Shape;64;g6dad9273e7_0_53"/>
+          <p:cNvSpPr txBox="1"/>
+          <p:nvPr/>
+        </p:nvSpPr>
+        <p:spPr>
+          <a:xfrm>
+            <a:off x="5410" y="11929"/>
+            <a:ext cx="12192000" cy="1353806"/>
+          </a:xfrm>
+          <a:prstGeom prst="rect">
+            <a:avLst/>
+          </a:prstGeom>
+          <a:solidFill>
+            <a:srgbClr val="800000"/>
+          </a:solidFill>
+          <a:ln>
+            <a:noFill/>
+          </a:ln>
+        </p:spPr>
+        <p:txBody>
+          <a:bodyPr spcFirstLastPara="1" wrap="square" lIns="121900" tIns="60950" rIns="121900" bIns="60950" anchor="ctr" anchorCtr="0">
+            <a:noAutofit/>
+          </a:bodyPr>
+          <a:lstStyle/>
+          <a:p>
+            <a:pPr marL="0" marR="0" lvl="0" indent="0" algn="ctr" rtl="0">
+              <a:spcBef>
+                <a:spcPts val="0"/>
+              </a:spcBef>
+              <a:spcAft>
+                <a:spcPts val="0"/>
+              </a:spcAft>
+              <a:buNone/>
+            </a:pPr>
+            <a:endParaRPr sz="3300" b="0" i="0" u="none" strike="noStrike" cap="none" dirty="0">
+              <a:solidFill>
+                <a:schemeClr val="bg1"/>
+              </a:solidFill>
+              <a:latin typeface="Calibri"/>
+              <a:ea typeface="Calibri"/>
+              <a:cs typeface="Calibri"/>
+              <a:sym typeface="Calibri"/>
+            </a:endParaRPr>
+          </a:p>
+        </p:txBody>
+      </p:sp>
+      <p:sp>
+        <p:nvSpPr>
+          <p:cNvPr id="2" name="Title 1">
+            <a:extLst>
+              <a:ext uri="{FF2B5EF4-FFF2-40B4-BE49-F238E27FC236}">
+                <a16:creationId xmlns:a16="http://schemas.microsoft.com/office/drawing/2014/main" id="{FB058E15-DEBE-0941-A587-4DF3467F6618}"/>
+              </a:ext>
+            </a:extLst>
+          </p:cNvPr>
+          <p:cNvSpPr>
+            <a:spLocks noGrp="1"/>
+          </p:cNvSpPr>
+          <p:nvPr>
+            <p:ph type="title"/>
+          </p:nvPr>
+        </p:nvSpPr>
+        <p:spPr>
+          <a:xfrm>
+            <a:off x="130558" y="418466"/>
+            <a:ext cx="11360700" cy="763500"/>
+          </a:xfrm>
+        </p:spPr>
+        <p:txBody>
+          <a:bodyPr/>
+          <a:lstStyle>
+            <a:lvl1pPr>
+              <a:defRPr>
+                <a:solidFill>
+                  <a:schemeClr val="bg1"/>
+                </a:solidFill>
+              </a:defRPr>
+            </a:lvl1pPr>
+          </a:lstStyle>
+          <a:p>
+            <a:r>
+              <a:rPr lang="en-US"/>
+              <a:t>Click to edit Master title style</a:t>
+            </a:r>
+          </a:p>
+        </p:txBody>
+      </p:sp>
+    </p:spTree>
+    <p:extLst>
+      <p:ext uri="{BB962C8B-B14F-4D97-AF65-F5344CB8AC3E}">
+        <p14:creationId xmlns:p14="http://schemas.microsoft.com/office/powerpoint/2010/main" val="2295143014"/>
+      </p:ext>
+    </p:extLst>
+  </p:cSld>
+  <p:clrMapOvr>
+    <a:masterClrMapping/>
+  </p:clrMapOvr>
+</p:sldLayout>
+</file>
+
+<file path=ppt/slideLayouts/slideLayout7.xml><?xml version="1.0" encoding="utf-8"?>
 <p:sldLayout xmlns:a="http://schemas.openxmlformats.org/drawingml/2006/main" xmlns:r="http://schemas.openxmlformats.org/officeDocument/2006/relationships" xmlns:p="http://schemas.openxmlformats.org/presentationml/2006/main" type="title" preserve="1">
   <p:cSld name="Title Slide">
     <p:spTree>
@@ -9064,7 +9850,7 @@
 </p:sldLayout>
 </file>
 
-<file path=ppt/slideLayouts/slideLayout7.xml><?xml version="1.0" encoding="utf-8"?>
+<file path=ppt/slideLayouts/slideLayout8.xml><?xml version="1.0" encoding="utf-8"?>
 <p:sldLayout xmlns:a="http://schemas.openxmlformats.org/drawingml/2006/main" xmlns:r="http://schemas.openxmlformats.org/officeDocument/2006/relationships" xmlns:p="http://schemas.openxmlformats.org/presentationml/2006/main" type="obj" preserve="1">
   <p:cSld name="Title and Content">
     <p:spTree>
@@ -9238,7 +10024,7 @@
 </p:sldLayout>
 </file>
 
-<file path=ppt/slideLayouts/slideLayout8.xml><?xml version="1.0" encoding="utf-8"?>
+<file path=ppt/slideLayouts/slideLayout9.xml><?xml version="1.0" encoding="utf-8"?>
 <p:sldLayout xmlns:a="http://schemas.openxmlformats.org/drawingml/2006/main" xmlns:r="http://schemas.openxmlformats.org/officeDocument/2006/relationships" xmlns:p="http://schemas.openxmlformats.org/presentationml/2006/main" type="secHead" preserve="1">
   <p:cSld name="Section Header">
     <p:spTree>
@@ -9422,7 +10208,7 @@
           <a:p>
             <a:fld id="{7C0312F8-2DE2-6B40-83C5-731724CAE2B0}" type="datetimeFigureOut">
               <a:rPr lang="en-US" smtClean="0"/>
-              <a:t>9/15/22</a:t>
+              <a:t>9/20/22</a:t>
             </a:fld>
             <a:endParaRPr lang="en-US"/>
           </a:p>
@@ -9474,291 +10260,6 @@
     <p:extLst>
       <p:ext uri="{BB962C8B-B14F-4D97-AF65-F5344CB8AC3E}">
         <p14:creationId xmlns:p14="http://schemas.microsoft.com/office/powerpoint/2010/main" val="3849801960"/>
-      </p:ext>
-    </p:extLst>
-  </p:cSld>
-  <p:clrMapOvr>
-    <a:masterClrMapping/>
-  </p:clrMapOvr>
-</p:sldLayout>
-</file>
-
-<file path=ppt/slideLayouts/slideLayout9.xml><?xml version="1.0" encoding="utf-8"?>
-<p:sldLayout xmlns:a="http://schemas.openxmlformats.org/drawingml/2006/main" xmlns:r="http://schemas.openxmlformats.org/officeDocument/2006/relationships" xmlns:p="http://schemas.openxmlformats.org/presentationml/2006/main" type="twoObj" preserve="1">
-  <p:cSld name="Two Content">
-    <p:spTree>
-      <p:nvGrpSpPr>
-        <p:cNvPr id="1" name=""/>
-        <p:cNvGrpSpPr/>
-        <p:nvPr/>
-      </p:nvGrpSpPr>
-      <p:grpSpPr>
-        <a:xfrm>
-          <a:off x="0" y="0"/>
-          <a:ext cx="0" cy="0"/>
-          <a:chOff x="0" y="0"/>
-          <a:chExt cx="0" cy="0"/>
-        </a:xfrm>
-      </p:grpSpPr>
-      <p:sp>
-        <p:nvSpPr>
-          <p:cNvPr id="2" name="Title 1"/>
-          <p:cNvSpPr>
-            <a:spLocks noGrp="1"/>
-          </p:cNvSpPr>
-          <p:nvPr>
-            <p:ph type="title"/>
-          </p:nvPr>
-        </p:nvSpPr>
-        <p:spPr/>
-        <p:txBody>
-          <a:bodyPr/>
-          <a:lstStyle/>
-          <a:p>
-            <a:r>
-              <a:rPr lang="en-US"/>
-              <a:t>Click to edit Master title style</a:t>
-            </a:r>
-          </a:p>
-        </p:txBody>
-      </p:sp>
-      <p:sp>
-        <p:nvSpPr>
-          <p:cNvPr id="3" name="Content Placeholder 2"/>
-          <p:cNvSpPr>
-            <a:spLocks noGrp="1"/>
-          </p:cNvSpPr>
-          <p:nvPr>
-            <p:ph sz="half" idx="1"/>
-          </p:nvPr>
-        </p:nvSpPr>
-        <p:spPr>
-          <a:xfrm>
-            <a:off x="609600" y="1600201"/>
-            <a:ext cx="5384800" cy="4525963"/>
-          </a:xfrm>
-        </p:spPr>
-        <p:txBody>
-          <a:bodyPr/>
-          <a:lstStyle>
-            <a:lvl1pPr>
-              <a:defRPr sz="2800"/>
-            </a:lvl1pPr>
-            <a:lvl2pPr>
-              <a:defRPr sz="2400"/>
-            </a:lvl2pPr>
-            <a:lvl3pPr>
-              <a:defRPr sz="2000"/>
-            </a:lvl3pPr>
-            <a:lvl4pPr>
-              <a:defRPr sz="1800"/>
-            </a:lvl4pPr>
-            <a:lvl5pPr>
-              <a:defRPr sz="1800"/>
-            </a:lvl5pPr>
-            <a:lvl6pPr>
-              <a:defRPr sz="1800"/>
-            </a:lvl6pPr>
-            <a:lvl7pPr>
-              <a:defRPr sz="1800"/>
-            </a:lvl7pPr>
-            <a:lvl8pPr>
-              <a:defRPr sz="1800"/>
-            </a:lvl8pPr>
-            <a:lvl9pPr>
-              <a:defRPr sz="1800"/>
-            </a:lvl9pPr>
-          </a:lstStyle>
-          <a:p>
-            <a:pPr lvl="0"/>
-            <a:r>
-              <a:rPr lang="en-US"/>
-              <a:t>Click to edit Master text styles</a:t>
-            </a:r>
-          </a:p>
-          <a:p>
-            <a:pPr lvl="1"/>
-            <a:r>
-              <a:rPr lang="en-US"/>
-              <a:t>Second level</a:t>
-            </a:r>
-          </a:p>
-          <a:p>
-            <a:pPr lvl="2"/>
-            <a:r>
-              <a:rPr lang="en-US"/>
-              <a:t>Third level</a:t>
-            </a:r>
-          </a:p>
-          <a:p>
-            <a:pPr lvl="3"/>
-            <a:r>
-              <a:rPr lang="en-US"/>
-              <a:t>Fourth level</a:t>
-            </a:r>
-          </a:p>
-          <a:p>
-            <a:pPr lvl="4"/>
-            <a:r>
-              <a:rPr lang="en-US"/>
-              <a:t>Fifth level</a:t>
-            </a:r>
-          </a:p>
-        </p:txBody>
-      </p:sp>
-      <p:sp>
-        <p:nvSpPr>
-          <p:cNvPr id="4" name="Content Placeholder 3"/>
-          <p:cNvSpPr>
-            <a:spLocks noGrp="1"/>
-          </p:cNvSpPr>
-          <p:nvPr>
-            <p:ph sz="half" idx="2"/>
-          </p:nvPr>
-        </p:nvSpPr>
-        <p:spPr>
-          <a:xfrm>
-            <a:off x="6197600" y="1600201"/>
-            <a:ext cx="5384800" cy="4525963"/>
-          </a:xfrm>
-        </p:spPr>
-        <p:txBody>
-          <a:bodyPr/>
-          <a:lstStyle>
-            <a:lvl1pPr>
-              <a:defRPr sz="2800"/>
-            </a:lvl1pPr>
-            <a:lvl2pPr>
-              <a:defRPr sz="2400"/>
-            </a:lvl2pPr>
-            <a:lvl3pPr>
-              <a:defRPr sz="2000"/>
-            </a:lvl3pPr>
-            <a:lvl4pPr>
-              <a:defRPr sz="1800"/>
-            </a:lvl4pPr>
-            <a:lvl5pPr>
-              <a:defRPr sz="1800"/>
-            </a:lvl5pPr>
-            <a:lvl6pPr>
-              <a:defRPr sz="1800"/>
-            </a:lvl6pPr>
-            <a:lvl7pPr>
-              <a:defRPr sz="1800"/>
-            </a:lvl7pPr>
-            <a:lvl8pPr>
-              <a:defRPr sz="1800"/>
-            </a:lvl8pPr>
-            <a:lvl9pPr>
-              <a:defRPr sz="1800"/>
-            </a:lvl9pPr>
-          </a:lstStyle>
-          <a:p>
-            <a:pPr lvl="0"/>
-            <a:r>
-              <a:rPr lang="en-US"/>
-              <a:t>Click to edit Master text styles</a:t>
-            </a:r>
-          </a:p>
-          <a:p>
-            <a:pPr lvl="1"/>
-            <a:r>
-              <a:rPr lang="en-US"/>
-              <a:t>Second level</a:t>
-            </a:r>
-          </a:p>
-          <a:p>
-            <a:pPr lvl="2"/>
-            <a:r>
-              <a:rPr lang="en-US"/>
-              <a:t>Third level</a:t>
-            </a:r>
-          </a:p>
-          <a:p>
-            <a:pPr lvl="3"/>
-            <a:r>
-              <a:rPr lang="en-US"/>
-              <a:t>Fourth level</a:t>
-            </a:r>
-          </a:p>
-          <a:p>
-            <a:pPr lvl="4"/>
-            <a:r>
-              <a:rPr lang="en-US"/>
-              <a:t>Fifth level</a:t>
-            </a:r>
-          </a:p>
-        </p:txBody>
-      </p:sp>
-      <p:sp>
-        <p:nvSpPr>
-          <p:cNvPr id="5" name="Date Placeholder 4"/>
-          <p:cNvSpPr>
-            <a:spLocks noGrp="1"/>
-          </p:cNvSpPr>
-          <p:nvPr>
-            <p:ph type="dt" sz="half" idx="10"/>
-          </p:nvPr>
-        </p:nvSpPr>
-        <p:spPr/>
-        <p:txBody>
-          <a:bodyPr/>
-          <a:lstStyle/>
-          <a:p>
-            <a:fld id="{7C0312F8-2DE2-6B40-83C5-731724CAE2B0}" type="datetimeFigureOut">
-              <a:rPr lang="en-US" smtClean="0"/>
-              <a:t>9/15/22</a:t>
-            </a:fld>
-            <a:endParaRPr lang="en-US"/>
-          </a:p>
-        </p:txBody>
-      </p:sp>
-      <p:sp>
-        <p:nvSpPr>
-          <p:cNvPr id="6" name="Footer Placeholder 5"/>
-          <p:cNvSpPr>
-            <a:spLocks noGrp="1"/>
-          </p:cNvSpPr>
-          <p:nvPr>
-            <p:ph type="ftr" sz="quarter" idx="11"/>
-          </p:nvPr>
-        </p:nvSpPr>
-        <p:spPr/>
-        <p:txBody>
-          <a:bodyPr/>
-          <a:lstStyle/>
-          <a:p>
-            <a:endParaRPr lang="en-US"/>
-          </a:p>
-        </p:txBody>
-      </p:sp>
-      <p:sp>
-        <p:nvSpPr>
-          <p:cNvPr id="7" name="Slide Number Placeholder 6"/>
-          <p:cNvSpPr>
-            <a:spLocks noGrp="1"/>
-          </p:cNvSpPr>
-          <p:nvPr>
-            <p:ph type="sldNum" sz="quarter" idx="12"/>
-          </p:nvPr>
-        </p:nvSpPr>
-        <p:spPr/>
-        <p:txBody>
-          <a:bodyPr/>
-          <a:lstStyle/>
-          <a:p>
-            <a:fld id="{901A5543-5B78-C749-93A6-E6A0D0050255}" type="slidenum">
-              <a:rPr lang="en-US" smtClean="0"/>
-              <a:t>‹#›</a:t>
-            </a:fld>
-            <a:endParaRPr lang="en-US"/>
-          </a:p>
-        </p:txBody>
-      </p:sp>
-    </p:spTree>
-    <p:extLst>
-      <p:ext uri="{BB962C8B-B14F-4D97-AF65-F5344CB8AC3E}">
-        <p14:creationId xmlns:p14="http://schemas.microsoft.com/office/powerpoint/2010/main" val="4203646594"/>
       </p:ext>
     </p:extLst>
   </p:cSld>
@@ -10340,6 +10841,7 @@
     <p:sldLayoutId id="2147483651" r:id="rId3"/>
     <p:sldLayoutId id="2147483652" r:id="rId4"/>
     <p:sldLayoutId id="2147483659" r:id="rId5"/>
+    <p:sldLayoutId id="2147483667" r:id="rId6"/>
   </p:sldLayoutIdLst>
   <p:hf sldNum="0" hdr="0" ftr="0" dt="0"/>
   <p:txStyles>
@@ -11184,7 +11686,7 @@
           <a:p>
             <a:fld id="{7C0312F8-2DE2-6B40-83C5-731724CAE2B0}" type="datetimeFigureOut">
               <a:rPr lang="en-US" smtClean="0"/>
-              <a:t>9/15/22</a:t>
+              <a:t>9/20/22</a:t>
             </a:fld>
             <a:endParaRPr lang="en-US"/>
           </a:p>
@@ -13129,7 +13631,7 @@
   <p:cSld>
     <p:spTree>
       <p:nvGrpSpPr>
-        <p:cNvPr id="1" name=""/>
+        <p:cNvPr id="1" name="Shape 202"/>
         <p:cNvGrpSpPr/>
         <p:nvPr/>
       </p:nvGrpSpPr>
@@ -13143,38 +13645,10 @@
       </p:grpSpPr>
       <p:sp>
         <p:nvSpPr>
-          <p:cNvPr id="2" name="Title 1">
+          <p:cNvPr id="2" name="Text Placeholder 1">
             <a:extLst>
               <a:ext uri="{FF2B5EF4-FFF2-40B4-BE49-F238E27FC236}">
-                <a16:creationId xmlns:a16="http://schemas.microsoft.com/office/drawing/2014/main" id="{E3F5A4E3-1083-BD43-B370-9A1F90A39416}"/>
-              </a:ext>
-            </a:extLst>
-          </p:cNvPr>
-          <p:cNvSpPr>
-            <a:spLocks noGrp="1"/>
-          </p:cNvSpPr>
-          <p:nvPr>
-            <p:ph type="title"/>
-          </p:nvPr>
-        </p:nvSpPr>
-        <p:spPr/>
-        <p:txBody>
-          <a:bodyPr/>
-          <a:lstStyle/>
-          <a:p>
-            <a:r>
-              <a:rPr lang="en-US" dirty="0"/>
-              <a:t>Parameters</a:t>
-            </a:r>
-          </a:p>
-        </p:txBody>
-      </p:sp>
-      <p:sp>
-        <p:nvSpPr>
-          <p:cNvPr id="3" name="Text Placeholder 2">
-            <a:extLst>
-              <a:ext uri="{FF2B5EF4-FFF2-40B4-BE49-F238E27FC236}">
-                <a16:creationId xmlns:a16="http://schemas.microsoft.com/office/drawing/2014/main" id="{B761F066-C352-2344-9AFE-A7E0C820CFA0}"/>
+                <a16:creationId xmlns:a16="http://schemas.microsoft.com/office/drawing/2014/main" id="{10E49ADA-B971-3A74-683D-F7E6AB709A58}"/>
               </a:ext>
             </a:extLst>
           </p:cNvPr>
@@ -13185,86 +13659,419 @@
             <p:ph type="body" idx="1"/>
           </p:nvPr>
         </p:nvSpPr>
-        <p:spPr>
-          <a:xfrm>
-            <a:off x="-1" y="947003"/>
-            <a:ext cx="12035481" cy="5404369"/>
-          </a:xfrm>
-        </p:spPr>
+        <p:spPr/>
         <p:txBody>
           <a:bodyPr/>
           <a:lstStyle/>
           <a:p>
+            <a:endParaRPr lang="en-US"/>
+          </a:p>
+        </p:txBody>
+      </p:sp>
+      <p:sp>
+        <p:nvSpPr>
+          <p:cNvPr id="203" name="Google Shape;203;p38"/>
+          <p:cNvSpPr txBox="1">
+            <a:spLocks noGrp="1"/>
+          </p:cNvSpPr>
+          <p:nvPr>
+            <p:ph type="title"/>
+          </p:nvPr>
+        </p:nvSpPr>
+        <p:spPr>
+          <a:prstGeom prst="rect">
+            <a:avLst/>
+          </a:prstGeom>
+        </p:spPr>
+        <p:txBody>
+          <a:bodyPr spcFirstLastPara="1" wrap="square" lIns="121900" tIns="121900" rIns="121900" bIns="121900" anchor="t" anchorCtr="0">
+            <a:normAutofit fontScale="90000"/>
+          </a:bodyPr>
+          <a:lstStyle/>
+          <a:p>
             <a:r>
-              <a:rPr lang="en-US" dirty="0"/>
-              <a:t>How far back to go when training models? (max training history)</a:t>
+              <a:rPr lang="en" dirty="0"/>
+              <a:t>Temporal Validation Review -- Example</a:t>
             </a:r>
-          </a:p>
-          <a:p>
-            <a:pPr lvl="1"/>
+            <a:endParaRPr dirty="0"/>
+          </a:p>
+        </p:txBody>
+      </p:sp>
+      <p:sp>
+        <p:nvSpPr>
+          <p:cNvPr id="204" name="Google Shape;204;p38"/>
+          <p:cNvSpPr/>
+          <p:nvPr/>
+        </p:nvSpPr>
+        <p:spPr>
+          <a:xfrm>
+            <a:off x="190320" y="1463207"/>
+            <a:ext cx="3124000" cy="4204400"/>
+          </a:xfrm>
+          <a:prstGeom prst="rect">
+            <a:avLst/>
+          </a:prstGeom>
+          <a:solidFill>
+            <a:srgbClr val="EEEEEE"/>
+          </a:solidFill>
+          <a:ln w="9525" cap="flat" cmpd="sng">
+            <a:solidFill>
+              <a:srgbClr val="595959"/>
+            </a:solidFill>
+            <a:prstDash val="solid"/>
+            <a:round/>
+            <a:headEnd type="none" w="sm" len="sm"/>
+            <a:tailEnd type="none" w="sm" len="sm"/>
+          </a:ln>
+        </p:spPr>
+        <p:txBody>
+          <a:bodyPr spcFirstLastPara="1" wrap="square" lIns="121900" tIns="121900" rIns="121900" bIns="121900" anchor="ctr" anchorCtr="0">
+            <a:noAutofit/>
+          </a:bodyPr>
+          <a:lstStyle/>
+          <a:p>
+            <a:pPr>
+              <a:buSzPts val="1400"/>
+            </a:pPr>
+            <a:endParaRPr sz="1867"/>
+          </a:p>
+        </p:txBody>
+      </p:sp>
+      <p:sp>
+        <p:nvSpPr>
+          <p:cNvPr id="205" name="Google Shape;205;p38"/>
+          <p:cNvSpPr txBox="1"/>
+          <p:nvPr/>
+        </p:nvSpPr>
+        <p:spPr>
+          <a:xfrm>
+            <a:off x="3566453" y="1341573"/>
+            <a:ext cx="8531200" cy="4555200"/>
+          </a:xfrm>
+          <a:prstGeom prst="rect">
+            <a:avLst/>
+          </a:prstGeom>
+          <a:noFill/>
+          <a:ln>
+            <a:noFill/>
+          </a:ln>
+        </p:spPr>
+        <p:txBody>
+          <a:bodyPr spcFirstLastPara="1" wrap="square" lIns="121900" tIns="121900" rIns="121900" bIns="121900" anchor="t" anchorCtr="0">
+            <a:noAutofit/>
+          </a:bodyPr>
+          <a:lstStyle/>
+          <a:p>
+            <a:pPr>
+              <a:lnSpc>
+                <a:spcPct val="115000"/>
+              </a:lnSpc>
+              <a:spcAft>
+                <a:spcPts val="2133"/>
+              </a:spcAft>
+            </a:pPr>
             <a:r>
-              <a:rPr lang="en-US" dirty="0"/>
-              <a:t>To the beginning of time (expanding training window)?</a:t>
+              <a:rPr lang="en" sz="3467" dirty="0">
+                <a:solidFill>
+                  <a:srgbClr val="FF0000"/>
+                </a:solidFill>
+              </a:rPr>
+              <a:t>On the first day of every month</a:t>
             </a:r>
-          </a:p>
-          <a:p>
-            <a:pPr lvl="1"/>
             <a:r>
-              <a:rPr lang="en-US" dirty="0"/>
-              <a:t>Fixed history (rolling training window)?</a:t>
+              <a:rPr lang="en" sz="3467" dirty="0">
+                <a:solidFill>
+                  <a:srgbClr val="595959"/>
+                </a:solidFill>
+              </a:rPr>
+              <a:t>, for </a:t>
             </a:r>
-          </a:p>
-          <a:p>
-            <a:pPr lvl="1"/>
             <a:r>
-              <a:rPr lang="en-US" dirty="0"/>
-              <a:t>Something else?</a:t>
+              <a:rPr lang="en" sz="3467" dirty="0">
+                <a:solidFill>
+                  <a:srgbClr val="0000FF"/>
+                </a:solidFill>
+              </a:rPr>
+              <a:t>all individuals residing in PA</a:t>
             </a:r>
-          </a:p>
-          <a:p>
-            <a:pPr lvl="1"/>
             <a:r>
-              <a:rPr lang="en-US" dirty="0"/>
-              <a:t>How far back do you get your features from?</a:t>
+              <a:rPr lang="en" sz="3467" dirty="0">
+                <a:solidFill>
+                  <a:srgbClr val="595959"/>
+                </a:solidFill>
+              </a:rPr>
+              <a:t>, can we identify </a:t>
             </a:r>
+            <a:r>
+              <a:rPr lang="en" sz="3467" dirty="0">
+                <a:solidFill>
+                  <a:srgbClr val="FF00FF"/>
+                </a:solidFill>
+              </a:rPr>
+              <a:t>500 people </a:t>
+            </a:r>
+            <a:r>
+              <a:rPr lang="en" sz="3467" dirty="0">
+                <a:solidFill>
+                  <a:srgbClr val="595959"/>
+                </a:solidFill>
+              </a:rPr>
+              <a:t>with a </a:t>
+            </a:r>
+            <a:r>
+              <a:rPr lang="en" sz="3467" dirty="0">
+                <a:solidFill>
+                  <a:srgbClr val="38761D"/>
+                </a:solidFill>
+              </a:rPr>
+              <a:t>high risk of contracting monkeypox in the next year </a:t>
+            </a:r>
+            <a:r>
+              <a:rPr lang="en" sz="3467" dirty="0">
+                <a:solidFill>
+                  <a:srgbClr val="B45F06"/>
+                </a:solidFill>
+              </a:rPr>
+              <a:t>to prioritize for vaccine program outreach by the PA Public Health Department</a:t>
+            </a:r>
+            <a:r>
+              <a:rPr lang="en" sz="3467" dirty="0">
+                <a:solidFill>
+                  <a:srgbClr val="595959"/>
+                </a:solidFill>
+              </a:rPr>
+              <a:t>?</a:t>
+            </a:r>
+            <a:endParaRPr sz="3467" dirty="0">
+              <a:solidFill>
+                <a:srgbClr val="595959"/>
+              </a:solidFill>
+            </a:endParaRPr>
+          </a:p>
+        </p:txBody>
+      </p:sp>
+      <p:sp>
+        <p:nvSpPr>
+          <p:cNvPr id="206" name="Google Shape;206;p38"/>
+          <p:cNvSpPr txBox="1"/>
+          <p:nvPr/>
+        </p:nvSpPr>
+        <p:spPr>
+          <a:xfrm>
+            <a:off x="248120" y="1463207"/>
+            <a:ext cx="3008400" cy="796000"/>
+          </a:xfrm>
+          <a:prstGeom prst="rect">
+            <a:avLst/>
+          </a:prstGeom>
+          <a:noFill/>
+          <a:ln>
+            <a:noFill/>
+          </a:ln>
+        </p:spPr>
+        <p:txBody>
+          <a:bodyPr spcFirstLastPara="1" wrap="square" lIns="121900" tIns="121900" rIns="121900" bIns="121900" anchor="t" anchorCtr="0">
+            <a:noAutofit/>
+          </a:bodyPr>
+          <a:lstStyle/>
+          <a:p>
+            <a:pPr>
+              <a:buSzPts val="1400"/>
+            </a:pPr>
+            <a:r>
+              <a:rPr lang="en" sz="1867">
+                <a:solidFill>
+                  <a:srgbClr val="FF0000"/>
+                </a:solidFill>
+              </a:rPr>
+              <a:t>When and How often is the recommendation / decision being made?</a:t>
+            </a:r>
+            <a:endParaRPr sz="1867">
+              <a:solidFill>
+                <a:srgbClr val="FF0000"/>
+              </a:solidFill>
+            </a:endParaRPr>
+          </a:p>
+        </p:txBody>
+      </p:sp>
+      <p:sp>
+        <p:nvSpPr>
+          <p:cNvPr id="207" name="Google Shape;207;p38"/>
+          <p:cNvSpPr txBox="1"/>
+          <p:nvPr/>
+        </p:nvSpPr>
+        <p:spPr>
+          <a:xfrm>
+            <a:off x="253253" y="2632740"/>
+            <a:ext cx="3008400" cy="796000"/>
+          </a:xfrm>
+          <a:prstGeom prst="rect">
+            <a:avLst/>
+          </a:prstGeom>
+          <a:noFill/>
+          <a:ln>
+            <a:noFill/>
+          </a:ln>
+        </p:spPr>
+        <p:txBody>
+          <a:bodyPr spcFirstLastPara="1" wrap="square" lIns="121900" tIns="121900" rIns="121900" bIns="121900" anchor="t" anchorCtr="0">
+            <a:noAutofit/>
+          </a:bodyPr>
+          <a:lstStyle/>
+          <a:p>
+            <a:pPr>
+              <a:buSzPts val="1400"/>
+            </a:pPr>
             <a:br>
-              <a:rPr lang="en-US" dirty="0"/>
+              <a:rPr lang="en" sz="1867">
+                <a:solidFill>
+                  <a:srgbClr val="0000FF"/>
+                </a:solidFill>
+              </a:rPr>
             </a:br>
-            <a:endParaRPr lang="en-US" dirty="0"/>
-          </a:p>
-          <a:p>
             <a:r>
-              <a:rPr lang="en-US" dirty="0"/>
-              <a:t>How much to move forward from train-validation pair 1 to train-validation pair 2?</a:t>
+              <a:rPr lang="en" sz="1867">
+                <a:solidFill>
+                  <a:srgbClr val="0000FF"/>
+                </a:solidFill>
+              </a:rPr>
+              <a:t>Who/what is included in the cohort?</a:t>
             </a:r>
-          </a:p>
-          <a:p>
-            <a:pPr lvl="1"/>
+            <a:endParaRPr sz="1867">
+              <a:solidFill>
+                <a:srgbClr val="0000FF"/>
+              </a:solidFill>
+            </a:endParaRPr>
+          </a:p>
+        </p:txBody>
+      </p:sp>
+      <p:sp>
+        <p:nvSpPr>
+          <p:cNvPr id="208" name="Google Shape;208;p38"/>
+          <p:cNvSpPr txBox="1"/>
+          <p:nvPr/>
+        </p:nvSpPr>
+        <p:spPr>
+          <a:xfrm>
+            <a:off x="253253" y="3497473"/>
+            <a:ext cx="3008400" cy="796000"/>
+          </a:xfrm>
+          <a:prstGeom prst="rect">
+            <a:avLst/>
+          </a:prstGeom>
+          <a:noFill/>
+          <a:ln>
+            <a:noFill/>
+          </a:ln>
+        </p:spPr>
+        <p:txBody>
+          <a:bodyPr spcFirstLastPara="1" wrap="square" lIns="121900" tIns="121900" rIns="121900" bIns="121900" anchor="t" anchorCtr="0">
+            <a:noAutofit/>
+          </a:bodyPr>
+          <a:lstStyle/>
+          <a:p>
+            <a:pPr>
+              <a:buSzPts val="1400"/>
+            </a:pPr>
+            <a:br>
+              <a:rPr lang="en" sz="1867">
+                <a:solidFill>
+                  <a:srgbClr val="FF00FF"/>
+                </a:solidFill>
+              </a:rPr>
+            </a:br>
             <a:r>
-              <a:rPr lang="en-US" dirty="0"/>
-              <a:t>A day?</a:t>
+              <a:rPr lang="en" sz="1867">
+                <a:solidFill>
+                  <a:srgbClr val="FF00FF"/>
+                </a:solidFill>
+              </a:rPr>
+              <a:t>What is the output?</a:t>
             </a:r>
-          </a:p>
-          <a:p>
-            <a:pPr lvl="1"/>
+            <a:endParaRPr sz="1867">
+              <a:solidFill>
+                <a:srgbClr val="FF00FF"/>
+              </a:solidFill>
+            </a:endParaRPr>
+          </a:p>
+        </p:txBody>
+      </p:sp>
+      <p:sp>
+        <p:nvSpPr>
+          <p:cNvPr id="209" name="Google Shape;209;p38"/>
+          <p:cNvSpPr txBox="1"/>
+          <p:nvPr/>
+        </p:nvSpPr>
+        <p:spPr>
+          <a:xfrm>
+            <a:off x="248120" y="4191873"/>
+            <a:ext cx="3008400" cy="1475600"/>
+          </a:xfrm>
+          <a:prstGeom prst="rect">
+            <a:avLst/>
+          </a:prstGeom>
+          <a:noFill/>
+          <a:ln>
+            <a:noFill/>
+          </a:ln>
+        </p:spPr>
+        <p:txBody>
+          <a:bodyPr spcFirstLastPara="1" wrap="square" lIns="121900" tIns="121900" rIns="121900" bIns="121900" anchor="t" anchorCtr="0">
+            <a:noAutofit/>
+          </a:bodyPr>
+          <a:lstStyle/>
+          <a:p>
+            <a:pPr>
+              <a:buSzPts val="1400"/>
+            </a:pPr>
             <a:r>
-              <a:rPr lang="en-US" dirty="0"/>
-              <a:t>A month? </a:t>
+              <a:rPr lang="en" sz="1867">
+                <a:solidFill>
+                  <a:srgbClr val="274E13"/>
+                </a:solidFill>
+              </a:rPr>
+              <a:t>What outcome are you predicting/estimating?</a:t>
             </a:r>
-          </a:p>
-          <a:p>
-            <a:pPr lvl="1"/>
+            <a:endParaRPr sz="1867">
+              <a:solidFill>
+                <a:srgbClr val="274E13"/>
+              </a:solidFill>
+            </a:endParaRPr>
+          </a:p>
+          <a:p>
+            <a:pPr>
+              <a:buSzPts val="1400"/>
+            </a:pPr>
+            <a:endParaRPr sz="1867">
+              <a:solidFill>
+                <a:srgbClr val="274E13"/>
+              </a:solidFill>
+            </a:endParaRPr>
+          </a:p>
+          <a:p>
+            <a:pPr>
+              <a:buSzPts val="1400"/>
+            </a:pPr>
             <a:r>
-              <a:rPr lang="en-US" dirty="0"/>
-              <a:t>Something else?</a:t>
+              <a:rPr lang="en" sz="1867">
+                <a:solidFill>
+                  <a:srgbClr val="B45F06"/>
+                </a:solidFill>
+              </a:rPr>
+              <a:t>For what purpose?</a:t>
             </a:r>
+            <a:endParaRPr sz="1867">
+              <a:solidFill>
+                <a:srgbClr val="274E13"/>
+              </a:solidFill>
+            </a:endParaRPr>
           </a:p>
         </p:txBody>
       </p:sp>
     </p:spTree>
     <p:extLst>
       <p:ext uri="{BB962C8B-B14F-4D97-AF65-F5344CB8AC3E}">
-        <p14:creationId xmlns:p14="http://schemas.microsoft.com/office/powerpoint/2010/main" val="3359709114"/>
+        <p14:creationId xmlns:p14="http://schemas.microsoft.com/office/powerpoint/2010/main" val="2492889439"/>
       </p:ext>
     </p:extLst>
   </p:cSld>
@@ -13314,6 +14121,886 @@
           <a:p>
             <a:r>
               <a:rPr lang="en-US" dirty="0"/>
+              <a:t>Temporal Validation Parameters</a:t>
+            </a:r>
+          </a:p>
+        </p:txBody>
+      </p:sp>
+      <p:sp>
+        <p:nvSpPr>
+          <p:cNvPr id="3" name="Text Placeholder 2">
+            <a:extLst>
+              <a:ext uri="{FF2B5EF4-FFF2-40B4-BE49-F238E27FC236}">
+                <a16:creationId xmlns:a16="http://schemas.microsoft.com/office/drawing/2014/main" id="{B761F066-C352-2344-9AFE-A7E0C820CFA0}"/>
+              </a:ext>
+            </a:extLst>
+          </p:cNvPr>
+          <p:cNvSpPr>
+            <a:spLocks noGrp="1"/>
+          </p:cNvSpPr>
+          <p:nvPr>
+            <p:ph type="body" idx="1"/>
+          </p:nvPr>
+        </p:nvSpPr>
+        <p:spPr>
+          <a:xfrm>
+            <a:off x="803189" y="1231210"/>
+            <a:ext cx="11232291" cy="5404369"/>
+          </a:xfrm>
+        </p:spPr>
+        <p:txBody>
+          <a:bodyPr/>
+          <a:lstStyle/>
+          <a:p>
+            <a:pPr>
+              <a:lnSpc>
+                <a:spcPct val="100000"/>
+              </a:lnSpc>
+              <a:spcAft>
+                <a:spcPts val="1800"/>
+              </a:spcAft>
+            </a:pPr>
+            <a:r>
+              <a:rPr lang="en-US" sz="3200" dirty="0"/>
+              <a:t>Timespan to collect labels</a:t>
+            </a:r>
+          </a:p>
+          <a:p>
+            <a:pPr>
+              <a:lnSpc>
+                <a:spcPct val="100000"/>
+              </a:lnSpc>
+              <a:spcAft>
+                <a:spcPts val="1800"/>
+              </a:spcAft>
+            </a:pPr>
+            <a:r>
+              <a:rPr lang="en-US" sz="3200" dirty="0"/>
+              <a:t>Gap between training/validation pairs</a:t>
+            </a:r>
+          </a:p>
+          <a:p>
+            <a:pPr>
+              <a:lnSpc>
+                <a:spcPct val="100000"/>
+              </a:lnSpc>
+              <a:spcAft>
+                <a:spcPts val="1800"/>
+              </a:spcAft>
+            </a:pPr>
+            <a:r>
+              <a:rPr lang="en-US" sz="3200" dirty="0"/>
+              <a:t>Time window for each training set</a:t>
+            </a:r>
+          </a:p>
+          <a:p>
+            <a:pPr>
+              <a:lnSpc>
+                <a:spcPct val="100000"/>
+              </a:lnSpc>
+              <a:spcAft>
+                <a:spcPts val="1800"/>
+              </a:spcAft>
+            </a:pPr>
+            <a:r>
+              <a:rPr lang="en-US" sz="3200" dirty="0"/>
+              <a:t>Time window for each validation set</a:t>
+            </a:r>
+          </a:p>
+          <a:p>
+            <a:pPr>
+              <a:lnSpc>
+                <a:spcPct val="100000"/>
+              </a:lnSpc>
+              <a:spcAft>
+                <a:spcPts val="1800"/>
+              </a:spcAft>
+            </a:pPr>
+            <a:r>
+              <a:rPr lang="en-US" sz="3200" dirty="0"/>
+              <a:t>Sampling frequency for examples/rows</a:t>
+            </a:r>
+          </a:p>
+          <a:p>
+            <a:pPr>
+              <a:lnSpc>
+                <a:spcPct val="100000"/>
+              </a:lnSpc>
+              <a:spcAft>
+                <a:spcPts val="1800"/>
+              </a:spcAft>
+            </a:pPr>
+            <a:r>
+              <a:rPr lang="en-US" sz="3200" dirty="0"/>
+              <a:t>History for features (for each example/row)</a:t>
+            </a:r>
+            <a:endParaRPr lang="en-US" sz="2800" dirty="0"/>
+          </a:p>
+        </p:txBody>
+      </p:sp>
+    </p:spTree>
+    <p:extLst>
+      <p:ext uri="{BB962C8B-B14F-4D97-AF65-F5344CB8AC3E}">
+        <p14:creationId xmlns:p14="http://schemas.microsoft.com/office/powerpoint/2010/main" val="3130492396"/>
+      </p:ext>
+    </p:extLst>
+  </p:cSld>
+  <p:clrMapOvr>
+    <a:masterClrMapping/>
+  </p:clrMapOvr>
+</p:sld>
+</file>
+
+<file path=ppt/slides/slide23.xml><?xml version="1.0" encoding="utf-8"?>
+<p:sld xmlns:a="http://schemas.openxmlformats.org/drawingml/2006/main" xmlns:r="http://schemas.openxmlformats.org/officeDocument/2006/relationships" xmlns:p="http://schemas.openxmlformats.org/presentationml/2006/main">
+  <p:cSld>
+    <p:spTree>
+      <p:nvGrpSpPr>
+        <p:cNvPr id="1" name=""/>
+        <p:cNvGrpSpPr/>
+        <p:nvPr/>
+      </p:nvGrpSpPr>
+      <p:grpSpPr>
+        <a:xfrm>
+          <a:off x="0" y="0"/>
+          <a:ext cx="0" cy="0"/>
+          <a:chOff x="0" y="0"/>
+          <a:chExt cx="0" cy="0"/>
+        </a:xfrm>
+      </p:grpSpPr>
+      <p:sp>
+        <p:nvSpPr>
+          <p:cNvPr id="2" name="Title 1">
+            <a:extLst>
+              <a:ext uri="{FF2B5EF4-FFF2-40B4-BE49-F238E27FC236}">
+                <a16:creationId xmlns:a16="http://schemas.microsoft.com/office/drawing/2014/main" id="{E3F5A4E3-1083-BD43-B370-9A1F90A39416}"/>
+              </a:ext>
+            </a:extLst>
+          </p:cNvPr>
+          <p:cNvSpPr>
+            <a:spLocks noGrp="1"/>
+          </p:cNvSpPr>
+          <p:nvPr>
+            <p:ph type="title"/>
+          </p:nvPr>
+        </p:nvSpPr>
+        <p:spPr/>
+        <p:txBody>
+          <a:bodyPr/>
+          <a:lstStyle/>
+          <a:p>
+            <a:r>
+              <a:rPr lang="en-US" dirty="0"/>
+              <a:t>Temporal Validation Parameters</a:t>
+            </a:r>
+          </a:p>
+        </p:txBody>
+      </p:sp>
+      <p:pic>
+        <p:nvPicPr>
+          <p:cNvPr id="1026" name="Picture 2" descr="Time splitting config">
+            <a:extLst>
+              <a:ext uri="{FF2B5EF4-FFF2-40B4-BE49-F238E27FC236}">
+                <a16:creationId xmlns:a16="http://schemas.microsoft.com/office/drawing/2014/main" id="{64C21727-A739-3142-B6FA-045F6EA56FF6}"/>
+              </a:ext>
+            </a:extLst>
+          </p:cNvPr>
+          <p:cNvPicPr>
+            <a:picLocks noChangeAspect="1" noChangeArrowheads="1"/>
+          </p:cNvPicPr>
+          <p:nvPr/>
+        </p:nvPicPr>
+        <p:blipFill>
+          <a:blip r:embed="rId2">
+            <a:extLst>
+              <a:ext uri="{28A0092B-C50C-407E-A947-70E740481C1C}">
+                <a14:useLocalDpi xmlns:a14="http://schemas.microsoft.com/office/drawing/2010/main" val="0"/>
+              </a:ext>
+            </a:extLst>
+          </a:blip>
+          <a:srcRect/>
+          <a:stretch>
+            <a:fillRect/>
+          </a:stretch>
+        </p:blipFill>
+        <p:spPr bwMode="auto">
+          <a:xfrm>
+            <a:off x="0" y="2025650"/>
+            <a:ext cx="12192000" cy="2805113"/>
+          </a:xfrm>
+          <a:prstGeom prst="rect">
+            <a:avLst/>
+          </a:prstGeom>
+          <a:noFill/>
+          <a:extLst>
+            <a:ext uri="{909E8E84-426E-40DD-AFC4-6F175D3DCCD1}">
+              <a14:hiddenFill xmlns:a14="http://schemas.microsoft.com/office/drawing/2010/main">
+                <a:solidFill>
+                  <a:srgbClr val="FFFFFF"/>
+                </a:solidFill>
+              </a14:hiddenFill>
+            </a:ext>
+          </a:extLst>
+        </p:spPr>
+      </p:pic>
+    </p:spTree>
+    <p:extLst>
+      <p:ext uri="{BB962C8B-B14F-4D97-AF65-F5344CB8AC3E}">
+        <p14:creationId xmlns:p14="http://schemas.microsoft.com/office/powerpoint/2010/main" val="4088877380"/>
+      </p:ext>
+    </p:extLst>
+  </p:cSld>
+  <p:clrMapOvr>
+    <a:masterClrMapping/>
+  </p:clrMapOvr>
+</p:sld>
+</file>
+
+<file path=ppt/slides/slide24.xml><?xml version="1.0" encoding="utf-8"?>
+<p:sld xmlns:a="http://schemas.openxmlformats.org/drawingml/2006/main" xmlns:r="http://schemas.openxmlformats.org/officeDocument/2006/relationships" xmlns:p="http://schemas.openxmlformats.org/presentationml/2006/main">
+  <p:cSld>
+    <p:spTree>
+      <p:nvGrpSpPr>
+        <p:cNvPr id="1" name="Shape 202"/>
+        <p:cNvGrpSpPr/>
+        <p:nvPr/>
+      </p:nvGrpSpPr>
+      <p:grpSpPr>
+        <a:xfrm>
+          <a:off x="0" y="0"/>
+          <a:ext cx="0" cy="0"/>
+          <a:chOff x="0" y="0"/>
+          <a:chExt cx="0" cy="0"/>
+        </a:xfrm>
+      </p:grpSpPr>
+      <p:sp>
+        <p:nvSpPr>
+          <p:cNvPr id="2" name="Text Placeholder 1">
+            <a:extLst>
+              <a:ext uri="{FF2B5EF4-FFF2-40B4-BE49-F238E27FC236}">
+                <a16:creationId xmlns:a16="http://schemas.microsoft.com/office/drawing/2014/main" id="{10E49ADA-B971-3A74-683D-F7E6AB709A58}"/>
+              </a:ext>
+            </a:extLst>
+          </p:cNvPr>
+          <p:cNvSpPr>
+            <a:spLocks noGrp="1"/>
+          </p:cNvSpPr>
+          <p:nvPr>
+            <p:ph type="body" idx="1"/>
+          </p:nvPr>
+        </p:nvSpPr>
+        <p:spPr/>
+        <p:txBody>
+          <a:bodyPr/>
+          <a:lstStyle/>
+          <a:p>
+            <a:endParaRPr lang="en-US"/>
+          </a:p>
+        </p:txBody>
+      </p:sp>
+      <p:sp>
+        <p:nvSpPr>
+          <p:cNvPr id="203" name="Google Shape;203;p38"/>
+          <p:cNvSpPr txBox="1">
+            <a:spLocks noGrp="1"/>
+          </p:cNvSpPr>
+          <p:nvPr>
+            <p:ph type="title"/>
+          </p:nvPr>
+        </p:nvSpPr>
+        <p:spPr>
+          <a:prstGeom prst="rect">
+            <a:avLst/>
+          </a:prstGeom>
+        </p:spPr>
+        <p:txBody>
+          <a:bodyPr spcFirstLastPara="1" wrap="square" lIns="121900" tIns="121900" rIns="121900" bIns="121900" anchor="t" anchorCtr="0">
+            <a:normAutofit fontScale="90000"/>
+          </a:bodyPr>
+          <a:lstStyle/>
+          <a:p>
+            <a:r>
+              <a:rPr lang="en" dirty="0"/>
+              <a:t>Temporal Validation Review -- Example</a:t>
+            </a:r>
+            <a:endParaRPr dirty="0"/>
+          </a:p>
+        </p:txBody>
+      </p:sp>
+      <p:sp>
+        <p:nvSpPr>
+          <p:cNvPr id="204" name="Google Shape;204;p38"/>
+          <p:cNvSpPr/>
+          <p:nvPr/>
+        </p:nvSpPr>
+        <p:spPr>
+          <a:xfrm>
+            <a:off x="190320" y="1463207"/>
+            <a:ext cx="3124000" cy="4204400"/>
+          </a:xfrm>
+          <a:prstGeom prst="rect">
+            <a:avLst/>
+          </a:prstGeom>
+          <a:solidFill>
+            <a:srgbClr val="EEEEEE"/>
+          </a:solidFill>
+          <a:ln w="9525" cap="flat" cmpd="sng">
+            <a:solidFill>
+              <a:srgbClr val="595959"/>
+            </a:solidFill>
+            <a:prstDash val="solid"/>
+            <a:round/>
+            <a:headEnd type="none" w="sm" len="sm"/>
+            <a:tailEnd type="none" w="sm" len="sm"/>
+          </a:ln>
+        </p:spPr>
+        <p:txBody>
+          <a:bodyPr spcFirstLastPara="1" wrap="square" lIns="121900" tIns="121900" rIns="121900" bIns="121900" anchor="ctr" anchorCtr="0">
+            <a:noAutofit/>
+          </a:bodyPr>
+          <a:lstStyle/>
+          <a:p>
+            <a:pPr>
+              <a:buSzPts val="1400"/>
+            </a:pPr>
+            <a:endParaRPr sz="1867"/>
+          </a:p>
+        </p:txBody>
+      </p:sp>
+      <p:sp>
+        <p:nvSpPr>
+          <p:cNvPr id="205" name="Google Shape;205;p38"/>
+          <p:cNvSpPr txBox="1"/>
+          <p:nvPr/>
+        </p:nvSpPr>
+        <p:spPr>
+          <a:xfrm>
+            <a:off x="3566453" y="1341573"/>
+            <a:ext cx="8531200" cy="4555200"/>
+          </a:xfrm>
+          <a:prstGeom prst="rect">
+            <a:avLst/>
+          </a:prstGeom>
+          <a:noFill/>
+          <a:ln>
+            <a:noFill/>
+          </a:ln>
+        </p:spPr>
+        <p:txBody>
+          <a:bodyPr spcFirstLastPara="1" wrap="square" lIns="121900" tIns="121900" rIns="121900" bIns="121900" anchor="t" anchorCtr="0">
+            <a:noAutofit/>
+          </a:bodyPr>
+          <a:lstStyle/>
+          <a:p>
+            <a:pPr>
+              <a:lnSpc>
+                <a:spcPct val="115000"/>
+              </a:lnSpc>
+              <a:spcAft>
+                <a:spcPts val="2133"/>
+              </a:spcAft>
+            </a:pPr>
+            <a:r>
+              <a:rPr lang="en" sz="3467" dirty="0">
+                <a:solidFill>
+                  <a:srgbClr val="FF0000"/>
+                </a:solidFill>
+              </a:rPr>
+              <a:t>At the time of hospital admission</a:t>
+            </a:r>
+            <a:r>
+              <a:rPr lang="en" sz="3467" dirty="0">
+                <a:solidFill>
+                  <a:srgbClr val="595959"/>
+                </a:solidFill>
+              </a:rPr>
+              <a:t>, for </a:t>
+            </a:r>
+            <a:r>
+              <a:rPr lang="en" sz="3467" dirty="0">
+                <a:solidFill>
+                  <a:srgbClr val="0000FF"/>
+                </a:solidFill>
+              </a:rPr>
+              <a:t>all every patient admitted</a:t>
+            </a:r>
+            <a:r>
+              <a:rPr lang="en" sz="3467" dirty="0">
+                <a:solidFill>
+                  <a:srgbClr val="595959"/>
+                </a:solidFill>
+              </a:rPr>
+              <a:t>, can we identify </a:t>
+            </a:r>
+            <a:r>
+              <a:rPr lang="en" sz="3467" dirty="0">
+                <a:solidFill>
+                  <a:srgbClr val="FF00FF"/>
+                </a:solidFill>
+              </a:rPr>
+              <a:t>if they will be among the 50 highest-risk individuals the hospital will see that month </a:t>
+            </a:r>
+            <a:r>
+              <a:rPr lang="en" sz="3467" dirty="0">
+                <a:solidFill>
+                  <a:srgbClr val="595959"/>
+                </a:solidFill>
+              </a:rPr>
+              <a:t>for </a:t>
+            </a:r>
+            <a:r>
+              <a:rPr lang="en" sz="3467" dirty="0">
+                <a:solidFill>
+                  <a:srgbClr val="38761D"/>
+                </a:solidFill>
+              </a:rPr>
+              <a:t>contracting monkeypox in the next year </a:t>
+            </a:r>
+            <a:r>
+              <a:rPr lang="en" sz="3467" dirty="0">
+                <a:solidFill>
+                  <a:srgbClr val="B45F06"/>
+                </a:solidFill>
+              </a:rPr>
+              <a:t>to prioritize for vaccine administration</a:t>
+            </a:r>
+            <a:r>
+              <a:rPr lang="en" sz="3467" dirty="0">
+                <a:solidFill>
+                  <a:srgbClr val="595959"/>
+                </a:solidFill>
+              </a:rPr>
+              <a:t>?</a:t>
+            </a:r>
+            <a:endParaRPr sz="3467" dirty="0">
+              <a:solidFill>
+                <a:srgbClr val="595959"/>
+              </a:solidFill>
+            </a:endParaRPr>
+          </a:p>
+        </p:txBody>
+      </p:sp>
+      <p:sp>
+        <p:nvSpPr>
+          <p:cNvPr id="206" name="Google Shape;206;p38"/>
+          <p:cNvSpPr txBox="1"/>
+          <p:nvPr/>
+        </p:nvSpPr>
+        <p:spPr>
+          <a:xfrm>
+            <a:off x="248120" y="1463207"/>
+            <a:ext cx="3008400" cy="796000"/>
+          </a:xfrm>
+          <a:prstGeom prst="rect">
+            <a:avLst/>
+          </a:prstGeom>
+          <a:noFill/>
+          <a:ln>
+            <a:noFill/>
+          </a:ln>
+        </p:spPr>
+        <p:txBody>
+          <a:bodyPr spcFirstLastPara="1" wrap="square" lIns="121900" tIns="121900" rIns="121900" bIns="121900" anchor="t" anchorCtr="0">
+            <a:noAutofit/>
+          </a:bodyPr>
+          <a:lstStyle/>
+          <a:p>
+            <a:pPr>
+              <a:buSzPts val="1400"/>
+            </a:pPr>
+            <a:r>
+              <a:rPr lang="en" sz="1867">
+                <a:solidFill>
+                  <a:srgbClr val="FF0000"/>
+                </a:solidFill>
+              </a:rPr>
+              <a:t>When and How often is the recommendation / decision being made?</a:t>
+            </a:r>
+            <a:endParaRPr sz="1867">
+              <a:solidFill>
+                <a:srgbClr val="FF0000"/>
+              </a:solidFill>
+            </a:endParaRPr>
+          </a:p>
+        </p:txBody>
+      </p:sp>
+      <p:sp>
+        <p:nvSpPr>
+          <p:cNvPr id="207" name="Google Shape;207;p38"/>
+          <p:cNvSpPr txBox="1"/>
+          <p:nvPr/>
+        </p:nvSpPr>
+        <p:spPr>
+          <a:xfrm>
+            <a:off x="253253" y="2632740"/>
+            <a:ext cx="3008400" cy="796000"/>
+          </a:xfrm>
+          <a:prstGeom prst="rect">
+            <a:avLst/>
+          </a:prstGeom>
+          <a:noFill/>
+          <a:ln>
+            <a:noFill/>
+          </a:ln>
+        </p:spPr>
+        <p:txBody>
+          <a:bodyPr spcFirstLastPara="1" wrap="square" lIns="121900" tIns="121900" rIns="121900" bIns="121900" anchor="t" anchorCtr="0">
+            <a:noAutofit/>
+          </a:bodyPr>
+          <a:lstStyle/>
+          <a:p>
+            <a:pPr>
+              <a:buSzPts val="1400"/>
+            </a:pPr>
+            <a:br>
+              <a:rPr lang="en" sz="1867">
+                <a:solidFill>
+                  <a:srgbClr val="0000FF"/>
+                </a:solidFill>
+              </a:rPr>
+            </a:br>
+            <a:r>
+              <a:rPr lang="en" sz="1867">
+                <a:solidFill>
+                  <a:srgbClr val="0000FF"/>
+                </a:solidFill>
+              </a:rPr>
+              <a:t>Who/what is included in the cohort?</a:t>
+            </a:r>
+            <a:endParaRPr sz="1867">
+              <a:solidFill>
+                <a:srgbClr val="0000FF"/>
+              </a:solidFill>
+            </a:endParaRPr>
+          </a:p>
+        </p:txBody>
+      </p:sp>
+      <p:sp>
+        <p:nvSpPr>
+          <p:cNvPr id="208" name="Google Shape;208;p38"/>
+          <p:cNvSpPr txBox="1"/>
+          <p:nvPr/>
+        </p:nvSpPr>
+        <p:spPr>
+          <a:xfrm>
+            <a:off x="253253" y="3497473"/>
+            <a:ext cx="3008400" cy="796000"/>
+          </a:xfrm>
+          <a:prstGeom prst="rect">
+            <a:avLst/>
+          </a:prstGeom>
+          <a:noFill/>
+          <a:ln>
+            <a:noFill/>
+          </a:ln>
+        </p:spPr>
+        <p:txBody>
+          <a:bodyPr spcFirstLastPara="1" wrap="square" lIns="121900" tIns="121900" rIns="121900" bIns="121900" anchor="t" anchorCtr="0">
+            <a:noAutofit/>
+          </a:bodyPr>
+          <a:lstStyle/>
+          <a:p>
+            <a:pPr>
+              <a:buSzPts val="1400"/>
+            </a:pPr>
+            <a:br>
+              <a:rPr lang="en" sz="1867">
+                <a:solidFill>
+                  <a:srgbClr val="FF00FF"/>
+                </a:solidFill>
+              </a:rPr>
+            </a:br>
+            <a:r>
+              <a:rPr lang="en" sz="1867">
+                <a:solidFill>
+                  <a:srgbClr val="FF00FF"/>
+                </a:solidFill>
+              </a:rPr>
+              <a:t>What is the output?</a:t>
+            </a:r>
+            <a:endParaRPr sz="1867">
+              <a:solidFill>
+                <a:srgbClr val="FF00FF"/>
+              </a:solidFill>
+            </a:endParaRPr>
+          </a:p>
+        </p:txBody>
+      </p:sp>
+      <p:sp>
+        <p:nvSpPr>
+          <p:cNvPr id="209" name="Google Shape;209;p38"/>
+          <p:cNvSpPr txBox="1"/>
+          <p:nvPr/>
+        </p:nvSpPr>
+        <p:spPr>
+          <a:xfrm>
+            <a:off x="248120" y="4191873"/>
+            <a:ext cx="3008400" cy="1475600"/>
+          </a:xfrm>
+          <a:prstGeom prst="rect">
+            <a:avLst/>
+          </a:prstGeom>
+          <a:noFill/>
+          <a:ln>
+            <a:noFill/>
+          </a:ln>
+        </p:spPr>
+        <p:txBody>
+          <a:bodyPr spcFirstLastPara="1" wrap="square" lIns="121900" tIns="121900" rIns="121900" bIns="121900" anchor="t" anchorCtr="0">
+            <a:noAutofit/>
+          </a:bodyPr>
+          <a:lstStyle/>
+          <a:p>
+            <a:pPr>
+              <a:buSzPts val="1400"/>
+            </a:pPr>
+            <a:r>
+              <a:rPr lang="en" sz="1867">
+                <a:solidFill>
+                  <a:srgbClr val="274E13"/>
+                </a:solidFill>
+              </a:rPr>
+              <a:t>What outcome are you predicting/estimating?</a:t>
+            </a:r>
+            <a:endParaRPr sz="1867">
+              <a:solidFill>
+                <a:srgbClr val="274E13"/>
+              </a:solidFill>
+            </a:endParaRPr>
+          </a:p>
+          <a:p>
+            <a:pPr>
+              <a:buSzPts val="1400"/>
+            </a:pPr>
+            <a:endParaRPr sz="1867">
+              <a:solidFill>
+                <a:srgbClr val="274E13"/>
+              </a:solidFill>
+            </a:endParaRPr>
+          </a:p>
+          <a:p>
+            <a:pPr>
+              <a:buSzPts val="1400"/>
+            </a:pPr>
+            <a:r>
+              <a:rPr lang="en" sz="1867">
+                <a:solidFill>
+                  <a:srgbClr val="B45F06"/>
+                </a:solidFill>
+              </a:rPr>
+              <a:t>For what purpose?</a:t>
+            </a:r>
+            <a:endParaRPr sz="1867">
+              <a:solidFill>
+                <a:srgbClr val="274E13"/>
+              </a:solidFill>
+            </a:endParaRPr>
+          </a:p>
+        </p:txBody>
+      </p:sp>
+    </p:spTree>
+    <p:extLst>
+      <p:ext uri="{BB962C8B-B14F-4D97-AF65-F5344CB8AC3E}">
+        <p14:creationId xmlns:p14="http://schemas.microsoft.com/office/powerpoint/2010/main" val="2001223450"/>
+      </p:ext>
+    </p:extLst>
+  </p:cSld>
+  <p:clrMapOvr>
+    <a:masterClrMapping/>
+  </p:clrMapOvr>
+</p:sld>
+</file>
+
+<file path=ppt/slides/slide25.xml><?xml version="1.0" encoding="utf-8"?>
+<p:sld xmlns:a="http://schemas.openxmlformats.org/drawingml/2006/main" xmlns:r="http://schemas.openxmlformats.org/officeDocument/2006/relationships" xmlns:p="http://schemas.openxmlformats.org/presentationml/2006/main">
+  <p:cSld>
+    <p:spTree>
+      <p:nvGrpSpPr>
+        <p:cNvPr id="1" name=""/>
+        <p:cNvGrpSpPr/>
+        <p:nvPr/>
+      </p:nvGrpSpPr>
+      <p:grpSpPr>
+        <a:xfrm>
+          <a:off x="0" y="0"/>
+          <a:ext cx="0" cy="0"/>
+          <a:chOff x="0" y="0"/>
+          <a:chExt cx="0" cy="0"/>
+        </a:xfrm>
+      </p:grpSpPr>
+      <p:sp>
+        <p:nvSpPr>
+          <p:cNvPr id="2" name="Title 1">
+            <a:extLst>
+              <a:ext uri="{FF2B5EF4-FFF2-40B4-BE49-F238E27FC236}">
+                <a16:creationId xmlns:a16="http://schemas.microsoft.com/office/drawing/2014/main" id="{E3F5A4E3-1083-BD43-B370-9A1F90A39416}"/>
+              </a:ext>
+            </a:extLst>
+          </p:cNvPr>
+          <p:cNvSpPr>
+            <a:spLocks noGrp="1"/>
+          </p:cNvSpPr>
+          <p:nvPr>
+            <p:ph type="title"/>
+          </p:nvPr>
+        </p:nvSpPr>
+        <p:spPr/>
+        <p:txBody>
+          <a:bodyPr/>
+          <a:lstStyle/>
+          <a:p>
+            <a:r>
+              <a:rPr lang="en-US" dirty="0"/>
+              <a:t>Parameters</a:t>
+            </a:r>
+          </a:p>
+        </p:txBody>
+      </p:sp>
+      <p:sp>
+        <p:nvSpPr>
+          <p:cNvPr id="3" name="Text Placeholder 2">
+            <a:extLst>
+              <a:ext uri="{FF2B5EF4-FFF2-40B4-BE49-F238E27FC236}">
+                <a16:creationId xmlns:a16="http://schemas.microsoft.com/office/drawing/2014/main" id="{B761F066-C352-2344-9AFE-A7E0C820CFA0}"/>
+              </a:ext>
+            </a:extLst>
+          </p:cNvPr>
+          <p:cNvSpPr>
+            <a:spLocks noGrp="1"/>
+          </p:cNvSpPr>
+          <p:nvPr>
+            <p:ph type="body" idx="1"/>
+          </p:nvPr>
+        </p:nvSpPr>
+        <p:spPr>
+          <a:xfrm>
+            <a:off x="-1" y="947003"/>
+            <a:ext cx="12035481" cy="5404369"/>
+          </a:xfrm>
+        </p:spPr>
+        <p:txBody>
+          <a:bodyPr/>
+          <a:lstStyle/>
+          <a:p>
+            <a:r>
+              <a:rPr lang="en-US" dirty="0"/>
+              <a:t>How far back to go when training models? (max training history)</a:t>
+            </a:r>
+          </a:p>
+          <a:p>
+            <a:pPr lvl="1"/>
+            <a:r>
+              <a:rPr lang="en-US" dirty="0"/>
+              <a:t>To the beginning of time (expanding training window)?</a:t>
+            </a:r>
+          </a:p>
+          <a:p>
+            <a:pPr lvl="1"/>
+            <a:r>
+              <a:rPr lang="en-US" dirty="0"/>
+              <a:t>Fixed history (rolling training window)?</a:t>
+            </a:r>
+          </a:p>
+          <a:p>
+            <a:pPr lvl="1"/>
+            <a:r>
+              <a:rPr lang="en-US" dirty="0"/>
+              <a:t>Something else?</a:t>
+            </a:r>
+          </a:p>
+          <a:p>
+            <a:pPr lvl="1"/>
+            <a:r>
+              <a:rPr lang="en-US" dirty="0"/>
+              <a:t>How far back do you get your features from?</a:t>
+            </a:r>
+            <a:br>
+              <a:rPr lang="en-US" dirty="0"/>
+            </a:br>
+            <a:endParaRPr lang="en-US" dirty="0"/>
+          </a:p>
+          <a:p>
+            <a:r>
+              <a:rPr lang="en-US" dirty="0"/>
+              <a:t>How much to move forward from train-validation pair 1 to train-validation pair 2?</a:t>
+            </a:r>
+          </a:p>
+          <a:p>
+            <a:pPr lvl="1"/>
+            <a:r>
+              <a:rPr lang="en-US" dirty="0"/>
+              <a:t>A day?</a:t>
+            </a:r>
+          </a:p>
+          <a:p>
+            <a:pPr lvl="1"/>
+            <a:r>
+              <a:rPr lang="en-US" dirty="0"/>
+              <a:t>A month? </a:t>
+            </a:r>
+          </a:p>
+          <a:p>
+            <a:pPr lvl="1"/>
+            <a:r>
+              <a:rPr lang="en-US" dirty="0"/>
+              <a:t>Something else?</a:t>
+            </a:r>
+          </a:p>
+        </p:txBody>
+      </p:sp>
+    </p:spTree>
+    <p:extLst>
+      <p:ext uri="{BB962C8B-B14F-4D97-AF65-F5344CB8AC3E}">
+        <p14:creationId xmlns:p14="http://schemas.microsoft.com/office/powerpoint/2010/main" val="3359709114"/>
+      </p:ext>
+    </p:extLst>
+  </p:cSld>
+  <p:clrMapOvr>
+    <a:masterClrMapping/>
+  </p:clrMapOvr>
+</p:sld>
+</file>
+
+<file path=ppt/slides/slide26.xml><?xml version="1.0" encoding="utf-8"?>
+<p:sld xmlns:a="http://schemas.openxmlformats.org/drawingml/2006/main" xmlns:r="http://schemas.openxmlformats.org/officeDocument/2006/relationships" xmlns:p="http://schemas.openxmlformats.org/presentationml/2006/main">
+  <p:cSld>
+    <p:spTree>
+      <p:nvGrpSpPr>
+        <p:cNvPr id="1" name=""/>
+        <p:cNvGrpSpPr/>
+        <p:nvPr/>
+      </p:nvGrpSpPr>
+      <p:grpSpPr>
+        <a:xfrm>
+          <a:off x="0" y="0"/>
+          <a:ext cx="0" cy="0"/>
+          <a:chOff x="0" y="0"/>
+          <a:chExt cx="0" cy="0"/>
+        </a:xfrm>
+      </p:grpSpPr>
+      <p:sp>
+        <p:nvSpPr>
+          <p:cNvPr id="2" name="Title 1">
+            <a:extLst>
+              <a:ext uri="{FF2B5EF4-FFF2-40B4-BE49-F238E27FC236}">
+                <a16:creationId xmlns:a16="http://schemas.microsoft.com/office/drawing/2014/main" id="{E3F5A4E3-1083-BD43-B370-9A1F90A39416}"/>
+              </a:ext>
+            </a:extLst>
+          </p:cNvPr>
+          <p:cNvSpPr>
+            <a:spLocks noGrp="1"/>
+          </p:cNvSpPr>
+          <p:nvPr>
+            <p:ph type="title"/>
+          </p:nvPr>
+        </p:nvSpPr>
+        <p:spPr/>
+        <p:txBody>
+          <a:bodyPr/>
+          <a:lstStyle/>
+          <a:p>
+            <a:r>
+              <a:rPr lang="en-US" dirty="0"/>
               <a:t>Other considerations</a:t>
             </a:r>
           </a:p>
@@ -13397,7 +15084,7 @@
 </p:sld>
 </file>
 
-<file path=ppt/slides/slide23.xml><?xml version="1.0" encoding="utf-8"?>
+<file path=ppt/slides/slide27.xml><?xml version="1.0" encoding="utf-8"?>
 <p:sld xmlns:a="http://schemas.openxmlformats.org/drawingml/2006/main" xmlns:r="http://schemas.openxmlformats.org/officeDocument/2006/relationships" xmlns:p="http://schemas.openxmlformats.org/presentationml/2006/main">
   <p:cSld>
     <p:spTree>
@@ -13517,7 +15204,7 @@
 </p:sld>
 </file>
 
-<file path=ppt/slides/slide24.xml><?xml version="1.0" encoding="utf-8"?>
+<file path=ppt/slides/slide28.xml><?xml version="1.0" encoding="utf-8"?>
 <p:sld xmlns:a="http://schemas.openxmlformats.org/drawingml/2006/main" xmlns:r="http://schemas.openxmlformats.org/officeDocument/2006/relationships" xmlns:p="http://schemas.openxmlformats.org/presentationml/2006/main">
   <p:cSld>
     <p:spTree>
@@ -17421,7 +19108,7 @@
 </p:sld>
 </file>
 
-<file path=ppt/slides/slide25.xml><?xml version="1.0" encoding="utf-8"?>
+<file path=ppt/slides/slide29.xml><?xml version="1.0" encoding="utf-8"?>
 <p:sld xmlns:a="http://schemas.openxmlformats.org/drawingml/2006/main" xmlns:r="http://schemas.openxmlformats.org/officeDocument/2006/relationships" xmlns:p="http://schemas.openxmlformats.org/presentationml/2006/main">
   <p:cSld>
     <p:spTree>
@@ -17899,7 +19586,413 @@
 </p:sld>
 </file>
 
-<file path=ppt/slides/slide26.xml><?xml version="1.0" encoding="utf-8"?>
+<file path=ppt/slides/slide3.xml><?xml version="1.0" encoding="utf-8"?>
+<p:sld xmlns:a="http://schemas.openxmlformats.org/drawingml/2006/main" xmlns:r="http://schemas.openxmlformats.org/officeDocument/2006/relationships" xmlns:p="http://schemas.openxmlformats.org/presentationml/2006/main">
+  <p:cSld>
+    <p:spTree>
+      <p:nvGrpSpPr>
+        <p:cNvPr id="1" name=""/>
+        <p:cNvGrpSpPr/>
+        <p:nvPr/>
+      </p:nvGrpSpPr>
+      <p:grpSpPr>
+        <a:xfrm>
+          <a:off x="0" y="0"/>
+          <a:ext cx="0" cy="0"/>
+          <a:chOff x="0" y="0"/>
+          <a:chExt cx="0" cy="0"/>
+        </a:xfrm>
+      </p:grpSpPr>
+      <p:sp>
+        <p:nvSpPr>
+          <p:cNvPr id="3" name="Title 2">
+            <a:extLst>
+              <a:ext uri="{FF2B5EF4-FFF2-40B4-BE49-F238E27FC236}">
+                <a16:creationId xmlns:a16="http://schemas.microsoft.com/office/drawing/2014/main" id="{9323871C-7CA8-1448-8FFC-1AE6E1838941}"/>
+              </a:ext>
+            </a:extLst>
+          </p:cNvPr>
+          <p:cNvSpPr>
+            <a:spLocks noGrp="1"/>
+          </p:cNvSpPr>
+          <p:nvPr>
+            <p:ph type="title"/>
+          </p:nvPr>
+        </p:nvSpPr>
+        <p:spPr/>
+        <p:txBody>
+          <a:bodyPr/>
+          <a:lstStyle/>
+          <a:p>
+            <a:r>
+              <a:rPr lang="en-US" dirty="0"/>
+              <a:t>Teamwork Question</a:t>
+            </a:r>
+          </a:p>
+        </p:txBody>
+      </p:sp>
+      <p:sp>
+        <p:nvSpPr>
+          <p:cNvPr id="4" name="Text Placeholder 3">
+            <a:extLst>
+              <a:ext uri="{FF2B5EF4-FFF2-40B4-BE49-F238E27FC236}">
+                <a16:creationId xmlns:a16="http://schemas.microsoft.com/office/drawing/2014/main" id="{5E600BA7-FA45-884F-9820-9E5F2CB7AA48}"/>
+              </a:ext>
+            </a:extLst>
+          </p:cNvPr>
+          <p:cNvSpPr>
+            <a:spLocks noGrp="1"/>
+          </p:cNvSpPr>
+          <p:nvPr>
+            <p:ph type="body" idx="1"/>
+          </p:nvPr>
+        </p:nvSpPr>
+        <p:spPr>
+          <a:xfrm>
+            <a:off x="415600" y="1130134"/>
+            <a:ext cx="11360700" cy="4555200"/>
+          </a:xfrm>
+        </p:spPr>
+        <p:txBody>
+          <a:bodyPr/>
+          <a:lstStyle/>
+          <a:p>
+            <a:pPr marL="76200" indent="0" algn="ctr">
+              <a:buNone/>
+            </a:pPr>
+            <a:r>
+              <a:rPr lang="en-US" sz="3600" dirty="0"/>
+              <a:t>How’s teamwork going?</a:t>
+            </a:r>
+          </a:p>
+        </p:txBody>
+      </p:sp>
+      <p:sp>
+        <p:nvSpPr>
+          <p:cNvPr id="5" name="Text Placeholder 3">
+            <a:extLst>
+              <a:ext uri="{FF2B5EF4-FFF2-40B4-BE49-F238E27FC236}">
+                <a16:creationId xmlns:a16="http://schemas.microsoft.com/office/drawing/2014/main" id="{0CF60459-98F0-E844-AFCC-DC0705B0478D}"/>
+              </a:ext>
+            </a:extLst>
+          </p:cNvPr>
+          <p:cNvSpPr txBox="1">
+            <a:spLocks/>
+          </p:cNvSpPr>
+          <p:nvPr/>
+        </p:nvSpPr>
+        <p:spPr>
+          <a:xfrm>
+            <a:off x="3726941" y="2567943"/>
+            <a:ext cx="4886875" cy="2794571"/>
+          </a:xfrm>
+          <a:prstGeom prst="rect">
+            <a:avLst/>
+          </a:prstGeom>
+          <a:noFill/>
+          <a:ln>
+            <a:noFill/>
+          </a:ln>
+        </p:spPr>
+        <p:txBody>
+          <a:bodyPr spcFirstLastPara="1" wrap="none" lIns="121900" tIns="121900" rIns="121900" bIns="121900" rtlCol="0" anchor="t" anchorCtr="0">
+            <a:spAutoFit/>
+          </a:bodyPr>
+          <a:lstStyle>
+            <a:defPPr marR="0" lvl="0" algn="l" rtl="0">
+              <a:lnSpc>
+                <a:spcPct val="100000"/>
+              </a:lnSpc>
+              <a:spcBef>
+                <a:spcPts val="0"/>
+              </a:spcBef>
+              <a:spcAft>
+                <a:spcPts val="0"/>
+              </a:spcAft>
+            </a:defPPr>
+            <a:lvl1pPr marL="457200" marR="0" lvl="0" indent="-381000" algn="l" rtl="0">
+              <a:lnSpc>
+                <a:spcPct val="115000"/>
+              </a:lnSpc>
+              <a:spcBef>
+                <a:spcPts val="0"/>
+              </a:spcBef>
+              <a:spcAft>
+                <a:spcPts val="0"/>
+              </a:spcAft>
+              <a:buClr>
+                <a:srgbClr val="434343"/>
+              </a:buClr>
+              <a:buSzPts val="2400"/>
+              <a:buFont typeface="Arial"/>
+              <a:buChar char="●"/>
+              <a:defRPr sz="2400" b="0" i="0" u="none" strike="noStrike" cap="none">
+                <a:solidFill>
+                  <a:srgbClr val="434343"/>
+                </a:solidFill>
+                <a:latin typeface="Arial"/>
+                <a:ea typeface="Arial"/>
+                <a:cs typeface="Arial"/>
+                <a:sym typeface="Arial"/>
+              </a:defRPr>
+            </a:lvl1pPr>
+            <a:lvl2pPr marL="914400" marR="0" lvl="1" indent="-349250" algn="l" rtl="0">
+              <a:lnSpc>
+                <a:spcPct val="115000"/>
+              </a:lnSpc>
+              <a:spcBef>
+                <a:spcPts val="2100"/>
+              </a:spcBef>
+              <a:spcAft>
+                <a:spcPts val="0"/>
+              </a:spcAft>
+              <a:buClr>
+                <a:srgbClr val="434343"/>
+              </a:buClr>
+              <a:buSzPts val="1900"/>
+              <a:buFont typeface="Arial"/>
+              <a:buChar char="○"/>
+              <a:defRPr sz="1900" b="0" i="0" u="none" strike="noStrike" cap="none">
+                <a:solidFill>
+                  <a:srgbClr val="434343"/>
+                </a:solidFill>
+                <a:latin typeface="Arial"/>
+                <a:ea typeface="Arial"/>
+                <a:cs typeface="Arial"/>
+                <a:sym typeface="Arial"/>
+              </a:defRPr>
+            </a:lvl2pPr>
+            <a:lvl3pPr marL="1371600" marR="0" lvl="2" indent="-349250" algn="l" rtl="0">
+              <a:lnSpc>
+                <a:spcPct val="115000"/>
+              </a:lnSpc>
+              <a:spcBef>
+                <a:spcPts val="2100"/>
+              </a:spcBef>
+              <a:spcAft>
+                <a:spcPts val="0"/>
+              </a:spcAft>
+              <a:buClr>
+                <a:srgbClr val="434343"/>
+              </a:buClr>
+              <a:buSzPts val="1900"/>
+              <a:buFont typeface="Arial"/>
+              <a:buChar char="■"/>
+              <a:defRPr sz="1900" b="0" i="0" u="none" strike="noStrike" cap="none">
+                <a:solidFill>
+                  <a:srgbClr val="434343"/>
+                </a:solidFill>
+                <a:latin typeface="Arial"/>
+                <a:ea typeface="Arial"/>
+                <a:cs typeface="Arial"/>
+                <a:sym typeface="Arial"/>
+              </a:defRPr>
+            </a:lvl3pPr>
+            <a:lvl4pPr marL="1828800" marR="0" lvl="3" indent="-349250" algn="l" rtl="0">
+              <a:lnSpc>
+                <a:spcPct val="115000"/>
+              </a:lnSpc>
+              <a:spcBef>
+                <a:spcPts val="2100"/>
+              </a:spcBef>
+              <a:spcAft>
+                <a:spcPts val="0"/>
+              </a:spcAft>
+              <a:buClr>
+                <a:srgbClr val="434343"/>
+              </a:buClr>
+              <a:buSzPts val="1900"/>
+              <a:buFont typeface="Arial"/>
+              <a:buChar char="●"/>
+              <a:defRPr sz="1900" b="0" i="0" u="none" strike="noStrike" cap="none">
+                <a:solidFill>
+                  <a:srgbClr val="434343"/>
+                </a:solidFill>
+                <a:latin typeface="Arial"/>
+                <a:ea typeface="Arial"/>
+                <a:cs typeface="Arial"/>
+                <a:sym typeface="Arial"/>
+              </a:defRPr>
+            </a:lvl4pPr>
+            <a:lvl5pPr marL="2286000" marR="0" lvl="4" indent="-349250" algn="l" rtl="0">
+              <a:lnSpc>
+                <a:spcPct val="115000"/>
+              </a:lnSpc>
+              <a:spcBef>
+                <a:spcPts val="2100"/>
+              </a:spcBef>
+              <a:spcAft>
+                <a:spcPts val="0"/>
+              </a:spcAft>
+              <a:buClr>
+                <a:srgbClr val="434343"/>
+              </a:buClr>
+              <a:buSzPts val="1900"/>
+              <a:buFont typeface="Arial"/>
+              <a:buChar char="○"/>
+              <a:defRPr sz="1900" b="0" i="0" u="none" strike="noStrike" cap="none">
+                <a:solidFill>
+                  <a:srgbClr val="434343"/>
+                </a:solidFill>
+                <a:latin typeface="Arial"/>
+                <a:ea typeface="Arial"/>
+                <a:cs typeface="Arial"/>
+                <a:sym typeface="Arial"/>
+              </a:defRPr>
+            </a:lvl5pPr>
+            <a:lvl6pPr marL="2743200" marR="0" lvl="5" indent="-349250" algn="l" rtl="0">
+              <a:lnSpc>
+                <a:spcPct val="115000"/>
+              </a:lnSpc>
+              <a:spcBef>
+                <a:spcPts val="2100"/>
+              </a:spcBef>
+              <a:spcAft>
+                <a:spcPts val="0"/>
+              </a:spcAft>
+              <a:buClr>
+                <a:srgbClr val="434343"/>
+              </a:buClr>
+              <a:buSzPts val="1900"/>
+              <a:buFont typeface="Arial"/>
+              <a:buChar char="■"/>
+              <a:defRPr sz="1900" b="0" i="0" u="none" strike="noStrike" cap="none">
+                <a:solidFill>
+                  <a:srgbClr val="434343"/>
+                </a:solidFill>
+                <a:latin typeface="Arial"/>
+                <a:ea typeface="Arial"/>
+                <a:cs typeface="Arial"/>
+                <a:sym typeface="Arial"/>
+              </a:defRPr>
+            </a:lvl6pPr>
+            <a:lvl7pPr marL="3200400" marR="0" lvl="6" indent="-349250" algn="l" rtl="0">
+              <a:lnSpc>
+                <a:spcPct val="115000"/>
+              </a:lnSpc>
+              <a:spcBef>
+                <a:spcPts val="2100"/>
+              </a:spcBef>
+              <a:spcAft>
+                <a:spcPts val="0"/>
+              </a:spcAft>
+              <a:buClr>
+                <a:srgbClr val="434343"/>
+              </a:buClr>
+              <a:buSzPts val="1900"/>
+              <a:buFont typeface="Arial"/>
+              <a:buChar char="●"/>
+              <a:defRPr sz="1900" b="0" i="0" u="none" strike="noStrike" cap="none">
+                <a:solidFill>
+                  <a:srgbClr val="434343"/>
+                </a:solidFill>
+                <a:latin typeface="Arial"/>
+                <a:ea typeface="Arial"/>
+                <a:cs typeface="Arial"/>
+                <a:sym typeface="Arial"/>
+              </a:defRPr>
+            </a:lvl7pPr>
+            <a:lvl8pPr marL="3657600" marR="0" lvl="7" indent="-349250" algn="l" rtl="0">
+              <a:lnSpc>
+                <a:spcPct val="115000"/>
+              </a:lnSpc>
+              <a:spcBef>
+                <a:spcPts val="2100"/>
+              </a:spcBef>
+              <a:spcAft>
+                <a:spcPts val="0"/>
+              </a:spcAft>
+              <a:buClr>
+                <a:srgbClr val="434343"/>
+              </a:buClr>
+              <a:buSzPts val="1900"/>
+              <a:buFont typeface="Arial"/>
+              <a:buChar char="○"/>
+              <a:defRPr sz="1900" b="0" i="0" u="none" strike="noStrike" cap="none">
+                <a:solidFill>
+                  <a:srgbClr val="434343"/>
+                </a:solidFill>
+                <a:latin typeface="Arial"/>
+                <a:ea typeface="Arial"/>
+                <a:cs typeface="Arial"/>
+                <a:sym typeface="Arial"/>
+              </a:defRPr>
+            </a:lvl8pPr>
+            <a:lvl9pPr marL="4114800" marR="0" lvl="8" indent="-349250" algn="l" rtl="0">
+              <a:lnSpc>
+                <a:spcPct val="115000"/>
+              </a:lnSpc>
+              <a:spcBef>
+                <a:spcPts val="2100"/>
+              </a:spcBef>
+              <a:spcAft>
+                <a:spcPts val="2100"/>
+              </a:spcAft>
+              <a:buClr>
+                <a:srgbClr val="434343"/>
+              </a:buClr>
+              <a:buSzPts val="1900"/>
+              <a:buFont typeface="Arial"/>
+              <a:buChar char="■"/>
+              <a:defRPr sz="1900" b="0" i="0" u="none" strike="noStrike" cap="none">
+                <a:solidFill>
+                  <a:srgbClr val="434343"/>
+                </a:solidFill>
+                <a:latin typeface="Arial"/>
+                <a:ea typeface="Arial"/>
+                <a:cs typeface="Arial"/>
+                <a:sym typeface="Arial"/>
+              </a:defRPr>
+            </a:lvl9pPr>
+          </a:lstStyle>
+          <a:p>
+            <a:pPr marL="114300" indent="0" algn="ctr">
+              <a:buFont typeface="Arial"/>
+              <a:buNone/>
+            </a:pPr>
+            <a:r>
+              <a:rPr lang="en-US" sz="4800" dirty="0" err="1"/>
+              <a:t>sli.do</a:t>
+            </a:r>
+            <a:r>
+              <a:rPr lang="en-US" sz="4800" dirty="0"/>
+              <a:t>      #10718</a:t>
+            </a:r>
+          </a:p>
+          <a:p>
+            <a:pPr algn="ctr"/>
+            <a:endParaRPr lang="en-US" sz="4800" dirty="0"/>
+          </a:p>
+          <a:p>
+            <a:pPr marL="114300" indent="0" algn="ctr">
+              <a:buFont typeface="Arial"/>
+              <a:buNone/>
+            </a:pPr>
+            <a:r>
+              <a:rPr lang="en-US" sz="4800" dirty="0" err="1"/>
+              <a:t>sli.do</a:t>
+            </a:r>
+            <a:r>
+              <a:rPr lang="en-US" sz="4800" dirty="0"/>
+              <a:t>/10718</a:t>
+            </a:r>
+          </a:p>
+        </p:txBody>
+      </p:sp>
+    </p:spTree>
+    <p:extLst>
+      <p:ext uri="{BB962C8B-B14F-4D97-AF65-F5344CB8AC3E}">
+        <p14:creationId xmlns:p14="http://schemas.microsoft.com/office/powerpoint/2010/main" val="4066479944"/>
+      </p:ext>
+    </p:extLst>
+  </p:cSld>
+  <p:clrMapOvr>
+    <a:masterClrMapping/>
+  </p:clrMapOvr>
+</p:sld>
+</file>
+
+<file path=ppt/slides/slide30.xml><?xml version="1.0" encoding="utf-8"?>
 <p:sld xmlns:a="http://schemas.openxmlformats.org/drawingml/2006/main" xmlns:r="http://schemas.openxmlformats.org/officeDocument/2006/relationships" xmlns:p="http://schemas.openxmlformats.org/presentationml/2006/main">
   <p:cSld>
     <p:spTree>
@@ -20532,7 +22625,7 @@
 </p:sld>
 </file>
 
-<file path=ppt/slides/slide27.xml><?xml version="1.0" encoding="utf-8"?>
+<file path=ppt/slides/slide31.xml><?xml version="1.0" encoding="utf-8"?>
 <p:sld xmlns:a="http://schemas.openxmlformats.org/drawingml/2006/main" xmlns:r="http://schemas.openxmlformats.org/officeDocument/2006/relationships" xmlns:p="http://schemas.openxmlformats.org/presentationml/2006/main">
   <p:cSld>
     <p:spTree>
@@ -21672,7 +23765,7 @@
 </p:sld>
 </file>
 
-<file path=ppt/slides/slide28.xml><?xml version="1.0" encoding="utf-8"?>
+<file path=ppt/slides/slide32.xml><?xml version="1.0" encoding="utf-8"?>
 <p:sld xmlns:a="http://schemas.openxmlformats.org/drawingml/2006/main" xmlns:r="http://schemas.openxmlformats.org/officeDocument/2006/relationships" xmlns:p="http://schemas.openxmlformats.org/presentationml/2006/main">
   <p:cSld>
     <p:spTree>
@@ -22811,7 +24904,7 @@
 </p:sld>
 </file>
 
-<file path=ppt/slides/slide29.xml><?xml version="1.0" encoding="utf-8"?>
+<file path=ppt/slides/slide33.xml><?xml version="1.0" encoding="utf-8"?>
 <p:sld xmlns:a="http://schemas.openxmlformats.org/drawingml/2006/main" xmlns:r="http://schemas.openxmlformats.org/officeDocument/2006/relationships" xmlns:p="http://schemas.openxmlformats.org/presentationml/2006/main">
   <p:cSld>
     <p:spTree>
@@ -23950,413 +26043,7 @@
 </p:sld>
 </file>
 
-<file path=ppt/slides/slide3.xml><?xml version="1.0" encoding="utf-8"?>
-<p:sld xmlns:a="http://schemas.openxmlformats.org/drawingml/2006/main" xmlns:r="http://schemas.openxmlformats.org/officeDocument/2006/relationships" xmlns:p="http://schemas.openxmlformats.org/presentationml/2006/main">
-  <p:cSld>
-    <p:spTree>
-      <p:nvGrpSpPr>
-        <p:cNvPr id="1" name=""/>
-        <p:cNvGrpSpPr/>
-        <p:nvPr/>
-      </p:nvGrpSpPr>
-      <p:grpSpPr>
-        <a:xfrm>
-          <a:off x="0" y="0"/>
-          <a:ext cx="0" cy="0"/>
-          <a:chOff x="0" y="0"/>
-          <a:chExt cx="0" cy="0"/>
-        </a:xfrm>
-      </p:grpSpPr>
-      <p:sp>
-        <p:nvSpPr>
-          <p:cNvPr id="3" name="Title 2">
-            <a:extLst>
-              <a:ext uri="{FF2B5EF4-FFF2-40B4-BE49-F238E27FC236}">
-                <a16:creationId xmlns:a16="http://schemas.microsoft.com/office/drawing/2014/main" id="{9323871C-7CA8-1448-8FFC-1AE6E1838941}"/>
-              </a:ext>
-            </a:extLst>
-          </p:cNvPr>
-          <p:cNvSpPr>
-            <a:spLocks noGrp="1"/>
-          </p:cNvSpPr>
-          <p:nvPr>
-            <p:ph type="title"/>
-          </p:nvPr>
-        </p:nvSpPr>
-        <p:spPr/>
-        <p:txBody>
-          <a:bodyPr/>
-          <a:lstStyle/>
-          <a:p>
-            <a:r>
-              <a:rPr lang="en-US" dirty="0"/>
-              <a:t>Teamwork Question</a:t>
-            </a:r>
-          </a:p>
-        </p:txBody>
-      </p:sp>
-      <p:sp>
-        <p:nvSpPr>
-          <p:cNvPr id="4" name="Text Placeholder 3">
-            <a:extLst>
-              <a:ext uri="{FF2B5EF4-FFF2-40B4-BE49-F238E27FC236}">
-                <a16:creationId xmlns:a16="http://schemas.microsoft.com/office/drawing/2014/main" id="{5E600BA7-FA45-884F-9820-9E5F2CB7AA48}"/>
-              </a:ext>
-            </a:extLst>
-          </p:cNvPr>
-          <p:cNvSpPr>
-            <a:spLocks noGrp="1"/>
-          </p:cNvSpPr>
-          <p:nvPr>
-            <p:ph type="body" idx="1"/>
-          </p:nvPr>
-        </p:nvSpPr>
-        <p:spPr>
-          <a:xfrm>
-            <a:off x="415600" y="1130134"/>
-            <a:ext cx="11360700" cy="4555200"/>
-          </a:xfrm>
-        </p:spPr>
-        <p:txBody>
-          <a:bodyPr/>
-          <a:lstStyle/>
-          <a:p>
-            <a:pPr marL="76200" indent="0" algn="ctr">
-              <a:buNone/>
-            </a:pPr>
-            <a:r>
-              <a:rPr lang="en-US" sz="3600" dirty="0"/>
-              <a:t>How’s teamwork going?</a:t>
-            </a:r>
-          </a:p>
-        </p:txBody>
-      </p:sp>
-      <p:sp>
-        <p:nvSpPr>
-          <p:cNvPr id="5" name="Text Placeholder 3">
-            <a:extLst>
-              <a:ext uri="{FF2B5EF4-FFF2-40B4-BE49-F238E27FC236}">
-                <a16:creationId xmlns:a16="http://schemas.microsoft.com/office/drawing/2014/main" id="{0CF60459-98F0-E844-AFCC-DC0705B0478D}"/>
-              </a:ext>
-            </a:extLst>
-          </p:cNvPr>
-          <p:cNvSpPr txBox="1">
-            <a:spLocks/>
-          </p:cNvSpPr>
-          <p:nvPr/>
-        </p:nvSpPr>
-        <p:spPr>
-          <a:xfrm>
-            <a:off x="3726941" y="2567943"/>
-            <a:ext cx="4886875" cy="2794571"/>
-          </a:xfrm>
-          <a:prstGeom prst="rect">
-            <a:avLst/>
-          </a:prstGeom>
-          <a:noFill/>
-          <a:ln>
-            <a:noFill/>
-          </a:ln>
-        </p:spPr>
-        <p:txBody>
-          <a:bodyPr spcFirstLastPara="1" wrap="none" lIns="121900" tIns="121900" rIns="121900" bIns="121900" rtlCol="0" anchor="t" anchorCtr="0">
-            <a:spAutoFit/>
-          </a:bodyPr>
-          <a:lstStyle>
-            <a:defPPr marR="0" lvl="0" algn="l" rtl="0">
-              <a:lnSpc>
-                <a:spcPct val="100000"/>
-              </a:lnSpc>
-              <a:spcBef>
-                <a:spcPts val="0"/>
-              </a:spcBef>
-              <a:spcAft>
-                <a:spcPts val="0"/>
-              </a:spcAft>
-            </a:defPPr>
-            <a:lvl1pPr marL="457200" marR="0" lvl="0" indent="-381000" algn="l" rtl="0">
-              <a:lnSpc>
-                <a:spcPct val="115000"/>
-              </a:lnSpc>
-              <a:spcBef>
-                <a:spcPts val="0"/>
-              </a:spcBef>
-              <a:spcAft>
-                <a:spcPts val="0"/>
-              </a:spcAft>
-              <a:buClr>
-                <a:srgbClr val="434343"/>
-              </a:buClr>
-              <a:buSzPts val="2400"/>
-              <a:buFont typeface="Arial"/>
-              <a:buChar char="●"/>
-              <a:defRPr sz="2400" b="0" i="0" u="none" strike="noStrike" cap="none">
-                <a:solidFill>
-                  <a:srgbClr val="434343"/>
-                </a:solidFill>
-                <a:latin typeface="Arial"/>
-                <a:ea typeface="Arial"/>
-                <a:cs typeface="Arial"/>
-                <a:sym typeface="Arial"/>
-              </a:defRPr>
-            </a:lvl1pPr>
-            <a:lvl2pPr marL="914400" marR="0" lvl="1" indent="-349250" algn="l" rtl="0">
-              <a:lnSpc>
-                <a:spcPct val="115000"/>
-              </a:lnSpc>
-              <a:spcBef>
-                <a:spcPts val="2100"/>
-              </a:spcBef>
-              <a:spcAft>
-                <a:spcPts val="0"/>
-              </a:spcAft>
-              <a:buClr>
-                <a:srgbClr val="434343"/>
-              </a:buClr>
-              <a:buSzPts val="1900"/>
-              <a:buFont typeface="Arial"/>
-              <a:buChar char="○"/>
-              <a:defRPr sz="1900" b="0" i="0" u="none" strike="noStrike" cap="none">
-                <a:solidFill>
-                  <a:srgbClr val="434343"/>
-                </a:solidFill>
-                <a:latin typeface="Arial"/>
-                <a:ea typeface="Arial"/>
-                <a:cs typeface="Arial"/>
-                <a:sym typeface="Arial"/>
-              </a:defRPr>
-            </a:lvl2pPr>
-            <a:lvl3pPr marL="1371600" marR="0" lvl="2" indent="-349250" algn="l" rtl="0">
-              <a:lnSpc>
-                <a:spcPct val="115000"/>
-              </a:lnSpc>
-              <a:spcBef>
-                <a:spcPts val="2100"/>
-              </a:spcBef>
-              <a:spcAft>
-                <a:spcPts val="0"/>
-              </a:spcAft>
-              <a:buClr>
-                <a:srgbClr val="434343"/>
-              </a:buClr>
-              <a:buSzPts val="1900"/>
-              <a:buFont typeface="Arial"/>
-              <a:buChar char="■"/>
-              <a:defRPr sz="1900" b="0" i="0" u="none" strike="noStrike" cap="none">
-                <a:solidFill>
-                  <a:srgbClr val="434343"/>
-                </a:solidFill>
-                <a:latin typeface="Arial"/>
-                <a:ea typeface="Arial"/>
-                <a:cs typeface="Arial"/>
-                <a:sym typeface="Arial"/>
-              </a:defRPr>
-            </a:lvl3pPr>
-            <a:lvl4pPr marL="1828800" marR="0" lvl="3" indent="-349250" algn="l" rtl="0">
-              <a:lnSpc>
-                <a:spcPct val="115000"/>
-              </a:lnSpc>
-              <a:spcBef>
-                <a:spcPts val="2100"/>
-              </a:spcBef>
-              <a:spcAft>
-                <a:spcPts val="0"/>
-              </a:spcAft>
-              <a:buClr>
-                <a:srgbClr val="434343"/>
-              </a:buClr>
-              <a:buSzPts val="1900"/>
-              <a:buFont typeface="Arial"/>
-              <a:buChar char="●"/>
-              <a:defRPr sz="1900" b="0" i="0" u="none" strike="noStrike" cap="none">
-                <a:solidFill>
-                  <a:srgbClr val="434343"/>
-                </a:solidFill>
-                <a:latin typeface="Arial"/>
-                <a:ea typeface="Arial"/>
-                <a:cs typeface="Arial"/>
-                <a:sym typeface="Arial"/>
-              </a:defRPr>
-            </a:lvl4pPr>
-            <a:lvl5pPr marL="2286000" marR="0" lvl="4" indent="-349250" algn="l" rtl="0">
-              <a:lnSpc>
-                <a:spcPct val="115000"/>
-              </a:lnSpc>
-              <a:spcBef>
-                <a:spcPts val="2100"/>
-              </a:spcBef>
-              <a:spcAft>
-                <a:spcPts val="0"/>
-              </a:spcAft>
-              <a:buClr>
-                <a:srgbClr val="434343"/>
-              </a:buClr>
-              <a:buSzPts val="1900"/>
-              <a:buFont typeface="Arial"/>
-              <a:buChar char="○"/>
-              <a:defRPr sz="1900" b="0" i="0" u="none" strike="noStrike" cap="none">
-                <a:solidFill>
-                  <a:srgbClr val="434343"/>
-                </a:solidFill>
-                <a:latin typeface="Arial"/>
-                <a:ea typeface="Arial"/>
-                <a:cs typeface="Arial"/>
-                <a:sym typeface="Arial"/>
-              </a:defRPr>
-            </a:lvl5pPr>
-            <a:lvl6pPr marL="2743200" marR="0" lvl="5" indent="-349250" algn="l" rtl="0">
-              <a:lnSpc>
-                <a:spcPct val="115000"/>
-              </a:lnSpc>
-              <a:spcBef>
-                <a:spcPts val="2100"/>
-              </a:spcBef>
-              <a:spcAft>
-                <a:spcPts val="0"/>
-              </a:spcAft>
-              <a:buClr>
-                <a:srgbClr val="434343"/>
-              </a:buClr>
-              <a:buSzPts val="1900"/>
-              <a:buFont typeface="Arial"/>
-              <a:buChar char="■"/>
-              <a:defRPr sz="1900" b="0" i="0" u="none" strike="noStrike" cap="none">
-                <a:solidFill>
-                  <a:srgbClr val="434343"/>
-                </a:solidFill>
-                <a:latin typeface="Arial"/>
-                <a:ea typeface="Arial"/>
-                <a:cs typeface="Arial"/>
-                <a:sym typeface="Arial"/>
-              </a:defRPr>
-            </a:lvl6pPr>
-            <a:lvl7pPr marL="3200400" marR="0" lvl="6" indent="-349250" algn="l" rtl="0">
-              <a:lnSpc>
-                <a:spcPct val="115000"/>
-              </a:lnSpc>
-              <a:spcBef>
-                <a:spcPts val="2100"/>
-              </a:spcBef>
-              <a:spcAft>
-                <a:spcPts val="0"/>
-              </a:spcAft>
-              <a:buClr>
-                <a:srgbClr val="434343"/>
-              </a:buClr>
-              <a:buSzPts val="1900"/>
-              <a:buFont typeface="Arial"/>
-              <a:buChar char="●"/>
-              <a:defRPr sz="1900" b="0" i="0" u="none" strike="noStrike" cap="none">
-                <a:solidFill>
-                  <a:srgbClr val="434343"/>
-                </a:solidFill>
-                <a:latin typeface="Arial"/>
-                <a:ea typeface="Arial"/>
-                <a:cs typeface="Arial"/>
-                <a:sym typeface="Arial"/>
-              </a:defRPr>
-            </a:lvl7pPr>
-            <a:lvl8pPr marL="3657600" marR="0" lvl="7" indent="-349250" algn="l" rtl="0">
-              <a:lnSpc>
-                <a:spcPct val="115000"/>
-              </a:lnSpc>
-              <a:spcBef>
-                <a:spcPts val="2100"/>
-              </a:spcBef>
-              <a:spcAft>
-                <a:spcPts val="0"/>
-              </a:spcAft>
-              <a:buClr>
-                <a:srgbClr val="434343"/>
-              </a:buClr>
-              <a:buSzPts val="1900"/>
-              <a:buFont typeface="Arial"/>
-              <a:buChar char="○"/>
-              <a:defRPr sz="1900" b="0" i="0" u="none" strike="noStrike" cap="none">
-                <a:solidFill>
-                  <a:srgbClr val="434343"/>
-                </a:solidFill>
-                <a:latin typeface="Arial"/>
-                <a:ea typeface="Arial"/>
-                <a:cs typeface="Arial"/>
-                <a:sym typeface="Arial"/>
-              </a:defRPr>
-            </a:lvl8pPr>
-            <a:lvl9pPr marL="4114800" marR="0" lvl="8" indent="-349250" algn="l" rtl="0">
-              <a:lnSpc>
-                <a:spcPct val="115000"/>
-              </a:lnSpc>
-              <a:spcBef>
-                <a:spcPts val="2100"/>
-              </a:spcBef>
-              <a:spcAft>
-                <a:spcPts val="2100"/>
-              </a:spcAft>
-              <a:buClr>
-                <a:srgbClr val="434343"/>
-              </a:buClr>
-              <a:buSzPts val="1900"/>
-              <a:buFont typeface="Arial"/>
-              <a:buChar char="■"/>
-              <a:defRPr sz="1900" b="0" i="0" u="none" strike="noStrike" cap="none">
-                <a:solidFill>
-                  <a:srgbClr val="434343"/>
-                </a:solidFill>
-                <a:latin typeface="Arial"/>
-                <a:ea typeface="Arial"/>
-                <a:cs typeface="Arial"/>
-                <a:sym typeface="Arial"/>
-              </a:defRPr>
-            </a:lvl9pPr>
-          </a:lstStyle>
-          <a:p>
-            <a:pPr marL="114300" indent="0" algn="ctr">
-              <a:buFont typeface="Arial"/>
-              <a:buNone/>
-            </a:pPr>
-            <a:r>
-              <a:rPr lang="en-US" sz="4800" dirty="0" err="1"/>
-              <a:t>sli.do</a:t>
-            </a:r>
-            <a:r>
-              <a:rPr lang="en-US" sz="4800" dirty="0"/>
-              <a:t>      #10718</a:t>
-            </a:r>
-          </a:p>
-          <a:p>
-            <a:pPr algn="ctr"/>
-            <a:endParaRPr lang="en-US" sz="4800" dirty="0"/>
-          </a:p>
-          <a:p>
-            <a:pPr marL="114300" indent="0" algn="ctr">
-              <a:buFont typeface="Arial"/>
-              <a:buNone/>
-            </a:pPr>
-            <a:r>
-              <a:rPr lang="en-US" sz="4800" dirty="0" err="1"/>
-              <a:t>sli.do</a:t>
-            </a:r>
-            <a:r>
-              <a:rPr lang="en-US" sz="4800" dirty="0"/>
-              <a:t>/10718</a:t>
-            </a:r>
-          </a:p>
-        </p:txBody>
-      </p:sp>
-    </p:spTree>
-    <p:extLst>
-      <p:ext uri="{BB962C8B-B14F-4D97-AF65-F5344CB8AC3E}">
-        <p14:creationId xmlns:p14="http://schemas.microsoft.com/office/powerpoint/2010/main" val="4066479944"/>
-      </p:ext>
-    </p:extLst>
-  </p:cSld>
-  <p:clrMapOvr>
-    <a:masterClrMapping/>
-  </p:clrMapOvr>
-</p:sld>
-</file>
-
-<file path=ppt/slides/slide30.xml><?xml version="1.0" encoding="utf-8"?>
+<file path=ppt/slides/slide34.xml><?xml version="1.0" encoding="utf-8"?>
 <p:sld xmlns:a="http://schemas.openxmlformats.org/drawingml/2006/main" xmlns:r="http://schemas.openxmlformats.org/officeDocument/2006/relationships" xmlns:p="http://schemas.openxmlformats.org/presentationml/2006/main">
   <p:cSld>
     <p:spTree>
@@ -25495,7 +27182,7 @@
 </p:sld>
 </file>
 
-<file path=ppt/slides/slide31.xml><?xml version="1.0" encoding="utf-8"?>
+<file path=ppt/slides/slide35.xml><?xml version="1.0" encoding="utf-8"?>
 <p:sld xmlns:a="http://schemas.openxmlformats.org/drawingml/2006/main" xmlns:r="http://schemas.openxmlformats.org/officeDocument/2006/relationships" xmlns:p="http://schemas.openxmlformats.org/presentationml/2006/main">
   <p:cSld>
     <p:spTree>
@@ -26634,7 +28321,7 @@
 </p:sld>
 </file>
 
-<file path=ppt/slides/slide32.xml><?xml version="1.0" encoding="utf-8"?>
+<file path=ppt/slides/slide36.xml><?xml version="1.0" encoding="utf-8"?>
 <p:sld xmlns:a="http://schemas.openxmlformats.org/drawingml/2006/main" xmlns:r="http://schemas.openxmlformats.org/officeDocument/2006/relationships" xmlns:p="http://schemas.openxmlformats.org/presentationml/2006/main">
   <p:cSld>
     <p:spTree>
@@ -28047,7 +29734,7 @@
 </p:sld>
 </file>
 
-<file path=ppt/slides/slide33.xml><?xml version="1.0" encoding="utf-8"?>
+<file path=ppt/slides/slide37.xml><?xml version="1.0" encoding="utf-8"?>
 <p:sld xmlns:a="http://schemas.openxmlformats.org/drawingml/2006/main" xmlns:r="http://schemas.openxmlformats.org/officeDocument/2006/relationships" xmlns:p="http://schemas.openxmlformats.org/presentationml/2006/main">
   <p:cSld>
     <p:spTree>
@@ -28868,7 +30555,7 @@
 </p:sld>
 </file>
 
-<file path=ppt/slides/slide34.xml><?xml version="1.0" encoding="utf-8"?>
+<file path=ppt/slides/slide38.xml><?xml version="1.0" encoding="utf-8"?>
 <p:sld xmlns:a="http://schemas.openxmlformats.org/drawingml/2006/main" xmlns:r="http://schemas.openxmlformats.org/officeDocument/2006/relationships" xmlns:p="http://schemas.openxmlformats.org/presentationml/2006/main">
   <p:cSld>
     <p:spTree>

--- a/Lectures/Lecture5-ModelSelection.pptx
+++ b/Lectures/Lecture5-ModelSelection.pptx
@@ -284,7 +284,7 @@
       <p15:sldGuideLst xmlns:p15="http://schemas.microsoft.com/office/powerpoint/2012/main"/>
     </p:ext>
     <p:ext uri="http://customooxmlschemas.google.com/">
-      <go:slidesCustomData xmlns="" xmlns:mc="http://schemas.openxmlformats.org/markup-compatibility/2006" xmlns:mv="urn:schemas-microsoft-com:mac:vml" xmlns:c="http://schemas.openxmlformats.org/drawingml/2006/chart" xmlns:dgm="http://schemas.openxmlformats.org/drawingml/2006/diagram" xmlns:o="urn:schemas-microsoft-com:office:office" xmlns:v="urn:schemas-microsoft-com:vml" xmlns:pvml="urn:schemas-microsoft-com:office:powerpoint" xmlns:com="http://schemas.openxmlformats.org/drawingml/2006/compatibility" xmlns:p14="http://schemas.microsoft.com/office/powerpoint/2010/main" xmlns:p15="http://schemas.microsoft.com/office/powerpoint/2012/main" xmlns:go="http://customooxmlschemas.google.com/" r:id="rId42" roundtripDataSignature="AMtx7mjFyVUGRZWio+dc9dxzYsimUxNJbg=="/>
+      <go:slidesCustomData xmlns:go="http://customooxmlschemas.google.com/" xmlns:p15="http://schemas.microsoft.com/office/powerpoint/2012/main" xmlns:p14="http://schemas.microsoft.com/office/powerpoint/2010/main" xmlns:com="http://schemas.openxmlformats.org/drawingml/2006/compatibility" xmlns:pvml="urn:schemas-microsoft-com:office:powerpoint" xmlns:v="urn:schemas-microsoft-com:vml" xmlns:o="urn:schemas-microsoft-com:office:office" xmlns:dgm="http://schemas.openxmlformats.org/drawingml/2006/diagram" xmlns:c="http://schemas.openxmlformats.org/drawingml/2006/chart" xmlns:mv="urn:schemas-microsoft-com:mac:vml" xmlns:mc="http://schemas.openxmlformats.org/markup-compatibility/2006" xmlns="" r:id="rId42" roundtripDataSignature="AMtx7mjFyVUGRZWio+dc9dxzYsimUxNJbg=="/>
     </p:ext>
   </p:extLst>
 </p:presentation>
@@ -7423,7 +7423,7 @@
           <a:p>
             <a:fld id="{7C0312F8-2DE2-6B40-83C5-731724CAE2B0}" type="datetimeFigureOut">
               <a:rPr lang="en-US" smtClean="0"/>
-              <a:t>9/20/22</a:t>
+              <a:t>9/10/23</a:t>
             </a:fld>
             <a:endParaRPr lang="en-US"/>
           </a:p>
@@ -7842,7 +7842,7 @@
           <a:p>
             <a:fld id="{7C0312F8-2DE2-6B40-83C5-731724CAE2B0}" type="datetimeFigureOut">
               <a:rPr lang="en-US" smtClean="0"/>
-              <a:t>9/20/22</a:t>
+              <a:t>9/10/23</a:t>
             </a:fld>
             <a:endParaRPr lang="en-US"/>
           </a:p>
@@ -7937,7 +7937,7 @@
           <a:p>
             <a:fld id="{7C0312F8-2DE2-6B40-83C5-731724CAE2B0}" type="datetimeFigureOut">
               <a:rPr lang="en-US" smtClean="0"/>
-              <a:t>9/20/22</a:t>
+              <a:t>9/10/23</a:t>
             </a:fld>
             <a:endParaRPr lang="en-US"/>
           </a:p>
@@ -10208,7 +10208,7 @@
           <a:p>
             <a:fld id="{7C0312F8-2DE2-6B40-83C5-731724CAE2B0}" type="datetimeFigureOut">
               <a:rPr lang="en-US" smtClean="0"/>
-              <a:t>9/20/22</a:t>
+              <a:t>9/10/23</a:t>
             </a:fld>
             <a:endParaRPr lang="en-US"/>
           </a:p>
@@ -11686,7 +11686,7 @@
           <a:p>
             <a:fld id="{7C0312F8-2DE2-6B40-83C5-731724CAE2B0}" type="datetimeFigureOut">
               <a:rPr lang="en-US" smtClean="0"/>
-              <a:t>9/20/22</a:t>
+              <a:t>9/10/23</a:t>
             </a:fld>
             <a:endParaRPr lang="en-US"/>
           </a:p>
@@ -12186,14 +12186,14 @@
               <a:buNone/>
             </a:pPr>
             <a:r>
-              <a:rPr lang="en-US" sz="2800">
+              <a:rPr lang="en-US" sz="2800" dirty="0">
                 <a:solidFill>
                   <a:srgbClr val="595959"/>
                 </a:solidFill>
               </a:rPr>
-              <a:t>Rayid Ghani and Kit Rodolfa</a:t>
+              <a:t>Rayid Ghani</a:t>
             </a:r>
-            <a:endParaRPr sz="2800">
+            <a:endParaRPr sz="2800" dirty="0">
               <a:solidFill>
                 <a:srgbClr val="595959"/>
               </a:solidFill>
@@ -13021,7 +13021,7 @@
             </a:pPr>
             <a:r>
               <a:rPr lang="en-US" dirty="0"/>
-              <a:t>1: We want to track news coverage of epidemic related topics. We have tagged a small corpus (n=1000) of news articles from Jan 2019 to September 2020 and now have a stream of new incoming articles every day. We want to deploy a system that tracks the intensity of coverage by media outlet going forward.</a:t>
+              <a:t>1: We want to track news coverage of epidemic related topics. We have tagged a small corpus (n=1000) of news articles from Jan 2019 to September 2020 and now have a stream of new incoming articles every day. We want to deploy a system that tracks the volume of coverage by media outlet going forward.</a:t>
             </a:r>
           </a:p>
           <a:p>
@@ -13155,7 +13155,7 @@
             </a:pPr>
             <a:r>
               <a:rPr lang="en-US" dirty="0"/>
-              <a:t>2: We want to track news coverage of epidemic related topics. We have tagged a small corpus (n=1000) of news articles from Jan 2019 to September 2020 and now have a stream of new incoming articles every day. We want to deploy a system that tracks intensity of coverage by media outlet over the last 2 years as well as going forward.</a:t>
+              <a:t>2: We want to track news coverage of epidemic related topics. We have tagged a small corpus (n=1000) of news articles from Jan 2019 to September 2020 and now have a stream of new incoming articles every day. We want to deploy a system that tracks volume of coverage by media outlet over the last 2 years as well as going forward.</a:t>
             </a:r>
           </a:p>
           <a:p>

--- a/Lectures/Lecture5-ModelSelection.pptx
+++ b/Lectures/Lecture5-ModelSelection.pptx
@@ -284,7 +284,7 @@
       <p15:sldGuideLst xmlns:p15="http://schemas.microsoft.com/office/powerpoint/2012/main"/>
     </p:ext>
     <p:ext uri="http://customooxmlschemas.google.com/">
-      <go:slidesCustomData xmlns:go="http://customooxmlschemas.google.com/" xmlns:p15="http://schemas.microsoft.com/office/powerpoint/2012/main" xmlns:p14="http://schemas.microsoft.com/office/powerpoint/2010/main" xmlns:com="http://schemas.openxmlformats.org/drawingml/2006/compatibility" xmlns:pvml="urn:schemas-microsoft-com:office:powerpoint" xmlns:v="urn:schemas-microsoft-com:vml" xmlns:o="urn:schemas-microsoft-com:office:office" xmlns:dgm="http://schemas.openxmlformats.org/drawingml/2006/diagram" xmlns:c="http://schemas.openxmlformats.org/drawingml/2006/chart" xmlns:mv="urn:schemas-microsoft-com:mac:vml" xmlns:mc="http://schemas.openxmlformats.org/markup-compatibility/2006" xmlns="" r:id="rId42" roundtripDataSignature="AMtx7mjFyVUGRZWio+dc9dxzYsimUxNJbg=="/>
+      <go:slidesCustomData xmlns="" xmlns:mc="http://schemas.openxmlformats.org/markup-compatibility/2006" xmlns:mv="urn:schemas-microsoft-com:mac:vml" xmlns:c="http://schemas.openxmlformats.org/drawingml/2006/chart" xmlns:dgm="http://schemas.openxmlformats.org/drawingml/2006/diagram" xmlns:o="urn:schemas-microsoft-com:office:office" xmlns:v="urn:schemas-microsoft-com:vml" xmlns:pvml="urn:schemas-microsoft-com:office:powerpoint" xmlns:com="http://schemas.openxmlformats.org/drawingml/2006/compatibility" xmlns:p14="http://schemas.microsoft.com/office/powerpoint/2010/main" xmlns:p15="http://schemas.microsoft.com/office/powerpoint/2012/main" xmlns:go="http://customooxmlschemas.google.com/" r:id="rId42" roundtripDataSignature="AMtx7mjFyVUGRZWio+dc9dxzYsimUxNJbg=="/>
     </p:ext>
   </p:extLst>
 </p:presentation>
@@ -7423,7 +7423,7 @@
           <a:p>
             <a:fld id="{7C0312F8-2DE2-6B40-83C5-731724CAE2B0}" type="datetimeFigureOut">
               <a:rPr lang="en-US" smtClean="0"/>
-              <a:t>9/10/23</a:t>
+              <a:t>9/12/23</a:t>
             </a:fld>
             <a:endParaRPr lang="en-US"/>
           </a:p>
@@ -7842,7 +7842,7 @@
           <a:p>
             <a:fld id="{7C0312F8-2DE2-6B40-83C5-731724CAE2B0}" type="datetimeFigureOut">
               <a:rPr lang="en-US" smtClean="0"/>
-              <a:t>9/10/23</a:t>
+              <a:t>9/12/23</a:t>
             </a:fld>
             <a:endParaRPr lang="en-US"/>
           </a:p>
@@ -7937,7 +7937,7 @@
           <a:p>
             <a:fld id="{7C0312F8-2DE2-6B40-83C5-731724CAE2B0}" type="datetimeFigureOut">
               <a:rPr lang="en-US" smtClean="0"/>
-              <a:t>9/10/23</a:t>
+              <a:t>9/12/23</a:t>
             </a:fld>
             <a:endParaRPr lang="en-US"/>
           </a:p>
@@ -10208,7 +10208,7 @@
           <a:p>
             <a:fld id="{7C0312F8-2DE2-6B40-83C5-731724CAE2B0}" type="datetimeFigureOut">
               <a:rPr lang="en-US" smtClean="0"/>
-              <a:t>9/10/23</a:t>
+              <a:t>9/12/23</a:t>
             </a:fld>
             <a:endParaRPr lang="en-US"/>
           </a:p>
@@ -11686,7 +11686,7 @@
           <a:p>
             <a:fld id="{7C0312F8-2DE2-6B40-83C5-731724CAE2B0}" type="datetimeFigureOut">
               <a:rPr lang="en-US" smtClean="0"/>
-              <a:t>9/10/23</a:t>
+              <a:t>9/12/23</a:t>
             </a:fld>
             <a:endParaRPr lang="en-US"/>
           </a:p>
@@ -13448,7 +13448,7 @@
             <a:pPr lvl="1"/>
             <a:r>
               <a:rPr lang="en-US" sz="2000" dirty="0"/>
-              <a:t>Also see feedback in update 1 slides</a:t>
+              <a:t>Also see feedback in update 1 slides (in the next couple of days)</a:t>
             </a:r>
             <a:br>
               <a:rPr lang="en-US" dirty="0"/>
@@ -13464,12 +13464,6 @@
               <a:rPr lang="en-US" dirty="0"/>
             </a:br>
             <a:endParaRPr lang="en-US" dirty="0"/>
-          </a:p>
-          <a:p>
-            <a:r>
-              <a:rPr lang="en-US" dirty="0"/>
-              <a:t>Note: all readings for next week are optional</a:t>
-            </a:r>
           </a:p>
         </p:txBody>
       </p:sp>
@@ -14176,7 +14170,7 @@
             </a:pPr>
             <a:r>
               <a:rPr lang="en-US" sz="3200" dirty="0"/>
-              <a:t>Gap between training/validation pairs</a:t>
+              <a:t>“Gap” between training/validation pairs</a:t>
             </a:r>
           </a:p>
           <a:p>
@@ -31445,7 +31439,19 @@
           <a:bodyPr/>
           <a:lstStyle/>
           <a:p>
-            <a:endParaRPr lang="en-US"/>
+            <a:r>
+              <a:rPr lang="en-US" dirty="0"/>
+              <a:t>Ideally they give fine-grained ranks rather than large categories/groups to make it easier to rank and calculate top k metrics</a:t>
+            </a:r>
+          </a:p>
+          <a:p>
+            <a:endParaRPr lang="en-US" dirty="0"/>
+          </a:p>
+          <a:p>
+            <a:endParaRPr lang="en-US" dirty="0"/>
+          </a:p>
+          <a:p>
+            <a:endParaRPr lang="en-US" dirty="0"/>
           </a:p>
         </p:txBody>
       </p:sp>

--- a/Lectures/Lecture5-ModelSelection.pptx
+++ b/Lectures/Lecture5-ModelSelection.pptx
@@ -12129,7 +12129,7 @@
                   <a:schemeClr val="dk1"/>
                 </a:solidFill>
               </a:rPr>
-              <a:t>Model Selection (and Validation)</a:t>
+              <a:t>Model Selection (and “Validation”)</a:t>
             </a:r>
             <a:endParaRPr sz="3200" dirty="0"/>
           </a:p>
